--- a/Slides/Baseball 1/Baseball_1_Lecture.pptx
+++ b/Slides/Baseball 1/Baseball_1_Lecture.pptx
@@ -5,7 +5,7 @@
     <p:sldMasterId id="2147483648" r:id="rId1"/>
   </p:sldMasterIdLst>
   <p:notesMasterIdLst>
-    <p:notesMasterId r:id="rId16"/>
+    <p:notesMasterId r:id="rId19"/>
   </p:notesMasterIdLst>
   <p:sldIdLst>
     <p:sldId id="298" r:id="rId2"/>
@@ -21,7 +21,10 @@
     <p:sldId id="309" r:id="rId12"/>
     <p:sldId id="310" r:id="rId13"/>
     <p:sldId id="311" r:id="rId14"/>
-    <p:sldId id="281" r:id="rId15"/>
+    <p:sldId id="312" r:id="rId15"/>
+    <p:sldId id="313" r:id="rId16"/>
+    <p:sldId id="314" r:id="rId17"/>
+    <p:sldId id="281" r:id="rId18"/>
   </p:sldIdLst>
   <p:sldSz cx="12192000" cy="6858000"/>
   <p:notesSz cx="6858000" cy="9144000"/>
@@ -210,7 +213,7 @@
           <a:p>
             <a:fld id="{C04E5E84-956F-4423-97B3-5936A6D8EEEE}" type="datetimeFigureOut">
               <a:rPr lang="en-US" smtClean="0"/>
-              <a:t>9/2/2019</a:t>
+              <a:t>9/3/2019</a:t>
             </a:fld>
             <a:endParaRPr lang="en-US"/>
           </a:p>
@@ -708,7 +711,7 @@
           <a:p>
             <a:fld id="{3881C039-66A3-4640-815B-3B5A8B7D868D}" type="datetimeFigureOut">
               <a:rPr lang="en-US" smtClean="0"/>
-              <a:t>9/2/2019</a:t>
+              <a:t>9/3/2019</a:t>
             </a:fld>
             <a:endParaRPr lang="en-US"/>
           </a:p>
@@ -906,7 +909,7 @@
           <a:p>
             <a:fld id="{3881C039-66A3-4640-815B-3B5A8B7D868D}" type="datetimeFigureOut">
               <a:rPr lang="en-US" smtClean="0"/>
-              <a:t>9/2/2019</a:t>
+              <a:t>9/3/2019</a:t>
             </a:fld>
             <a:endParaRPr lang="en-US"/>
           </a:p>
@@ -1114,7 +1117,7 @@
           <a:p>
             <a:fld id="{3881C039-66A3-4640-815B-3B5A8B7D868D}" type="datetimeFigureOut">
               <a:rPr lang="en-US" smtClean="0"/>
-              <a:t>9/2/2019</a:t>
+              <a:t>9/3/2019</a:t>
             </a:fld>
             <a:endParaRPr lang="en-US"/>
           </a:p>
@@ -1312,7 +1315,7 @@
           <a:p>
             <a:fld id="{3881C039-66A3-4640-815B-3B5A8B7D868D}" type="datetimeFigureOut">
               <a:rPr lang="en-US" smtClean="0"/>
-              <a:t>9/2/2019</a:t>
+              <a:t>9/3/2019</a:t>
             </a:fld>
             <a:endParaRPr lang="en-US"/>
           </a:p>
@@ -1587,7 +1590,7 @@
           <a:p>
             <a:fld id="{3881C039-66A3-4640-815B-3B5A8B7D868D}" type="datetimeFigureOut">
               <a:rPr lang="en-US" smtClean="0"/>
-              <a:t>9/2/2019</a:t>
+              <a:t>9/3/2019</a:t>
             </a:fld>
             <a:endParaRPr lang="en-US"/>
           </a:p>
@@ -1852,7 +1855,7 @@
           <a:p>
             <a:fld id="{3881C039-66A3-4640-815B-3B5A8B7D868D}" type="datetimeFigureOut">
               <a:rPr lang="en-US" smtClean="0"/>
-              <a:t>9/2/2019</a:t>
+              <a:t>9/3/2019</a:t>
             </a:fld>
             <a:endParaRPr lang="en-US"/>
           </a:p>
@@ -2264,7 +2267,7 @@
           <a:p>
             <a:fld id="{3881C039-66A3-4640-815B-3B5A8B7D868D}" type="datetimeFigureOut">
               <a:rPr lang="en-US" smtClean="0"/>
-              <a:t>9/2/2019</a:t>
+              <a:t>9/3/2019</a:t>
             </a:fld>
             <a:endParaRPr lang="en-US"/>
           </a:p>
@@ -2405,7 +2408,7 @@
           <a:p>
             <a:fld id="{3881C039-66A3-4640-815B-3B5A8B7D868D}" type="datetimeFigureOut">
               <a:rPr lang="en-US" smtClean="0"/>
-              <a:t>9/2/2019</a:t>
+              <a:t>9/3/2019</a:t>
             </a:fld>
             <a:endParaRPr lang="en-US"/>
           </a:p>
@@ -2518,7 +2521,7 @@
           <a:p>
             <a:fld id="{3881C039-66A3-4640-815B-3B5A8B7D868D}" type="datetimeFigureOut">
               <a:rPr lang="en-US" smtClean="0"/>
-              <a:t>9/2/2019</a:t>
+              <a:t>9/3/2019</a:t>
             </a:fld>
             <a:endParaRPr lang="en-US"/>
           </a:p>
@@ -2829,7 +2832,7 @@
           <a:p>
             <a:fld id="{3881C039-66A3-4640-815B-3B5A8B7D868D}" type="datetimeFigureOut">
               <a:rPr lang="en-US" smtClean="0"/>
-              <a:t>9/2/2019</a:t>
+              <a:t>9/3/2019</a:t>
             </a:fld>
             <a:endParaRPr lang="en-US"/>
           </a:p>
@@ -3117,7 +3120,7 @@
           <a:p>
             <a:fld id="{3881C039-66A3-4640-815B-3B5A8B7D868D}" type="datetimeFigureOut">
               <a:rPr lang="en-US" smtClean="0"/>
-              <a:t>9/2/2019</a:t>
+              <a:t>9/3/2019</a:t>
             </a:fld>
             <a:endParaRPr lang="en-US"/>
           </a:p>
@@ -3361,7 +3364,7 @@
           <a:p>
             <a:fld id="{3881C039-66A3-4640-815B-3B5A8B7D868D}" type="datetimeFigureOut">
               <a:rPr lang="en-US" smtClean="0"/>
-              <a:t>9/2/2019</a:t>
+              <a:t>9/3/2019</a:t>
             </a:fld>
             <a:endParaRPr lang="en-US"/>
           </a:p>
@@ -4774,8 +4777,8 @@
           </a:p>
         </p:txBody>
       </p:sp>
-      <mc:AlternateContent xmlns:mc="http://schemas.openxmlformats.org/markup-compatibility/2006">
-        <mc:Choice xmlns:a14="http://schemas.microsoft.com/office/drawing/2010/main" Requires="a14">
+      <mc:AlternateContent xmlns:mc="http://schemas.openxmlformats.org/markup-compatibility/2006" xmlns:a14="http://schemas.microsoft.com/office/drawing/2010/main">
+        <mc:Choice Requires="a14">
           <p:sp>
             <p:nvSpPr>
               <p:cNvPr id="18" name="TextBox 17">
@@ -4804,6 +4807,7 @@
               </a:bodyPr>
               <a:lstStyle/>
               <a:p>
+                <a:pPr/>
                 <a14:m>
                   <m:oMathPara xmlns:m="http://schemas.openxmlformats.org/officeDocument/2006/math">
                     <m:oMathParaPr>
@@ -4892,7 +4896,7 @@
             </p:txBody>
           </p:sp>
         </mc:Choice>
-        <mc:Fallback>
+        <mc:Fallback xmlns="">
           <p:sp>
             <p:nvSpPr>
               <p:cNvPr id="18" name="TextBox 17">
@@ -4937,8 +4941,8 @@
           </p:sp>
         </mc:Fallback>
       </mc:AlternateContent>
-      <mc:AlternateContent xmlns:mc="http://schemas.openxmlformats.org/markup-compatibility/2006">
-        <mc:Choice xmlns:a14="http://schemas.microsoft.com/office/drawing/2010/main" Requires="a14">
+      <mc:AlternateContent xmlns:mc="http://schemas.openxmlformats.org/markup-compatibility/2006" xmlns:a14="http://schemas.microsoft.com/office/drawing/2010/main">
+        <mc:Choice Requires="a14">
           <p:sp>
             <p:nvSpPr>
               <p:cNvPr id="2" name="Rectangle 1">
@@ -5056,7 +5060,7 @@
             </p:txBody>
           </p:sp>
         </mc:Choice>
-        <mc:Fallback>
+        <mc:Fallback xmlns="">
           <p:sp>
             <p:nvSpPr>
               <p:cNvPr id="2" name="Rectangle 1">
@@ -5101,8 +5105,8 @@
           </p:sp>
         </mc:Fallback>
       </mc:AlternateContent>
-      <mc:AlternateContent xmlns:mc="http://schemas.openxmlformats.org/markup-compatibility/2006">
-        <mc:Choice xmlns:a14="http://schemas.microsoft.com/office/drawing/2010/main" Requires="a14">
+      <mc:AlternateContent xmlns:mc="http://schemas.openxmlformats.org/markup-compatibility/2006" xmlns:a14="http://schemas.microsoft.com/office/drawing/2010/main">
+        <mc:Choice Requires="a14">
           <p:sp>
             <p:nvSpPr>
               <p:cNvPr id="19" name="Rectangle 18">
@@ -5238,7 +5242,7 @@
             </p:txBody>
           </p:sp>
         </mc:Choice>
-        <mc:Fallback>
+        <mc:Fallback xmlns="">
           <p:sp>
             <p:nvSpPr>
               <p:cNvPr id="19" name="Rectangle 18">
@@ -5283,8 +5287,8 @@
           </p:sp>
         </mc:Fallback>
       </mc:AlternateContent>
-      <mc:AlternateContent xmlns:mc="http://schemas.openxmlformats.org/markup-compatibility/2006">
-        <mc:Choice xmlns:a14="http://schemas.microsoft.com/office/drawing/2010/main" Requires="a14">
+      <mc:AlternateContent xmlns:mc="http://schemas.openxmlformats.org/markup-compatibility/2006" xmlns:a14="http://schemas.microsoft.com/office/drawing/2010/main">
+        <mc:Choice Requires="a14">
           <p:sp>
             <p:nvSpPr>
               <p:cNvPr id="20" name="Rectangle 19">
@@ -5514,7 +5518,7 @@
             </p:txBody>
           </p:sp>
         </mc:Choice>
-        <mc:Fallback>
+        <mc:Fallback xmlns="">
           <p:sp>
             <p:nvSpPr>
               <p:cNvPr id="20" name="Rectangle 19">
@@ -6841,8 +6845,8 @@
           </a:p>
         </p:txBody>
       </p:sp>
-      <mc:AlternateContent xmlns:mc="http://schemas.openxmlformats.org/markup-compatibility/2006">
-        <mc:Choice xmlns:a14="http://schemas.microsoft.com/office/drawing/2010/main" Requires="a14">
+      <mc:AlternateContent xmlns:mc="http://schemas.openxmlformats.org/markup-compatibility/2006" xmlns:a14="http://schemas.microsoft.com/office/drawing/2010/main">
+        <mc:Choice Requires="a14">
           <p:sp>
             <p:nvSpPr>
               <p:cNvPr id="15" name="TextBox 14">
@@ -6871,6 +6875,7 @@
               </a:bodyPr>
               <a:lstStyle/>
               <a:p>
+                <a:pPr/>
                 <a14:m>
                   <m:oMathPara xmlns:m="http://schemas.openxmlformats.org/officeDocument/2006/math">
                     <m:oMathParaPr>
@@ -6995,7 +7000,7 @@
             </p:txBody>
           </p:sp>
         </mc:Choice>
-        <mc:Fallback>
+        <mc:Fallback xmlns="">
           <p:sp>
             <p:nvSpPr>
               <p:cNvPr id="15" name="TextBox 14">
@@ -7040,8 +7045,8 @@
           </p:sp>
         </mc:Fallback>
       </mc:AlternateContent>
-      <mc:AlternateContent xmlns:mc="http://schemas.openxmlformats.org/markup-compatibility/2006">
-        <mc:Choice xmlns:a14="http://schemas.microsoft.com/office/drawing/2010/main" Requires="a14">
+      <mc:AlternateContent xmlns:mc="http://schemas.openxmlformats.org/markup-compatibility/2006" xmlns:a14="http://schemas.microsoft.com/office/drawing/2010/main">
+        <mc:Choice Requires="a14">
           <p:sp>
             <p:nvSpPr>
               <p:cNvPr id="3" name="Rectangle 2">
@@ -7177,7 +7182,7 @@
             </p:txBody>
           </p:sp>
         </mc:Choice>
-        <mc:Fallback>
+        <mc:Fallback xmlns="">
           <p:sp>
             <p:nvSpPr>
               <p:cNvPr id="3" name="Rectangle 2">
@@ -7886,6 +7891,4478 @@
 </file>
 
 <file path=ppt/slides/slide14.xml><?xml version="1.0" encoding="utf-8"?>
+<p:sld xmlns:a="http://schemas.openxmlformats.org/drawingml/2006/main" xmlns:r="http://schemas.openxmlformats.org/officeDocument/2006/relationships" xmlns:p="http://schemas.openxmlformats.org/presentationml/2006/main">
+  <p:cSld>
+    <p:bg>
+      <p:bgPr>
+        <a:solidFill>
+          <a:schemeClr val="bg1"/>
+        </a:solidFill>
+        <a:effectLst/>
+      </p:bgPr>
+    </p:bg>
+    <p:spTree>
+      <p:nvGrpSpPr>
+        <p:cNvPr id="1" name=""/>
+        <p:cNvGrpSpPr/>
+        <p:nvPr/>
+      </p:nvGrpSpPr>
+      <p:grpSpPr>
+        <a:xfrm>
+          <a:off x="0" y="0"/>
+          <a:ext cx="0" cy="0"/>
+          <a:chOff x="0" y="0"/>
+          <a:chExt cx="0" cy="0"/>
+        </a:xfrm>
+      </p:grpSpPr>
+      <p:sp>
+        <p:nvSpPr>
+          <p:cNvPr id="17" name="Rectangle 16">
+            <a:extLst>
+              <a:ext uri="{FF2B5EF4-FFF2-40B4-BE49-F238E27FC236}">
+                <a16:creationId xmlns:a16="http://schemas.microsoft.com/office/drawing/2014/main" id="{0A8FE870-A334-4DE1-84A7-AB191ED10D63}"/>
+              </a:ext>
+            </a:extLst>
+          </p:cNvPr>
+          <p:cNvSpPr/>
+          <p:nvPr/>
+        </p:nvSpPr>
+        <p:spPr>
+          <a:xfrm>
+            <a:off x="0" y="-52157"/>
+            <a:ext cx="12192000" cy="6910157"/>
+          </a:xfrm>
+          <a:prstGeom prst="rect">
+            <a:avLst/>
+          </a:prstGeom>
+          <a:solidFill>
+            <a:srgbClr val="395583"/>
+          </a:solidFill>
+        </p:spPr>
+        <p:style>
+          <a:lnRef idx="2">
+            <a:schemeClr val="accent1">
+              <a:shade val="50000"/>
+            </a:schemeClr>
+          </a:lnRef>
+          <a:fillRef idx="1">
+            <a:schemeClr val="accent1"/>
+          </a:fillRef>
+          <a:effectRef idx="0">
+            <a:schemeClr val="accent1"/>
+          </a:effectRef>
+          <a:fontRef idx="minor">
+            <a:schemeClr val="lt1"/>
+          </a:fontRef>
+        </p:style>
+        <p:txBody>
+          <a:bodyPr rtlCol="0" anchor="ctr"/>
+          <a:lstStyle/>
+          <a:p>
+            <a:pPr algn="ctr"/>
+            <a:endParaRPr lang="en-US"/>
+          </a:p>
+        </p:txBody>
+      </p:sp>
+      <p:pic>
+        <p:nvPicPr>
+          <p:cNvPr id="8" name="Picture 7" descr="A close up of a toy&#10;&#10;Description automatically generated">
+            <a:extLst>
+              <a:ext uri="{FF2B5EF4-FFF2-40B4-BE49-F238E27FC236}">
+                <a16:creationId xmlns:a16="http://schemas.microsoft.com/office/drawing/2014/main" id="{131D5527-B848-4F84-9601-62DB93565332}"/>
+              </a:ext>
+            </a:extLst>
+          </p:cNvPr>
+          <p:cNvPicPr>
+            <a:picLocks noChangeAspect="1"/>
+          </p:cNvPicPr>
+          <p:nvPr/>
+        </p:nvPicPr>
+        <p:blipFill rotWithShape="1">
+          <a:blip r:embed="rId2">
+            <a:extLst>
+              <a:ext uri="{28A0092B-C50C-407E-A947-70E740481C1C}">
+                <a14:useLocalDpi xmlns:a14="http://schemas.microsoft.com/office/drawing/2010/main" val="0"/>
+              </a:ext>
+            </a:extLst>
+          </a:blip>
+          <a:srcRect l="6238" r="10796"/>
+          <a:stretch/>
+        </p:blipFill>
+        <p:spPr>
+          <a:xfrm>
+            <a:off x="0" y="-52157"/>
+            <a:ext cx="2684015" cy="3969421"/>
+          </a:xfrm>
+          <a:prstGeom prst="rect">
+            <a:avLst/>
+          </a:prstGeom>
+        </p:spPr>
+      </p:pic>
+      <p:sp>
+        <p:nvSpPr>
+          <p:cNvPr id="33" name="Rectangle 32">
+            <a:extLst>
+              <a:ext uri="{FF2B5EF4-FFF2-40B4-BE49-F238E27FC236}">
+                <a16:creationId xmlns:a16="http://schemas.microsoft.com/office/drawing/2014/main" id="{6F93929A-DE1C-47C4-AF97-F99DB104E96F}"/>
+              </a:ext>
+            </a:extLst>
+          </p:cNvPr>
+          <p:cNvSpPr/>
+          <p:nvPr/>
+        </p:nvSpPr>
+        <p:spPr>
+          <a:xfrm rot="16200000">
+            <a:off x="782431" y="1849427"/>
+            <a:ext cx="3969421" cy="166254"/>
+          </a:xfrm>
+          <a:prstGeom prst="rect">
+            <a:avLst/>
+          </a:prstGeom>
+          <a:solidFill>
+            <a:schemeClr val="tx1"/>
+          </a:solidFill>
+          <a:ln>
+            <a:noFill/>
+          </a:ln>
+        </p:spPr>
+        <p:style>
+          <a:lnRef idx="2">
+            <a:schemeClr val="accent1">
+              <a:shade val="50000"/>
+            </a:schemeClr>
+          </a:lnRef>
+          <a:fillRef idx="1">
+            <a:schemeClr val="accent1"/>
+          </a:fillRef>
+          <a:effectRef idx="0">
+            <a:schemeClr val="accent1"/>
+          </a:effectRef>
+          <a:fontRef idx="minor">
+            <a:schemeClr val="lt1"/>
+          </a:fontRef>
+        </p:style>
+        <p:txBody>
+          <a:bodyPr rtlCol="0" anchor="ctr"/>
+          <a:lstStyle/>
+          <a:p>
+            <a:pPr algn="ctr"/>
+            <a:endParaRPr lang="en-US" dirty="0">
+              <a:solidFill>
+                <a:srgbClr val="DB5B5C"/>
+              </a:solidFill>
+            </a:endParaRPr>
+          </a:p>
+        </p:txBody>
+      </p:sp>
+      <p:sp>
+        <p:nvSpPr>
+          <p:cNvPr id="35" name="Rectangle 34">
+            <a:extLst>
+              <a:ext uri="{FF2B5EF4-FFF2-40B4-BE49-F238E27FC236}">
+                <a16:creationId xmlns:a16="http://schemas.microsoft.com/office/drawing/2014/main" id="{259A39E4-556F-4581-82A2-C6B68A8147A4}"/>
+              </a:ext>
+            </a:extLst>
+          </p:cNvPr>
+          <p:cNvSpPr/>
+          <p:nvPr/>
+        </p:nvSpPr>
+        <p:spPr>
+          <a:xfrm rot="10800000">
+            <a:off x="-2" y="3756674"/>
+            <a:ext cx="2850269" cy="3101326"/>
+          </a:xfrm>
+          <a:prstGeom prst="rect">
+            <a:avLst/>
+          </a:prstGeom>
+          <a:solidFill>
+            <a:schemeClr val="tx1"/>
+          </a:solidFill>
+          <a:ln>
+            <a:noFill/>
+          </a:ln>
+        </p:spPr>
+        <p:style>
+          <a:lnRef idx="2">
+            <a:schemeClr val="accent1">
+              <a:shade val="50000"/>
+            </a:schemeClr>
+          </a:lnRef>
+          <a:fillRef idx="1">
+            <a:schemeClr val="accent1"/>
+          </a:fillRef>
+          <a:effectRef idx="0">
+            <a:schemeClr val="accent1"/>
+          </a:effectRef>
+          <a:fontRef idx="minor">
+            <a:schemeClr val="lt1"/>
+          </a:fontRef>
+        </p:style>
+        <p:txBody>
+          <a:bodyPr rtlCol="0" anchor="ctr"/>
+          <a:lstStyle/>
+          <a:p>
+            <a:pPr algn="ctr"/>
+            <a:endParaRPr lang="en-US" dirty="0">
+              <a:solidFill>
+                <a:srgbClr val="DB5B5C"/>
+              </a:solidFill>
+            </a:endParaRPr>
+          </a:p>
+        </p:txBody>
+      </p:sp>
+      <p:sp>
+        <p:nvSpPr>
+          <p:cNvPr id="23" name="Subtitle 22">
+            <a:extLst>
+              <a:ext uri="{FF2B5EF4-FFF2-40B4-BE49-F238E27FC236}">
+                <a16:creationId xmlns:a16="http://schemas.microsoft.com/office/drawing/2014/main" id="{1E5D6413-9C6F-483D-BE52-F3BBB1E74630}"/>
+              </a:ext>
+            </a:extLst>
+          </p:cNvPr>
+          <p:cNvSpPr>
+            <a:spLocks noGrp="1"/>
+          </p:cNvSpPr>
+          <p:nvPr>
+            <p:ph type="subTitle" idx="1"/>
+          </p:nvPr>
+        </p:nvSpPr>
+        <p:spPr>
+          <a:xfrm>
+            <a:off x="3007491" y="137620"/>
+            <a:ext cx="9341732" cy="1684867"/>
+          </a:xfrm>
+        </p:spPr>
+        <p:txBody>
+          <a:bodyPr>
+            <a:normAutofit/>
+          </a:bodyPr>
+          <a:lstStyle/>
+          <a:p>
+            <a:pPr algn="l"/>
+            <a:r>
+              <a:rPr lang="en-US" sz="4400" dirty="0">
+                <a:solidFill>
+                  <a:schemeClr val="bg1"/>
+                </a:solidFill>
+                <a:latin typeface="Selawik Semibold" panose="020B0702040204020203" pitchFamily="34" charset="0"/>
+              </a:rPr>
+              <a:t>Pythagorean Theorem</a:t>
+            </a:r>
+          </a:p>
+        </p:txBody>
+      </p:sp>
+      <p:pic>
+        <p:nvPicPr>
+          <p:cNvPr id="16" name="Picture 15" descr="A close up of a toy&#10;&#10;Description automatically generated">
+            <a:extLst>
+              <a:ext uri="{FF2B5EF4-FFF2-40B4-BE49-F238E27FC236}">
+                <a16:creationId xmlns:a16="http://schemas.microsoft.com/office/drawing/2014/main" id="{94C75949-F15C-4E05-810D-EF40FCE89107}"/>
+              </a:ext>
+            </a:extLst>
+          </p:cNvPr>
+          <p:cNvPicPr>
+            <a:picLocks noChangeAspect="1"/>
+          </p:cNvPicPr>
+          <p:nvPr/>
+        </p:nvPicPr>
+        <p:blipFill>
+          <a:blip r:embed="rId3">
+            <a:extLst>
+              <a:ext uri="{28A0092B-C50C-407E-A947-70E740481C1C}">
+                <a14:useLocalDpi xmlns:a14="http://schemas.microsoft.com/office/drawing/2010/main" val="0"/>
+              </a:ext>
+            </a:extLst>
+          </a:blip>
+          <a:stretch>
+            <a:fillRect/>
+          </a:stretch>
+        </p:blipFill>
+        <p:spPr>
+          <a:xfrm>
+            <a:off x="417789" y="4380288"/>
+            <a:ext cx="2014687" cy="2014687"/>
+          </a:xfrm>
+          <a:prstGeom prst="ellipse">
+            <a:avLst/>
+          </a:prstGeom>
+          <a:ln w="63500" cap="rnd">
+            <a:solidFill>
+              <a:srgbClr val="333333"/>
+            </a:solidFill>
+          </a:ln>
+          <a:effectLst>
+            <a:outerShdw blurRad="381000" dist="292100" dir="5400000" sx="-80000" sy="-18000" rotWithShape="0">
+              <a:srgbClr val="000000">
+                <a:alpha val="22000"/>
+              </a:srgbClr>
+            </a:outerShdw>
+          </a:effectLst>
+          <a:scene3d>
+            <a:camera prst="orthographicFront"/>
+            <a:lightRig rig="contrasting" dir="t">
+              <a:rot lat="0" lon="0" rev="3000000"/>
+            </a:lightRig>
+          </a:scene3d>
+          <a:sp3d contourW="7620">
+            <a:bevelT w="95250" h="31750"/>
+            <a:contourClr>
+              <a:srgbClr val="333333"/>
+            </a:contourClr>
+          </a:sp3d>
+        </p:spPr>
+      </p:pic>
+      <p:sp>
+        <p:nvSpPr>
+          <p:cNvPr id="38" name="Rectangle 37">
+            <a:extLst>
+              <a:ext uri="{FF2B5EF4-FFF2-40B4-BE49-F238E27FC236}">
+                <a16:creationId xmlns:a16="http://schemas.microsoft.com/office/drawing/2014/main" id="{28B1909D-4141-4FB1-8633-83F335349C97}"/>
+              </a:ext>
+            </a:extLst>
+          </p:cNvPr>
+          <p:cNvSpPr/>
+          <p:nvPr/>
+        </p:nvSpPr>
+        <p:spPr>
+          <a:xfrm rot="10800000">
+            <a:off x="3007493" y="844062"/>
+            <a:ext cx="9027282" cy="137067"/>
+          </a:xfrm>
+          <a:prstGeom prst="rect">
+            <a:avLst/>
+          </a:prstGeom>
+          <a:solidFill>
+            <a:schemeClr val="tx1"/>
+          </a:solidFill>
+          <a:ln>
+            <a:noFill/>
+          </a:ln>
+        </p:spPr>
+        <p:style>
+          <a:lnRef idx="2">
+            <a:schemeClr val="accent1">
+              <a:shade val="50000"/>
+            </a:schemeClr>
+          </a:lnRef>
+          <a:fillRef idx="1">
+            <a:schemeClr val="accent1"/>
+          </a:fillRef>
+          <a:effectRef idx="0">
+            <a:schemeClr val="accent1"/>
+          </a:effectRef>
+          <a:fontRef idx="minor">
+            <a:schemeClr val="lt1"/>
+          </a:fontRef>
+        </p:style>
+        <p:txBody>
+          <a:bodyPr rtlCol="0" anchor="ctr"/>
+          <a:lstStyle/>
+          <a:p>
+            <a:pPr algn="ctr"/>
+            <a:endParaRPr lang="en-US" dirty="0">
+              <a:solidFill>
+                <a:srgbClr val="DB5B5C"/>
+              </a:solidFill>
+            </a:endParaRPr>
+          </a:p>
+        </p:txBody>
+      </p:sp>
+      <mc:AlternateContent xmlns:mc="http://schemas.openxmlformats.org/markup-compatibility/2006">
+        <mc:Choice xmlns:a14="http://schemas.microsoft.com/office/drawing/2010/main" Requires="a14">
+          <p:sp>
+            <p:nvSpPr>
+              <p:cNvPr id="10" name="TextBox 9">
+                <a:extLst>
+                  <a:ext uri="{FF2B5EF4-FFF2-40B4-BE49-F238E27FC236}">
+                    <a16:creationId xmlns:a16="http://schemas.microsoft.com/office/drawing/2014/main" id="{8A07C2CC-416F-4D29-84CF-D1F8B766EE5F}"/>
+                  </a:ext>
+                </a:extLst>
+              </p:cNvPr>
+              <p:cNvSpPr txBox="1"/>
+              <p:nvPr/>
+            </p:nvSpPr>
+            <p:spPr>
+              <a:xfrm>
+                <a:off x="3080083" y="1520792"/>
+                <a:ext cx="6427903" cy="5755422"/>
+              </a:xfrm>
+              <a:prstGeom prst="rect">
+                <a:avLst/>
+              </a:prstGeom>
+              <a:noFill/>
+            </p:spPr>
+            <p:txBody>
+              <a:bodyPr wrap="square" rtlCol="0">
+                <a:spAutoFit/>
+              </a:bodyPr>
+              <a:lstStyle/>
+              <a:p>
+                <a:pPr marL="342900" indent="-342900">
+                  <a:buFont typeface="Arial" panose="020B0604020202020204" pitchFamily="34" charset="0"/>
+                  <a:buChar char="•"/>
+                </a:pPr>
+                <a:r>
+                  <a:rPr lang="en-US" sz="2400" dirty="0">
+                    <a:solidFill>
+                      <a:schemeClr val="bg1"/>
+                    </a:solidFill>
+                    <a:latin typeface="Selawik Semibold" panose="020B0702040204020203" pitchFamily="34" charset="0"/>
+                  </a:rPr>
+                  <a:t>Classic Pythagorean Theorem</a:t>
+                </a:r>
+              </a:p>
+              <a:p>
+                <a:pPr marL="800100" lvl="1" indent="-342900">
+                  <a:buFont typeface="Arial" panose="020B0604020202020204" pitchFamily="34" charset="0"/>
+                  <a:buChar char="•"/>
+                </a:pPr>
+                <a:r>
+                  <a:rPr lang="en-US" sz="2000" dirty="0">
+                    <a:solidFill>
+                      <a:schemeClr val="bg1"/>
+                    </a:solidFill>
+                    <a:latin typeface="Selawik Semibold" panose="020B0702040204020203" pitchFamily="34" charset="0"/>
+                  </a:rPr>
+                  <a:t>Relationship Between the Sides of a Right Triangle</a:t>
+                </a:r>
+              </a:p>
+              <a:p>
+                <a:pPr marL="800100" lvl="1" indent="-342900">
+                  <a:buFont typeface="Arial" panose="020B0604020202020204" pitchFamily="34" charset="0"/>
+                  <a:buChar char="•"/>
+                </a:pPr>
+                <a14:m>
+                  <m:oMath xmlns:m="http://schemas.openxmlformats.org/officeDocument/2006/math">
+                    <m:sSup>
+                      <m:sSupPr>
+                        <m:ctrlPr>
+                          <a:rPr lang="en-US" sz="2000" i="1">
+                            <a:solidFill>
+                              <a:schemeClr val="bg1"/>
+                            </a:solidFill>
+                            <a:latin typeface="Cambria Math" panose="02040503050406030204" pitchFamily="18" charset="0"/>
+                          </a:rPr>
+                        </m:ctrlPr>
+                      </m:sSupPr>
+                      <m:e>
+                        <m:r>
+                          <a:rPr lang="en-US" sz="2000" i="1">
+                            <a:solidFill>
+                              <a:schemeClr val="bg1"/>
+                            </a:solidFill>
+                            <a:latin typeface="Cambria Math" panose="02040503050406030204" pitchFamily="18" charset="0"/>
+                          </a:rPr>
+                          <m:t>𝑎</m:t>
+                        </m:r>
+                      </m:e>
+                      <m:sup>
+                        <m:r>
+                          <a:rPr lang="en-US" sz="2000" i="1">
+                            <a:solidFill>
+                              <a:schemeClr val="bg1"/>
+                            </a:solidFill>
+                            <a:latin typeface="Cambria Math" panose="02040503050406030204" pitchFamily="18" charset="0"/>
+                          </a:rPr>
+                          <m:t>2</m:t>
+                        </m:r>
+                      </m:sup>
+                    </m:sSup>
+                    <m:r>
+                      <a:rPr lang="en-US" sz="2000" i="1">
+                        <a:solidFill>
+                          <a:schemeClr val="bg1"/>
+                        </a:solidFill>
+                        <a:latin typeface="Cambria Math" panose="02040503050406030204" pitchFamily="18" charset="0"/>
+                      </a:rPr>
+                      <m:t>=</m:t>
+                    </m:r>
+                    <m:sSup>
+                      <m:sSupPr>
+                        <m:ctrlPr>
+                          <a:rPr lang="en-US" sz="2000" i="1">
+                            <a:solidFill>
+                              <a:schemeClr val="bg1"/>
+                            </a:solidFill>
+                            <a:latin typeface="Cambria Math" panose="02040503050406030204" pitchFamily="18" charset="0"/>
+                          </a:rPr>
+                        </m:ctrlPr>
+                      </m:sSupPr>
+                      <m:e>
+                        <m:r>
+                          <a:rPr lang="en-US" sz="2000" i="1">
+                            <a:solidFill>
+                              <a:schemeClr val="bg1"/>
+                            </a:solidFill>
+                            <a:latin typeface="Cambria Math" panose="02040503050406030204" pitchFamily="18" charset="0"/>
+                          </a:rPr>
+                          <m:t>𝑏</m:t>
+                        </m:r>
+                      </m:e>
+                      <m:sup>
+                        <m:r>
+                          <a:rPr lang="en-US" sz="2000" i="1">
+                            <a:solidFill>
+                              <a:schemeClr val="bg1"/>
+                            </a:solidFill>
+                            <a:latin typeface="Cambria Math" panose="02040503050406030204" pitchFamily="18" charset="0"/>
+                          </a:rPr>
+                          <m:t>2</m:t>
+                        </m:r>
+                      </m:sup>
+                    </m:sSup>
+                    <m:r>
+                      <a:rPr lang="en-US" sz="2000" i="1">
+                        <a:solidFill>
+                          <a:schemeClr val="bg1"/>
+                        </a:solidFill>
+                        <a:latin typeface="Cambria Math" panose="02040503050406030204" pitchFamily="18" charset="0"/>
+                      </a:rPr>
+                      <m:t>+</m:t>
+                    </m:r>
+                    <m:sSup>
+                      <m:sSupPr>
+                        <m:ctrlPr>
+                          <a:rPr lang="en-US" sz="2000" i="1">
+                            <a:solidFill>
+                              <a:schemeClr val="bg1"/>
+                            </a:solidFill>
+                            <a:latin typeface="Cambria Math" panose="02040503050406030204" pitchFamily="18" charset="0"/>
+                          </a:rPr>
+                        </m:ctrlPr>
+                      </m:sSupPr>
+                      <m:e>
+                        <m:r>
+                          <a:rPr lang="en-US" sz="2000" i="1">
+                            <a:solidFill>
+                              <a:schemeClr val="bg1"/>
+                            </a:solidFill>
+                            <a:latin typeface="Cambria Math" panose="02040503050406030204" pitchFamily="18" charset="0"/>
+                          </a:rPr>
+                          <m:t>𝑐</m:t>
+                        </m:r>
+                      </m:e>
+                      <m:sup>
+                        <m:r>
+                          <a:rPr lang="en-US" sz="2000" i="1">
+                            <a:solidFill>
+                              <a:schemeClr val="bg1"/>
+                            </a:solidFill>
+                            <a:latin typeface="Cambria Math" panose="02040503050406030204" pitchFamily="18" charset="0"/>
+                          </a:rPr>
+                          <m:t>2</m:t>
+                        </m:r>
+                      </m:sup>
+                    </m:sSup>
+                  </m:oMath>
+                </a14:m>
+                <a:endParaRPr lang="en-US" sz="2000" dirty="0">
+                  <a:solidFill>
+                    <a:schemeClr val="bg1"/>
+                  </a:solidFill>
+                  <a:latin typeface="Selawik Semibold" panose="020B0702040204020203" pitchFamily="34" charset="0"/>
+                </a:endParaRPr>
+              </a:p>
+              <a:p>
+                <a:pPr marL="342900" indent="-342900">
+                  <a:buFont typeface="Arial" panose="020B0604020202020204" pitchFamily="34" charset="0"/>
+                  <a:buChar char="•"/>
+                </a:pPr>
+                <a:endParaRPr lang="en-US" sz="2400" dirty="0">
+                  <a:solidFill>
+                    <a:schemeClr val="bg1"/>
+                  </a:solidFill>
+                  <a:latin typeface="Selawik Semibold" panose="020B0702040204020203" pitchFamily="34" charset="0"/>
+                </a:endParaRPr>
+              </a:p>
+              <a:p>
+                <a:pPr marL="342900" indent="-342900">
+                  <a:buFont typeface="Arial" panose="020B0604020202020204" pitchFamily="34" charset="0"/>
+                  <a:buChar char="•"/>
+                </a:pPr>
+                <a:r>
+                  <a:rPr lang="en-US" sz="2400" dirty="0">
+                    <a:solidFill>
+                      <a:schemeClr val="bg1"/>
+                    </a:solidFill>
+                    <a:latin typeface="Selawik Semibold" panose="020B0702040204020203" pitchFamily="34" charset="0"/>
+                  </a:rPr>
+                  <a:t>What is Known: More Runs = More Wins</a:t>
+                </a:r>
+              </a:p>
+              <a:p>
+                <a:pPr marL="342900" indent="-342900">
+                  <a:buFont typeface="Arial" panose="020B0604020202020204" pitchFamily="34" charset="0"/>
+                  <a:buChar char="•"/>
+                </a:pPr>
+                <a:endParaRPr lang="en-US" sz="2400" dirty="0">
+                  <a:solidFill>
+                    <a:schemeClr val="bg1"/>
+                  </a:solidFill>
+                  <a:latin typeface="Selawik Semibold" panose="020B0702040204020203" pitchFamily="34" charset="0"/>
+                </a:endParaRPr>
+              </a:p>
+              <a:p>
+                <a:pPr marL="342900" indent="-342900">
+                  <a:buFont typeface="Arial" panose="020B0604020202020204" pitchFamily="34" charset="0"/>
+                  <a:buChar char="•"/>
+                </a:pPr>
+                <a:r>
+                  <a:rPr lang="en-US" sz="2400" dirty="0">
+                    <a:solidFill>
+                      <a:schemeClr val="bg1"/>
+                    </a:solidFill>
+                    <a:latin typeface="Selawik Semibold" panose="020B0702040204020203" pitchFamily="34" charset="0"/>
+                  </a:rPr>
+                  <a:t>Relationship Between Runs and Wins?</a:t>
+                </a:r>
+              </a:p>
+              <a:p>
+                <a:pPr marL="800100" lvl="1" indent="-342900">
+                  <a:buFont typeface="Arial" panose="020B0604020202020204" pitchFamily="34" charset="0"/>
+                  <a:buChar char="•"/>
+                </a:pPr>
+                <a:r>
+                  <a:rPr lang="en-US" sz="2000" dirty="0">
+                    <a:solidFill>
+                      <a:schemeClr val="bg1"/>
+                    </a:solidFill>
+                    <a:latin typeface="Selawik Semibold" panose="020B0702040204020203" pitchFamily="34" charset="0"/>
+                  </a:rPr>
+                  <a:t>Bill James’ Pythagorean Method</a:t>
+                </a:r>
+              </a:p>
+              <a:p>
+                <a:pPr marL="800100" lvl="1" indent="-342900">
+                  <a:buFont typeface="Arial" panose="020B0604020202020204" pitchFamily="34" charset="0"/>
+                  <a:buChar char="•"/>
+                </a:pPr>
+                <a:endParaRPr lang="en-US" sz="2000" dirty="0">
+                  <a:solidFill>
+                    <a:schemeClr val="bg1"/>
+                  </a:solidFill>
+                  <a:latin typeface="Selawik Semibold" panose="020B0702040204020203" pitchFamily="34" charset="0"/>
+                </a:endParaRPr>
+              </a:p>
+              <a:p>
+                <a:pPr lvl="1"/>
+                <a:endParaRPr lang="en-US" sz="2000" dirty="0">
+                  <a:solidFill>
+                    <a:schemeClr val="bg1"/>
+                  </a:solidFill>
+                  <a:latin typeface="Selawik Semibold" panose="020B0702040204020203" pitchFamily="34" charset="0"/>
+                </a:endParaRPr>
+              </a:p>
+              <a:p>
+                <a:pPr lvl="1"/>
+                <a:endParaRPr lang="en-US" sz="2000" dirty="0">
+                  <a:solidFill>
+                    <a:schemeClr val="bg1"/>
+                  </a:solidFill>
+                  <a:latin typeface="Selawik Semibold" panose="020B0702040204020203" pitchFamily="34" charset="0"/>
+                </a:endParaRPr>
+              </a:p>
+              <a:p>
+                <a:pPr marL="800100" lvl="1" indent="-342900">
+                  <a:buFont typeface="Arial" panose="020B0604020202020204" pitchFamily="34" charset="0"/>
+                  <a:buChar char="•"/>
+                </a:pPr>
+                <a:r>
+                  <a:rPr lang="en-US" sz="2000" dirty="0">
+                    <a:solidFill>
+                      <a:schemeClr val="bg1"/>
+                    </a:solidFill>
+                    <a:latin typeface="Selawik Semibold" panose="020B0702040204020203" pitchFamily="34" charset="0"/>
+                  </a:rPr>
+                  <a:t>Example:  Kansas City in 2014 World Series</a:t>
+                </a:r>
+              </a:p>
+              <a:p>
+                <a:pPr marL="1257300" lvl="2" indent="-342900">
+                  <a:buFont typeface="Arial" panose="020B0604020202020204" pitchFamily="34" charset="0"/>
+                  <a:buChar char="•"/>
+                </a:pPr>
+                <a:r>
+                  <a:rPr lang="en-US" sz="2000" dirty="0">
+                    <a:solidFill>
+                      <a:schemeClr val="bg1"/>
+                    </a:solidFill>
+                    <a:latin typeface="Selawik Semibold" panose="020B0702040204020203" pitchFamily="34" charset="0"/>
+                  </a:rPr>
+                  <a:t>651 Runs Scored</a:t>
+                </a:r>
+              </a:p>
+              <a:p>
+                <a:pPr marL="1257300" lvl="2" indent="-342900">
+                  <a:buFont typeface="Arial" panose="020B0604020202020204" pitchFamily="34" charset="0"/>
+                  <a:buChar char="•"/>
+                </a:pPr>
+                <a:r>
+                  <a:rPr lang="en-US" sz="2000" dirty="0">
+                    <a:solidFill>
+                      <a:schemeClr val="bg1"/>
+                    </a:solidFill>
+                    <a:latin typeface="Selawik Semibold" panose="020B0702040204020203" pitchFamily="34" charset="0"/>
+                  </a:rPr>
+                  <a:t>624 Runs Allowed</a:t>
+                </a:r>
+              </a:p>
+              <a:p>
+                <a:pPr marL="800100" lvl="1" indent="-342900">
+                  <a:buFont typeface="Arial" panose="020B0604020202020204" pitchFamily="34" charset="0"/>
+                  <a:buChar char="•"/>
+                </a:pPr>
+                <a:endParaRPr lang="en-US" sz="2400" dirty="0">
+                  <a:solidFill>
+                    <a:schemeClr val="bg1"/>
+                  </a:solidFill>
+                  <a:latin typeface="Selawik Semibold" panose="020B0702040204020203" pitchFamily="34" charset="0"/>
+                </a:endParaRPr>
+              </a:p>
+              <a:p>
+                <a:pPr marL="342900" indent="-342900">
+                  <a:buFont typeface="Arial" panose="020B0604020202020204" pitchFamily="34" charset="0"/>
+                  <a:buChar char="•"/>
+                </a:pPr>
+                <a:endParaRPr lang="en-US" sz="2400" dirty="0">
+                  <a:solidFill>
+                    <a:schemeClr val="bg1"/>
+                  </a:solidFill>
+                  <a:latin typeface="Selawik Semibold" panose="020B0702040204020203" pitchFamily="34" charset="0"/>
+                </a:endParaRPr>
+              </a:p>
+            </p:txBody>
+          </p:sp>
+        </mc:Choice>
+        <mc:Fallback>
+          <p:sp>
+            <p:nvSpPr>
+              <p:cNvPr id="10" name="TextBox 9">
+                <a:extLst>
+                  <a:ext uri="{FF2B5EF4-FFF2-40B4-BE49-F238E27FC236}">
+                    <a16:creationId xmlns:a16="http://schemas.microsoft.com/office/drawing/2014/main" id="{8A07C2CC-416F-4D29-84CF-D1F8B766EE5F}"/>
+                  </a:ext>
+                </a:extLst>
+              </p:cNvPr>
+              <p:cNvSpPr txBox="1">
+                <a:spLocks noRot="1" noChangeAspect="1" noMove="1" noResize="1" noEditPoints="1" noAdjustHandles="1" noChangeArrowheads="1" noChangeShapeType="1" noTextEdit="1"/>
+              </p:cNvSpPr>
+              <p:nvPr/>
+            </p:nvSpPr>
+            <p:spPr>
+              <a:xfrm>
+                <a:off x="3080083" y="1520792"/>
+                <a:ext cx="6427903" cy="5755422"/>
+              </a:xfrm>
+              <a:prstGeom prst="rect">
+                <a:avLst/>
+              </a:prstGeom>
+              <a:blipFill>
+                <a:blip r:embed="rId4"/>
+                <a:stretch>
+                  <a:fillRect l="-1232" t="-741"/>
+                </a:stretch>
+              </a:blipFill>
+            </p:spPr>
+            <p:txBody>
+              <a:bodyPr/>
+              <a:lstStyle/>
+              <a:p>
+                <a:r>
+                  <a:rPr lang="en-US">
+                    <a:noFill/>
+                  </a:rPr>
+                  <a:t> </a:t>
+                </a:r>
+              </a:p>
+            </p:txBody>
+          </p:sp>
+        </mc:Fallback>
+      </mc:AlternateContent>
+      <p:sp>
+        <p:nvSpPr>
+          <p:cNvPr id="13" name="TextBox 12">
+            <a:extLst>
+              <a:ext uri="{FF2B5EF4-FFF2-40B4-BE49-F238E27FC236}">
+                <a16:creationId xmlns:a16="http://schemas.microsoft.com/office/drawing/2014/main" id="{2B7A9EEB-AAC8-4D56-8CAF-90ECAAAC58B0}"/>
+              </a:ext>
+            </a:extLst>
+          </p:cNvPr>
+          <p:cNvSpPr txBox="1"/>
+          <p:nvPr/>
+        </p:nvSpPr>
+        <p:spPr>
+          <a:xfrm>
+            <a:off x="9397453" y="1067024"/>
+            <a:ext cx="2637322" cy="1200329"/>
+          </a:xfrm>
+          <a:prstGeom prst="rect">
+            <a:avLst/>
+          </a:prstGeom>
+          <a:solidFill>
+            <a:schemeClr val="tx1"/>
+          </a:solidFill>
+        </p:spPr>
+        <p:txBody>
+          <a:bodyPr wrap="square" rtlCol="0">
+            <a:spAutoFit/>
+          </a:bodyPr>
+          <a:lstStyle/>
+          <a:p>
+            <a:r>
+              <a:rPr lang="en-US" sz="2400" dirty="0">
+                <a:solidFill>
+                  <a:schemeClr val="bg1"/>
+                </a:solidFill>
+              </a:rPr>
+              <a:t>WP = Win %</a:t>
+            </a:r>
+          </a:p>
+          <a:p>
+            <a:r>
+              <a:rPr lang="en-US" sz="2400" dirty="0">
+                <a:solidFill>
+                  <a:schemeClr val="bg1"/>
+                </a:solidFill>
+              </a:rPr>
+              <a:t>RS = Runs Scored</a:t>
+            </a:r>
+          </a:p>
+          <a:p>
+            <a:r>
+              <a:rPr lang="en-US" sz="2400" dirty="0">
+                <a:solidFill>
+                  <a:schemeClr val="bg1"/>
+                </a:solidFill>
+              </a:rPr>
+              <a:t>RA = Runs Allowed</a:t>
+            </a:r>
+          </a:p>
+        </p:txBody>
+      </p:sp>
+      <mc:AlternateContent xmlns:mc="http://schemas.openxmlformats.org/markup-compatibility/2006">
+        <mc:Choice xmlns:a14="http://schemas.microsoft.com/office/drawing/2010/main" Requires="a14">
+          <p:sp>
+            <p:nvSpPr>
+              <p:cNvPr id="14" name="TextBox 13">
+                <a:extLst>
+                  <a:ext uri="{FF2B5EF4-FFF2-40B4-BE49-F238E27FC236}">
+                    <a16:creationId xmlns:a16="http://schemas.microsoft.com/office/drawing/2014/main" id="{6C1066B8-4403-44DF-A560-7518ADDFF186}"/>
+                  </a:ext>
+                </a:extLst>
+              </p:cNvPr>
+              <p:cNvSpPr txBox="1"/>
+              <p:nvPr/>
+            </p:nvSpPr>
+            <p:spPr>
+              <a:xfrm>
+                <a:off x="2662290" y="4742393"/>
+                <a:ext cx="4467728" cy="659796"/>
+              </a:xfrm>
+              <a:prstGeom prst="rect">
+                <a:avLst/>
+              </a:prstGeom>
+              <a:noFill/>
+            </p:spPr>
+            <p:txBody>
+              <a:bodyPr wrap="square" rtlCol="0">
+                <a:spAutoFit/>
+              </a:bodyPr>
+              <a:lstStyle/>
+              <a:p>
+                <a:pPr/>
+                <a14:m>
+                  <m:oMathPara xmlns:m="http://schemas.openxmlformats.org/officeDocument/2006/math">
+                    <m:oMathParaPr>
+                      <m:jc m:val="centerGroup"/>
+                    </m:oMathParaPr>
+                    <m:oMath xmlns:m="http://schemas.openxmlformats.org/officeDocument/2006/math">
+                      <m:r>
+                        <a:rPr lang="en-US" b="1" i="1" smtClean="0">
+                          <a:solidFill>
+                            <a:schemeClr val="bg1"/>
+                          </a:solidFill>
+                          <a:latin typeface="Cambria Math" panose="02040503050406030204" pitchFamily="18" charset="0"/>
+                        </a:rPr>
+                        <m:t>𝑾𝑷</m:t>
+                      </m:r>
+                      <m:r>
+                        <a:rPr lang="en-US" b="1" i="1" smtClean="0">
+                          <a:solidFill>
+                            <a:schemeClr val="bg1"/>
+                          </a:solidFill>
+                          <a:latin typeface="Cambria Math" panose="02040503050406030204" pitchFamily="18" charset="0"/>
+                          <a:ea typeface="Cambria Math" panose="02040503050406030204" pitchFamily="18" charset="0"/>
+                        </a:rPr>
+                        <m:t>≈</m:t>
+                      </m:r>
+                      <m:r>
+                        <a:rPr lang="en-US" b="1" i="1" smtClean="0">
+                          <a:solidFill>
+                            <a:schemeClr val="bg1"/>
+                          </a:solidFill>
+                          <a:latin typeface="Cambria Math" panose="02040503050406030204" pitchFamily="18" charset="0"/>
+                        </a:rPr>
+                        <m:t> </m:t>
+                      </m:r>
+                      <m:f>
+                        <m:fPr>
+                          <m:ctrlPr>
+                            <a:rPr lang="en-US" b="1" i="1" smtClean="0">
+                              <a:solidFill>
+                                <a:schemeClr val="bg1"/>
+                              </a:solidFill>
+                              <a:latin typeface="Cambria Math" panose="02040503050406030204" pitchFamily="18" charset="0"/>
+                            </a:rPr>
+                          </m:ctrlPr>
+                        </m:fPr>
+                        <m:num>
+                          <m:r>
+                            <a:rPr lang="en-US" b="1" i="1" smtClean="0">
+                              <a:solidFill>
+                                <a:schemeClr val="bg1"/>
+                              </a:solidFill>
+                              <a:latin typeface="Cambria Math" panose="02040503050406030204" pitchFamily="18" charset="0"/>
+                            </a:rPr>
+                            <m:t>𝑹</m:t>
+                          </m:r>
+                          <m:sSup>
+                            <m:sSupPr>
+                              <m:ctrlPr>
+                                <a:rPr lang="en-US" b="1" i="1" smtClean="0">
+                                  <a:solidFill>
+                                    <a:schemeClr val="bg1"/>
+                                  </a:solidFill>
+                                  <a:latin typeface="Cambria Math" panose="02040503050406030204" pitchFamily="18" charset="0"/>
+                                </a:rPr>
+                              </m:ctrlPr>
+                            </m:sSupPr>
+                            <m:e>
+                              <m:r>
+                                <a:rPr lang="en-US" b="1" i="1" smtClean="0">
+                                  <a:solidFill>
+                                    <a:schemeClr val="bg1"/>
+                                  </a:solidFill>
+                                  <a:latin typeface="Cambria Math" panose="02040503050406030204" pitchFamily="18" charset="0"/>
+                                </a:rPr>
+                                <m:t>𝑺</m:t>
+                              </m:r>
+                            </m:e>
+                            <m:sup>
+                              <m:r>
+                                <a:rPr lang="en-US" b="1" i="1" smtClean="0">
+                                  <a:solidFill>
+                                    <a:schemeClr val="bg1"/>
+                                  </a:solidFill>
+                                  <a:latin typeface="Cambria Math" panose="02040503050406030204" pitchFamily="18" charset="0"/>
+                                </a:rPr>
+                                <m:t>𝟐</m:t>
+                              </m:r>
+                            </m:sup>
+                          </m:sSup>
+                        </m:num>
+                        <m:den>
+                          <m:r>
+                            <a:rPr lang="en-US" b="1" i="1" smtClean="0">
+                              <a:solidFill>
+                                <a:schemeClr val="bg1"/>
+                              </a:solidFill>
+                              <a:latin typeface="Cambria Math" panose="02040503050406030204" pitchFamily="18" charset="0"/>
+                            </a:rPr>
+                            <m:t>𝑹</m:t>
+                          </m:r>
+                          <m:sSup>
+                            <m:sSupPr>
+                              <m:ctrlPr>
+                                <a:rPr lang="en-US" b="1" i="1" smtClean="0">
+                                  <a:solidFill>
+                                    <a:schemeClr val="bg1"/>
+                                  </a:solidFill>
+                                  <a:latin typeface="Cambria Math" panose="02040503050406030204" pitchFamily="18" charset="0"/>
+                                </a:rPr>
+                              </m:ctrlPr>
+                            </m:sSupPr>
+                            <m:e>
+                              <m:r>
+                                <a:rPr lang="en-US" b="1" i="1" smtClean="0">
+                                  <a:solidFill>
+                                    <a:schemeClr val="bg1"/>
+                                  </a:solidFill>
+                                  <a:latin typeface="Cambria Math" panose="02040503050406030204" pitchFamily="18" charset="0"/>
+                                </a:rPr>
+                                <m:t>𝑺</m:t>
+                              </m:r>
+                            </m:e>
+                            <m:sup>
+                              <m:r>
+                                <a:rPr lang="en-US" b="1" i="1" smtClean="0">
+                                  <a:solidFill>
+                                    <a:schemeClr val="bg1"/>
+                                  </a:solidFill>
+                                  <a:latin typeface="Cambria Math" panose="02040503050406030204" pitchFamily="18" charset="0"/>
+                                </a:rPr>
+                                <m:t>𝟐</m:t>
+                              </m:r>
+                            </m:sup>
+                          </m:sSup>
+                          <m:r>
+                            <a:rPr lang="en-US" b="1" i="1" smtClean="0">
+                              <a:solidFill>
+                                <a:schemeClr val="bg1"/>
+                              </a:solidFill>
+                              <a:latin typeface="Cambria Math" panose="02040503050406030204" pitchFamily="18" charset="0"/>
+                            </a:rPr>
+                            <m:t>+</m:t>
+                          </m:r>
+                          <m:r>
+                            <a:rPr lang="en-US" b="1" i="1" smtClean="0">
+                              <a:solidFill>
+                                <a:schemeClr val="bg1"/>
+                              </a:solidFill>
+                              <a:latin typeface="Cambria Math" panose="02040503050406030204" pitchFamily="18" charset="0"/>
+                            </a:rPr>
+                            <m:t>𝑹</m:t>
+                          </m:r>
+                          <m:sSup>
+                            <m:sSupPr>
+                              <m:ctrlPr>
+                                <a:rPr lang="en-US" b="1" i="1" smtClean="0">
+                                  <a:solidFill>
+                                    <a:schemeClr val="bg1"/>
+                                  </a:solidFill>
+                                  <a:latin typeface="Cambria Math" panose="02040503050406030204" pitchFamily="18" charset="0"/>
+                                </a:rPr>
+                              </m:ctrlPr>
+                            </m:sSupPr>
+                            <m:e>
+                              <m:r>
+                                <a:rPr lang="en-US" b="1" i="1" smtClean="0">
+                                  <a:solidFill>
+                                    <a:schemeClr val="bg1"/>
+                                  </a:solidFill>
+                                  <a:latin typeface="Cambria Math" panose="02040503050406030204" pitchFamily="18" charset="0"/>
+                                </a:rPr>
+                                <m:t>𝑨</m:t>
+                              </m:r>
+                            </m:e>
+                            <m:sup>
+                              <m:r>
+                                <a:rPr lang="en-US" b="1" i="1" smtClean="0">
+                                  <a:solidFill>
+                                    <a:schemeClr val="bg1"/>
+                                  </a:solidFill>
+                                  <a:latin typeface="Cambria Math" panose="02040503050406030204" pitchFamily="18" charset="0"/>
+                                </a:rPr>
+                                <m:t>𝟐</m:t>
+                              </m:r>
+                            </m:sup>
+                          </m:sSup>
+                        </m:den>
+                      </m:f>
+                    </m:oMath>
+                  </m:oMathPara>
+                </a14:m>
+                <a:endParaRPr lang="en-US" b="1" dirty="0">
+                  <a:solidFill>
+                    <a:schemeClr val="bg1"/>
+                  </a:solidFill>
+                </a:endParaRPr>
+              </a:p>
+            </p:txBody>
+          </p:sp>
+        </mc:Choice>
+        <mc:Fallback>
+          <p:sp>
+            <p:nvSpPr>
+              <p:cNvPr id="14" name="TextBox 13">
+                <a:extLst>
+                  <a:ext uri="{FF2B5EF4-FFF2-40B4-BE49-F238E27FC236}">
+                    <a16:creationId xmlns:a16="http://schemas.microsoft.com/office/drawing/2014/main" id="{6C1066B8-4403-44DF-A560-7518ADDFF186}"/>
+                  </a:ext>
+                </a:extLst>
+              </p:cNvPr>
+              <p:cNvSpPr txBox="1">
+                <a:spLocks noRot="1" noChangeAspect="1" noMove="1" noResize="1" noEditPoints="1" noAdjustHandles="1" noChangeArrowheads="1" noChangeShapeType="1" noTextEdit="1"/>
+              </p:cNvSpPr>
+              <p:nvPr/>
+            </p:nvSpPr>
+            <p:spPr>
+              <a:xfrm>
+                <a:off x="2662290" y="4742393"/>
+                <a:ext cx="4467728" cy="659796"/>
+              </a:xfrm>
+              <a:prstGeom prst="rect">
+                <a:avLst/>
+              </a:prstGeom>
+              <a:blipFill>
+                <a:blip r:embed="rId5"/>
+                <a:stretch>
+                  <a:fillRect/>
+                </a:stretch>
+              </a:blipFill>
+            </p:spPr>
+            <p:txBody>
+              <a:bodyPr/>
+              <a:lstStyle/>
+              <a:p>
+                <a:r>
+                  <a:rPr lang="en-US">
+                    <a:noFill/>
+                  </a:rPr>
+                  <a:t> </a:t>
+                </a:r>
+              </a:p>
+            </p:txBody>
+          </p:sp>
+        </mc:Fallback>
+      </mc:AlternateContent>
+      <mc:AlternateContent xmlns:mc="http://schemas.openxmlformats.org/markup-compatibility/2006">
+        <mc:Choice xmlns:a14="http://schemas.microsoft.com/office/drawing/2010/main" Requires="a14">
+          <p:sp>
+            <p:nvSpPr>
+              <p:cNvPr id="15" name="TextBox 14">
+                <a:extLst>
+                  <a:ext uri="{FF2B5EF4-FFF2-40B4-BE49-F238E27FC236}">
+                    <a16:creationId xmlns:a16="http://schemas.microsoft.com/office/drawing/2014/main" id="{ECF79FB8-0CA9-4241-A68A-608F393E3CBC}"/>
+                  </a:ext>
+                </a:extLst>
+              </p:cNvPr>
+              <p:cNvSpPr txBox="1"/>
+              <p:nvPr/>
+            </p:nvSpPr>
+            <p:spPr>
+              <a:xfrm>
+                <a:off x="6410448" y="5672020"/>
+                <a:ext cx="5938775" cy="722955"/>
+              </a:xfrm>
+              <a:prstGeom prst="rect">
+                <a:avLst/>
+              </a:prstGeom>
+              <a:noFill/>
+            </p:spPr>
+            <p:txBody>
+              <a:bodyPr wrap="square" rtlCol="0">
+                <a:spAutoFit/>
+              </a:bodyPr>
+              <a:lstStyle/>
+              <a:p>
+                <a:pPr/>
+                <a14:m>
+                  <m:oMathPara xmlns:m="http://schemas.openxmlformats.org/officeDocument/2006/math">
+                    <m:oMathParaPr>
+                      <m:jc m:val="centerGroup"/>
+                    </m:oMathParaPr>
+                    <m:oMath xmlns:m="http://schemas.openxmlformats.org/officeDocument/2006/math">
+                      <m:r>
+                        <a:rPr lang="en-US" sz="2000" b="1" i="1" smtClean="0">
+                          <a:solidFill>
+                            <a:schemeClr val="bg1"/>
+                          </a:solidFill>
+                          <a:latin typeface="Cambria Math" panose="02040503050406030204" pitchFamily="18" charset="0"/>
+                        </a:rPr>
+                        <m:t>𝟖𝟗</m:t>
+                      </m:r>
+                      <m:r>
+                        <a:rPr lang="en-US" sz="2000" b="1" i="1" smtClean="0">
+                          <a:solidFill>
+                            <a:schemeClr val="bg1"/>
+                          </a:solidFill>
+                          <a:latin typeface="Cambria Math" panose="02040503050406030204" pitchFamily="18" charset="0"/>
+                        </a:rPr>
+                        <m:t> </m:t>
+                      </m:r>
+                      <m:r>
+                        <a:rPr lang="en-US" sz="2000" b="1" i="1" smtClean="0">
+                          <a:solidFill>
+                            <a:schemeClr val="bg1"/>
+                          </a:solidFill>
+                          <a:latin typeface="Cambria Math" panose="02040503050406030204" pitchFamily="18" charset="0"/>
+                        </a:rPr>
+                        <m:t>𝑾𝒊𝒏𝒔</m:t>
+                      </m:r>
+                      <m:r>
+                        <a:rPr lang="en-US" sz="2000" b="1" i="1" smtClean="0">
+                          <a:solidFill>
+                            <a:schemeClr val="bg1"/>
+                          </a:solidFill>
+                          <a:latin typeface="Cambria Math" panose="02040503050406030204" pitchFamily="18" charset="0"/>
+                          <a:ea typeface="Cambria Math" panose="02040503050406030204" pitchFamily="18" charset="0"/>
+                        </a:rPr>
+                        <m:t>≈</m:t>
+                      </m:r>
+                      <m:r>
+                        <a:rPr lang="en-US" sz="2000" b="1" i="1" smtClean="0">
+                          <a:solidFill>
+                            <a:schemeClr val="bg1"/>
+                          </a:solidFill>
+                          <a:latin typeface="Cambria Math" panose="02040503050406030204" pitchFamily="18" charset="0"/>
+                          <a:ea typeface="Cambria Math" panose="02040503050406030204" pitchFamily="18" charset="0"/>
+                        </a:rPr>
+                        <m:t>𝟏𝟔𝟐</m:t>
+                      </m:r>
+                      <m:r>
+                        <a:rPr lang="en-US" sz="2000" b="1" i="1" smtClean="0">
+                          <a:solidFill>
+                            <a:schemeClr val="bg1"/>
+                          </a:solidFill>
+                          <a:latin typeface="Cambria Math" panose="02040503050406030204" pitchFamily="18" charset="0"/>
+                          <a:ea typeface="Cambria Math" panose="02040503050406030204" pitchFamily="18" charset="0"/>
+                        </a:rPr>
+                        <m:t>× </m:t>
+                      </m:r>
+                      <m:f>
+                        <m:fPr>
+                          <m:ctrlPr>
+                            <a:rPr lang="en-US" sz="2000" b="1" i="1" smtClean="0">
+                              <a:solidFill>
+                                <a:schemeClr val="bg1"/>
+                              </a:solidFill>
+                              <a:latin typeface="Cambria Math" panose="02040503050406030204" pitchFamily="18" charset="0"/>
+                            </a:rPr>
+                          </m:ctrlPr>
+                        </m:fPr>
+                        <m:num>
+                          <m:r>
+                            <a:rPr lang="en-US" sz="2000" b="1" i="1" smtClean="0">
+                              <a:solidFill>
+                                <a:schemeClr val="bg1"/>
+                              </a:solidFill>
+                              <a:latin typeface="Cambria Math" panose="02040503050406030204" pitchFamily="18" charset="0"/>
+                            </a:rPr>
+                            <m:t>𝟔𝟓</m:t>
+                          </m:r>
+                          <m:sSup>
+                            <m:sSupPr>
+                              <m:ctrlPr>
+                                <a:rPr lang="en-US" sz="2000" b="1" i="1" smtClean="0">
+                                  <a:solidFill>
+                                    <a:schemeClr val="bg1"/>
+                                  </a:solidFill>
+                                  <a:latin typeface="Cambria Math" panose="02040503050406030204" pitchFamily="18" charset="0"/>
+                                </a:rPr>
+                              </m:ctrlPr>
+                            </m:sSupPr>
+                            <m:e>
+                              <m:r>
+                                <a:rPr lang="en-US" sz="2000" b="1" i="1" smtClean="0">
+                                  <a:solidFill>
+                                    <a:schemeClr val="bg1"/>
+                                  </a:solidFill>
+                                  <a:latin typeface="Cambria Math" panose="02040503050406030204" pitchFamily="18" charset="0"/>
+                                </a:rPr>
+                                <m:t>𝟏</m:t>
+                              </m:r>
+                            </m:e>
+                            <m:sup>
+                              <m:r>
+                                <a:rPr lang="en-US" sz="2000" b="1" i="1" smtClean="0">
+                                  <a:solidFill>
+                                    <a:schemeClr val="bg1"/>
+                                  </a:solidFill>
+                                  <a:latin typeface="Cambria Math" panose="02040503050406030204" pitchFamily="18" charset="0"/>
+                                </a:rPr>
+                                <m:t>𝟐</m:t>
+                              </m:r>
+                            </m:sup>
+                          </m:sSup>
+                        </m:num>
+                        <m:den>
+                          <m:r>
+                            <a:rPr lang="en-US" sz="2000" b="1" i="1" smtClean="0">
+                              <a:solidFill>
+                                <a:schemeClr val="bg1"/>
+                              </a:solidFill>
+                              <a:latin typeface="Cambria Math" panose="02040503050406030204" pitchFamily="18" charset="0"/>
+                            </a:rPr>
+                            <m:t>𝟔𝟓</m:t>
+                          </m:r>
+                          <m:sSup>
+                            <m:sSupPr>
+                              <m:ctrlPr>
+                                <a:rPr lang="en-US" sz="2000" b="1" i="1" smtClean="0">
+                                  <a:solidFill>
+                                    <a:schemeClr val="bg1"/>
+                                  </a:solidFill>
+                                  <a:latin typeface="Cambria Math" panose="02040503050406030204" pitchFamily="18" charset="0"/>
+                                </a:rPr>
+                              </m:ctrlPr>
+                            </m:sSupPr>
+                            <m:e>
+                              <m:r>
+                                <a:rPr lang="en-US" sz="2000" b="1" i="1" smtClean="0">
+                                  <a:solidFill>
+                                    <a:schemeClr val="bg1"/>
+                                  </a:solidFill>
+                                  <a:latin typeface="Cambria Math" panose="02040503050406030204" pitchFamily="18" charset="0"/>
+                                </a:rPr>
+                                <m:t>𝟏</m:t>
+                              </m:r>
+                            </m:e>
+                            <m:sup>
+                              <m:r>
+                                <a:rPr lang="en-US" sz="2000" b="1" i="1" smtClean="0">
+                                  <a:solidFill>
+                                    <a:schemeClr val="bg1"/>
+                                  </a:solidFill>
+                                  <a:latin typeface="Cambria Math" panose="02040503050406030204" pitchFamily="18" charset="0"/>
+                                </a:rPr>
+                                <m:t>𝟐</m:t>
+                              </m:r>
+                            </m:sup>
+                          </m:sSup>
+                          <m:r>
+                            <a:rPr lang="en-US" sz="2000" b="1" i="1" smtClean="0">
+                              <a:solidFill>
+                                <a:schemeClr val="bg1"/>
+                              </a:solidFill>
+                              <a:latin typeface="Cambria Math" panose="02040503050406030204" pitchFamily="18" charset="0"/>
+                            </a:rPr>
+                            <m:t>+</m:t>
+                          </m:r>
+                          <m:r>
+                            <a:rPr lang="en-US" sz="2000" b="1" i="1" smtClean="0">
+                              <a:solidFill>
+                                <a:schemeClr val="bg1"/>
+                              </a:solidFill>
+                              <a:latin typeface="Cambria Math" panose="02040503050406030204" pitchFamily="18" charset="0"/>
+                            </a:rPr>
+                            <m:t>𝟔𝟐</m:t>
+                          </m:r>
+                          <m:sSup>
+                            <m:sSupPr>
+                              <m:ctrlPr>
+                                <a:rPr lang="en-US" sz="2000" b="1" i="1" smtClean="0">
+                                  <a:solidFill>
+                                    <a:schemeClr val="bg1"/>
+                                  </a:solidFill>
+                                  <a:latin typeface="Cambria Math" panose="02040503050406030204" pitchFamily="18" charset="0"/>
+                                </a:rPr>
+                              </m:ctrlPr>
+                            </m:sSupPr>
+                            <m:e>
+                              <m:r>
+                                <a:rPr lang="en-US" sz="2000" b="1" i="1" smtClean="0">
+                                  <a:solidFill>
+                                    <a:schemeClr val="bg1"/>
+                                  </a:solidFill>
+                                  <a:latin typeface="Cambria Math" panose="02040503050406030204" pitchFamily="18" charset="0"/>
+                                </a:rPr>
+                                <m:t>𝟒</m:t>
+                              </m:r>
+                            </m:e>
+                            <m:sup>
+                              <m:r>
+                                <a:rPr lang="en-US" sz="2000" b="1" i="1" smtClean="0">
+                                  <a:solidFill>
+                                    <a:schemeClr val="bg1"/>
+                                  </a:solidFill>
+                                  <a:latin typeface="Cambria Math" panose="02040503050406030204" pitchFamily="18" charset="0"/>
+                                </a:rPr>
+                                <m:t>𝟐</m:t>
+                              </m:r>
+                            </m:sup>
+                          </m:sSup>
+                        </m:den>
+                      </m:f>
+                      <m:r>
+                        <a:rPr lang="en-US" sz="2000" b="1" i="1" smtClean="0">
+                          <a:solidFill>
+                            <a:schemeClr val="bg1"/>
+                          </a:solidFill>
+                          <a:latin typeface="Cambria Math" panose="02040503050406030204" pitchFamily="18" charset="0"/>
+                        </a:rPr>
+                        <m:t>=</m:t>
+                      </m:r>
+                      <m:r>
+                        <a:rPr lang="en-US" sz="2000" b="1" i="1" smtClean="0">
+                          <a:solidFill>
+                            <a:schemeClr val="bg1"/>
+                          </a:solidFill>
+                          <a:latin typeface="Cambria Math" panose="02040503050406030204" pitchFamily="18" charset="0"/>
+                        </a:rPr>
+                        <m:t>𝟖𝟒</m:t>
+                      </m:r>
+                      <m:r>
+                        <a:rPr lang="en-US" sz="2000" b="1" i="1" smtClean="0">
+                          <a:solidFill>
+                            <a:schemeClr val="bg1"/>
+                          </a:solidFill>
+                          <a:latin typeface="Cambria Math" panose="02040503050406030204" pitchFamily="18" charset="0"/>
+                        </a:rPr>
+                        <m:t>.</m:t>
+                      </m:r>
+                      <m:r>
+                        <a:rPr lang="en-US" sz="2000" b="1" i="1" smtClean="0">
+                          <a:solidFill>
+                            <a:schemeClr val="bg1"/>
+                          </a:solidFill>
+                          <a:latin typeface="Cambria Math" panose="02040503050406030204" pitchFamily="18" charset="0"/>
+                        </a:rPr>
+                        <m:t>𝟒𝟑</m:t>
+                      </m:r>
+                    </m:oMath>
+                  </m:oMathPara>
+                </a14:m>
+                <a:endParaRPr lang="en-US" sz="2000" b="1" dirty="0">
+                  <a:solidFill>
+                    <a:schemeClr val="bg1"/>
+                  </a:solidFill>
+                </a:endParaRPr>
+              </a:p>
+            </p:txBody>
+          </p:sp>
+        </mc:Choice>
+        <mc:Fallback>
+          <p:sp>
+            <p:nvSpPr>
+              <p:cNvPr id="15" name="TextBox 14">
+                <a:extLst>
+                  <a:ext uri="{FF2B5EF4-FFF2-40B4-BE49-F238E27FC236}">
+                    <a16:creationId xmlns:a16="http://schemas.microsoft.com/office/drawing/2014/main" id="{ECF79FB8-0CA9-4241-A68A-608F393E3CBC}"/>
+                  </a:ext>
+                </a:extLst>
+              </p:cNvPr>
+              <p:cNvSpPr txBox="1">
+                <a:spLocks noRot="1" noChangeAspect="1" noMove="1" noResize="1" noEditPoints="1" noAdjustHandles="1" noChangeArrowheads="1" noChangeShapeType="1" noTextEdit="1"/>
+              </p:cNvSpPr>
+              <p:nvPr/>
+            </p:nvSpPr>
+            <p:spPr>
+              <a:xfrm>
+                <a:off x="6410448" y="5672020"/>
+                <a:ext cx="5938775" cy="722955"/>
+              </a:xfrm>
+              <a:prstGeom prst="rect">
+                <a:avLst/>
+              </a:prstGeom>
+              <a:blipFill>
+                <a:blip r:embed="rId6"/>
+                <a:stretch>
+                  <a:fillRect/>
+                </a:stretch>
+              </a:blipFill>
+            </p:spPr>
+            <p:txBody>
+              <a:bodyPr/>
+              <a:lstStyle/>
+              <a:p>
+                <a:r>
+                  <a:rPr lang="en-US">
+                    <a:noFill/>
+                  </a:rPr>
+                  <a:t> </a:t>
+                </a:r>
+              </a:p>
+            </p:txBody>
+          </p:sp>
+        </mc:Fallback>
+      </mc:AlternateContent>
+    </p:spTree>
+    <p:extLst>
+      <p:ext uri="{BB962C8B-B14F-4D97-AF65-F5344CB8AC3E}">
+        <p14:creationId xmlns:p14="http://schemas.microsoft.com/office/powerpoint/2010/main" val="108388683"/>
+      </p:ext>
+    </p:extLst>
+  </p:cSld>
+  <p:clrMapOvr>
+    <a:masterClrMapping/>
+  </p:clrMapOvr>
+</p:sld>
+</file>
+
+<file path=ppt/slides/slide15.xml><?xml version="1.0" encoding="utf-8"?>
+<p:sld xmlns:a="http://schemas.openxmlformats.org/drawingml/2006/main" xmlns:r="http://schemas.openxmlformats.org/officeDocument/2006/relationships" xmlns:p="http://schemas.openxmlformats.org/presentationml/2006/main">
+  <p:cSld>
+    <p:bg>
+      <p:bgPr>
+        <a:solidFill>
+          <a:schemeClr val="bg1"/>
+        </a:solidFill>
+        <a:effectLst/>
+      </p:bgPr>
+    </p:bg>
+    <p:spTree>
+      <p:nvGrpSpPr>
+        <p:cNvPr id="1" name=""/>
+        <p:cNvGrpSpPr/>
+        <p:nvPr/>
+      </p:nvGrpSpPr>
+      <p:grpSpPr>
+        <a:xfrm>
+          <a:off x="0" y="0"/>
+          <a:ext cx="0" cy="0"/>
+          <a:chOff x="0" y="0"/>
+          <a:chExt cx="0" cy="0"/>
+        </a:xfrm>
+      </p:grpSpPr>
+      <p:sp>
+        <p:nvSpPr>
+          <p:cNvPr id="17" name="Rectangle 16">
+            <a:extLst>
+              <a:ext uri="{FF2B5EF4-FFF2-40B4-BE49-F238E27FC236}">
+                <a16:creationId xmlns:a16="http://schemas.microsoft.com/office/drawing/2014/main" id="{0A8FE870-A334-4DE1-84A7-AB191ED10D63}"/>
+              </a:ext>
+            </a:extLst>
+          </p:cNvPr>
+          <p:cNvSpPr/>
+          <p:nvPr/>
+        </p:nvSpPr>
+        <p:spPr>
+          <a:xfrm>
+            <a:off x="0" y="-52157"/>
+            <a:ext cx="12192000" cy="6910157"/>
+          </a:xfrm>
+          <a:prstGeom prst="rect">
+            <a:avLst/>
+          </a:prstGeom>
+          <a:solidFill>
+            <a:srgbClr val="395583"/>
+          </a:solidFill>
+        </p:spPr>
+        <p:style>
+          <a:lnRef idx="2">
+            <a:schemeClr val="accent1">
+              <a:shade val="50000"/>
+            </a:schemeClr>
+          </a:lnRef>
+          <a:fillRef idx="1">
+            <a:schemeClr val="accent1"/>
+          </a:fillRef>
+          <a:effectRef idx="0">
+            <a:schemeClr val="accent1"/>
+          </a:effectRef>
+          <a:fontRef idx="minor">
+            <a:schemeClr val="lt1"/>
+          </a:fontRef>
+        </p:style>
+        <p:txBody>
+          <a:bodyPr rtlCol="0" anchor="ctr"/>
+          <a:lstStyle/>
+          <a:p>
+            <a:pPr algn="ctr"/>
+            <a:endParaRPr lang="en-US"/>
+          </a:p>
+        </p:txBody>
+      </p:sp>
+      <p:pic>
+        <p:nvPicPr>
+          <p:cNvPr id="8" name="Picture 7" descr="A close up of a toy&#10;&#10;Description automatically generated">
+            <a:extLst>
+              <a:ext uri="{FF2B5EF4-FFF2-40B4-BE49-F238E27FC236}">
+                <a16:creationId xmlns:a16="http://schemas.microsoft.com/office/drawing/2014/main" id="{131D5527-B848-4F84-9601-62DB93565332}"/>
+              </a:ext>
+            </a:extLst>
+          </p:cNvPr>
+          <p:cNvPicPr>
+            <a:picLocks noChangeAspect="1"/>
+          </p:cNvPicPr>
+          <p:nvPr/>
+        </p:nvPicPr>
+        <p:blipFill rotWithShape="1">
+          <a:blip r:embed="rId2">
+            <a:extLst>
+              <a:ext uri="{28A0092B-C50C-407E-A947-70E740481C1C}">
+                <a14:useLocalDpi xmlns:a14="http://schemas.microsoft.com/office/drawing/2010/main" val="0"/>
+              </a:ext>
+            </a:extLst>
+          </a:blip>
+          <a:srcRect l="6238" r="10796"/>
+          <a:stretch/>
+        </p:blipFill>
+        <p:spPr>
+          <a:xfrm>
+            <a:off x="0" y="-52157"/>
+            <a:ext cx="2684015" cy="3969421"/>
+          </a:xfrm>
+          <a:prstGeom prst="rect">
+            <a:avLst/>
+          </a:prstGeom>
+        </p:spPr>
+      </p:pic>
+      <p:sp>
+        <p:nvSpPr>
+          <p:cNvPr id="33" name="Rectangle 32">
+            <a:extLst>
+              <a:ext uri="{FF2B5EF4-FFF2-40B4-BE49-F238E27FC236}">
+                <a16:creationId xmlns:a16="http://schemas.microsoft.com/office/drawing/2014/main" id="{6F93929A-DE1C-47C4-AF97-F99DB104E96F}"/>
+              </a:ext>
+            </a:extLst>
+          </p:cNvPr>
+          <p:cNvSpPr/>
+          <p:nvPr/>
+        </p:nvSpPr>
+        <p:spPr>
+          <a:xfrm rot="16200000">
+            <a:off x="782431" y="1849427"/>
+            <a:ext cx="3969421" cy="166254"/>
+          </a:xfrm>
+          <a:prstGeom prst="rect">
+            <a:avLst/>
+          </a:prstGeom>
+          <a:solidFill>
+            <a:schemeClr val="tx1"/>
+          </a:solidFill>
+          <a:ln>
+            <a:noFill/>
+          </a:ln>
+        </p:spPr>
+        <p:style>
+          <a:lnRef idx="2">
+            <a:schemeClr val="accent1">
+              <a:shade val="50000"/>
+            </a:schemeClr>
+          </a:lnRef>
+          <a:fillRef idx="1">
+            <a:schemeClr val="accent1"/>
+          </a:fillRef>
+          <a:effectRef idx="0">
+            <a:schemeClr val="accent1"/>
+          </a:effectRef>
+          <a:fontRef idx="minor">
+            <a:schemeClr val="lt1"/>
+          </a:fontRef>
+        </p:style>
+        <p:txBody>
+          <a:bodyPr rtlCol="0" anchor="ctr"/>
+          <a:lstStyle/>
+          <a:p>
+            <a:pPr algn="ctr"/>
+            <a:endParaRPr lang="en-US" dirty="0">
+              <a:solidFill>
+                <a:srgbClr val="DB5B5C"/>
+              </a:solidFill>
+            </a:endParaRPr>
+          </a:p>
+        </p:txBody>
+      </p:sp>
+      <p:sp>
+        <p:nvSpPr>
+          <p:cNvPr id="35" name="Rectangle 34">
+            <a:extLst>
+              <a:ext uri="{FF2B5EF4-FFF2-40B4-BE49-F238E27FC236}">
+                <a16:creationId xmlns:a16="http://schemas.microsoft.com/office/drawing/2014/main" id="{259A39E4-556F-4581-82A2-C6B68A8147A4}"/>
+              </a:ext>
+            </a:extLst>
+          </p:cNvPr>
+          <p:cNvSpPr/>
+          <p:nvPr/>
+        </p:nvSpPr>
+        <p:spPr>
+          <a:xfrm rot="10800000">
+            <a:off x="-2" y="3756674"/>
+            <a:ext cx="2850269" cy="3101326"/>
+          </a:xfrm>
+          <a:prstGeom prst="rect">
+            <a:avLst/>
+          </a:prstGeom>
+          <a:solidFill>
+            <a:schemeClr val="tx1"/>
+          </a:solidFill>
+          <a:ln>
+            <a:noFill/>
+          </a:ln>
+        </p:spPr>
+        <p:style>
+          <a:lnRef idx="2">
+            <a:schemeClr val="accent1">
+              <a:shade val="50000"/>
+            </a:schemeClr>
+          </a:lnRef>
+          <a:fillRef idx="1">
+            <a:schemeClr val="accent1"/>
+          </a:fillRef>
+          <a:effectRef idx="0">
+            <a:schemeClr val="accent1"/>
+          </a:effectRef>
+          <a:fontRef idx="minor">
+            <a:schemeClr val="lt1"/>
+          </a:fontRef>
+        </p:style>
+        <p:txBody>
+          <a:bodyPr rtlCol="0" anchor="ctr"/>
+          <a:lstStyle/>
+          <a:p>
+            <a:pPr algn="ctr"/>
+            <a:endParaRPr lang="en-US" dirty="0">
+              <a:solidFill>
+                <a:srgbClr val="DB5B5C"/>
+              </a:solidFill>
+            </a:endParaRPr>
+          </a:p>
+        </p:txBody>
+      </p:sp>
+      <p:sp>
+        <p:nvSpPr>
+          <p:cNvPr id="23" name="Subtitle 22">
+            <a:extLst>
+              <a:ext uri="{FF2B5EF4-FFF2-40B4-BE49-F238E27FC236}">
+                <a16:creationId xmlns:a16="http://schemas.microsoft.com/office/drawing/2014/main" id="{1E5D6413-9C6F-483D-BE52-F3BBB1E74630}"/>
+              </a:ext>
+            </a:extLst>
+          </p:cNvPr>
+          <p:cNvSpPr>
+            <a:spLocks noGrp="1"/>
+          </p:cNvSpPr>
+          <p:nvPr>
+            <p:ph type="subTitle" idx="1"/>
+          </p:nvPr>
+        </p:nvSpPr>
+        <p:spPr>
+          <a:xfrm>
+            <a:off x="3007491" y="137620"/>
+            <a:ext cx="9341732" cy="1684867"/>
+          </a:xfrm>
+        </p:spPr>
+        <p:txBody>
+          <a:bodyPr>
+            <a:normAutofit/>
+          </a:bodyPr>
+          <a:lstStyle/>
+          <a:p>
+            <a:pPr algn="l"/>
+            <a:r>
+              <a:rPr lang="en-US" sz="4400" dirty="0">
+                <a:solidFill>
+                  <a:schemeClr val="bg1"/>
+                </a:solidFill>
+                <a:latin typeface="Selawik Semibold" panose="020B0702040204020203" pitchFamily="34" charset="0"/>
+              </a:rPr>
+              <a:t>Pythagorean Theorem</a:t>
+            </a:r>
+          </a:p>
+        </p:txBody>
+      </p:sp>
+      <p:pic>
+        <p:nvPicPr>
+          <p:cNvPr id="16" name="Picture 15" descr="A close up of a toy&#10;&#10;Description automatically generated">
+            <a:extLst>
+              <a:ext uri="{FF2B5EF4-FFF2-40B4-BE49-F238E27FC236}">
+                <a16:creationId xmlns:a16="http://schemas.microsoft.com/office/drawing/2014/main" id="{94C75949-F15C-4E05-810D-EF40FCE89107}"/>
+              </a:ext>
+            </a:extLst>
+          </p:cNvPr>
+          <p:cNvPicPr>
+            <a:picLocks noChangeAspect="1"/>
+          </p:cNvPicPr>
+          <p:nvPr/>
+        </p:nvPicPr>
+        <p:blipFill>
+          <a:blip r:embed="rId3">
+            <a:extLst>
+              <a:ext uri="{28A0092B-C50C-407E-A947-70E740481C1C}">
+                <a14:useLocalDpi xmlns:a14="http://schemas.microsoft.com/office/drawing/2010/main" val="0"/>
+              </a:ext>
+            </a:extLst>
+          </a:blip>
+          <a:stretch>
+            <a:fillRect/>
+          </a:stretch>
+        </p:blipFill>
+        <p:spPr>
+          <a:xfrm>
+            <a:off x="417789" y="4380288"/>
+            <a:ext cx="2014687" cy="2014687"/>
+          </a:xfrm>
+          <a:prstGeom prst="ellipse">
+            <a:avLst/>
+          </a:prstGeom>
+          <a:ln w="63500" cap="rnd">
+            <a:solidFill>
+              <a:srgbClr val="333333"/>
+            </a:solidFill>
+          </a:ln>
+          <a:effectLst>
+            <a:outerShdw blurRad="381000" dist="292100" dir="5400000" sx="-80000" sy="-18000" rotWithShape="0">
+              <a:srgbClr val="000000">
+                <a:alpha val="22000"/>
+              </a:srgbClr>
+            </a:outerShdw>
+          </a:effectLst>
+          <a:scene3d>
+            <a:camera prst="orthographicFront"/>
+            <a:lightRig rig="contrasting" dir="t">
+              <a:rot lat="0" lon="0" rev="3000000"/>
+            </a:lightRig>
+          </a:scene3d>
+          <a:sp3d contourW="7620">
+            <a:bevelT w="95250" h="31750"/>
+            <a:contourClr>
+              <a:srgbClr val="333333"/>
+            </a:contourClr>
+          </a:sp3d>
+        </p:spPr>
+      </p:pic>
+      <p:sp>
+        <p:nvSpPr>
+          <p:cNvPr id="38" name="Rectangle 37">
+            <a:extLst>
+              <a:ext uri="{FF2B5EF4-FFF2-40B4-BE49-F238E27FC236}">
+                <a16:creationId xmlns:a16="http://schemas.microsoft.com/office/drawing/2014/main" id="{28B1909D-4141-4FB1-8633-83F335349C97}"/>
+              </a:ext>
+            </a:extLst>
+          </p:cNvPr>
+          <p:cNvSpPr/>
+          <p:nvPr/>
+        </p:nvSpPr>
+        <p:spPr>
+          <a:xfrm rot="10800000">
+            <a:off x="3007493" y="844062"/>
+            <a:ext cx="9027282" cy="137067"/>
+          </a:xfrm>
+          <a:prstGeom prst="rect">
+            <a:avLst/>
+          </a:prstGeom>
+          <a:solidFill>
+            <a:schemeClr val="tx1"/>
+          </a:solidFill>
+          <a:ln>
+            <a:noFill/>
+          </a:ln>
+        </p:spPr>
+        <p:style>
+          <a:lnRef idx="2">
+            <a:schemeClr val="accent1">
+              <a:shade val="50000"/>
+            </a:schemeClr>
+          </a:lnRef>
+          <a:fillRef idx="1">
+            <a:schemeClr val="accent1"/>
+          </a:fillRef>
+          <a:effectRef idx="0">
+            <a:schemeClr val="accent1"/>
+          </a:effectRef>
+          <a:fontRef idx="minor">
+            <a:schemeClr val="lt1"/>
+          </a:fontRef>
+        </p:style>
+        <p:txBody>
+          <a:bodyPr rtlCol="0" anchor="ctr"/>
+          <a:lstStyle/>
+          <a:p>
+            <a:pPr algn="ctr"/>
+            <a:endParaRPr lang="en-US" dirty="0">
+              <a:solidFill>
+                <a:srgbClr val="DB5B5C"/>
+              </a:solidFill>
+            </a:endParaRPr>
+          </a:p>
+        </p:txBody>
+      </p:sp>
+      <mc:AlternateContent xmlns:mc="http://schemas.openxmlformats.org/markup-compatibility/2006">
+        <mc:Choice xmlns:a14="http://schemas.microsoft.com/office/drawing/2010/main" Requires="a14">
+          <p:sp>
+            <p:nvSpPr>
+              <p:cNvPr id="10" name="TextBox 9">
+                <a:extLst>
+                  <a:ext uri="{FF2B5EF4-FFF2-40B4-BE49-F238E27FC236}">
+                    <a16:creationId xmlns:a16="http://schemas.microsoft.com/office/drawing/2014/main" id="{8A07C2CC-416F-4D29-84CF-D1F8B766EE5F}"/>
+                  </a:ext>
+                </a:extLst>
+              </p:cNvPr>
+              <p:cNvSpPr txBox="1"/>
+              <p:nvPr/>
+            </p:nvSpPr>
+            <p:spPr>
+              <a:xfrm>
+                <a:off x="3080083" y="1524088"/>
+                <a:ext cx="7085195" cy="5386090"/>
+              </a:xfrm>
+              <a:prstGeom prst="rect">
+                <a:avLst/>
+              </a:prstGeom>
+              <a:noFill/>
+            </p:spPr>
+            <p:txBody>
+              <a:bodyPr wrap="square" rtlCol="0">
+                <a:spAutoFit/>
+              </a:bodyPr>
+              <a:lstStyle/>
+              <a:p>
+                <a:pPr marL="342900" indent="-342900">
+                  <a:buFont typeface="Arial" panose="020B0604020202020204" pitchFamily="34" charset="0"/>
+                  <a:buChar char="•"/>
+                </a:pPr>
+                <a:r>
+                  <a:rPr lang="en-US" sz="2400" dirty="0">
+                    <a:solidFill>
+                      <a:schemeClr val="bg1"/>
+                    </a:solidFill>
+                    <a:latin typeface="Selawik Semibold" panose="020B0702040204020203" pitchFamily="34" charset="0"/>
+                  </a:rPr>
+                  <a:t>Optimization of Relationship</a:t>
+                </a:r>
+              </a:p>
+              <a:p>
+                <a:pPr marL="800100" lvl="1" indent="-342900">
+                  <a:buFont typeface="Arial" panose="020B0604020202020204" pitchFamily="34" charset="0"/>
+                  <a:buChar char="•"/>
+                </a:pPr>
+                <a:r>
+                  <a:rPr lang="en-US" sz="2000" dirty="0">
+                    <a:solidFill>
+                      <a:schemeClr val="bg1"/>
+                    </a:solidFill>
+                    <a:latin typeface="Selawik Semibold" panose="020B0702040204020203" pitchFamily="34" charset="0"/>
+                  </a:rPr>
+                  <a:t>What is the Best Choice of </a:t>
+                </a:r>
+                <a:r>
+                  <a:rPr lang="en-US" sz="2400" dirty="0">
+                    <a:solidFill>
+                      <a:schemeClr val="bg1"/>
+                    </a:solidFill>
+                    <a:latin typeface="Selawik Semibold" panose="020B0702040204020203" pitchFamily="34" charset="0"/>
+                    <a:cs typeface="Arial" panose="020B0604020202020204" pitchFamily="34" charset="0"/>
+                  </a:rPr>
+                  <a:t>α?</a:t>
+                </a:r>
+              </a:p>
+              <a:p>
+                <a:pPr marL="800100" lvl="1" indent="-342900">
+                  <a:buFont typeface="Arial" panose="020B0604020202020204" pitchFamily="34" charset="0"/>
+                  <a:buChar char="•"/>
+                </a:pPr>
+                <a:endParaRPr lang="en-US" sz="2400" dirty="0">
+                  <a:solidFill>
+                    <a:schemeClr val="bg1"/>
+                  </a:solidFill>
+                  <a:latin typeface="Selawik Semibold" panose="020B0702040204020203" pitchFamily="34" charset="0"/>
+                  <a:cs typeface="Arial" panose="020B0604020202020204" pitchFamily="34" charset="0"/>
+                </a:endParaRPr>
+              </a:p>
+              <a:p>
+                <a:pPr marL="800100" lvl="1" indent="-342900">
+                  <a:buFont typeface="Arial" panose="020B0604020202020204" pitchFamily="34" charset="0"/>
+                  <a:buChar char="•"/>
+                </a:pPr>
+                <a:endParaRPr lang="en-US" sz="2400" dirty="0">
+                  <a:solidFill>
+                    <a:schemeClr val="bg1"/>
+                  </a:solidFill>
+                  <a:latin typeface="Selawik Semibold" panose="020B0702040204020203" pitchFamily="34" charset="0"/>
+                  <a:cs typeface="Arial" panose="020B0604020202020204" pitchFamily="34" charset="0"/>
+                </a:endParaRPr>
+              </a:p>
+              <a:p>
+                <a:pPr marL="800100" lvl="1" indent="-342900">
+                  <a:buFont typeface="Arial" panose="020B0604020202020204" pitchFamily="34" charset="0"/>
+                  <a:buChar char="•"/>
+                </a:pPr>
+                <a:endParaRPr lang="en-US" sz="2400" dirty="0">
+                  <a:solidFill>
+                    <a:schemeClr val="bg1"/>
+                  </a:solidFill>
+                  <a:latin typeface="Selawik Semibold" panose="020B0702040204020203" pitchFamily="34" charset="0"/>
+                  <a:cs typeface="Arial" panose="020B0604020202020204" pitchFamily="34" charset="0"/>
+                </a:endParaRPr>
+              </a:p>
+              <a:p>
+                <a:pPr marL="800100" lvl="1" indent="-342900">
+                  <a:buFont typeface="Arial" panose="020B0604020202020204" pitchFamily="34" charset="0"/>
+                  <a:buChar char="•"/>
+                </a:pPr>
+                <a:r>
+                  <a:rPr lang="en-US" sz="2000" dirty="0">
+                    <a:solidFill>
+                      <a:schemeClr val="bg1"/>
+                    </a:solidFill>
+                    <a:latin typeface="Selawik Semibold" panose="020B0702040204020203" pitchFamily="34" charset="0"/>
+                    <a:cs typeface="Arial" panose="020B0604020202020204" pitchFamily="34" charset="0"/>
+                  </a:rPr>
+                  <a:t>Minimization of Sum of Squared Errors</a:t>
+                </a:r>
+              </a:p>
+              <a:p>
+                <a:pPr marL="800100" lvl="1" indent="-342900">
+                  <a:buFont typeface="Arial" panose="020B0604020202020204" pitchFamily="34" charset="0"/>
+                  <a:buChar char="•"/>
+                </a:pPr>
+                <a:r>
+                  <a:rPr lang="en-US" sz="2000" dirty="0">
+                    <a:solidFill>
+                      <a:schemeClr val="bg1"/>
+                    </a:solidFill>
+                    <a:latin typeface="Selawik Semibold" panose="020B0702040204020203" pitchFamily="34" charset="0"/>
+                    <a:cs typeface="Arial" panose="020B0604020202020204" pitchFamily="34" charset="0"/>
+                  </a:rPr>
+                  <a:t>Optimal: </a:t>
+                </a:r>
+                <a14:m>
+                  <m:oMath xmlns:m="http://schemas.openxmlformats.org/officeDocument/2006/math">
+                    <m:r>
+                      <a:rPr lang="en-US" sz="2400" b="0" i="1" smtClean="0">
+                        <a:solidFill>
+                          <a:schemeClr val="bg1"/>
+                        </a:solidFill>
+                        <a:latin typeface="Cambria Math" panose="02040503050406030204" pitchFamily="18" charset="0"/>
+                        <a:cs typeface="Arial" panose="020B0604020202020204" pitchFamily="34" charset="0"/>
+                      </a:rPr>
+                      <m:t>𝛼</m:t>
+                    </m:r>
+                    <m:r>
+                      <a:rPr lang="en-US" sz="2400" i="1" smtClean="0">
+                        <a:solidFill>
+                          <a:schemeClr val="bg1"/>
+                        </a:solidFill>
+                        <a:latin typeface="Cambria Math" panose="02040503050406030204" pitchFamily="18" charset="0"/>
+                        <a:cs typeface="Arial" panose="020B0604020202020204" pitchFamily="34" charset="0"/>
+                      </a:rPr>
+                      <m:t>=</m:t>
+                    </m:r>
+                    <m:r>
+                      <a:rPr lang="en-US" sz="2400" b="0" i="1" smtClean="0">
+                        <a:solidFill>
+                          <a:schemeClr val="bg1"/>
+                        </a:solidFill>
+                        <a:latin typeface="Cambria Math" panose="02040503050406030204" pitchFamily="18" charset="0"/>
+                        <a:cs typeface="Arial" panose="020B0604020202020204" pitchFamily="34" charset="0"/>
+                      </a:rPr>
+                      <m:t>1.82</m:t>
+                    </m:r>
+                  </m:oMath>
+                </a14:m>
+                <a:endParaRPr lang="en-US" sz="2400" dirty="0">
+                  <a:solidFill>
+                    <a:schemeClr val="bg1"/>
+                  </a:solidFill>
+                  <a:latin typeface="Selawik Semibold" panose="020B0702040204020203" pitchFamily="34" charset="0"/>
+                </a:endParaRPr>
+              </a:p>
+              <a:p>
+                <a:pPr marL="800100" lvl="1" indent="-342900">
+                  <a:buFont typeface="Arial" panose="020B0604020202020204" pitchFamily="34" charset="0"/>
+                  <a:buChar char="•"/>
+                </a:pPr>
+                <a:r>
+                  <a:rPr lang="en-US" sz="2000" dirty="0">
+                    <a:solidFill>
+                      <a:schemeClr val="bg1"/>
+                    </a:solidFill>
+                    <a:latin typeface="Selawik Semibold" panose="020B0702040204020203" pitchFamily="34" charset="0"/>
+                  </a:rPr>
+                  <a:t>Alternative Expression</a:t>
+                </a:r>
+              </a:p>
+              <a:p>
+                <a:pPr marL="342900" indent="-342900">
+                  <a:buFont typeface="Arial" panose="020B0604020202020204" pitchFamily="34" charset="0"/>
+                  <a:buChar char="•"/>
+                </a:pPr>
+                <a:endParaRPr lang="en-US" sz="2400" dirty="0">
+                  <a:solidFill>
+                    <a:schemeClr val="bg1"/>
+                  </a:solidFill>
+                  <a:latin typeface="Selawik Semibold" panose="020B0702040204020203" pitchFamily="34" charset="0"/>
+                </a:endParaRPr>
+              </a:p>
+              <a:p>
+                <a:pPr marL="342900" indent="-342900">
+                  <a:buFont typeface="Arial" panose="020B0604020202020204" pitchFamily="34" charset="0"/>
+                  <a:buChar char="•"/>
+                </a:pPr>
+                <a:endParaRPr lang="en-US" sz="2400" dirty="0">
+                  <a:solidFill>
+                    <a:schemeClr val="bg1"/>
+                  </a:solidFill>
+                  <a:latin typeface="Selawik Semibold" panose="020B0702040204020203" pitchFamily="34" charset="0"/>
+                </a:endParaRPr>
+              </a:p>
+              <a:p>
+                <a:pPr marL="342900" indent="-342900">
+                  <a:buFont typeface="Arial" panose="020B0604020202020204" pitchFamily="34" charset="0"/>
+                  <a:buChar char="•"/>
+                </a:pPr>
+                <a:endParaRPr lang="en-US" sz="2400" dirty="0">
+                  <a:solidFill>
+                    <a:schemeClr val="bg1"/>
+                  </a:solidFill>
+                  <a:latin typeface="Selawik Semibold" panose="020B0702040204020203" pitchFamily="34" charset="0"/>
+                </a:endParaRPr>
+              </a:p>
+              <a:p>
+                <a:pPr marL="342900" indent="-342900">
+                  <a:buFont typeface="Arial" panose="020B0604020202020204" pitchFamily="34" charset="0"/>
+                  <a:buChar char="•"/>
+                </a:pPr>
+                <a:r>
+                  <a:rPr lang="en-US" sz="2400" dirty="0">
+                    <a:solidFill>
+                      <a:schemeClr val="bg1"/>
+                    </a:solidFill>
+                    <a:latin typeface="Selawik Semibold" panose="020B0702040204020203" pitchFamily="34" charset="0"/>
+                  </a:rPr>
+                  <a:t>Useful for Forecasting Playoff Series Winners</a:t>
+                </a:r>
+              </a:p>
+              <a:p>
+                <a:pPr marL="800100" lvl="1" indent="-342900">
+                  <a:buFont typeface="Arial" panose="020B0604020202020204" pitchFamily="34" charset="0"/>
+                  <a:buChar char="•"/>
+                </a:pPr>
+                <a:r>
+                  <a:rPr lang="en-US" sz="2000" dirty="0">
+                    <a:solidFill>
+                      <a:schemeClr val="bg1"/>
+                    </a:solidFill>
+                    <a:latin typeface="Selawik Semibold" panose="020B0702040204020203" pitchFamily="34" charset="0"/>
+                  </a:rPr>
+                  <a:t>Pythagorean Method: 53.8% Accurate</a:t>
+                </a:r>
+              </a:p>
+              <a:p>
+                <a:pPr marL="800100" lvl="1" indent="-342900">
+                  <a:buFont typeface="Arial" panose="020B0604020202020204" pitchFamily="34" charset="0"/>
+                  <a:buChar char="•"/>
+                </a:pPr>
+                <a:r>
+                  <a:rPr lang="en-US" sz="2000" dirty="0">
+                    <a:solidFill>
+                      <a:schemeClr val="bg1"/>
+                    </a:solidFill>
+                    <a:latin typeface="Selawik Semibold" panose="020B0702040204020203" pitchFamily="34" charset="0"/>
+                  </a:rPr>
+                  <a:t>Games Won Approach: 50% Accurate</a:t>
+                </a:r>
+                <a:endParaRPr lang="en-US" sz="2400" dirty="0">
+                  <a:solidFill>
+                    <a:schemeClr val="bg1"/>
+                  </a:solidFill>
+                  <a:latin typeface="Selawik Semibold" panose="020B0702040204020203" pitchFamily="34" charset="0"/>
+                </a:endParaRPr>
+              </a:p>
+              <a:p>
+                <a:pPr marL="342900" indent="-342900">
+                  <a:buFont typeface="Arial" panose="020B0604020202020204" pitchFamily="34" charset="0"/>
+                  <a:buChar char="•"/>
+                </a:pPr>
+                <a:endParaRPr lang="en-US" sz="2400" dirty="0">
+                  <a:solidFill>
+                    <a:schemeClr val="bg1"/>
+                  </a:solidFill>
+                  <a:latin typeface="Selawik Semibold" panose="020B0702040204020203" pitchFamily="34" charset="0"/>
+                </a:endParaRPr>
+              </a:p>
+            </p:txBody>
+          </p:sp>
+        </mc:Choice>
+        <mc:Fallback>
+          <p:sp>
+            <p:nvSpPr>
+              <p:cNvPr id="10" name="TextBox 9">
+                <a:extLst>
+                  <a:ext uri="{FF2B5EF4-FFF2-40B4-BE49-F238E27FC236}">
+                    <a16:creationId xmlns:a16="http://schemas.microsoft.com/office/drawing/2014/main" id="{8A07C2CC-416F-4D29-84CF-D1F8B766EE5F}"/>
+                  </a:ext>
+                </a:extLst>
+              </p:cNvPr>
+              <p:cNvSpPr txBox="1">
+                <a:spLocks noRot="1" noChangeAspect="1" noMove="1" noResize="1" noEditPoints="1" noAdjustHandles="1" noChangeArrowheads="1" noChangeShapeType="1" noTextEdit="1"/>
+              </p:cNvSpPr>
+              <p:nvPr/>
+            </p:nvSpPr>
+            <p:spPr>
+              <a:xfrm>
+                <a:off x="3080083" y="1524088"/>
+                <a:ext cx="7085195" cy="5386090"/>
+              </a:xfrm>
+              <a:prstGeom prst="rect">
+                <a:avLst/>
+              </a:prstGeom>
+              <a:blipFill>
+                <a:blip r:embed="rId4"/>
+                <a:stretch>
+                  <a:fillRect l="-1118" t="-792"/>
+                </a:stretch>
+              </a:blipFill>
+            </p:spPr>
+            <p:txBody>
+              <a:bodyPr/>
+              <a:lstStyle/>
+              <a:p>
+                <a:r>
+                  <a:rPr lang="en-US">
+                    <a:noFill/>
+                  </a:rPr>
+                  <a:t> </a:t>
+                </a:r>
+              </a:p>
+            </p:txBody>
+          </p:sp>
+        </mc:Fallback>
+      </mc:AlternateContent>
+      <p:sp>
+        <p:nvSpPr>
+          <p:cNvPr id="13" name="TextBox 12">
+            <a:extLst>
+              <a:ext uri="{FF2B5EF4-FFF2-40B4-BE49-F238E27FC236}">
+                <a16:creationId xmlns:a16="http://schemas.microsoft.com/office/drawing/2014/main" id="{2B7A9EEB-AAC8-4D56-8CAF-90ECAAAC58B0}"/>
+              </a:ext>
+            </a:extLst>
+          </p:cNvPr>
+          <p:cNvSpPr txBox="1"/>
+          <p:nvPr/>
+        </p:nvSpPr>
+        <p:spPr>
+          <a:xfrm>
+            <a:off x="9397453" y="1067024"/>
+            <a:ext cx="2637322" cy="1200329"/>
+          </a:xfrm>
+          <a:prstGeom prst="rect">
+            <a:avLst/>
+          </a:prstGeom>
+          <a:solidFill>
+            <a:schemeClr val="tx1"/>
+          </a:solidFill>
+        </p:spPr>
+        <p:txBody>
+          <a:bodyPr wrap="square" rtlCol="0">
+            <a:spAutoFit/>
+          </a:bodyPr>
+          <a:lstStyle/>
+          <a:p>
+            <a:r>
+              <a:rPr lang="en-US" sz="2400" dirty="0">
+                <a:solidFill>
+                  <a:schemeClr val="bg1"/>
+                </a:solidFill>
+              </a:rPr>
+              <a:t>WP = Win %</a:t>
+            </a:r>
+          </a:p>
+          <a:p>
+            <a:r>
+              <a:rPr lang="en-US" sz="2400" dirty="0">
+                <a:solidFill>
+                  <a:schemeClr val="bg1"/>
+                </a:solidFill>
+              </a:rPr>
+              <a:t>RS = Runs Scored</a:t>
+            </a:r>
+          </a:p>
+          <a:p>
+            <a:r>
+              <a:rPr lang="en-US" sz="2400" dirty="0">
+                <a:solidFill>
+                  <a:schemeClr val="bg1"/>
+                </a:solidFill>
+              </a:rPr>
+              <a:t>RA = Runs Allowed</a:t>
+            </a:r>
+          </a:p>
+        </p:txBody>
+      </p:sp>
+      <mc:AlternateContent xmlns:mc="http://schemas.openxmlformats.org/markup-compatibility/2006">
+        <mc:Choice xmlns:a14="http://schemas.microsoft.com/office/drawing/2010/main" Requires="a14">
+          <p:sp>
+            <p:nvSpPr>
+              <p:cNvPr id="14" name="TextBox 13">
+                <a:extLst>
+                  <a:ext uri="{FF2B5EF4-FFF2-40B4-BE49-F238E27FC236}">
+                    <a16:creationId xmlns:a16="http://schemas.microsoft.com/office/drawing/2014/main" id="{6C1066B8-4403-44DF-A560-7518ADDFF186}"/>
+                  </a:ext>
+                </a:extLst>
+              </p:cNvPr>
+              <p:cNvSpPr txBox="1"/>
+              <p:nvPr/>
+            </p:nvSpPr>
+            <p:spPr>
+              <a:xfrm>
+                <a:off x="2850268" y="2276255"/>
+                <a:ext cx="5687006" cy="953594"/>
+              </a:xfrm>
+              <a:prstGeom prst="rect">
+                <a:avLst/>
+              </a:prstGeom>
+              <a:noFill/>
+            </p:spPr>
+            <p:txBody>
+              <a:bodyPr wrap="square" rtlCol="0">
+                <a:spAutoFit/>
+              </a:bodyPr>
+              <a:lstStyle/>
+              <a:p>
+                <a:pPr/>
+                <a14:m>
+                  <m:oMathPara xmlns:m="http://schemas.openxmlformats.org/officeDocument/2006/math">
+                    <m:oMathParaPr>
+                      <m:jc m:val="centerGroup"/>
+                    </m:oMathParaPr>
+                    <m:oMath xmlns:m="http://schemas.openxmlformats.org/officeDocument/2006/math">
+                      <m:r>
+                        <a:rPr lang="en-US" sz="2800" b="1" i="1" smtClean="0">
+                          <a:solidFill>
+                            <a:schemeClr val="bg1"/>
+                          </a:solidFill>
+                          <a:latin typeface="Cambria Math" panose="02040503050406030204" pitchFamily="18" charset="0"/>
+                        </a:rPr>
+                        <m:t>𝑾𝑷</m:t>
+                      </m:r>
+                      <m:r>
+                        <a:rPr lang="en-US" sz="2800" b="1" i="1" smtClean="0">
+                          <a:solidFill>
+                            <a:schemeClr val="bg1"/>
+                          </a:solidFill>
+                          <a:latin typeface="Cambria Math" panose="02040503050406030204" pitchFamily="18" charset="0"/>
+                        </a:rPr>
+                        <m:t>= </m:t>
+                      </m:r>
+                      <m:f>
+                        <m:fPr>
+                          <m:ctrlPr>
+                            <a:rPr lang="en-US" sz="2800" b="1" i="1" smtClean="0">
+                              <a:solidFill>
+                                <a:schemeClr val="bg1"/>
+                              </a:solidFill>
+                              <a:latin typeface="Cambria Math" panose="02040503050406030204" pitchFamily="18" charset="0"/>
+                            </a:rPr>
+                          </m:ctrlPr>
+                        </m:fPr>
+                        <m:num>
+                          <m:r>
+                            <a:rPr lang="en-US" sz="2800" b="1" i="1" smtClean="0">
+                              <a:solidFill>
+                                <a:schemeClr val="bg1"/>
+                              </a:solidFill>
+                              <a:latin typeface="Cambria Math" panose="02040503050406030204" pitchFamily="18" charset="0"/>
+                            </a:rPr>
+                            <m:t>𝑹</m:t>
+                          </m:r>
+                          <m:sSup>
+                            <m:sSupPr>
+                              <m:ctrlPr>
+                                <a:rPr lang="en-US" sz="2800" b="1" i="1" smtClean="0">
+                                  <a:solidFill>
+                                    <a:schemeClr val="bg1"/>
+                                  </a:solidFill>
+                                  <a:latin typeface="Cambria Math" panose="02040503050406030204" pitchFamily="18" charset="0"/>
+                                </a:rPr>
+                              </m:ctrlPr>
+                            </m:sSupPr>
+                            <m:e>
+                              <m:r>
+                                <a:rPr lang="en-US" sz="2800" b="1" i="1" smtClean="0">
+                                  <a:solidFill>
+                                    <a:schemeClr val="bg1"/>
+                                  </a:solidFill>
+                                  <a:latin typeface="Cambria Math" panose="02040503050406030204" pitchFamily="18" charset="0"/>
+                                </a:rPr>
+                                <m:t>𝑺</m:t>
+                              </m:r>
+                            </m:e>
+                            <m:sup>
+                              <m:r>
+                                <a:rPr lang="en-US" sz="2800" b="1" i="1" smtClean="0">
+                                  <a:solidFill>
+                                    <a:schemeClr val="bg1"/>
+                                  </a:solidFill>
+                                  <a:latin typeface="Cambria Math" panose="02040503050406030204" pitchFamily="18" charset="0"/>
+                                </a:rPr>
+                                <m:t>𝜶</m:t>
+                              </m:r>
+                            </m:sup>
+                          </m:sSup>
+                        </m:num>
+                        <m:den>
+                          <m:r>
+                            <a:rPr lang="en-US" sz="2800" b="1" i="1" smtClean="0">
+                              <a:solidFill>
+                                <a:schemeClr val="bg1"/>
+                              </a:solidFill>
+                              <a:latin typeface="Cambria Math" panose="02040503050406030204" pitchFamily="18" charset="0"/>
+                            </a:rPr>
+                            <m:t>𝑹</m:t>
+                          </m:r>
+                          <m:sSup>
+                            <m:sSupPr>
+                              <m:ctrlPr>
+                                <a:rPr lang="en-US" sz="2800" b="1" i="1">
+                                  <a:solidFill>
+                                    <a:schemeClr val="bg1"/>
+                                  </a:solidFill>
+                                  <a:latin typeface="Cambria Math" panose="02040503050406030204" pitchFamily="18" charset="0"/>
+                                </a:rPr>
+                              </m:ctrlPr>
+                            </m:sSupPr>
+                            <m:e>
+                              <m:r>
+                                <a:rPr lang="en-US" sz="2800" b="1" i="1">
+                                  <a:solidFill>
+                                    <a:schemeClr val="bg1"/>
+                                  </a:solidFill>
+                                  <a:latin typeface="Cambria Math" panose="02040503050406030204" pitchFamily="18" charset="0"/>
+                                </a:rPr>
+                                <m:t>𝑺</m:t>
+                              </m:r>
+                            </m:e>
+                            <m:sup>
+                              <m:r>
+                                <a:rPr lang="en-US" sz="2800" b="1" i="1">
+                                  <a:solidFill>
+                                    <a:schemeClr val="bg1"/>
+                                  </a:solidFill>
+                                  <a:latin typeface="Cambria Math" panose="02040503050406030204" pitchFamily="18" charset="0"/>
+                                </a:rPr>
+                                <m:t>𝜶</m:t>
+                              </m:r>
+                            </m:sup>
+                          </m:sSup>
+                          <m:r>
+                            <a:rPr lang="en-US" sz="2800" b="1" i="1" smtClean="0">
+                              <a:solidFill>
+                                <a:schemeClr val="bg1"/>
+                              </a:solidFill>
+                              <a:latin typeface="Cambria Math" panose="02040503050406030204" pitchFamily="18" charset="0"/>
+                            </a:rPr>
+                            <m:t>+</m:t>
+                          </m:r>
+                          <m:r>
+                            <a:rPr lang="en-US" sz="2800" b="1" i="1" smtClean="0">
+                              <a:solidFill>
+                                <a:schemeClr val="bg1"/>
+                              </a:solidFill>
+                              <a:latin typeface="Cambria Math" panose="02040503050406030204" pitchFamily="18" charset="0"/>
+                            </a:rPr>
+                            <m:t>𝑹</m:t>
+                          </m:r>
+                          <m:sSup>
+                            <m:sSupPr>
+                              <m:ctrlPr>
+                                <a:rPr lang="en-US" sz="2800" b="1" i="1" smtClean="0">
+                                  <a:solidFill>
+                                    <a:schemeClr val="bg1"/>
+                                  </a:solidFill>
+                                  <a:latin typeface="Cambria Math" panose="02040503050406030204" pitchFamily="18" charset="0"/>
+                                </a:rPr>
+                              </m:ctrlPr>
+                            </m:sSupPr>
+                            <m:e>
+                              <m:r>
+                                <a:rPr lang="en-US" sz="2800" b="1" i="1" smtClean="0">
+                                  <a:solidFill>
+                                    <a:schemeClr val="bg1"/>
+                                  </a:solidFill>
+                                  <a:latin typeface="Cambria Math" panose="02040503050406030204" pitchFamily="18" charset="0"/>
+                                </a:rPr>
+                                <m:t>𝑨</m:t>
+                              </m:r>
+                            </m:e>
+                            <m:sup>
+                              <m:r>
+                                <a:rPr lang="en-US" sz="2800" b="1" i="1" smtClean="0">
+                                  <a:solidFill>
+                                    <a:schemeClr val="bg1"/>
+                                  </a:solidFill>
+                                  <a:latin typeface="Cambria Math" panose="02040503050406030204" pitchFamily="18" charset="0"/>
+                                </a:rPr>
+                                <m:t>𝜶</m:t>
+                              </m:r>
+                            </m:sup>
+                          </m:sSup>
+                        </m:den>
+                      </m:f>
+                      <m:r>
+                        <a:rPr lang="en-US" sz="2800" b="1" i="0" smtClean="0">
+                          <a:solidFill>
+                            <a:schemeClr val="bg1"/>
+                          </a:solidFill>
+                          <a:latin typeface="Cambria Math" panose="02040503050406030204" pitchFamily="18" charset="0"/>
+                        </a:rPr>
+                        <m:t>+</m:t>
+                      </m:r>
+                      <m:r>
+                        <a:rPr lang="en-US" sz="2800" b="1" i="1" smtClean="0">
+                          <a:solidFill>
+                            <a:schemeClr val="bg1"/>
+                          </a:solidFill>
+                          <a:latin typeface="Cambria Math" panose="02040503050406030204" pitchFamily="18" charset="0"/>
+                        </a:rPr>
+                        <m:t>𝝐</m:t>
+                      </m:r>
+                    </m:oMath>
+                  </m:oMathPara>
+                </a14:m>
+                <a:endParaRPr lang="en-US" sz="2800" b="1" dirty="0">
+                  <a:solidFill>
+                    <a:schemeClr val="bg1"/>
+                  </a:solidFill>
+                </a:endParaRPr>
+              </a:p>
+            </p:txBody>
+          </p:sp>
+        </mc:Choice>
+        <mc:Fallback>
+          <p:sp>
+            <p:nvSpPr>
+              <p:cNvPr id="14" name="TextBox 13">
+                <a:extLst>
+                  <a:ext uri="{FF2B5EF4-FFF2-40B4-BE49-F238E27FC236}">
+                    <a16:creationId xmlns:a16="http://schemas.microsoft.com/office/drawing/2014/main" id="{6C1066B8-4403-44DF-A560-7518ADDFF186}"/>
+                  </a:ext>
+                </a:extLst>
+              </p:cNvPr>
+              <p:cNvSpPr txBox="1">
+                <a:spLocks noRot="1" noChangeAspect="1" noMove="1" noResize="1" noEditPoints="1" noAdjustHandles="1" noChangeArrowheads="1" noChangeShapeType="1" noTextEdit="1"/>
+              </p:cNvSpPr>
+              <p:nvPr/>
+            </p:nvSpPr>
+            <p:spPr>
+              <a:xfrm>
+                <a:off x="2850268" y="2276255"/>
+                <a:ext cx="5687006" cy="953594"/>
+              </a:xfrm>
+              <a:prstGeom prst="rect">
+                <a:avLst/>
+              </a:prstGeom>
+              <a:blipFill>
+                <a:blip r:embed="rId5"/>
+                <a:stretch>
+                  <a:fillRect/>
+                </a:stretch>
+              </a:blipFill>
+            </p:spPr>
+            <p:txBody>
+              <a:bodyPr/>
+              <a:lstStyle/>
+              <a:p>
+                <a:r>
+                  <a:rPr lang="en-US">
+                    <a:noFill/>
+                  </a:rPr>
+                  <a:t> </a:t>
+                </a:r>
+              </a:p>
+            </p:txBody>
+          </p:sp>
+        </mc:Fallback>
+      </mc:AlternateContent>
+      <mc:AlternateContent xmlns:mc="http://schemas.openxmlformats.org/markup-compatibility/2006">
+        <mc:Choice xmlns:a14="http://schemas.microsoft.com/office/drawing/2010/main" Requires="a14">
+          <p:sp>
+            <p:nvSpPr>
+              <p:cNvPr id="19" name="TextBox 18">
+                <a:extLst>
+                  <a:ext uri="{FF2B5EF4-FFF2-40B4-BE49-F238E27FC236}">
+                    <a16:creationId xmlns:a16="http://schemas.microsoft.com/office/drawing/2014/main" id="{A66D46EC-6DE9-469F-A2CC-81A06687F730}"/>
+                  </a:ext>
+                </a:extLst>
+              </p:cNvPr>
+              <p:cNvSpPr txBox="1"/>
+              <p:nvPr/>
+            </p:nvSpPr>
+            <p:spPr>
+              <a:xfrm>
+                <a:off x="3086848" y="4400253"/>
+                <a:ext cx="5687006" cy="996619"/>
+              </a:xfrm>
+              <a:prstGeom prst="rect">
+                <a:avLst/>
+              </a:prstGeom>
+              <a:noFill/>
+            </p:spPr>
+            <p:txBody>
+              <a:bodyPr wrap="square" rtlCol="0">
+                <a:spAutoFit/>
+              </a:bodyPr>
+              <a:lstStyle/>
+              <a:p>
+                <a:pPr/>
+                <a14:m>
+                  <m:oMathPara xmlns:m="http://schemas.openxmlformats.org/officeDocument/2006/math">
+                    <m:oMathParaPr>
+                      <m:jc m:val="centerGroup"/>
+                    </m:oMathParaPr>
+                    <m:oMath xmlns:m="http://schemas.openxmlformats.org/officeDocument/2006/math">
+                      <m:r>
+                        <a:rPr lang="en-US" sz="2800" b="1" i="1" smtClean="0">
+                          <a:solidFill>
+                            <a:schemeClr val="bg1"/>
+                          </a:solidFill>
+                          <a:latin typeface="Cambria Math" panose="02040503050406030204" pitchFamily="18" charset="0"/>
+                        </a:rPr>
+                        <m:t>𝑾𝑷</m:t>
+                      </m:r>
+                      <m:r>
+                        <a:rPr lang="en-US" sz="2800" b="1" i="1" smtClean="0">
+                          <a:solidFill>
+                            <a:schemeClr val="bg1"/>
+                          </a:solidFill>
+                          <a:latin typeface="Cambria Math" panose="02040503050406030204" pitchFamily="18" charset="0"/>
+                        </a:rPr>
+                        <m:t>= </m:t>
+                      </m:r>
+                      <m:f>
+                        <m:fPr>
+                          <m:ctrlPr>
+                            <a:rPr lang="en-US" sz="2800" b="1" i="1" smtClean="0">
+                              <a:solidFill>
+                                <a:schemeClr val="bg1"/>
+                              </a:solidFill>
+                              <a:latin typeface="Cambria Math" panose="02040503050406030204" pitchFamily="18" charset="0"/>
+                            </a:rPr>
+                          </m:ctrlPr>
+                        </m:fPr>
+                        <m:num>
+                          <m:r>
+                            <a:rPr lang="en-US" sz="2800" b="1" i="1" smtClean="0">
+                              <a:solidFill>
+                                <a:schemeClr val="bg1"/>
+                              </a:solidFill>
+                              <a:latin typeface="Cambria Math" panose="02040503050406030204" pitchFamily="18" charset="0"/>
+                            </a:rPr>
+                            <m:t>(</m:t>
+                          </m:r>
+                          <m:r>
+                            <a:rPr lang="en-US" sz="2800" b="1" i="1" smtClean="0">
+                              <a:solidFill>
+                                <a:schemeClr val="bg1"/>
+                              </a:solidFill>
+                              <a:latin typeface="Cambria Math" panose="02040503050406030204" pitchFamily="18" charset="0"/>
+                            </a:rPr>
+                            <m:t>𝑹</m:t>
+                          </m:r>
+                          <m:sSup>
+                            <m:sSupPr>
+                              <m:ctrlPr>
+                                <a:rPr lang="en-US" sz="2800" b="1" i="1" smtClean="0">
+                                  <a:solidFill>
+                                    <a:schemeClr val="bg1"/>
+                                  </a:solidFill>
+                                  <a:latin typeface="Cambria Math" panose="02040503050406030204" pitchFamily="18" charset="0"/>
+                                </a:rPr>
+                              </m:ctrlPr>
+                            </m:sSupPr>
+                            <m:e>
+                              <m:r>
+                                <a:rPr lang="en-US" sz="2800" b="1" i="1" smtClean="0">
+                                  <a:solidFill>
+                                    <a:schemeClr val="bg1"/>
+                                  </a:solidFill>
+                                  <a:latin typeface="Cambria Math" panose="02040503050406030204" pitchFamily="18" charset="0"/>
+                                </a:rPr>
+                                <m:t>𝑺</m:t>
+                              </m:r>
+                              <m:r>
+                                <a:rPr lang="en-US" sz="2800" b="1" i="1" smtClean="0">
+                                  <a:solidFill>
+                                    <a:schemeClr val="bg1"/>
+                                  </a:solidFill>
+                                  <a:latin typeface="Cambria Math" panose="02040503050406030204" pitchFamily="18" charset="0"/>
+                                </a:rPr>
+                                <m:t>/</m:t>
+                              </m:r>
+                              <m:r>
+                                <a:rPr lang="en-US" sz="2800" b="1" i="1" smtClean="0">
+                                  <a:solidFill>
+                                    <a:schemeClr val="bg1"/>
+                                  </a:solidFill>
+                                  <a:latin typeface="Cambria Math" panose="02040503050406030204" pitchFamily="18" charset="0"/>
+                                </a:rPr>
+                                <m:t>𝑹𝑨</m:t>
+                              </m:r>
+                              <m:r>
+                                <a:rPr lang="en-US" sz="2800" b="1" i="1" smtClean="0">
+                                  <a:solidFill>
+                                    <a:schemeClr val="bg1"/>
+                                  </a:solidFill>
+                                  <a:latin typeface="Cambria Math" panose="02040503050406030204" pitchFamily="18" charset="0"/>
+                                </a:rPr>
+                                <m:t>)</m:t>
+                              </m:r>
+                            </m:e>
+                            <m:sup>
+                              <m:r>
+                                <a:rPr lang="en-US" sz="2800" b="1" i="1" smtClean="0">
+                                  <a:solidFill>
+                                    <a:schemeClr val="bg1"/>
+                                  </a:solidFill>
+                                  <a:latin typeface="Cambria Math" panose="02040503050406030204" pitchFamily="18" charset="0"/>
+                                </a:rPr>
+                                <m:t>𝜶</m:t>
+                              </m:r>
+                            </m:sup>
+                          </m:sSup>
+                        </m:num>
+                        <m:den>
+                          <m:r>
+                            <a:rPr lang="en-US" sz="2800" b="1" i="1" smtClean="0">
+                              <a:solidFill>
+                                <a:schemeClr val="bg1"/>
+                              </a:solidFill>
+                              <a:latin typeface="Cambria Math" panose="02040503050406030204" pitchFamily="18" charset="0"/>
+                            </a:rPr>
+                            <m:t>(</m:t>
+                          </m:r>
+                          <m:r>
+                            <a:rPr lang="en-US" sz="2800" b="1" i="1" smtClean="0">
+                              <a:solidFill>
+                                <a:schemeClr val="bg1"/>
+                              </a:solidFill>
+                              <a:latin typeface="Cambria Math" panose="02040503050406030204" pitchFamily="18" charset="0"/>
+                            </a:rPr>
+                            <m:t>𝑹</m:t>
+                          </m:r>
+                          <m:sSup>
+                            <m:sSupPr>
+                              <m:ctrlPr>
+                                <a:rPr lang="en-US" sz="2800" b="1" i="1">
+                                  <a:solidFill>
+                                    <a:schemeClr val="bg1"/>
+                                  </a:solidFill>
+                                  <a:latin typeface="Cambria Math" panose="02040503050406030204" pitchFamily="18" charset="0"/>
+                                </a:rPr>
+                              </m:ctrlPr>
+                            </m:sSupPr>
+                            <m:e>
+                              <m:r>
+                                <a:rPr lang="en-US" sz="2800" b="1" i="1">
+                                  <a:solidFill>
+                                    <a:schemeClr val="bg1"/>
+                                  </a:solidFill>
+                                  <a:latin typeface="Cambria Math" panose="02040503050406030204" pitchFamily="18" charset="0"/>
+                                </a:rPr>
+                                <m:t>𝑺</m:t>
+                              </m:r>
+                              <m:r>
+                                <a:rPr lang="en-US" sz="2800" b="1" i="1" smtClean="0">
+                                  <a:solidFill>
+                                    <a:schemeClr val="bg1"/>
+                                  </a:solidFill>
+                                  <a:latin typeface="Cambria Math" panose="02040503050406030204" pitchFamily="18" charset="0"/>
+                                </a:rPr>
+                                <m:t>/</m:t>
+                              </m:r>
+                              <m:r>
+                                <a:rPr lang="en-US" sz="2800" b="1" i="1" smtClean="0">
+                                  <a:solidFill>
+                                    <a:schemeClr val="bg1"/>
+                                  </a:solidFill>
+                                  <a:latin typeface="Cambria Math" panose="02040503050406030204" pitchFamily="18" charset="0"/>
+                                </a:rPr>
+                                <m:t>𝑹𝑨</m:t>
+                              </m:r>
+                              <m:r>
+                                <a:rPr lang="en-US" sz="2800" b="1" i="1" smtClean="0">
+                                  <a:solidFill>
+                                    <a:schemeClr val="bg1"/>
+                                  </a:solidFill>
+                                  <a:latin typeface="Cambria Math" panose="02040503050406030204" pitchFamily="18" charset="0"/>
+                                </a:rPr>
+                                <m:t>)</m:t>
+                              </m:r>
+                            </m:e>
+                            <m:sup>
+                              <m:r>
+                                <a:rPr lang="en-US" sz="2800" b="1" i="1">
+                                  <a:solidFill>
+                                    <a:schemeClr val="bg1"/>
+                                  </a:solidFill>
+                                  <a:latin typeface="Cambria Math" panose="02040503050406030204" pitchFamily="18" charset="0"/>
+                                </a:rPr>
+                                <m:t>𝜶</m:t>
+                              </m:r>
+                            </m:sup>
+                          </m:sSup>
+                          <m:r>
+                            <a:rPr lang="en-US" sz="2800" b="1" i="1" smtClean="0">
+                              <a:solidFill>
+                                <a:schemeClr val="bg1"/>
+                              </a:solidFill>
+                              <a:latin typeface="Cambria Math" panose="02040503050406030204" pitchFamily="18" charset="0"/>
+                            </a:rPr>
+                            <m:t>+</m:t>
+                          </m:r>
+                          <m:r>
+                            <a:rPr lang="en-US" sz="2800" b="1" i="1" smtClean="0">
+                              <a:solidFill>
+                                <a:schemeClr val="bg1"/>
+                              </a:solidFill>
+                              <a:latin typeface="Cambria Math" panose="02040503050406030204" pitchFamily="18" charset="0"/>
+                            </a:rPr>
+                            <m:t>𝟏</m:t>
+                          </m:r>
+                        </m:den>
+                      </m:f>
+                      <m:r>
+                        <a:rPr lang="en-US" sz="2800" b="1" i="0" smtClean="0">
+                          <a:solidFill>
+                            <a:schemeClr val="bg1"/>
+                          </a:solidFill>
+                          <a:latin typeface="Cambria Math" panose="02040503050406030204" pitchFamily="18" charset="0"/>
+                        </a:rPr>
+                        <m:t>+</m:t>
+                      </m:r>
+                      <m:r>
+                        <a:rPr lang="en-US" sz="2800" b="1" i="1" smtClean="0">
+                          <a:solidFill>
+                            <a:schemeClr val="bg1"/>
+                          </a:solidFill>
+                          <a:latin typeface="Cambria Math" panose="02040503050406030204" pitchFamily="18" charset="0"/>
+                        </a:rPr>
+                        <m:t>𝝐</m:t>
+                      </m:r>
+                    </m:oMath>
+                  </m:oMathPara>
+                </a14:m>
+                <a:endParaRPr lang="en-US" sz="2800" b="1" dirty="0">
+                  <a:solidFill>
+                    <a:schemeClr val="bg1"/>
+                  </a:solidFill>
+                </a:endParaRPr>
+              </a:p>
+            </p:txBody>
+          </p:sp>
+        </mc:Choice>
+        <mc:Fallback>
+          <p:sp>
+            <p:nvSpPr>
+              <p:cNvPr id="19" name="TextBox 18">
+                <a:extLst>
+                  <a:ext uri="{FF2B5EF4-FFF2-40B4-BE49-F238E27FC236}">
+                    <a16:creationId xmlns:a16="http://schemas.microsoft.com/office/drawing/2014/main" id="{A66D46EC-6DE9-469F-A2CC-81A06687F730}"/>
+                  </a:ext>
+                </a:extLst>
+              </p:cNvPr>
+              <p:cNvSpPr txBox="1">
+                <a:spLocks noRot="1" noChangeAspect="1" noMove="1" noResize="1" noEditPoints="1" noAdjustHandles="1" noChangeArrowheads="1" noChangeShapeType="1" noTextEdit="1"/>
+              </p:cNvSpPr>
+              <p:nvPr/>
+            </p:nvSpPr>
+            <p:spPr>
+              <a:xfrm>
+                <a:off x="3086848" y="4400253"/>
+                <a:ext cx="5687006" cy="996619"/>
+              </a:xfrm>
+              <a:prstGeom prst="rect">
+                <a:avLst/>
+              </a:prstGeom>
+              <a:blipFill>
+                <a:blip r:embed="rId6"/>
+                <a:stretch>
+                  <a:fillRect/>
+                </a:stretch>
+              </a:blipFill>
+            </p:spPr>
+            <p:txBody>
+              <a:bodyPr/>
+              <a:lstStyle/>
+              <a:p>
+                <a:r>
+                  <a:rPr lang="en-US">
+                    <a:noFill/>
+                  </a:rPr>
+                  <a:t> </a:t>
+                </a:r>
+              </a:p>
+            </p:txBody>
+          </p:sp>
+        </mc:Fallback>
+      </mc:AlternateContent>
+      <p:sp>
+        <p:nvSpPr>
+          <p:cNvPr id="2" name="Oval 1">
+            <a:extLst>
+              <a:ext uri="{FF2B5EF4-FFF2-40B4-BE49-F238E27FC236}">
+                <a16:creationId xmlns:a16="http://schemas.microsoft.com/office/drawing/2014/main" id="{BD929914-D451-4D2D-B023-CF950550B034}"/>
+              </a:ext>
+            </a:extLst>
+          </p:cNvPr>
+          <p:cNvSpPr/>
+          <p:nvPr/>
+        </p:nvSpPr>
+        <p:spPr>
+          <a:xfrm>
+            <a:off x="7093623" y="2571855"/>
+            <a:ext cx="522514" cy="488264"/>
+          </a:xfrm>
+          <a:prstGeom prst="ellipse">
+            <a:avLst/>
+          </a:prstGeom>
+          <a:noFill/>
+          <a:ln w="38100">
+            <a:solidFill>
+              <a:schemeClr val="tx1"/>
+            </a:solidFill>
+          </a:ln>
+        </p:spPr>
+        <p:style>
+          <a:lnRef idx="2">
+            <a:schemeClr val="accent1">
+              <a:shade val="50000"/>
+            </a:schemeClr>
+          </a:lnRef>
+          <a:fillRef idx="1">
+            <a:schemeClr val="accent1"/>
+          </a:fillRef>
+          <a:effectRef idx="0">
+            <a:schemeClr val="accent1"/>
+          </a:effectRef>
+          <a:fontRef idx="minor">
+            <a:schemeClr val="lt1"/>
+          </a:fontRef>
+        </p:style>
+        <p:txBody>
+          <a:bodyPr rtlCol="0" anchor="ctr"/>
+          <a:lstStyle/>
+          <a:p>
+            <a:pPr algn="ctr"/>
+            <a:endParaRPr lang="en-US"/>
+          </a:p>
+        </p:txBody>
+      </p:sp>
+      <p:cxnSp>
+        <p:nvCxnSpPr>
+          <p:cNvPr id="4" name="Straight Arrow Connector 3">
+            <a:extLst>
+              <a:ext uri="{FF2B5EF4-FFF2-40B4-BE49-F238E27FC236}">
+                <a16:creationId xmlns:a16="http://schemas.microsoft.com/office/drawing/2014/main" id="{A85F6351-C528-43B6-84AF-967CD21B3EC9}"/>
+              </a:ext>
+            </a:extLst>
+          </p:cNvPr>
+          <p:cNvCxnSpPr>
+            <a:cxnSpLocks/>
+          </p:cNvCxnSpPr>
+          <p:nvPr/>
+        </p:nvCxnSpPr>
+        <p:spPr>
+          <a:xfrm>
+            <a:off x="7678357" y="2867238"/>
+            <a:ext cx="1513144" cy="22980"/>
+          </a:xfrm>
+          <a:prstGeom prst="straightConnector1">
+            <a:avLst/>
+          </a:prstGeom>
+          <a:ln w="38100">
+            <a:solidFill>
+              <a:schemeClr val="tx1"/>
+            </a:solidFill>
+            <a:tailEnd type="triangle"/>
+          </a:ln>
+        </p:spPr>
+        <p:style>
+          <a:lnRef idx="1">
+            <a:schemeClr val="accent1"/>
+          </a:lnRef>
+          <a:fillRef idx="0">
+            <a:schemeClr val="accent1"/>
+          </a:fillRef>
+          <a:effectRef idx="0">
+            <a:schemeClr val="accent1"/>
+          </a:effectRef>
+          <a:fontRef idx="minor">
+            <a:schemeClr val="tx1"/>
+          </a:fontRef>
+        </p:style>
+      </p:cxnSp>
+      <p:sp>
+        <p:nvSpPr>
+          <p:cNvPr id="5" name="TextBox 4">
+            <a:extLst>
+              <a:ext uri="{FF2B5EF4-FFF2-40B4-BE49-F238E27FC236}">
+                <a16:creationId xmlns:a16="http://schemas.microsoft.com/office/drawing/2014/main" id="{09AE00FA-04FD-4AFB-8C2E-CDC48D16B45C}"/>
+              </a:ext>
+            </a:extLst>
+          </p:cNvPr>
+          <p:cNvSpPr txBox="1"/>
+          <p:nvPr/>
+        </p:nvSpPr>
+        <p:spPr>
+          <a:xfrm>
+            <a:off x="9289378" y="2676288"/>
+            <a:ext cx="1513144" cy="461665"/>
+          </a:xfrm>
+          <a:prstGeom prst="rect">
+            <a:avLst/>
+          </a:prstGeom>
+          <a:noFill/>
+        </p:spPr>
+        <p:txBody>
+          <a:bodyPr wrap="square" rtlCol="0">
+            <a:spAutoFit/>
+          </a:bodyPr>
+          <a:lstStyle/>
+          <a:p>
+            <a:r>
+              <a:rPr lang="en-US" sz="2400" dirty="0">
+                <a:solidFill>
+                  <a:schemeClr val="bg1"/>
+                </a:solidFill>
+              </a:rPr>
+              <a:t>#Blessed</a:t>
+            </a:r>
+          </a:p>
+        </p:txBody>
+      </p:sp>
+    </p:spTree>
+    <p:extLst>
+      <p:ext uri="{BB962C8B-B14F-4D97-AF65-F5344CB8AC3E}">
+        <p14:creationId xmlns:p14="http://schemas.microsoft.com/office/powerpoint/2010/main" val="3579946277"/>
+      </p:ext>
+    </p:extLst>
+  </p:cSld>
+  <p:clrMapOvr>
+    <a:masterClrMapping/>
+  </p:clrMapOvr>
+</p:sld>
+</file>
+
+<file path=ppt/slides/slide16.xml><?xml version="1.0" encoding="utf-8"?>
+<p:sld xmlns:a="http://schemas.openxmlformats.org/drawingml/2006/main" xmlns:r="http://schemas.openxmlformats.org/officeDocument/2006/relationships" xmlns:p="http://schemas.openxmlformats.org/presentationml/2006/main">
+  <p:cSld>
+    <p:bg>
+      <p:bgPr>
+        <a:solidFill>
+          <a:schemeClr val="bg1"/>
+        </a:solidFill>
+        <a:effectLst/>
+      </p:bgPr>
+    </p:bg>
+    <p:spTree>
+      <p:nvGrpSpPr>
+        <p:cNvPr id="1" name=""/>
+        <p:cNvGrpSpPr/>
+        <p:nvPr/>
+      </p:nvGrpSpPr>
+      <p:grpSpPr>
+        <a:xfrm>
+          <a:off x="0" y="0"/>
+          <a:ext cx="0" cy="0"/>
+          <a:chOff x="0" y="0"/>
+          <a:chExt cx="0" cy="0"/>
+        </a:xfrm>
+      </p:grpSpPr>
+      <p:sp>
+        <p:nvSpPr>
+          <p:cNvPr id="17" name="Rectangle 16">
+            <a:extLst>
+              <a:ext uri="{FF2B5EF4-FFF2-40B4-BE49-F238E27FC236}">
+                <a16:creationId xmlns:a16="http://schemas.microsoft.com/office/drawing/2014/main" id="{0A8FE870-A334-4DE1-84A7-AB191ED10D63}"/>
+              </a:ext>
+            </a:extLst>
+          </p:cNvPr>
+          <p:cNvSpPr/>
+          <p:nvPr/>
+        </p:nvSpPr>
+        <p:spPr>
+          <a:xfrm>
+            <a:off x="0" y="-52157"/>
+            <a:ext cx="12192000" cy="6910157"/>
+          </a:xfrm>
+          <a:prstGeom prst="rect">
+            <a:avLst/>
+          </a:prstGeom>
+          <a:solidFill>
+            <a:srgbClr val="395583"/>
+          </a:solidFill>
+        </p:spPr>
+        <p:style>
+          <a:lnRef idx="2">
+            <a:schemeClr val="accent1">
+              <a:shade val="50000"/>
+            </a:schemeClr>
+          </a:lnRef>
+          <a:fillRef idx="1">
+            <a:schemeClr val="accent1"/>
+          </a:fillRef>
+          <a:effectRef idx="0">
+            <a:schemeClr val="accent1"/>
+          </a:effectRef>
+          <a:fontRef idx="minor">
+            <a:schemeClr val="lt1"/>
+          </a:fontRef>
+        </p:style>
+        <p:txBody>
+          <a:bodyPr rtlCol="0" anchor="ctr"/>
+          <a:lstStyle/>
+          <a:p>
+            <a:pPr algn="ctr"/>
+            <a:endParaRPr lang="en-US"/>
+          </a:p>
+        </p:txBody>
+      </p:sp>
+      <p:pic>
+        <p:nvPicPr>
+          <p:cNvPr id="8" name="Picture 7" descr="A close up of a toy&#10;&#10;Description automatically generated">
+            <a:extLst>
+              <a:ext uri="{FF2B5EF4-FFF2-40B4-BE49-F238E27FC236}">
+                <a16:creationId xmlns:a16="http://schemas.microsoft.com/office/drawing/2014/main" id="{131D5527-B848-4F84-9601-62DB93565332}"/>
+              </a:ext>
+            </a:extLst>
+          </p:cNvPr>
+          <p:cNvPicPr>
+            <a:picLocks noChangeAspect="1"/>
+          </p:cNvPicPr>
+          <p:nvPr/>
+        </p:nvPicPr>
+        <p:blipFill rotWithShape="1">
+          <a:blip r:embed="rId2">
+            <a:extLst>
+              <a:ext uri="{28A0092B-C50C-407E-A947-70E740481C1C}">
+                <a14:useLocalDpi xmlns:a14="http://schemas.microsoft.com/office/drawing/2010/main" val="0"/>
+              </a:ext>
+            </a:extLst>
+          </a:blip>
+          <a:srcRect l="6238" r="10796"/>
+          <a:stretch/>
+        </p:blipFill>
+        <p:spPr>
+          <a:xfrm>
+            <a:off x="0" y="-52157"/>
+            <a:ext cx="2684015" cy="3969421"/>
+          </a:xfrm>
+          <a:prstGeom prst="rect">
+            <a:avLst/>
+          </a:prstGeom>
+        </p:spPr>
+      </p:pic>
+      <p:sp>
+        <p:nvSpPr>
+          <p:cNvPr id="33" name="Rectangle 32">
+            <a:extLst>
+              <a:ext uri="{FF2B5EF4-FFF2-40B4-BE49-F238E27FC236}">
+                <a16:creationId xmlns:a16="http://schemas.microsoft.com/office/drawing/2014/main" id="{6F93929A-DE1C-47C4-AF97-F99DB104E96F}"/>
+              </a:ext>
+            </a:extLst>
+          </p:cNvPr>
+          <p:cNvSpPr/>
+          <p:nvPr/>
+        </p:nvSpPr>
+        <p:spPr>
+          <a:xfrm rot="16200000">
+            <a:off x="782431" y="1849427"/>
+            <a:ext cx="3969421" cy="166254"/>
+          </a:xfrm>
+          <a:prstGeom prst="rect">
+            <a:avLst/>
+          </a:prstGeom>
+          <a:solidFill>
+            <a:schemeClr val="tx1"/>
+          </a:solidFill>
+          <a:ln>
+            <a:noFill/>
+          </a:ln>
+        </p:spPr>
+        <p:style>
+          <a:lnRef idx="2">
+            <a:schemeClr val="accent1">
+              <a:shade val="50000"/>
+            </a:schemeClr>
+          </a:lnRef>
+          <a:fillRef idx="1">
+            <a:schemeClr val="accent1"/>
+          </a:fillRef>
+          <a:effectRef idx="0">
+            <a:schemeClr val="accent1"/>
+          </a:effectRef>
+          <a:fontRef idx="minor">
+            <a:schemeClr val="lt1"/>
+          </a:fontRef>
+        </p:style>
+        <p:txBody>
+          <a:bodyPr rtlCol="0" anchor="ctr"/>
+          <a:lstStyle/>
+          <a:p>
+            <a:pPr algn="ctr"/>
+            <a:endParaRPr lang="en-US" dirty="0">
+              <a:solidFill>
+                <a:srgbClr val="DB5B5C"/>
+              </a:solidFill>
+            </a:endParaRPr>
+          </a:p>
+        </p:txBody>
+      </p:sp>
+      <p:sp>
+        <p:nvSpPr>
+          <p:cNvPr id="35" name="Rectangle 34">
+            <a:extLst>
+              <a:ext uri="{FF2B5EF4-FFF2-40B4-BE49-F238E27FC236}">
+                <a16:creationId xmlns:a16="http://schemas.microsoft.com/office/drawing/2014/main" id="{259A39E4-556F-4581-82A2-C6B68A8147A4}"/>
+              </a:ext>
+            </a:extLst>
+          </p:cNvPr>
+          <p:cNvSpPr/>
+          <p:nvPr/>
+        </p:nvSpPr>
+        <p:spPr>
+          <a:xfrm rot="10800000">
+            <a:off x="-2" y="3756674"/>
+            <a:ext cx="2850269" cy="3101326"/>
+          </a:xfrm>
+          <a:prstGeom prst="rect">
+            <a:avLst/>
+          </a:prstGeom>
+          <a:solidFill>
+            <a:schemeClr val="tx1"/>
+          </a:solidFill>
+          <a:ln>
+            <a:noFill/>
+          </a:ln>
+        </p:spPr>
+        <p:style>
+          <a:lnRef idx="2">
+            <a:schemeClr val="accent1">
+              <a:shade val="50000"/>
+            </a:schemeClr>
+          </a:lnRef>
+          <a:fillRef idx="1">
+            <a:schemeClr val="accent1"/>
+          </a:fillRef>
+          <a:effectRef idx="0">
+            <a:schemeClr val="accent1"/>
+          </a:effectRef>
+          <a:fontRef idx="minor">
+            <a:schemeClr val="lt1"/>
+          </a:fontRef>
+        </p:style>
+        <p:txBody>
+          <a:bodyPr rtlCol="0" anchor="ctr"/>
+          <a:lstStyle/>
+          <a:p>
+            <a:pPr algn="ctr"/>
+            <a:endParaRPr lang="en-US" dirty="0">
+              <a:solidFill>
+                <a:srgbClr val="DB5B5C"/>
+              </a:solidFill>
+            </a:endParaRPr>
+          </a:p>
+        </p:txBody>
+      </p:sp>
+      <p:sp>
+        <p:nvSpPr>
+          <p:cNvPr id="23" name="Subtitle 22">
+            <a:extLst>
+              <a:ext uri="{FF2B5EF4-FFF2-40B4-BE49-F238E27FC236}">
+                <a16:creationId xmlns:a16="http://schemas.microsoft.com/office/drawing/2014/main" id="{1E5D6413-9C6F-483D-BE52-F3BBB1E74630}"/>
+              </a:ext>
+            </a:extLst>
+          </p:cNvPr>
+          <p:cNvSpPr>
+            <a:spLocks noGrp="1"/>
+          </p:cNvSpPr>
+          <p:nvPr>
+            <p:ph type="subTitle" idx="1"/>
+          </p:nvPr>
+        </p:nvSpPr>
+        <p:spPr>
+          <a:xfrm>
+            <a:off x="3007491" y="137620"/>
+            <a:ext cx="9341732" cy="1684867"/>
+          </a:xfrm>
+        </p:spPr>
+        <p:txBody>
+          <a:bodyPr>
+            <a:normAutofit/>
+          </a:bodyPr>
+          <a:lstStyle/>
+          <a:p>
+            <a:pPr algn="l"/>
+            <a:r>
+              <a:rPr lang="en-US" sz="4400" dirty="0">
+                <a:solidFill>
+                  <a:schemeClr val="bg1"/>
+                </a:solidFill>
+                <a:latin typeface="Selawik Semibold" panose="020B0702040204020203" pitchFamily="34" charset="0"/>
+              </a:rPr>
+              <a:t>Pythagorean Theorem</a:t>
+            </a:r>
+          </a:p>
+        </p:txBody>
+      </p:sp>
+      <p:pic>
+        <p:nvPicPr>
+          <p:cNvPr id="16" name="Picture 15" descr="A close up of a toy&#10;&#10;Description automatically generated">
+            <a:extLst>
+              <a:ext uri="{FF2B5EF4-FFF2-40B4-BE49-F238E27FC236}">
+                <a16:creationId xmlns:a16="http://schemas.microsoft.com/office/drawing/2014/main" id="{94C75949-F15C-4E05-810D-EF40FCE89107}"/>
+              </a:ext>
+            </a:extLst>
+          </p:cNvPr>
+          <p:cNvPicPr>
+            <a:picLocks noChangeAspect="1"/>
+          </p:cNvPicPr>
+          <p:nvPr/>
+        </p:nvPicPr>
+        <p:blipFill>
+          <a:blip r:embed="rId3">
+            <a:extLst>
+              <a:ext uri="{28A0092B-C50C-407E-A947-70E740481C1C}">
+                <a14:useLocalDpi xmlns:a14="http://schemas.microsoft.com/office/drawing/2010/main" val="0"/>
+              </a:ext>
+            </a:extLst>
+          </a:blip>
+          <a:stretch>
+            <a:fillRect/>
+          </a:stretch>
+        </p:blipFill>
+        <p:spPr>
+          <a:xfrm>
+            <a:off x="417789" y="4380288"/>
+            <a:ext cx="2014687" cy="2014687"/>
+          </a:xfrm>
+          <a:prstGeom prst="ellipse">
+            <a:avLst/>
+          </a:prstGeom>
+          <a:ln w="63500" cap="rnd">
+            <a:solidFill>
+              <a:srgbClr val="333333"/>
+            </a:solidFill>
+          </a:ln>
+          <a:effectLst>
+            <a:outerShdw blurRad="381000" dist="292100" dir="5400000" sx="-80000" sy="-18000" rotWithShape="0">
+              <a:srgbClr val="000000">
+                <a:alpha val="22000"/>
+              </a:srgbClr>
+            </a:outerShdw>
+          </a:effectLst>
+          <a:scene3d>
+            <a:camera prst="orthographicFront"/>
+            <a:lightRig rig="contrasting" dir="t">
+              <a:rot lat="0" lon="0" rev="3000000"/>
+            </a:lightRig>
+          </a:scene3d>
+          <a:sp3d contourW="7620">
+            <a:bevelT w="95250" h="31750"/>
+            <a:contourClr>
+              <a:srgbClr val="333333"/>
+            </a:contourClr>
+          </a:sp3d>
+        </p:spPr>
+      </p:pic>
+      <p:sp>
+        <p:nvSpPr>
+          <p:cNvPr id="38" name="Rectangle 37">
+            <a:extLst>
+              <a:ext uri="{FF2B5EF4-FFF2-40B4-BE49-F238E27FC236}">
+                <a16:creationId xmlns:a16="http://schemas.microsoft.com/office/drawing/2014/main" id="{28B1909D-4141-4FB1-8633-83F335349C97}"/>
+              </a:ext>
+            </a:extLst>
+          </p:cNvPr>
+          <p:cNvSpPr/>
+          <p:nvPr/>
+        </p:nvSpPr>
+        <p:spPr>
+          <a:xfrm rot="10800000">
+            <a:off x="3007493" y="844062"/>
+            <a:ext cx="9027282" cy="137067"/>
+          </a:xfrm>
+          <a:prstGeom prst="rect">
+            <a:avLst/>
+          </a:prstGeom>
+          <a:solidFill>
+            <a:schemeClr val="tx1"/>
+          </a:solidFill>
+          <a:ln>
+            <a:noFill/>
+          </a:ln>
+        </p:spPr>
+        <p:style>
+          <a:lnRef idx="2">
+            <a:schemeClr val="accent1">
+              <a:shade val="50000"/>
+            </a:schemeClr>
+          </a:lnRef>
+          <a:fillRef idx="1">
+            <a:schemeClr val="accent1"/>
+          </a:fillRef>
+          <a:effectRef idx="0">
+            <a:schemeClr val="accent1"/>
+          </a:effectRef>
+          <a:fontRef idx="minor">
+            <a:schemeClr val="lt1"/>
+          </a:fontRef>
+        </p:style>
+        <p:txBody>
+          <a:bodyPr rtlCol="0" anchor="ctr"/>
+          <a:lstStyle/>
+          <a:p>
+            <a:pPr algn="ctr"/>
+            <a:endParaRPr lang="en-US" dirty="0">
+              <a:solidFill>
+                <a:srgbClr val="DB5B5C"/>
+              </a:solidFill>
+            </a:endParaRPr>
+          </a:p>
+        </p:txBody>
+      </p:sp>
+      <p:sp>
+        <p:nvSpPr>
+          <p:cNvPr id="10" name="TextBox 9">
+            <a:extLst>
+              <a:ext uri="{FF2B5EF4-FFF2-40B4-BE49-F238E27FC236}">
+                <a16:creationId xmlns:a16="http://schemas.microsoft.com/office/drawing/2014/main" id="{8A07C2CC-416F-4D29-84CF-D1F8B766EE5F}"/>
+              </a:ext>
+            </a:extLst>
+          </p:cNvPr>
+          <p:cNvSpPr txBox="1"/>
+          <p:nvPr/>
+        </p:nvSpPr>
+        <p:spPr>
+          <a:xfrm>
+            <a:off x="3080083" y="1524088"/>
+            <a:ext cx="6740811" cy="5324535"/>
+          </a:xfrm>
+          <a:prstGeom prst="rect">
+            <a:avLst/>
+          </a:prstGeom>
+          <a:noFill/>
+        </p:spPr>
+        <p:txBody>
+          <a:bodyPr wrap="square" rtlCol="0">
+            <a:spAutoFit/>
+          </a:bodyPr>
+          <a:lstStyle/>
+          <a:p>
+            <a:pPr marL="342900" indent="-342900">
+              <a:buFont typeface="Arial" panose="020B0604020202020204" pitchFamily="34" charset="0"/>
+              <a:buChar char="•"/>
+            </a:pPr>
+            <a:r>
+              <a:rPr lang="en-US" sz="2400" dirty="0">
+                <a:solidFill>
+                  <a:schemeClr val="bg1"/>
+                </a:solidFill>
+                <a:latin typeface="Selawik Semibold" panose="020B0702040204020203" pitchFamily="34" charset="0"/>
+              </a:rPr>
+              <a:t>Useful for Valuing Players in Trades</a:t>
+            </a:r>
+          </a:p>
+          <a:p>
+            <a:pPr marL="800100" lvl="1" indent="-342900">
+              <a:buFont typeface="Arial" panose="020B0604020202020204" pitchFamily="34" charset="0"/>
+              <a:buChar char="•"/>
+            </a:pPr>
+            <a:r>
+              <a:rPr lang="en-US" sz="2000" dirty="0">
+                <a:solidFill>
+                  <a:schemeClr val="bg1"/>
+                </a:solidFill>
+                <a:latin typeface="Selawik Semibold" panose="020B0702040204020203" pitchFamily="34" charset="0"/>
+              </a:rPr>
+              <a:t>Example: Cleveland Indians</a:t>
+            </a:r>
+          </a:p>
+          <a:p>
+            <a:pPr marL="800100" lvl="1" indent="-342900">
+              <a:buFont typeface="Arial" panose="020B0604020202020204" pitchFamily="34" charset="0"/>
+              <a:buChar char="•"/>
+            </a:pPr>
+            <a:r>
+              <a:rPr lang="en-US" sz="2000" dirty="0">
+                <a:solidFill>
+                  <a:schemeClr val="bg1"/>
+                </a:solidFill>
+                <a:latin typeface="Selawik Semibold" panose="020B0702040204020203" pitchFamily="34" charset="0"/>
+              </a:rPr>
+              <a:t>Currently: RS=870 and RA=800</a:t>
+            </a:r>
+          </a:p>
+          <a:p>
+            <a:pPr marL="800100" lvl="1" indent="-342900">
+              <a:buFont typeface="Arial" panose="020B0604020202020204" pitchFamily="34" charset="0"/>
+              <a:buChar char="•"/>
+            </a:pPr>
+            <a:r>
+              <a:rPr lang="en-US" sz="2000" dirty="0">
+                <a:solidFill>
+                  <a:schemeClr val="bg1"/>
+                </a:solidFill>
+                <a:latin typeface="Selawik Semibold" panose="020B0702040204020203" pitchFamily="34" charset="0"/>
+              </a:rPr>
+              <a:t>Trade Bing Crosby (100 Runs)</a:t>
+            </a:r>
+          </a:p>
+          <a:p>
+            <a:pPr marL="800100" lvl="1" indent="-342900">
+              <a:buFont typeface="Arial" panose="020B0604020202020204" pitchFamily="34" charset="0"/>
+              <a:buChar char="•"/>
+            </a:pPr>
+            <a:r>
+              <a:rPr lang="en-US" sz="2000" dirty="0">
+                <a:solidFill>
+                  <a:schemeClr val="bg1"/>
+                </a:solidFill>
+                <a:latin typeface="Selawik Semibold" panose="020B0702040204020203" pitchFamily="34" charset="0"/>
+              </a:rPr>
+              <a:t>For Frank Sinatra (120 Runs)</a:t>
+            </a:r>
+          </a:p>
+          <a:p>
+            <a:pPr marL="800100" lvl="1" indent="-342900">
+              <a:buFont typeface="Arial" panose="020B0604020202020204" pitchFamily="34" charset="0"/>
+              <a:buChar char="•"/>
+            </a:pPr>
+            <a:r>
+              <a:rPr lang="en-US" sz="2000" dirty="0">
+                <a:solidFill>
+                  <a:schemeClr val="bg1"/>
+                </a:solidFill>
+                <a:latin typeface="Selawik Semibold" panose="020B0702040204020203" pitchFamily="34" charset="0"/>
+              </a:rPr>
+              <a:t>Difference: +20 Runs</a:t>
+            </a:r>
+          </a:p>
+          <a:p>
+            <a:pPr marL="800100" lvl="1" indent="-342900">
+              <a:buFont typeface="Arial" panose="020B0604020202020204" pitchFamily="34" charset="0"/>
+              <a:buChar char="•"/>
+            </a:pPr>
+            <a:r>
+              <a:rPr lang="en-US" sz="2000" dirty="0">
+                <a:solidFill>
+                  <a:schemeClr val="bg1"/>
+                </a:solidFill>
+                <a:latin typeface="Selawik Semibold" panose="020B0702040204020203" pitchFamily="34" charset="0"/>
+              </a:rPr>
+              <a:t>Before Trade:</a:t>
+            </a:r>
+          </a:p>
+          <a:p>
+            <a:pPr marL="1257300" lvl="2" indent="-342900">
+              <a:buFont typeface="Arial" panose="020B0604020202020204" pitchFamily="34" charset="0"/>
+              <a:buChar char="•"/>
+            </a:pPr>
+            <a:endParaRPr lang="en-US" sz="2400" dirty="0">
+              <a:solidFill>
+                <a:schemeClr val="bg1"/>
+              </a:solidFill>
+              <a:latin typeface="Selawik Semibold" panose="020B0702040204020203" pitchFamily="34" charset="0"/>
+            </a:endParaRPr>
+          </a:p>
+          <a:p>
+            <a:pPr marL="1257300" lvl="2" indent="-342900">
+              <a:buFont typeface="Arial" panose="020B0604020202020204" pitchFamily="34" charset="0"/>
+              <a:buChar char="•"/>
+            </a:pPr>
+            <a:endParaRPr lang="en-US" sz="2400" dirty="0">
+              <a:solidFill>
+                <a:schemeClr val="bg1"/>
+              </a:solidFill>
+              <a:latin typeface="Selawik Semibold" panose="020B0702040204020203" pitchFamily="34" charset="0"/>
+            </a:endParaRPr>
+          </a:p>
+          <a:p>
+            <a:pPr marL="800100" lvl="1" indent="-342900">
+              <a:buFont typeface="Arial" panose="020B0604020202020204" pitchFamily="34" charset="0"/>
+              <a:buChar char="•"/>
+            </a:pPr>
+            <a:endParaRPr lang="en-US" sz="2000" dirty="0">
+              <a:solidFill>
+                <a:schemeClr val="bg1"/>
+              </a:solidFill>
+              <a:latin typeface="Selawik Semibold" panose="020B0702040204020203" pitchFamily="34" charset="0"/>
+            </a:endParaRPr>
+          </a:p>
+          <a:p>
+            <a:pPr marL="800100" lvl="1" indent="-342900">
+              <a:buFont typeface="Arial" panose="020B0604020202020204" pitchFamily="34" charset="0"/>
+              <a:buChar char="•"/>
+            </a:pPr>
+            <a:endParaRPr lang="en-US" sz="2000" dirty="0">
+              <a:solidFill>
+                <a:schemeClr val="bg1"/>
+              </a:solidFill>
+              <a:latin typeface="Selawik Semibold" panose="020B0702040204020203" pitchFamily="34" charset="0"/>
+            </a:endParaRPr>
+          </a:p>
+          <a:p>
+            <a:pPr marL="800100" lvl="1" indent="-342900">
+              <a:buFont typeface="Arial" panose="020B0604020202020204" pitchFamily="34" charset="0"/>
+              <a:buChar char="•"/>
+            </a:pPr>
+            <a:r>
+              <a:rPr lang="en-US" sz="2000" dirty="0">
+                <a:solidFill>
+                  <a:schemeClr val="bg1"/>
+                </a:solidFill>
+                <a:latin typeface="Selawik Semibold" panose="020B0702040204020203" pitchFamily="34" charset="0"/>
+              </a:rPr>
+              <a:t>After Trade: </a:t>
+            </a:r>
+          </a:p>
+          <a:p>
+            <a:pPr marL="342900" indent="-342900">
+              <a:buFont typeface="Arial" panose="020B0604020202020204" pitchFamily="34" charset="0"/>
+              <a:buChar char="•"/>
+            </a:pPr>
+            <a:endParaRPr lang="en-US" sz="2000" dirty="0">
+              <a:solidFill>
+                <a:schemeClr val="bg1"/>
+              </a:solidFill>
+              <a:latin typeface="Selawik Semibold" panose="020B0702040204020203" pitchFamily="34" charset="0"/>
+            </a:endParaRPr>
+          </a:p>
+          <a:p>
+            <a:pPr lvl="1"/>
+            <a:endParaRPr lang="en-US" sz="2000" dirty="0">
+              <a:solidFill>
+                <a:schemeClr val="bg1"/>
+              </a:solidFill>
+              <a:latin typeface="Selawik Semibold" panose="020B0702040204020203" pitchFamily="34" charset="0"/>
+            </a:endParaRPr>
+          </a:p>
+          <a:p>
+            <a:pPr lvl="1"/>
+            <a:endParaRPr lang="en-US" sz="2400" dirty="0">
+              <a:solidFill>
+                <a:schemeClr val="bg1"/>
+              </a:solidFill>
+              <a:latin typeface="Selawik Semibold" panose="020B0702040204020203" pitchFamily="34" charset="0"/>
+            </a:endParaRPr>
+          </a:p>
+          <a:p>
+            <a:pPr marL="342900" indent="-342900">
+              <a:buFont typeface="Arial" panose="020B0604020202020204" pitchFamily="34" charset="0"/>
+              <a:buChar char="•"/>
+            </a:pPr>
+            <a:endParaRPr lang="en-US" sz="2400" dirty="0">
+              <a:solidFill>
+                <a:schemeClr val="bg1"/>
+              </a:solidFill>
+              <a:latin typeface="Selawik Semibold" panose="020B0702040204020203" pitchFamily="34" charset="0"/>
+            </a:endParaRPr>
+          </a:p>
+        </p:txBody>
+      </p:sp>
+      <p:sp>
+        <p:nvSpPr>
+          <p:cNvPr id="13" name="TextBox 12">
+            <a:extLst>
+              <a:ext uri="{FF2B5EF4-FFF2-40B4-BE49-F238E27FC236}">
+                <a16:creationId xmlns:a16="http://schemas.microsoft.com/office/drawing/2014/main" id="{2B7A9EEB-AAC8-4D56-8CAF-90ECAAAC58B0}"/>
+              </a:ext>
+            </a:extLst>
+          </p:cNvPr>
+          <p:cNvSpPr txBox="1"/>
+          <p:nvPr/>
+        </p:nvSpPr>
+        <p:spPr>
+          <a:xfrm>
+            <a:off x="9397453" y="1067024"/>
+            <a:ext cx="2637322" cy="1200329"/>
+          </a:xfrm>
+          <a:prstGeom prst="rect">
+            <a:avLst/>
+          </a:prstGeom>
+          <a:solidFill>
+            <a:schemeClr val="tx1"/>
+          </a:solidFill>
+        </p:spPr>
+        <p:txBody>
+          <a:bodyPr wrap="square" rtlCol="0">
+            <a:spAutoFit/>
+          </a:bodyPr>
+          <a:lstStyle/>
+          <a:p>
+            <a:r>
+              <a:rPr lang="en-US" sz="2400" dirty="0">
+                <a:solidFill>
+                  <a:schemeClr val="bg1"/>
+                </a:solidFill>
+              </a:rPr>
+              <a:t>WP = Win %</a:t>
+            </a:r>
+          </a:p>
+          <a:p>
+            <a:r>
+              <a:rPr lang="en-US" sz="2400" dirty="0">
+                <a:solidFill>
+                  <a:schemeClr val="bg1"/>
+                </a:solidFill>
+              </a:rPr>
+              <a:t>RS = Runs Scored</a:t>
+            </a:r>
+          </a:p>
+          <a:p>
+            <a:r>
+              <a:rPr lang="en-US" sz="2400" dirty="0">
+                <a:solidFill>
+                  <a:schemeClr val="bg1"/>
+                </a:solidFill>
+              </a:rPr>
+              <a:t>RA = Runs Allowed</a:t>
+            </a:r>
+          </a:p>
+        </p:txBody>
+      </p:sp>
+      <mc:AlternateContent xmlns:mc="http://schemas.openxmlformats.org/markup-compatibility/2006">
+        <mc:Choice xmlns:a14="http://schemas.microsoft.com/office/drawing/2010/main" Requires="a14">
+          <p:sp>
+            <p:nvSpPr>
+              <p:cNvPr id="15" name="TextBox 14">
+                <a:extLst>
+                  <a:ext uri="{FF2B5EF4-FFF2-40B4-BE49-F238E27FC236}">
+                    <a16:creationId xmlns:a16="http://schemas.microsoft.com/office/drawing/2014/main" id="{39AA2430-FAF9-4662-AADB-3CDCF0AD1206}"/>
+                  </a:ext>
+                </a:extLst>
+              </p:cNvPr>
+              <p:cNvSpPr txBox="1"/>
+              <p:nvPr/>
+            </p:nvSpPr>
+            <p:spPr>
+              <a:xfrm>
+                <a:off x="2850265" y="3779011"/>
+                <a:ext cx="5687006" cy="1362424"/>
+              </a:xfrm>
+              <a:prstGeom prst="rect">
+                <a:avLst/>
+              </a:prstGeom>
+              <a:noFill/>
+            </p:spPr>
+            <p:txBody>
+              <a:bodyPr wrap="square" rtlCol="0">
+                <a:spAutoFit/>
+              </a:bodyPr>
+              <a:lstStyle/>
+              <a:p>
+                <a:pPr/>
+                <a14:m>
+                  <m:oMathPara xmlns:m="http://schemas.openxmlformats.org/officeDocument/2006/math">
+                    <m:oMathParaPr>
+                      <m:jc m:val="centerGroup"/>
+                    </m:oMathParaPr>
+                    <m:oMath xmlns:m="http://schemas.openxmlformats.org/officeDocument/2006/math">
+                      <m:r>
+                        <a:rPr lang="en-US" sz="2000" b="1" i="1" smtClean="0">
+                          <a:solidFill>
+                            <a:schemeClr val="bg1"/>
+                          </a:solidFill>
+                          <a:latin typeface="Cambria Math" panose="02040503050406030204" pitchFamily="18" charset="0"/>
+                        </a:rPr>
+                        <m:t>𝑾𝑷</m:t>
+                      </m:r>
+                      <m:r>
+                        <a:rPr lang="en-US" sz="2000" b="1" i="1" smtClean="0">
+                          <a:solidFill>
+                            <a:schemeClr val="bg1"/>
+                          </a:solidFill>
+                          <a:latin typeface="Cambria Math" panose="02040503050406030204" pitchFamily="18" charset="0"/>
+                          <a:ea typeface="Cambria Math" panose="02040503050406030204" pitchFamily="18" charset="0"/>
+                        </a:rPr>
+                        <m:t>≈</m:t>
+                      </m:r>
+                      <m:r>
+                        <a:rPr lang="en-US" sz="2000" b="1" i="1" smtClean="0">
+                          <a:solidFill>
+                            <a:schemeClr val="bg1"/>
+                          </a:solidFill>
+                          <a:latin typeface="Cambria Math" panose="02040503050406030204" pitchFamily="18" charset="0"/>
+                        </a:rPr>
+                        <m:t> </m:t>
+                      </m:r>
+                      <m:f>
+                        <m:fPr>
+                          <m:ctrlPr>
+                            <a:rPr lang="en-US" sz="2000" b="1" i="1" smtClean="0">
+                              <a:solidFill>
+                                <a:schemeClr val="bg1"/>
+                              </a:solidFill>
+                              <a:latin typeface="Cambria Math" panose="02040503050406030204" pitchFamily="18" charset="0"/>
+                            </a:rPr>
+                          </m:ctrlPr>
+                        </m:fPr>
+                        <m:num>
+                          <m:sSup>
+                            <m:sSupPr>
+                              <m:ctrlPr>
+                                <a:rPr lang="en-US" sz="2000" b="1" i="1" smtClean="0">
+                                  <a:solidFill>
+                                    <a:schemeClr val="bg1"/>
+                                  </a:solidFill>
+                                  <a:latin typeface="Cambria Math" panose="02040503050406030204" pitchFamily="18" charset="0"/>
+                                </a:rPr>
+                              </m:ctrlPr>
+                            </m:sSupPr>
+                            <m:e>
+                              <m:d>
+                                <m:dPr>
+                                  <m:ctrlPr>
+                                    <a:rPr lang="en-US" sz="2000" b="1" i="1" smtClean="0">
+                                      <a:solidFill>
+                                        <a:schemeClr val="bg1"/>
+                                      </a:solidFill>
+                                      <a:latin typeface="Cambria Math" panose="02040503050406030204" pitchFamily="18" charset="0"/>
+                                    </a:rPr>
+                                  </m:ctrlPr>
+                                </m:dPr>
+                                <m:e>
+                                  <m:f>
+                                    <m:fPr>
+                                      <m:ctrlPr>
+                                        <a:rPr lang="en-US" sz="2000" b="1" i="1" smtClean="0">
+                                          <a:solidFill>
+                                            <a:schemeClr val="bg1"/>
+                                          </a:solidFill>
+                                          <a:latin typeface="Cambria Math" panose="02040503050406030204" pitchFamily="18" charset="0"/>
+                                        </a:rPr>
+                                      </m:ctrlPr>
+                                    </m:fPr>
+                                    <m:num>
+                                      <m:r>
+                                        <a:rPr lang="en-US" sz="2000" b="1" i="1" smtClean="0">
+                                          <a:solidFill>
+                                            <a:schemeClr val="bg1"/>
+                                          </a:solidFill>
+                                          <a:latin typeface="Cambria Math" panose="02040503050406030204" pitchFamily="18" charset="0"/>
+                                        </a:rPr>
+                                        <m:t>𝟖𝟕𝟎</m:t>
+                                      </m:r>
+                                    </m:num>
+                                    <m:den>
+                                      <m:r>
+                                        <a:rPr lang="en-US" sz="2000" b="1" i="1" smtClean="0">
+                                          <a:solidFill>
+                                            <a:schemeClr val="bg1"/>
+                                          </a:solidFill>
+                                          <a:latin typeface="Cambria Math" panose="02040503050406030204" pitchFamily="18" charset="0"/>
+                                        </a:rPr>
+                                        <m:t>𝟖𝟎𝟎</m:t>
+                                      </m:r>
+                                    </m:den>
+                                  </m:f>
+                                </m:e>
+                              </m:d>
+                            </m:e>
+                            <m:sup>
+                              <m:r>
+                                <a:rPr lang="en-US" sz="2000" b="1" i="1" smtClean="0">
+                                  <a:solidFill>
+                                    <a:schemeClr val="bg1"/>
+                                  </a:solidFill>
+                                  <a:latin typeface="Cambria Math" panose="02040503050406030204" pitchFamily="18" charset="0"/>
+                                </a:rPr>
+                                <m:t>𝟏</m:t>
+                              </m:r>
+                              <m:r>
+                                <a:rPr lang="en-US" sz="2000" b="1" i="1" smtClean="0">
+                                  <a:solidFill>
+                                    <a:schemeClr val="bg1"/>
+                                  </a:solidFill>
+                                  <a:latin typeface="Cambria Math" panose="02040503050406030204" pitchFamily="18" charset="0"/>
+                                </a:rPr>
+                                <m:t>.</m:t>
+                              </m:r>
+                              <m:r>
+                                <a:rPr lang="en-US" sz="2000" b="1" i="1" smtClean="0">
+                                  <a:solidFill>
+                                    <a:schemeClr val="bg1"/>
+                                  </a:solidFill>
+                                  <a:latin typeface="Cambria Math" panose="02040503050406030204" pitchFamily="18" charset="0"/>
+                                </a:rPr>
+                                <m:t>𝟖𝟐</m:t>
+                              </m:r>
+                            </m:sup>
+                          </m:sSup>
+                        </m:num>
+                        <m:den>
+                          <m:sSup>
+                            <m:sSupPr>
+                              <m:ctrlPr>
+                                <a:rPr lang="en-US" sz="2000" b="1" i="1">
+                                  <a:solidFill>
+                                    <a:schemeClr val="bg1"/>
+                                  </a:solidFill>
+                                  <a:latin typeface="Cambria Math" panose="02040503050406030204" pitchFamily="18" charset="0"/>
+                                </a:rPr>
+                              </m:ctrlPr>
+                            </m:sSupPr>
+                            <m:e>
+                              <m:d>
+                                <m:dPr>
+                                  <m:ctrlPr>
+                                    <a:rPr lang="en-US" sz="2000" b="1" i="1">
+                                      <a:solidFill>
+                                        <a:schemeClr val="bg1"/>
+                                      </a:solidFill>
+                                      <a:latin typeface="Cambria Math" panose="02040503050406030204" pitchFamily="18" charset="0"/>
+                                    </a:rPr>
+                                  </m:ctrlPr>
+                                </m:dPr>
+                                <m:e>
+                                  <m:f>
+                                    <m:fPr>
+                                      <m:ctrlPr>
+                                        <a:rPr lang="en-US" sz="2000" b="1" i="1">
+                                          <a:solidFill>
+                                            <a:schemeClr val="bg1"/>
+                                          </a:solidFill>
+                                          <a:latin typeface="Cambria Math" panose="02040503050406030204" pitchFamily="18" charset="0"/>
+                                        </a:rPr>
+                                      </m:ctrlPr>
+                                    </m:fPr>
+                                    <m:num>
+                                      <m:r>
+                                        <a:rPr lang="en-US" sz="2000" b="1" i="1">
+                                          <a:solidFill>
+                                            <a:schemeClr val="bg1"/>
+                                          </a:solidFill>
+                                          <a:latin typeface="Cambria Math" panose="02040503050406030204" pitchFamily="18" charset="0"/>
+                                        </a:rPr>
+                                        <m:t>𝟖𝟕𝟎</m:t>
+                                      </m:r>
+                                    </m:num>
+                                    <m:den>
+                                      <m:r>
+                                        <a:rPr lang="en-US" sz="2000" b="1" i="1">
+                                          <a:solidFill>
+                                            <a:schemeClr val="bg1"/>
+                                          </a:solidFill>
+                                          <a:latin typeface="Cambria Math" panose="02040503050406030204" pitchFamily="18" charset="0"/>
+                                        </a:rPr>
+                                        <m:t>𝟖𝟎𝟎</m:t>
+                                      </m:r>
+                                    </m:den>
+                                  </m:f>
+                                </m:e>
+                              </m:d>
+                            </m:e>
+                            <m:sup>
+                              <m:r>
+                                <a:rPr lang="en-US" sz="2000" b="1" i="1" smtClean="0">
+                                  <a:solidFill>
+                                    <a:schemeClr val="bg1"/>
+                                  </a:solidFill>
+                                  <a:latin typeface="Cambria Math" panose="02040503050406030204" pitchFamily="18" charset="0"/>
+                                </a:rPr>
+                                <m:t>𝟏</m:t>
+                              </m:r>
+                              <m:r>
+                                <a:rPr lang="en-US" sz="2000" b="1" i="1" smtClean="0">
+                                  <a:solidFill>
+                                    <a:schemeClr val="bg1"/>
+                                  </a:solidFill>
+                                  <a:latin typeface="Cambria Math" panose="02040503050406030204" pitchFamily="18" charset="0"/>
+                                </a:rPr>
+                                <m:t>.</m:t>
+                              </m:r>
+                              <m:r>
+                                <a:rPr lang="en-US" sz="2000" b="1" i="1" smtClean="0">
+                                  <a:solidFill>
+                                    <a:schemeClr val="bg1"/>
+                                  </a:solidFill>
+                                  <a:latin typeface="Cambria Math" panose="02040503050406030204" pitchFamily="18" charset="0"/>
+                                </a:rPr>
+                                <m:t>𝟖𝟐</m:t>
+                              </m:r>
+                            </m:sup>
+                          </m:sSup>
+                          <m:r>
+                            <a:rPr lang="en-US" sz="2000" b="1" i="1" smtClean="0">
+                              <a:solidFill>
+                                <a:schemeClr val="bg1"/>
+                              </a:solidFill>
+                              <a:latin typeface="Cambria Math" panose="02040503050406030204" pitchFamily="18" charset="0"/>
+                            </a:rPr>
+                            <m:t>+</m:t>
+                          </m:r>
+                          <m:r>
+                            <a:rPr lang="en-US" sz="2000" b="1" i="1" smtClean="0">
+                              <a:solidFill>
+                                <a:schemeClr val="bg1"/>
+                              </a:solidFill>
+                              <a:latin typeface="Cambria Math" panose="02040503050406030204" pitchFamily="18" charset="0"/>
+                            </a:rPr>
+                            <m:t>𝟏</m:t>
+                          </m:r>
+                        </m:den>
+                      </m:f>
+                      <m:r>
+                        <a:rPr lang="en-US" sz="2000" b="1" i="0" smtClean="0">
+                          <a:solidFill>
+                            <a:schemeClr val="bg1"/>
+                          </a:solidFill>
+                          <a:latin typeface="Cambria Math" panose="02040503050406030204" pitchFamily="18" charset="0"/>
+                        </a:rPr>
+                        <m:t>=</m:t>
+                      </m:r>
+                      <m:r>
+                        <a:rPr lang="en-US" sz="2000" b="1" i="0" smtClean="0">
+                          <a:solidFill>
+                            <a:schemeClr val="bg1"/>
+                          </a:solidFill>
+                          <a:latin typeface="Cambria Math" panose="02040503050406030204" pitchFamily="18" charset="0"/>
+                        </a:rPr>
+                        <m:t>𝟎</m:t>
+                      </m:r>
+                      <m:r>
+                        <a:rPr lang="en-US" sz="2000" b="1" i="0" smtClean="0">
+                          <a:solidFill>
+                            <a:schemeClr val="bg1"/>
+                          </a:solidFill>
+                          <a:latin typeface="Cambria Math" panose="02040503050406030204" pitchFamily="18" charset="0"/>
+                        </a:rPr>
+                        <m:t>.</m:t>
+                      </m:r>
+                      <m:r>
+                        <a:rPr lang="en-US" sz="2000" b="1" i="0" smtClean="0">
+                          <a:solidFill>
+                            <a:schemeClr val="bg1"/>
+                          </a:solidFill>
+                          <a:latin typeface="Cambria Math" panose="02040503050406030204" pitchFamily="18" charset="0"/>
+                        </a:rPr>
+                        <m:t>𝟓𝟑𝟖</m:t>
+                      </m:r>
+                    </m:oMath>
+                  </m:oMathPara>
+                </a14:m>
+                <a:endParaRPr lang="en-US" sz="2000" b="1" dirty="0">
+                  <a:solidFill>
+                    <a:schemeClr val="bg1"/>
+                  </a:solidFill>
+                </a:endParaRPr>
+              </a:p>
+            </p:txBody>
+          </p:sp>
+        </mc:Choice>
+        <mc:Fallback>
+          <p:sp>
+            <p:nvSpPr>
+              <p:cNvPr id="15" name="TextBox 14">
+                <a:extLst>
+                  <a:ext uri="{FF2B5EF4-FFF2-40B4-BE49-F238E27FC236}">
+                    <a16:creationId xmlns:a16="http://schemas.microsoft.com/office/drawing/2014/main" id="{39AA2430-FAF9-4662-AADB-3CDCF0AD1206}"/>
+                  </a:ext>
+                </a:extLst>
+              </p:cNvPr>
+              <p:cNvSpPr txBox="1">
+                <a:spLocks noRot="1" noChangeAspect="1" noMove="1" noResize="1" noEditPoints="1" noAdjustHandles="1" noChangeArrowheads="1" noChangeShapeType="1" noTextEdit="1"/>
+              </p:cNvSpPr>
+              <p:nvPr/>
+            </p:nvSpPr>
+            <p:spPr>
+              <a:xfrm>
+                <a:off x="2850265" y="3779011"/>
+                <a:ext cx="5687006" cy="1362424"/>
+              </a:xfrm>
+              <a:prstGeom prst="rect">
+                <a:avLst/>
+              </a:prstGeom>
+              <a:blipFill>
+                <a:blip r:embed="rId4"/>
+                <a:stretch>
+                  <a:fillRect/>
+                </a:stretch>
+              </a:blipFill>
+            </p:spPr>
+            <p:txBody>
+              <a:bodyPr/>
+              <a:lstStyle/>
+              <a:p>
+                <a:r>
+                  <a:rPr lang="en-US">
+                    <a:noFill/>
+                  </a:rPr>
+                  <a:t> </a:t>
+                </a:r>
+              </a:p>
+            </p:txBody>
+          </p:sp>
+        </mc:Fallback>
+      </mc:AlternateContent>
+      <mc:AlternateContent xmlns:mc="http://schemas.openxmlformats.org/markup-compatibility/2006">
+        <mc:Choice xmlns:a14="http://schemas.microsoft.com/office/drawing/2010/main" Requires="a14">
+          <p:sp>
+            <p:nvSpPr>
+              <p:cNvPr id="19" name="TextBox 18">
+                <a:extLst>
+                  <a:ext uri="{FF2B5EF4-FFF2-40B4-BE49-F238E27FC236}">
+                    <a16:creationId xmlns:a16="http://schemas.microsoft.com/office/drawing/2014/main" id="{5493A59E-8DA5-49AF-B272-9878DABEFFE2}"/>
+                  </a:ext>
+                </a:extLst>
+              </p:cNvPr>
+              <p:cNvSpPr txBox="1"/>
+              <p:nvPr/>
+            </p:nvSpPr>
+            <p:spPr>
+              <a:xfrm>
+                <a:off x="2850265" y="5393863"/>
+                <a:ext cx="5687006" cy="1362424"/>
+              </a:xfrm>
+              <a:prstGeom prst="rect">
+                <a:avLst/>
+              </a:prstGeom>
+              <a:noFill/>
+            </p:spPr>
+            <p:txBody>
+              <a:bodyPr wrap="square" rtlCol="0">
+                <a:spAutoFit/>
+              </a:bodyPr>
+              <a:lstStyle/>
+              <a:p>
+                <a:pPr/>
+                <a14:m>
+                  <m:oMathPara xmlns:m="http://schemas.openxmlformats.org/officeDocument/2006/math">
+                    <m:oMathParaPr>
+                      <m:jc m:val="centerGroup"/>
+                    </m:oMathParaPr>
+                    <m:oMath xmlns:m="http://schemas.openxmlformats.org/officeDocument/2006/math">
+                      <m:r>
+                        <a:rPr lang="en-US" sz="2000" b="1" i="1" smtClean="0">
+                          <a:solidFill>
+                            <a:schemeClr val="bg1"/>
+                          </a:solidFill>
+                          <a:latin typeface="Cambria Math" panose="02040503050406030204" pitchFamily="18" charset="0"/>
+                        </a:rPr>
+                        <m:t>𝑾𝑷</m:t>
+                      </m:r>
+                      <m:r>
+                        <a:rPr lang="en-US" sz="2000" b="1" i="1" smtClean="0">
+                          <a:solidFill>
+                            <a:schemeClr val="bg1"/>
+                          </a:solidFill>
+                          <a:latin typeface="Cambria Math" panose="02040503050406030204" pitchFamily="18" charset="0"/>
+                          <a:ea typeface="Cambria Math" panose="02040503050406030204" pitchFamily="18" charset="0"/>
+                        </a:rPr>
+                        <m:t>≈</m:t>
+                      </m:r>
+                      <m:r>
+                        <a:rPr lang="en-US" sz="2000" b="1" i="1" smtClean="0">
+                          <a:solidFill>
+                            <a:schemeClr val="bg1"/>
+                          </a:solidFill>
+                          <a:latin typeface="Cambria Math" panose="02040503050406030204" pitchFamily="18" charset="0"/>
+                        </a:rPr>
+                        <m:t> </m:t>
+                      </m:r>
+                      <m:f>
+                        <m:fPr>
+                          <m:ctrlPr>
+                            <a:rPr lang="en-US" sz="2000" b="1" i="1" smtClean="0">
+                              <a:solidFill>
+                                <a:schemeClr val="bg1"/>
+                              </a:solidFill>
+                              <a:latin typeface="Cambria Math" panose="02040503050406030204" pitchFamily="18" charset="0"/>
+                            </a:rPr>
+                          </m:ctrlPr>
+                        </m:fPr>
+                        <m:num>
+                          <m:sSup>
+                            <m:sSupPr>
+                              <m:ctrlPr>
+                                <a:rPr lang="en-US" sz="2000" b="1" i="1" smtClean="0">
+                                  <a:solidFill>
+                                    <a:schemeClr val="bg1"/>
+                                  </a:solidFill>
+                                  <a:latin typeface="Cambria Math" panose="02040503050406030204" pitchFamily="18" charset="0"/>
+                                </a:rPr>
+                              </m:ctrlPr>
+                            </m:sSupPr>
+                            <m:e>
+                              <m:d>
+                                <m:dPr>
+                                  <m:ctrlPr>
+                                    <a:rPr lang="en-US" sz="2000" b="1" i="1" smtClean="0">
+                                      <a:solidFill>
+                                        <a:schemeClr val="bg1"/>
+                                      </a:solidFill>
+                                      <a:latin typeface="Cambria Math" panose="02040503050406030204" pitchFamily="18" charset="0"/>
+                                    </a:rPr>
+                                  </m:ctrlPr>
+                                </m:dPr>
+                                <m:e>
+                                  <m:f>
+                                    <m:fPr>
+                                      <m:ctrlPr>
+                                        <a:rPr lang="en-US" sz="2000" b="1" i="1" smtClean="0">
+                                          <a:solidFill>
+                                            <a:schemeClr val="bg1"/>
+                                          </a:solidFill>
+                                          <a:latin typeface="Cambria Math" panose="02040503050406030204" pitchFamily="18" charset="0"/>
+                                        </a:rPr>
+                                      </m:ctrlPr>
+                                    </m:fPr>
+                                    <m:num>
+                                      <m:r>
+                                        <a:rPr lang="en-US" sz="2000" b="1" i="1" smtClean="0">
+                                          <a:solidFill>
+                                            <a:schemeClr val="bg1"/>
+                                          </a:solidFill>
+                                          <a:latin typeface="Cambria Math" panose="02040503050406030204" pitchFamily="18" charset="0"/>
+                                        </a:rPr>
+                                        <m:t>𝟖𝟗𝟎</m:t>
+                                      </m:r>
+                                    </m:num>
+                                    <m:den>
+                                      <m:r>
+                                        <a:rPr lang="en-US" sz="2000" b="1" i="1" smtClean="0">
+                                          <a:solidFill>
+                                            <a:schemeClr val="bg1"/>
+                                          </a:solidFill>
+                                          <a:latin typeface="Cambria Math" panose="02040503050406030204" pitchFamily="18" charset="0"/>
+                                        </a:rPr>
+                                        <m:t>𝟖𝟎𝟎</m:t>
+                                      </m:r>
+                                    </m:den>
+                                  </m:f>
+                                </m:e>
+                              </m:d>
+                            </m:e>
+                            <m:sup>
+                              <m:r>
+                                <a:rPr lang="en-US" sz="2000" b="1" i="1" smtClean="0">
+                                  <a:solidFill>
+                                    <a:schemeClr val="bg1"/>
+                                  </a:solidFill>
+                                  <a:latin typeface="Cambria Math" panose="02040503050406030204" pitchFamily="18" charset="0"/>
+                                </a:rPr>
+                                <m:t>𝟏</m:t>
+                              </m:r>
+                              <m:r>
+                                <a:rPr lang="en-US" sz="2000" b="1" i="1" smtClean="0">
+                                  <a:solidFill>
+                                    <a:schemeClr val="bg1"/>
+                                  </a:solidFill>
+                                  <a:latin typeface="Cambria Math" panose="02040503050406030204" pitchFamily="18" charset="0"/>
+                                </a:rPr>
+                                <m:t>.</m:t>
+                              </m:r>
+                              <m:r>
+                                <a:rPr lang="en-US" sz="2000" b="1" i="1" smtClean="0">
+                                  <a:solidFill>
+                                    <a:schemeClr val="bg1"/>
+                                  </a:solidFill>
+                                  <a:latin typeface="Cambria Math" panose="02040503050406030204" pitchFamily="18" charset="0"/>
+                                </a:rPr>
+                                <m:t>𝟖𝟐</m:t>
+                              </m:r>
+                            </m:sup>
+                          </m:sSup>
+                        </m:num>
+                        <m:den>
+                          <m:sSup>
+                            <m:sSupPr>
+                              <m:ctrlPr>
+                                <a:rPr lang="en-US" sz="2000" b="1" i="1">
+                                  <a:solidFill>
+                                    <a:schemeClr val="bg1"/>
+                                  </a:solidFill>
+                                  <a:latin typeface="Cambria Math" panose="02040503050406030204" pitchFamily="18" charset="0"/>
+                                </a:rPr>
+                              </m:ctrlPr>
+                            </m:sSupPr>
+                            <m:e>
+                              <m:d>
+                                <m:dPr>
+                                  <m:ctrlPr>
+                                    <a:rPr lang="en-US" sz="2000" b="1" i="1">
+                                      <a:solidFill>
+                                        <a:schemeClr val="bg1"/>
+                                      </a:solidFill>
+                                      <a:latin typeface="Cambria Math" panose="02040503050406030204" pitchFamily="18" charset="0"/>
+                                    </a:rPr>
+                                  </m:ctrlPr>
+                                </m:dPr>
+                                <m:e>
+                                  <m:f>
+                                    <m:fPr>
+                                      <m:ctrlPr>
+                                        <a:rPr lang="en-US" sz="2000" b="1" i="1">
+                                          <a:solidFill>
+                                            <a:schemeClr val="bg1"/>
+                                          </a:solidFill>
+                                          <a:latin typeface="Cambria Math" panose="02040503050406030204" pitchFamily="18" charset="0"/>
+                                        </a:rPr>
+                                      </m:ctrlPr>
+                                    </m:fPr>
+                                    <m:num>
+                                      <m:r>
+                                        <a:rPr lang="en-US" sz="2000" b="1" i="1">
+                                          <a:solidFill>
+                                            <a:schemeClr val="bg1"/>
+                                          </a:solidFill>
+                                          <a:latin typeface="Cambria Math" panose="02040503050406030204" pitchFamily="18" charset="0"/>
+                                        </a:rPr>
+                                        <m:t>𝟖</m:t>
+                                      </m:r>
+                                      <m:r>
+                                        <a:rPr lang="en-US" sz="2000" b="1" i="1" smtClean="0">
+                                          <a:solidFill>
+                                            <a:schemeClr val="bg1"/>
+                                          </a:solidFill>
+                                          <a:latin typeface="Cambria Math" panose="02040503050406030204" pitchFamily="18" charset="0"/>
+                                        </a:rPr>
+                                        <m:t>𝟗</m:t>
+                                      </m:r>
+                                      <m:r>
+                                        <a:rPr lang="en-US" sz="2000" b="1" i="1">
+                                          <a:solidFill>
+                                            <a:schemeClr val="bg1"/>
+                                          </a:solidFill>
+                                          <a:latin typeface="Cambria Math" panose="02040503050406030204" pitchFamily="18" charset="0"/>
+                                        </a:rPr>
+                                        <m:t>𝟎</m:t>
+                                      </m:r>
+                                    </m:num>
+                                    <m:den>
+                                      <m:r>
+                                        <a:rPr lang="en-US" sz="2000" b="1" i="1">
+                                          <a:solidFill>
+                                            <a:schemeClr val="bg1"/>
+                                          </a:solidFill>
+                                          <a:latin typeface="Cambria Math" panose="02040503050406030204" pitchFamily="18" charset="0"/>
+                                        </a:rPr>
+                                        <m:t>𝟖𝟎𝟎</m:t>
+                                      </m:r>
+                                    </m:den>
+                                  </m:f>
+                                </m:e>
+                              </m:d>
+                            </m:e>
+                            <m:sup>
+                              <m:r>
+                                <a:rPr lang="en-US" sz="2000" b="1" i="1" smtClean="0">
+                                  <a:solidFill>
+                                    <a:schemeClr val="bg1"/>
+                                  </a:solidFill>
+                                  <a:latin typeface="Cambria Math" panose="02040503050406030204" pitchFamily="18" charset="0"/>
+                                </a:rPr>
+                                <m:t>𝟏</m:t>
+                              </m:r>
+                              <m:r>
+                                <a:rPr lang="en-US" sz="2000" b="1" i="1" smtClean="0">
+                                  <a:solidFill>
+                                    <a:schemeClr val="bg1"/>
+                                  </a:solidFill>
+                                  <a:latin typeface="Cambria Math" panose="02040503050406030204" pitchFamily="18" charset="0"/>
+                                </a:rPr>
+                                <m:t>.</m:t>
+                              </m:r>
+                              <m:r>
+                                <a:rPr lang="en-US" sz="2000" b="1" i="1" smtClean="0">
+                                  <a:solidFill>
+                                    <a:schemeClr val="bg1"/>
+                                  </a:solidFill>
+                                  <a:latin typeface="Cambria Math" panose="02040503050406030204" pitchFamily="18" charset="0"/>
+                                </a:rPr>
+                                <m:t>𝟖𝟐</m:t>
+                              </m:r>
+                            </m:sup>
+                          </m:sSup>
+                          <m:r>
+                            <a:rPr lang="en-US" sz="2000" b="1" i="1" smtClean="0">
+                              <a:solidFill>
+                                <a:schemeClr val="bg1"/>
+                              </a:solidFill>
+                              <a:latin typeface="Cambria Math" panose="02040503050406030204" pitchFamily="18" charset="0"/>
+                            </a:rPr>
+                            <m:t>+</m:t>
+                          </m:r>
+                          <m:r>
+                            <a:rPr lang="en-US" sz="2000" b="1" i="1" smtClean="0">
+                              <a:solidFill>
+                                <a:schemeClr val="bg1"/>
+                              </a:solidFill>
+                              <a:latin typeface="Cambria Math" panose="02040503050406030204" pitchFamily="18" charset="0"/>
+                            </a:rPr>
+                            <m:t>𝟏</m:t>
+                          </m:r>
+                        </m:den>
+                      </m:f>
+                      <m:r>
+                        <a:rPr lang="en-US" sz="2000" b="1" i="0" smtClean="0">
+                          <a:solidFill>
+                            <a:schemeClr val="bg1"/>
+                          </a:solidFill>
+                          <a:latin typeface="Cambria Math" panose="02040503050406030204" pitchFamily="18" charset="0"/>
+                        </a:rPr>
+                        <m:t>=</m:t>
+                      </m:r>
+                      <m:r>
+                        <a:rPr lang="en-US" sz="2000" b="1" i="0" smtClean="0">
+                          <a:solidFill>
+                            <a:schemeClr val="bg1"/>
+                          </a:solidFill>
+                          <a:latin typeface="Cambria Math" panose="02040503050406030204" pitchFamily="18" charset="0"/>
+                        </a:rPr>
+                        <m:t>𝟎</m:t>
+                      </m:r>
+                      <m:r>
+                        <a:rPr lang="en-US" sz="2000" b="1" i="0" smtClean="0">
+                          <a:solidFill>
+                            <a:schemeClr val="bg1"/>
+                          </a:solidFill>
+                          <a:latin typeface="Cambria Math" panose="02040503050406030204" pitchFamily="18" charset="0"/>
+                        </a:rPr>
+                        <m:t>.</m:t>
+                      </m:r>
+                      <m:r>
+                        <a:rPr lang="en-US" sz="2000" b="1" i="0" smtClean="0">
+                          <a:solidFill>
+                            <a:schemeClr val="bg1"/>
+                          </a:solidFill>
+                          <a:latin typeface="Cambria Math" panose="02040503050406030204" pitchFamily="18" charset="0"/>
+                        </a:rPr>
+                        <m:t>𝟓𝟒𝟖</m:t>
+                      </m:r>
+                    </m:oMath>
+                  </m:oMathPara>
+                </a14:m>
+                <a:endParaRPr lang="en-US" sz="2000" b="1" dirty="0">
+                  <a:solidFill>
+                    <a:schemeClr val="bg1"/>
+                  </a:solidFill>
+                </a:endParaRPr>
+              </a:p>
+            </p:txBody>
+          </p:sp>
+        </mc:Choice>
+        <mc:Fallback>
+          <p:sp>
+            <p:nvSpPr>
+              <p:cNvPr id="19" name="TextBox 18">
+                <a:extLst>
+                  <a:ext uri="{FF2B5EF4-FFF2-40B4-BE49-F238E27FC236}">
+                    <a16:creationId xmlns:a16="http://schemas.microsoft.com/office/drawing/2014/main" id="{5493A59E-8DA5-49AF-B272-9878DABEFFE2}"/>
+                  </a:ext>
+                </a:extLst>
+              </p:cNvPr>
+              <p:cNvSpPr txBox="1">
+                <a:spLocks noRot="1" noChangeAspect="1" noMove="1" noResize="1" noEditPoints="1" noAdjustHandles="1" noChangeArrowheads="1" noChangeShapeType="1" noTextEdit="1"/>
+              </p:cNvSpPr>
+              <p:nvPr/>
+            </p:nvSpPr>
+            <p:spPr>
+              <a:xfrm>
+                <a:off x="2850265" y="5393863"/>
+                <a:ext cx="5687006" cy="1362424"/>
+              </a:xfrm>
+              <a:prstGeom prst="rect">
+                <a:avLst/>
+              </a:prstGeom>
+              <a:blipFill>
+                <a:blip r:embed="rId5"/>
+                <a:stretch>
+                  <a:fillRect/>
+                </a:stretch>
+              </a:blipFill>
+            </p:spPr>
+            <p:txBody>
+              <a:bodyPr/>
+              <a:lstStyle/>
+              <a:p>
+                <a:r>
+                  <a:rPr lang="en-US">
+                    <a:noFill/>
+                  </a:rPr>
+                  <a:t> </a:t>
+                </a:r>
+              </a:p>
+            </p:txBody>
+          </p:sp>
+        </mc:Fallback>
+      </mc:AlternateContent>
+    </p:spTree>
+    <p:extLst>
+      <p:ext uri="{BB962C8B-B14F-4D97-AF65-F5344CB8AC3E}">
+        <p14:creationId xmlns:p14="http://schemas.microsoft.com/office/powerpoint/2010/main" val="2059618965"/>
+      </p:ext>
+    </p:extLst>
+  </p:cSld>
+  <p:clrMapOvr>
+    <a:masterClrMapping/>
+  </p:clrMapOvr>
+</p:sld>
+</file>
+
+<file path=ppt/slides/slide17.xml><?xml version="1.0" encoding="utf-8"?>
 <p:sld xmlns:a="http://schemas.openxmlformats.org/drawingml/2006/main" xmlns:r="http://schemas.openxmlformats.org/officeDocument/2006/relationships" xmlns:p="http://schemas.openxmlformats.org/presentationml/2006/main">
   <p:cSld>
     <p:bg>
@@ -12611,8 +17088,8 @@
           </a:p>
         </p:txBody>
       </p:sp>
-      <mc:AlternateContent xmlns:mc="http://schemas.openxmlformats.org/markup-compatibility/2006">
-        <mc:Choice xmlns:a14="http://schemas.microsoft.com/office/drawing/2010/main" Requires="a14">
+      <mc:AlternateContent xmlns:mc="http://schemas.openxmlformats.org/markup-compatibility/2006" xmlns:a14="http://schemas.microsoft.com/office/drawing/2010/main">
+        <mc:Choice Requires="a14">
           <p:sp>
             <p:nvSpPr>
               <p:cNvPr id="3" name="TextBox 2">
@@ -12641,6 +17118,7 @@
               </a:bodyPr>
               <a:lstStyle/>
               <a:p>
+                <a:pPr/>
                 <a14:m>
                   <m:oMathPara xmlns:m="http://schemas.openxmlformats.org/officeDocument/2006/math">
                     <m:oMathParaPr>
@@ -12711,7 +17189,7 @@
             </p:txBody>
           </p:sp>
         </mc:Choice>
-        <mc:Fallback>
+        <mc:Fallback xmlns="">
           <p:sp>
             <p:nvSpPr>
               <p:cNvPr id="3" name="TextBox 2">
@@ -12882,8 +17360,8 @@
           </a:p>
         </p:txBody>
       </p:sp>
-      <mc:AlternateContent xmlns:mc="http://schemas.openxmlformats.org/markup-compatibility/2006">
-        <mc:Choice xmlns:a14="http://schemas.microsoft.com/office/drawing/2010/main" Requires="a14">
+      <mc:AlternateContent xmlns:mc="http://schemas.openxmlformats.org/markup-compatibility/2006" xmlns:a14="http://schemas.microsoft.com/office/drawing/2010/main">
+        <mc:Choice Requires="a14">
           <p:sp>
             <p:nvSpPr>
               <p:cNvPr id="13" name="TextBox 12">
@@ -12912,6 +17390,7 @@
               </a:bodyPr>
               <a:lstStyle/>
               <a:p>
+                <a:pPr/>
                 <a14:m>
                   <m:oMathPara xmlns:m="http://schemas.openxmlformats.org/officeDocument/2006/math">
                     <m:oMathParaPr>
@@ -13072,7 +17551,7 @@
             </p:txBody>
           </p:sp>
         </mc:Choice>
-        <mc:Fallback>
+        <mc:Fallback xmlns="">
           <p:sp>
             <p:nvSpPr>
               <p:cNvPr id="13" name="TextBox 12">
@@ -13117,8 +17596,8 @@
           </p:sp>
         </mc:Fallback>
       </mc:AlternateContent>
-      <mc:AlternateContent xmlns:mc="http://schemas.openxmlformats.org/markup-compatibility/2006">
-        <mc:Choice xmlns:a14="http://schemas.microsoft.com/office/drawing/2010/main" Requires="a14">
+      <mc:AlternateContent xmlns:mc="http://schemas.openxmlformats.org/markup-compatibility/2006" xmlns:a14="http://schemas.microsoft.com/office/drawing/2010/main">
+        <mc:Choice Requires="a14">
           <p:sp>
             <p:nvSpPr>
               <p:cNvPr id="14" name="TextBox 13">
@@ -13147,6 +17626,7 @@
               </a:bodyPr>
               <a:lstStyle/>
               <a:p>
+                <a:pPr/>
                 <a14:m>
                   <m:oMathPara xmlns:m="http://schemas.openxmlformats.org/officeDocument/2006/math">
                     <m:oMathParaPr>
@@ -13298,7 +17778,7 @@
             </p:txBody>
           </p:sp>
         </mc:Choice>
-        <mc:Fallback>
+        <mc:Fallback xmlns="">
           <p:sp>
             <p:nvSpPr>
               <p:cNvPr id="14" name="TextBox 13">
@@ -13343,8 +17823,8 @@
           </p:sp>
         </mc:Fallback>
       </mc:AlternateContent>
-      <mc:AlternateContent xmlns:mc="http://schemas.openxmlformats.org/markup-compatibility/2006">
-        <mc:Choice xmlns:a14="http://schemas.microsoft.com/office/drawing/2010/main" Requires="a14">
+      <mc:AlternateContent xmlns:mc="http://schemas.openxmlformats.org/markup-compatibility/2006" xmlns:a14="http://schemas.microsoft.com/office/drawing/2010/main">
+        <mc:Choice Requires="a14">
           <p:sp>
             <p:nvSpPr>
               <p:cNvPr id="15" name="TextBox 14">
@@ -13373,6 +17853,7 @@
               </a:bodyPr>
               <a:lstStyle/>
               <a:p>
+                <a:pPr/>
                 <a14:m>
                   <m:oMathPara xmlns:m="http://schemas.openxmlformats.org/officeDocument/2006/math">
                     <m:oMathParaPr>
@@ -13436,7 +17917,7 @@
             </p:txBody>
           </p:sp>
         </mc:Choice>
-        <mc:Fallback>
+        <mc:Fallback xmlns="">
           <p:sp>
             <p:nvSpPr>
               <p:cNvPr id="15" name="TextBox 14">

--- a/Slides/Baseball 1/Baseball_1_Lecture.pptx
+++ b/Slides/Baseball 1/Baseball_1_Lecture.pptx
@@ -5,7 +5,7 @@
     <p:sldMasterId id="2147483648" r:id="rId1"/>
   </p:sldMasterIdLst>
   <p:notesMasterIdLst>
-    <p:notesMasterId r:id="rId19"/>
+    <p:notesMasterId r:id="rId16"/>
   </p:notesMasterIdLst>
   <p:sldIdLst>
     <p:sldId id="298" r:id="rId2"/>
@@ -21,10 +21,7 @@
     <p:sldId id="309" r:id="rId12"/>
     <p:sldId id="310" r:id="rId13"/>
     <p:sldId id="311" r:id="rId14"/>
-    <p:sldId id="312" r:id="rId15"/>
-    <p:sldId id="313" r:id="rId16"/>
-    <p:sldId id="314" r:id="rId17"/>
-    <p:sldId id="281" r:id="rId18"/>
+    <p:sldId id="281" r:id="rId15"/>
   </p:sldIdLst>
   <p:sldSz cx="12192000" cy="6858000"/>
   <p:notesSz cx="6858000" cy="9144000"/>
@@ -213,7 +210,7 @@
           <a:p>
             <a:fld id="{C04E5E84-956F-4423-97B3-5936A6D8EEEE}" type="datetimeFigureOut">
               <a:rPr lang="en-US" smtClean="0"/>
-              <a:t>9/3/2019</a:t>
+              <a:t>9/5/2019</a:t>
             </a:fld>
             <a:endParaRPr lang="en-US"/>
           </a:p>
@@ -711,7 +708,7 @@
           <a:p>
             <a:fld id="{3881C039-66A3-4640-815B-3B5A8B7D868D}" type="datetimeFigureOut">
               <a:rPr lang="en-US" smtClean="0"/>
-              <a:t>9/3/2019</a:t>
+              <a:t>9/5/2019</a:t>
             </a:fld>
             <a:endParaRPr lang="en-US"/>
           </a:p>
@@ -909,7 +906,7 @@
           <a:p>
             <a:fld id="{3881C039-66A3-4640-815B-3B5A8B7D868D}" type="datetimeFigureOut">
               <a:rPr lang="en-US" smtClean="0"/>
-              <a:t>9/3/2019</a:t>
+              <a:t>9/5/2019</a:t>
             </a:fld>
             <a:endParaRPr lang="en-US"/>
           </a:p>
@@ -1117,7 +1114,7 @@
           <a:p>
             <a:fld id="{3881C039-66A3-4640-815B-3B5A8B7D868D}" type="datetimeFigureOut">
               <a:rPr lang="en-US" smtClean="0"/>
-              <a:t>9/3/2019</a:t>
+              <a:t>9/5/2019</a:t>
             </a:fld>
             <a:endParaRPr lang="en-US"/>
           </a:p>
@@ -1315,7 +1312,7 @@
           <a:p>
             <a:fld id="{3881C039-66A3-4640-815B-3B5A8B7D868D}" type="datetimeFigureOut">
               <a:rPr lang="en-US" smtClean="0"/>
-              <a:t>9/3/2019</a:t>
+              <a:t>9/5/2019</a:t>
             </a:fld>
             <a:endParaRPr lang="en-US"/>
           </a:p>
@@ -1590,7 +1587,7 @@
           <a:p>
             <a:fld id="{3881C039-66A3-4640-815B-3B5A8B7D868D}" type="datetimeFigureOut">
               <a:rPr lang="en-US" smtClean="0"/>
-              <a:t>9/3/2019</a:t>
+              <a:t>9/5/2019</a:t>
             </a:fld>
             <a:endParaRPr lang="en-US"/>
           </a:p>
@@ -1855,7 +1852,7 @@
           <a:p>
             <a:fld id="{3881C039-66A3-4640-815B-3B5A8B7D868D}" type="datetimeFigureOut">
               <a:rPr lang="en-US" smtClean="0"/>
-              <a:t>9/3/2019</a:t>
+              <a:t>9/5/2019</a:t>
             </a:fld>
             <a:endParaRPr lang="en-US"/>
           </a:p>
@@ -2267,7 +2264,7 @@
           <a:p>
             <a:fld id="{3881C039-66A3-4640-815B-3B5A8B7D868D}" type="datetimeFigureOut">
               <a:rPr lang="en-US" smtClean="0"/>
-              <a:t>9/3/2019</a:t>
+              <a:t>9/5/2019</a:t>
             </a:fld>
             <a:endParaRPr lang="en-US"/>
           </a:p>
@@ -2408,7 +2405,7 @@
           <a:p>
             <a:fld id="{3881C039-66A3-4640-815B-3B5A8B7D868D}" type="datetimeFigureOut">
               <a:rPr lang="en-US" smtClean="0"/>
-              <a:t>9/3/2019</a:t>
+              <a:t>9/5/2019</a:t>
             </a:fld>
             <a:endParaRPr lang="en-US"/>
           </a:p>
@@ -2521,7 +2518,7 @@
           <a:p>
             <a:fld id="{3881C039-66A3-4640-815B-3B5A8B7D868D}" type="datetimeFigureOut">
               <a:rPr lang="en-US" smtClean="0"/>
-              <a:t>9/3/2019</a:t>
+              <a:t>9/5/2019</a:t>
             </a:fld>
             <a:endParaRPr lang="en-US"/>
           </a:p>
@@ -2832,7 +2829,7 @@
           <a:p>
             <a:fld id="{3881C039-66A3-4640-815B-3B5A8B7D868D}" type="datetimeFigureOut">
               <a:rPr lang="en-US" smtClean="0"/>
-              <a:t>9/3/2019</a:t>
+              <a:t>9/5/2019</a:t>
             </a:fld>
             <a:endParaRPr lang="en-US"/>
           </a:p>
@@ -3120,7 +3117,7 @@
           <a:p>
             <a:fld id="{3881C039-66A3-4640-815B-3B5A8B7D868D}" type="datetimeFigureOut">
               <a:rPr lang="en-US" smtClean="0"/>
-              <a:t>9/3/2019</a:t>
+              <a:t>9/5/2019</a:t>
             </a:fld>
             <a:endParaRPr lang="en-US"/>
           </a:p>
@@ -3364,7 +3361,7 @@
           <a:p>
             <a:fld id="{3881C039-66A3-4640-815B-3B5A8B7D868D}" type="datetimeFigureOut">
               <a:rPr lang="en-US" smtClean="0"/>
-              <a:t>9/3/2019</a:t>
+              <a:t>9/5/2019</a:t>
             </a:fld>
             <a:endParaRPr lang="en-US"/>
           </a:p>
@@ -7896,4478 +7893,6 @@
     <p:bg>
       <p:bgPr>
         <a:solidFill>
-          <a:schemeClr val="bg1"/>
-        </a:solidFill>
-        <a:effectLst/>
-      </p:bgPr>
-    </p:bg>
-    <p:spTree>
-      <p:nvGrpSpPr>
-        <p:cNvPr id="1" name=""/>
-        <p:cNvGrpSpPr/>
-        <p:nvPr/>
-      </p:nvGrpSpPr>
-      <p:grpSpPr>
-        <a:xfrm>
-          <a:off x="0" y="0"/>
-          <a:ext cx="0" cy="0"/>
-          <a:chOff x="0" y="0"/>
-          <a:chExt cx="0" cy="0"/>
-        </a:xfrm>
-      </p:grpSpPr>
-      <p:sp>
-        <p:nvSpPr>
-          <p:cNvPr id="17" name="Rectangle 16">
-            <a:extLst>
-              <a:ext uri="{FF2B5EF4-FFF2-40B4-BE49-F238E27FC236}">
-                <a16:creationId xmlns:a16="http://schemas.microsoft.com/office/drawing/2014/main" id="{0A8FE870-A334-4DE1-84A7-AB191ED10D63}"/>
-              </a:ext>
-            </a:extLst>
-          </p:cNvPr>
-          <p:cNvSpPr/>
-          <p:nvPr/>
-        </p:nvSpPr>
-        <p:spPr>
-          <a:xfrm>
-            <a:off x="0" y="-52157"/>
-            <a:ext cx="12192000" cy="6910157"/>
-          </a:xfrm>
-          <a:prstGeom prst="rect">
-            <a:avLst/>
-          </a:prstGeom>
-          <a:solidFill>
-            <a:srgbClr val="395583"/>
-          </a:solidFill>
-        </p:spPr>
-        <p:style>
-          <a:lnRef idx="2">
-            <a:schemeClr val="accent1">
-              <a:shade val="50000"/>
-            </a:schemeClr>
-          </a:lnRef>
-          <a:fillRef idx="1">
-            <a:schemeClr val="accent1"/>
-          </a:fillRef>
-          <a:effectRef idx="0">
-            <a:schemeClr val="accent1"/>
-          </a:effectRef>
-          <a:fontRef idx="minor">
-            <a:schemeClr val="lt1"/>
-          </a:fontRef>
-        </p:style>
-        <p:txBody>
-          <a:bodyPr rtlCol="0" anchor="ctr"/>
-          <a:lstStyle/>
-          <a:p>
-            <a:pPr algn="ctr"/>
-            <a:endParaRPr lang="en-US"/>
-          </a:p>
-        </p:txBody>
-      </p:sp>
-      <p:pic>
-        <p:nvPicPr>
-          <p:cNvPr id="8" name="Picture 7" descr="A close up of a toy&#10;&#10;Description automatically generated">
-            <a:extLst>
-              <a:ext uri="{FF2B5EF4-FFF2-40B4-BE49-F238E27FC236}">
-                <a16:creationId xmlns:a16="http://schemas.microsoft.com/office/drawing/2014/main" id="{131D5527-B848-4F84-9601-62DB93565332}"/>
-              </a:ext>
-            </a:extLst>
-          </p:cNvPr>
-          <p:cNvPicPr>
-            <a:picLocks noChangeAspect="1"/>
-          </p:cNvPicPr>
-          <p:nvPr/>
-        </p:nvPicPr>
-        <p:blipFill rotWithShape="1">
-          <a:blip r:embed="rId2">
-            <a:extLst>
-              <a:ext uri="{28A0092B-C50C-407E-A947-70E740481C1C}">
-                <a14:useLocalDpi xmlns:a14="http://schemas.microsoft.com/office/drawing/2010/main" val="0"/>
-              </a:ext>
-            </a:extLst>
-          </a:blip>
-          <a:srcRect l="6238" r="10796"/>
-          <a:stretch/>
-        </p:blipFill>
-        <p:spPr>
-          <a:xfrm>
-            <a:off x="0" y="-52157"/>
-            <a:ext cx="2684015" cy="3969421"/>
-          </a:xfrm>
-          <a:prstGeom prst="rect">
-            <a:avLst/>
-          </a:prstGeom>
-        </p:spPr>
-      </p:pic>
-      <p:sp>
-        <p:nvSpPr>
-          <p:cNvPr id="33" name="Rectangle 32">
-            <a:extLst>
-              <a:ext uri="{FF2B5EF4-FFF2-40B4-BE49-F238E27FC236}">
-                <a16:creationId xmlns:a16="http://schemas.microsoft.com/office/drawing/2014/main" id="{6F93929A-DE1C-47C4-AF97-F99DB104E96F}"/>
-              </a:ext>
-            </a:extLst>
-          </p:cNvPr>
-          <p:cNvSpPr/>
-          <p:nvPr/>
-        </p:nvSpPr>
-        <p:spPr>
-          <a:xfrm rot="16200000">
-            <a:off x="782431" y="1849427"/>
-            <a:ext cx="3969421" cy="166254"/>
-          </a:xfrm>
-          <a:prstGeom prst="rect">
-            <a:avLst/>
-          </a:prstGeom>
-          <a:solidFill>
-            <a:schemeClr val="tx1"/>
-          </a:solidFill>
-          <a:ln>
-            <a:noFill/>
-          </a:ln>
-        </p:spPr>
-        <p:style>
-          <a:lnRef idx="2">
-            <a:schemeClr val="accent1">
-              <a:shade val="50000"/>
-            </a:schemeClr>
-          </a:lnRef>
-          <a:fillRef idx="1">
-            <a:schemeClr val="accent1"/>
-          </a:fillRef>
-          <a:effectRef idx="0">
-            <a:schemeClr val="accent1"/>
-          </a:effectRef>
-          <a:fontRef idx="minor">
-            <a:schemeClr val="lt1"/>
-          </a:fontRef>
-        </p:style>
-        <p:txBody>
-          <a:bodyPr rtlCol="0" anchor="ctr"/>
-          <a:lstStyle/>
-          <a:p>
-            <a:pPr algn="ctr"/>
-            <a:endParaRPr lang="en-US" dirty="0">
-              <a:solidFill>
-                <a:srgbClr val="DB5B5C"/>
-              </a:solidFill>
-            </a:endParaRPr>
-          </a:p>
-        </p:txBody>
-      </p:sp>
-      <p:sp>
-        <p:nvSpPr>
-          <p:cNvPr id="35" name="Rectangle 34">
-            <a:extLst>
-              <a:ext uri="{FF2B5EF4-FFF2-40B4-BE49-F238E27FC236}">
-                <a16:creationId xmlns:a16="http://schemas.microsoft.com/office/drawing/2014/main" id="{259A39E4-556F-4581-82A2-C6B68A8147A4}"/>
-              </a:ext>
-            </a:extLst>
-          </p:cNvPr>
-          <p:cNvSpPr/>
-          <p:nvPr/>
-        </p:nvSpPr>
-        <p:spPr>
-          <a:xfrm rot="10800000">
-            <a:off x="-2" y="3756674"/>
-            <a:ext cx="2850269" cy="3101326"/>
-          </a:xfrm>
-          <a:prstGeom prst="rect">
-            <a:avLst/>
-          </a:prstGeom>
-          <a:solidFill>
-            <a:schemeClr val="tx1"/>
-          </a:solidFill>
-          <a:ln>
-            <a:noFill/>
-          </a:ln>
-        </p:spPr>
-        <p:style>
-          <a:lnRef idx="2">
-            <a:schemeClr val="accent1">
-              <a:shade val="50000"/>
-            </a:schemeClr>
-          </a:lnRef>
-          <a:fillRef idx="1">
-            <a:schemeClr val="accent1"/>
-          </a:fillRef>
-          <a:effectRef idx="0">
-            <a:schemeClr val="accent1"/>
-          </a:effectRef>
-          <a:fontRef idx="minor">
-            <a:schemeClr val="lt1"/>
-          </a:fontRef>
-        </p:style>
-        <p:txBody>
-          <a:bodyPr rtlCol="0" anchor="ctr"/>
-          <a:lstStyle/>
-          <a:p>
-            <a:pPr algn="ctr"/>
-            <a:endParaRPr lang="en-US" dirty="0">
-              <a:solidFill>
-                <a:srgbClr val="DB5B5C"/>
-              </a:solidFill>
-            </a:endParaRPr>
-          </a:p>
-        </p:txBody>
-      </p:sp>
-      <p:sp>
-        <p:nvSpPr>
-          <p:cNvPr id="23" name="Subtitle 22">
-            <a:extLst>
-              <a:ext uri="{FF2B5EF4-FFF2-40B4-BE49-F238E27FC236}">
-                <a16:creationId xmlns:a16="http://schemas.microsoft.com/office/drawing/2014/main" id="{1E5D6413-9C6F-483D-BE52-F3BBB1E74630}"/>
-              </a:ext>
-            </a:extLst>
-          </p:cNvPr>
-          <p:cNvSpPr>
-            <a:spLocks noGrp="1"/>
-          </p:cNvSpPr>
-          <p:nvPr>
-            <p:ph type="subTitle" idx="1"/>
-          </p:nvPr>
-        </p:nvSpPr>
-        <p:spPr>
-          <a:xfrm>
-            <a:off x="3007491" y="137620"/>
-            <a:ext cx="9341732" cy="1684867"/>
-          </a:xfrm>
-        </p:spPr>
-        <p:txBody>
-          <a:bodyPr>
-            <a:normAutofit/>
-          </a:bodyPr>
-          <a:lstStyle/>
-          <a:p>
-            <a:pPr algn="l"/>
-            <a:r>
-              <a:rPr lang="en-US" sz="4400" dirty="0">
-                <a:solidFill>
-                  <a:schemeClr val="bg1"/>
-                </a:solidFill>
-                <a:latin typeface="Selawik Semibold" panose="020B0702040204020203" pitchFamily="34" charset="0"/>
-              </a:rPr>
-              <a:t>Pythagorean Theorem</a:t>
-            </a:r>
-          </a:p>
-        </p:txBody>
-      </p:sp>
-      <p:pic>
-        <p:nvPicPr>
-          <p:cNvPr id="16" name="Picture 15" descr="A close up of a toy&#10;&#10;Description automatically generated">
-            <a:extLst>
-              <a:ext uri="{FF2B5EF4-FFF2-40B4-BE49-F238E27FC236}">
-                <a16:creationId xmlns:a16="http://schemas.microsoft.com/office/drawing/2014/main" id="{94C75949-F15C-4E05-810D-EF40FCE89107}"/>
-              </a:ext>
-            </a:extLst>
-          </p:cNvPr>
-          <p:cNvPicPr>
-            <a:picLocks noChangeAspect="1"/>
-          </p:cNvPicPr>
-          <p:nvPr/>
-        </p:nvPicPr>
-        <p:blipFill>
-          <a:blip r:embed="rId3">
-            <a:extLst>
-              <a:ext uri="{28A0092B-C50C-407E-A947-70E740481C1C}">
-                <a14:useLocalDpi xmlns:a14="http://schemas.microsoft.com/office/drawing/2010/main" val="0"/>
-              </a:ext>
-            </a:extLst>
-          </a:blip>
-          <a:stretch>
-            <a:fillRect/>
-          </a:stretch>
-        </p:blipFill>
-        <p:spPr>
-          <a:xfrm>
-            <a:off x="417789" y="4380288"/>
-            <a:ext cx="2014687" cy="2014687"/>
-          </a:xfrm>
-          <a:prstGeom prst="ellipse">
-            <a:avLst/>
-          </a:prstGeom>
-          <a:ln w="63500" cap="rnd">
-            <a:solidFill>
-              <a:srgbClr val="333333"/>
-            </a:solidFill>
-          </a:ln>
-          <a:effectLst>
-            <a:outerShdw blurRad="381000" dist="292100" dir="5400000" sx="-80000" sy="-18000" rotWithShape="0">
-              <a:srgbClr val="000000">
-                <a:alpha val="22000"/>
-              </a:srgbClr>
-            </a:outerShdw>
-          </a:effectLst>
-          <a:scene3d>
-            <a:camera prst="orthographicFront"/>
-            <a:lightRig rig="contrasting" dir="t">
-              <a:rot lat="0" lon="0" rev="3000000"/>
-            </a:lightRig>
-          </a:scene3d>
-          <a:sp3d contourW="7620">
-            <a:bevelT w="95250" h="31750"/>
-            <a:contourClr>
-              <a:srgbClr val="333333"/>
-            </a:contourClr>
-          </a:sp3d>
-        </p:spPr>
-      </p:pic>
-      <p:sp>
-        <p:nvSpPr>
-          <p:cNvPr id="38" name="Rectangle 37">
-            <a:extLst>
-              <a:ext uri="{FF2B5EF4-FFF2-40B4-BE49-F238E27FC236}">
-                <a16:creationId xmlns:a16="http://schemas.microsoft.com/office/drawing/2014/main" id="{28B1909D-4141-4FB1-8633-83F335349C97}"/>
-              </a:ext>
-            </a:extLst>
-          </p:cNvPr>
-          <p:cNvSpPr/>
-          <p:nvPr/>
-        </p:nvSpPr>
-        <p:spPr>
-          <a:xfrm rot="10800000">
-            <a:off x="3007493" y="844062"/>
-            <a:ext cx="9027282" cy="137067"/>
-          </a:xfrm>
-          <a:prstGeom prst="rect">
-            <a:avLst/>
-          </a:prstGeom>
-          <a:solidFill>
-            <a:schemeClr val="tx1"/>
-          </a:solidFill>
-          <a:ln>
-            <a:noFill/>
-          </a:ln>
-        </p:spPr>
-        <p:style>
-          <a:lnRef idx="2">
-            <a:schemeClr val="accent1">
-              <a:shade val="50000"/>
-            </a:schemeClr>
-          </a:lnRef>
-          <a:fillRef idx="1">
-            <a:schemeClr val="accent1"/>
-          </a:fillRef>
-          <a:effectRef idx="0">
-            <a:schemeClr val="accent1"/>
-          </a:effectRef>
-          <a:fontRef idx="minor">
-            <a:schemeClr val="lt1"/>
-          </a:fontRef>
-        </p:style>
-        <p:txBody>
-          <a:bodyPr rtlCol="0" anchor="ctr"/>
-          <a:lstStyle/>
-          <a:p>
-            <a:pPr algn="ctr"/>
-            <a:endParaRPr lang="en-US" dirty="0">
-              <a:solidFill>
-                <a:srgbClr val="DB5B5C"/>
-              </a:solidFill>
-            </a:endParaRPr>
-          </a:p>
-        </p:txBody>
-      </p:sp>
-      <mc:AlternateContent xmlns:mc="http://schemas.openxmlformats.org/markup-compatibility/2006">
-        <mc:Choice xmlns:a14="http://schemas.microsoft.com/office/drawing/2010/main" Requires="a14">
-          <p:sp>
-            <p:nvSpPr>
-              <p:cNvPr id="10" name="TextBox 9">
-                <a:extLst>
-                  <a:ext uri="{FF2B5EF4-FFF2-40B4-BE49-F238E27FC236}">
-                    <a16:creationId xmlns:a16="http://schemas.microsoft.com/office/drawing/2014/main" id="{8A07C2CC-416F-4D29-84CF-D1F8B766EE5F}"/>
-                  </a:ext>
-                </a:extLst>
-              </p:cNvPr>
-              <p:cNvSpPr txBox="1"/>
-              <p:nvPr/>
-            </p:nvSpPr>
-            <p:spPr>
-              <a:xfrm>
-                <a:off x="3080083" y="1520792"/>
-                <a:ext cx="6427903" cy="5755422"/>
-              </a:xfrm>
-              <a:prstGeom prst="rect">
-                <a:avLst/>
-              </a:prstGeom>
-              <a:noFill/>
-            </p:spPr>
-            <p:txBody>
-              <a:bodyPr wrap="square" rtlCol="0">
-                <a:spAutoFit/>
-              </a:bodyPr>
-              <a:lstStyle/>
-              <a:p>
-                <a:pPr marL="342900" indent="-342900">
-                  <a:buFont typeface="Arial" panose="020B0604020202020204" pitchFamily="34" charset="0"/>
-                  <a:buChar char="•"/>
-                </a:pPr>
-                <a:r>
-                  <a:rPr lang="en-US" sz="2400" dirty="0">
-                    <a:solidFill>
-                      <a:schemeClr val="bg1"/>
-                    </a:solidFill>
-                    <a:latin typeface="Selawik Semibold" panose="020B0702040204020203" pitchFamily="34" charset="0"/>
-                  </a:rPr>
-                  <a:t>Classic Pythagorean Theorem</a:t>
-                </a:r>
-              </a:p>
-              <a:p>
-                <a:pPr marL="800100" lvl="1" indent="-342900">
-                  <a:buFont typeface="Arial" panose="020B0604020202020204" pitchFamily="34" charset="0"/>
-                  <a:buChar char="•"/>
-                </a:pPr>
-                <a:r>
-                  <a:rPr lang="en-US" sz="2000" dirty="0">
-                    <a:solidFill>
-                      <a:schemeClr val="bg1"/>
-                    </a:solidFill>
-                    <a:latin typeface="Selawik Semibold" panose="020B0702040204020203" pitchFamily="34" charset="0"/>
-                  </a:rPr>
-                  <a:t>Relationship Between the Sides of a Right Triangle</a:t>
-                </a:r>
-              </a:p>
-              <a:p>
-                <a:pPr marL="800100" lvl="1" indent="-342900">
-                  <a:buFont typeface="Arial" panose="020B0604020202020204" pitchFamily="34" charset="0"/>
-                  <a:buChar char="•"/>
-                </a:pPr>
-                <a14:m>
-                  <m:oMath xmlns:m="http://schemas.openxmlformats.org/officeDocument/2006/math">
-                    <m:sSup>
-                      <m:sSupPr>
-                        <m:ctrlPr>
-                          <a:rPr lang="en-US" sz="2000" i="1">
-                            <a:solidFill>
-                              <a:schemeClr val="bg1"/>
-                            </a:solidFill>
-                            <a:latin typeface="Cambria Math" panose="02040503050406030204" pitchFamily="18" charset="0"/>
-                          </a:rPr>
-                        </m:ctrlPr>
-                      </m:sSupPr>
-                      <m:e>
-                        <m:r>
-                          <a:rPr lang="en-US" sz="2000" i="1">
-                            <a:solidFill>
-                              <a:schemeClr val="bg1"/>
-                            </a:solidFill>
-                            <a:latin typeface="Cambria Math" panose="02040503050406030204" pitchFamily="18" charset="0"/>
-                          </a:rPr>
-                          <m:t>𝑎</m:t>
-                        </m:r>
-                      </m:e>
-                      <m:sup>
-                        <m:r>
-                          <a:rPr lang="en-US" sz="2000" i="1">
-                            <a:solidFill>
-                              <a:schemeClr val="bg1"/>
-                            </a:solidFill>
-                            <a:latin typeface="Cambria Math" panose="02040503050406030204" pitchFamily="18" charset="0"/>
-                          </a:rPr>
-                          <m:t>2</m:t>
-                        </m:r>
-                      </m:sup>
-                    </m:sSup>
-                    <m:r>
-                      <a:rPr lang="en-US" sz="2000" i="1">
-                        <a:solidFill>
-                          <a:schemeClr val="bg1"/>
-                        </a:solidFill>
-                        <a:latin typeface="Cambria Math" panose="02040503050406030204" pitchFamily="18" charset="0"/>
-                      </a:rPr>
-                      <m:t>=</m:t>
-                    </m:r>
-                    <m:sSup>
-                      <m:sSupPr>
-                        <m:ctrlPr>
-                          <a:rPr lang="en-US" sz="2000" i="1">
-                            <a:solidFill>
-                              <a:schemeClr val="bg1"/>
-                            </a:solidFill>
-                            <a:latin typeface="Cambria Math" panose="02040503050406030204" pitchFamily="18" charset="0"/>
-                          </a:rPr>
-                        </m:ctrlPr>
-                      </m:sSupPr>
-                      <m:e>
-                        <m:r>
-                          <a:rPr lang="en-US" sz="2000" i="1">
-                            <a:solidFill>
-                              <a:schemeClr val="bg1"/>
-                            </a:solidFill>
-                            <a:latin typeface="Cambria Math" panose="02040503050406030204" pitchFamily="18" charset="0"/>
-                          </a:rPr>
-                          <m:t>𝑏</m:t>
-                        </m:r>
-                      </m:e>
-                      <m:sup>
-                        <m:r>
-                          <a:rPr lang="en-US" sz="2000" i="1">
-                            <a:solidFill>
-                              <a:schemeClr val="bg1"/>
-                            </a:solidFill>
-                            <a:latin typeface="Cambria Math" panose="02040503050406030204" pitchFamily="18" charset="0"/>
-                          </a:rPr>
-                          <m:t>2</m:t>
-                        </m:r>
-                      </m:sup>
-                    </m:sSup>
-                    <m:r>
-                      <a:rPr lang="en-US" sz="2000" i="1">
-                        <a:solidFill>
-                          <a:schemeClr val="bg1"/>
-                        </a:solidFill>
-                        <a:latin typeface="Cambria Math" panose="02040503050406030204" pitchFamily="18" charset="0"/>
-                      </a:rPr>
-                      <m:t>+</m:t>
-                    </m:r>
-                    <m:sSup>
-                      <m:sSupPr>
-                        <m:ctrlPr>
-                          <a:rPr lang="en-US" sz="2000" i="1">
-                            <a:solidFill>
-                              <a:schemeClr val="bg1"/>
-                            </a:solidFill>
-                            <a:latin typeface="Cambria Math" panose="02040503050406030204" pitchFamily="18" charset="0"/>
-                          </a:rPr>
-                        </m:ctrlPr>
-                      </m:sSupPr>
-                      <m:e>
-                        <m:r>
-                          <a:rPr lang="en-US" sz="2000" i="1">
-                            <a:solidFill>
-                              <a:schemeClr val="bg1"/>
-                            </a:solidFill>
-                            <a:latin typeface="Cambria Math" panose="02040503050406030204" pitchFamily="18" charset="0"/>
-                          </a:rPr>
-                          <m:t>𝑐</m:t>
-                        </m:r>
-                      </m:e>
-                      <m:sup>
-                        <m:r>
-                          <a:rPr lang="en-US" sz="2000" i="1">
-                            <a:solidFill>
-                              <a:schemeClr val="bg1"/>
-                            </a:solidFill>
-                            <a:latin typeface="Cambria Math" panose="02040503050406030204" pitchFamily="18" charset="0"/>
-                          </a:rPr>
-                          <m:t>2</m:t>
-                        </m:r>
-                      </m:sup>
-                    </m:sSup>
-                  </m:oMath>
-                </a14:m>
-                <a:endParaRPr lang="en-US" sz="2000" dirty="0">
-                  <a:solidFill>
-                    <a:schemeClr val="bg1"/>
-                  </a:solidFill>
-                  <a:latin typeface="Selawik Semibold" panose="020B0702040204020203" pitchFamily="34" charset="0"/>
-                </a:endParaRPr>
-              </a:p>
-              <a:p>
-                <a:pPr marL="342900" indent="-342900">
-                  <a:buFont typeface="Arial" panose="020B0604020202020204" pitchFamily="34" charset="0"/>
-                  <a:buChar char="•"/>
-                </a:pPr>
-                <a:endParaRPr lang="en-US" sz="2400" dirty="0">
-                  <a:solidFill>
-                    <a:schemeClr val="bg1"/>
-                  </a:solidFill>
-                  <a:latin typeface="Selawik Semibold" panose="020B0702040204020203" pitchFamily="34" charset="0"/>
-                </a:endParaRPr>
-              </a:p>
-              <a:p>
-                <a:pPr marL="342900" indent="-342900">
-                  <a:buFont typeface="Arial" panose="020B0604020202020204" pitchFamily="34" charset="0"/>
-                  <a:buChar char="•"/>
-                </a:pPr>
-                <a:r>
-                  <a:rPr lang="en-US" sz="2400" dirty="0">
-                    <a:solidFill>
-                      <a:schemeClr val="bg1"/>
-                    </a:solidFill>
-                    <a:latin typeface="Selawik Semibold" panose="020B0702040204020203" pitchFamily="34" charset="0"/>
-                  </a:rPr>
-                  <a:t>What is Known: More Runs = More Wins</a:t>
-                </a:r>
-              </a:p>
-              <a:p>
-                <a:pPr marL="342900" indent="-342900">
-                  <a:buFont typeface="Arial" panose="020B0604020202020204" pitchFamily="34" charset="0"/>
-                  <a:buChar char="•"/>
-                </a:pPr>
-                <a:endParaRPr lang="en-US" sz="2400" dirty="0">
-                  <a:solidFill>
-                    <a:schemeClr val="bg1"/>
-                  </a:solidFill>
-                  <a:latin typeface="Selawik Semibold" panose="020B0702040204020203" pitchFamily="34" charset="0"/>
-                </a:endParaRPr>
-              </a:p>
-              <a:p>
-                <a:pPr marL="342900" indent="-342900">
-                  <a:buFont typeface="Arial" panose="020B0604020202020204" pitchFamily="34" charset="0"/>
-                  <a:buChar char="•"/>
-                </a:pPr>
-                <a:r>
-                  <a:rPr lang="en-US" sz="2400" dirty="0">
-                    <a:solidFill>
-                      <a:schemeClr val="bg1"/>
-                    </a:solidFill>
-                    <a:latin typeface="Selawik Semibold" panose="020B0702040204020203" pitchFamily="34" charset="0"/>
-                  </a:rPr>
-                  <a:t>Relationship Between Runs and Wins?</a:t>
-                </a:r>
-              </a:p>
-              <a:p>
-                <a:pPr marL="800100" lvl="1" indent="-342900">
-                  <a:buFont typeface="Arial" panose="020B0604020202020204" pitchFamily="34" charset="0"/>
-                  <a:buChar char="•"/>
-                </a:pPr>
-                <a:r>
-                  <a:rPr lang="en-US" sz="2000" dirty="0">
-                    <a:solidFill>
-                      <a:schemeClr val="bg1"/>
-                    </a:solidFill>
-                    <a:latin typeface="Selawik Semibold" panose="020B0702040204020203" pitchFamily="34" charset="0"/>
-                  </a:rPr>
-                  <a:t>Bill James’ Pythagorean Method</a:t>
-                </a:r>
-              </a:p>
-              <a:p>
-                <a:pPr marL="800100" lvl="1" indent="-342900">
-                  <a:buFont typeface="Arial" panose="020B0604020202020204" pitchFamily="34" charset="0"/>
-                  <a:buChar char="•"/>
-                </a:pPr>
-                <a:endParaRPr lang="en-US" sz="2000" dirty="0">
-                  <a:solidFill>
-                    <a:schemeClr val="bg1"/>
-                  </a:solidFill>
-                  <a:latin typeface="Selawik Semibold" panose="020B0702040204020203" pitchFamily="34" charset="0"/>
-                </a:endParaRPr>
-              </a:p>
-              <a:p>
-                <a:pPr lvl="1"/>
-                <a:endParaRPr lang="en-US" sz="2000" dirty="0">
-                  <a:solidFill>
-                    <a:schemeClr val="bg1"/>
-                  </a:solidFill>
-                  <a:latin typeface="Selawik Semibold" panose="020B0702040204020203" pitchFamily="34" charset="0"/>
-                </a:endParaRPr>
-              </a:p>
-              <a:p>
-                <a:pPr lvl="1"/>
-                <a:endParaRPr lang="en-US" sz="2000" dirty="0">
-                  <a:solidFill>
-                    <a:schemeClr val="bg1"/>
-                  </a:solidFill>
-                  <a:latin typeface="Selawik Semibold" panose="020B0702040204020203" pitchFamily="34" charset="0"/>
-                </a:endParaRPr>
-              </a:p>
-              <a:p>
-                <a:pPr marL="800100" lvl="1" indent="-342900">
-                  <a:buFont typeface="Arial" panose="020B0604020202020204" pitchFamily="34" charset="0"/>
-                  <a:buChar char="•"/>
-                </a:pPr>
-                <a:r>
-                  <a:rPr lang="en-US" sz="2000" dirty="0">
-                    <a:solidFill>
-                      <a:schemeClr val="bg1"/>
-                    </a:solidFill>
-                    <a:latin typeface="Selawik Semibold" panose="020B0702040204020203" pitchFamily="34" charset="0"/>
-                  </a:rPr>
-                  <a:t>Example:  Kansas City in 2014 World Series</a:t>
-                </a:r>
-              </a:p>
-              <a:p>
-                <a:pPr marL="1257300" lvl="2" indent="-342900">
-                  <a:buFont typeface="Arial" panose="020B0604020202020204" pitchFamily="34" charset="0"/>
-                  <a:buChar char="•"/>
-                </a:pPr>
-                <a:r>
-                  <a:rPr lang="en-US" sz="2000" dirty="0">
-                    <a:solidFill>
-                      <a:schemeClr val="bg1"/>
-                    </a:solidFill>
-                    <a:latin typeface="Selawik Semibold" panose="020B0702040204020203" pitchFamily="34" charset="0"/>
-                  </a:rPr>
-                  <a:t>651 Runs Scored</a:t>
-                </a:r>
-              </a:p>
-              <a:p>
-                <a:pPr marL="1257300" lvl="2" indent="-342900">
-                  <a:buFont typeface="Arial" panose="020B0604020202020204" pitchFamily="34" charset="0"/>
-                  <a:buChar char="•"/>
-                </a:pPr>
-                <a:r>
-                  <a:rPr lang="en-US" sz="2000" dirty="0">
-                    <a:solidFill>
-                      <a:schemeClr val="bg1"/>
-                    </a:solidFill>
-                    <a:latin typeface="Selawik Semibold" panose="020B0702040204020203" pitchFamily="34" charset="0"/>
-                  </a:rPr>
-                  <a:t>624 Runs Allowed</a:t>
-                </a:r>
-              </a:p>
-              <a:p>
-                <a:pPr marL="800100" lvl="1" indent="-342900">
-                  <a:buFont typeface="Arial" panose="020B0604020202020204" pitchFamily="34" charset="0"/>
-                  <a:buChar char="•"/>
-                </a:pPr>
-                <a:endParaRPr lang="en-US" sz="2400" dirty="0">
-                  <a:solidFill>
-                    <a:schemeClr val="bg1"/>
-                  </a:solidFill>
-                  <a:latin typeface="Selawik Semibold" panose="020B0702040204020203" pitchFamily="34" charset="0"/>
-                </a:endParaRPr>
-              </a:p>
-              <a:p>
-                <a:pPr marL="342900" indent="-342900">
-                  <a:buFont typeface="Arial" panose="020B0604020202020204" pitchFamily="34" charset="0"/>
-                  <a:buChar char="•"/>
-                </a:pPr>
-                <a:endParaRPr lang="en-US" sz="2400" dirty="0">
-                  <a:solidFill>
-                    <a:schemeClr val="bg1"/>
-                  </a:solidFill>
-                  <a:latin typeface="Selawik Semibold" panose="020B0702040204020203" pitchFamily="34" charset="0"/>
-                </a:endParaRPr>
-              </a:p>
-            </p:txBody>
-          </p:sp>
-        </mc:Choice>
-        <mc:Fallback>
-          <p:sp>
-            <p:nvSpPr>
-              <p:cNvPr id="10" name="TextBox 9">
-                <a:extLst>
-                  <a:ext uri="{FF2B5EF4-FFF2-40B4-BE49-F238E27FC236}">
-                    <a16:creationId xmlns:a16="http://schemas.microsoft.com/office/drawing/2014/main" id="{8A07C2CC-416F-4D29-84CF-D1F8B766EE5F}"/>
-                  </a:ext>
-                </a:extLst>
-              </p:cNvPr>
-              <p:cNvSpPr txBox="1">
-                <a:spLocks noRot="1" noChangeAspect="1" noMove="1" noResize="1" noEditPoints="1" noAdjustHandles="1" noChangeArrowheads="1" noChangeShapeType="1" noTextEdit="1"/>
-              </p:cNvSpPr>
-              <p:nvPr/>
-            </p:nvSpPr>
-            <p:spPr>
-              <a:xfrm>
-                <a:off x="3080083" y="1520792"/>
-                <a:ext cx="6427903" cy="5755422"/>
-              </a:xfrm>
-              <a:prstGeom prst="rect">
-                <a:avLst/>
-              </a:prstGeom>
-              <a:blipFill>
-                <a:blip r:embed="rId4"/>
-                <a:stretch>
-                  <a:fillRect l="-1232" t="-741"/>
-                </a:stretch>
-              </a:blipFill>
-            </p:spPr>
-            <p:txBody>
-              <a:bodyPr/>
-              <a:lstStyle/>
-              <a:p>
-                <a:r>
-                  <a:rPr lang="en-US">
-                    <a:noFill/>
-                  </a:rPr>
-                  <a:t> </a:t>
-                </a:r>
-              </a:p>
-            </p:txBody>
-          </p:sp>
-        </mc:Fallback>
-      </mc:AlternateContent>
-      <p:sp>
-        <p:nvSpPr>
-          <p:cNvPr id="13" name="TextBox 12">
-            <a:extLst>
-              <a:ext uri="{FF2B5EF4-FFF2-40B4-BE49-F238E27FC236}">
-                <a16:creationId xmlns:a16="http://schemas.microsoft.com/office/drawing/2014/main" id="{2B7A9EEB-AAC8-4D56-8CAF-90ECAAAC58B0}"/>
-              </a:ext>
-            </a:extLst>
-          </p:cNvPr>
-          <p:cNvSpPr txBox="1"/>
-          <p:nvPr/>
-        </p:nvSpPr>
-        <p:spPr>
-          <a:xfrm>
-            <a:off x="9397453" y="1067024"/>
-            <a:ext cx="2637322" cy="1200329"/>
-          </a:xfrm>
-          <a:prstGeom prst="rect">
-            <a:avLst/>
-          </a:prstGeom>
-          <a:solidFill>
-            <a:schemeClr val="tx1"/>
-          </a:solidFill>
-        </p:spPr>
-        <p:txBody>
-          <a:bodyPr wrap="square" rtlCol="0">
-            <a:spAutoFit/>
-          </a:bodyPr>
-          <a:lstStyle/>
-          <a:p>
-            <a:r>
-              <a:rPr lang="en-US" sz="2400" dirty="0">
-                <a:solidFill>
-                  <a:schemeClr val="bg1"/>
-                </a:solidFill>
-              </a:rPr>
-              <a:t>WP = Win %</a:t>
-            </a:r>
-          </a:p>
-          <a:p>
-            <a:r>
-              <a:rPr lang="en-US" sz="2400" dirty="0">
-                <a:solidFill>
-                  <a:schemeClr val="bg1"/>
-                </a:solidFill>
-              </a:rPr>
-              <a:t>RS = Runs Scored</a:t>
-            </a:r>
-          </a:p>
-          <a:p>
-            <a:r>
-              <a:rPr lang="en-US" sz="2400" dirty="0">
-                <a:solidFill>
-                  <a:schemeClr val="bg1"/>
-                </a:solidFill>
-              </a:rPr>
-              <a:t>RA = Runs Allowed</a:t>
-            </a:r>
-          </a:p>
-        </p:txBody>
-      </p:sp>
-      <mc:AlternateContent xmlns:mc="http://schemas.openxmlformats.org/markup-compatibility/2006">
-        <mc:Choice xmlns:a14="http://schemas.microsoft.com/office/drawing/2010/main" Requires="a14">
-          <p:sp>
-            <p:nvSpPr>
-              <p:cNvPr id="14" name="TextBox 13">
-                <a:extLst>
-                  <a:ext uri="{FF2B5EF4-FFF2-40B4-BE49-F238E27FC236}">
-                    <a16:creationId xmlns:a16="http://schemas.microsoft.com/office/drawing/2014/main" id="{6C1066B8-4403-44DF-A560-7518ADDFF186}"/>
-                  </a:ext>
-                </a:extLst>
-              </p:cNvPr>
-              <p:cNvSpPr txBox="1"/>
-              <p:nvPr/>
-            </p:nvSpPr>
-            <p:spPr>
-              <a:xfrm>
-                <a:off x="2662290" y="4742393"/>
-                <a:ext cx="4467728" cy="659796"/>
-              </a:xfrm>
-              <a:prstGeom prst="rect">
-                <a:avLst/>
-              </a:prstGeom>
-              <a:noFill/>
-            </p:spPr>
-            <p:txBody>
-              <a:bodyPr wrap="square" rtlCol="0">
-                <a:spAutoFit/>
-              </a:bodyPr>
-              <a:lstStyle/>
-              <a:p>
-                <a:pPr/>
-                <a14:m>
-                  <m:oMathPara xmlns:m="http://schemas.openxmlformats.org/officeDocument/2006/math">
-                    <m:oMathParaPr>
-                      <m:jc m:val="centerGroup"/>
-                    </m:oMathParaPr>
-                    <m:oMath xmlns:m="http://schemas.openxmlformats.org/officeDocument/2006/math">
-                      <m:r>
-                        <a:rPr lang="en-US" b="1" i="1" smtClean="0">
-                          <a:solidFill>
-                            <a:schemeClr val="bg1"/>
-                          </a:solidFill>
-                          <a:latin typeface="Cambria Math" panose="02040503050406030204" pitchFamily="18" charset="0"/>
-                        </a:rPr>
-                        <m:t>𝑾𝑷</m:t>
-                      </m:r>
-                      <m:r>
-                        <a:rPr lang="en-US" b="1" i="1" smtClean="0">
-                          <a:solidFill>
-                            <a:schemeClr val="bg1"/>
-                          </a:solidFill>
-                          <a:latin typeface="Cambria Math" panose="02040503050406030204" pitchFamily="18" charset="0"/>
-                          <a:ea typeface="Cambria Math" panose="02040503050406030204" pitchFamily="18" charset="0"/>
-                        </a:rPr>
-                        <m:t>≈</m:t>
-                      </m:r>
-                      <m:r>
-                        <a:rPr lang="en-US" b="1" i="1" smtClean="0">
-                          <a:solidFill>
-                            <a:schemeClr val="bg1"/>
-                          </a:solidFill>
-                          <a:latin typeface="Cambria Math" panose="02040503050406030204" pitchFamily="18" charset="0"/>
-                        </a:rPr>
-                        <m:t> </m:t>
-                      </m:r>
-                      <m:f>
-                        <m:fPr>
-                          <m:ctrlPr>
-                            <a:rPr lang="en-US" b="1" i="1" smtClean="0">
-                              <a:solidFill>
-                                <a:schemeClr val="bg1"/>
-                              </a:solidFill>
-                              <a:latin typeface="Cambria Math" panose="02040503050406030204" pitchFamily="18" charset="0"/>
-                            </a:rPr>
-                          </m:ctrlPr>
-                        </m:fPr>
-                        <m:num>
-                          <m:r>
-                            <a:rPr lang="en-US" b="1" i="1" smtClean="0">
-                              <a:solidFill>
-                                <a:schemeClr val="bg1"/>
-                              </a:solidFill>
-                              <a:latin typeface="Cambria Math" panose="02040503050406030204" pitchFamily="18" charset="0"/>
-                            </a:rPr>
-                            <m:t>𝑹</m:t>
-                          </m:r>
-                          <m:sSup>
-                            <m:sSupPr>
-                              <m:ctrlPr>
-                                <a:rPr lang="en-US" b="1" i="1" smtClean="0">
-                                  <a:solidFill>
-                                    <a:schemeClr val="bg1"/>
-                                  </a:solidFill>
-                                  <a:latin typeface="Cambria Math" panose="02040503050406030204" pitchFamily="18" charset="0"/>
-                                </a:rPr>
-                              </m:ctrlPr>
-                            </m:sSupPr>
-                            <m:e>
-                              <m:r>
-                                <a:rPr lang="en-US" b="1" i="1" smtClean="0">
-                                  <a:solidFill>
-                                    <a:schemeClr val="bg1"/>
-                                  </a:solidFill>
-                                  <a:latin typeface="Cambria Math" panose="02040503050406030204" pitchFamily="18" charset="0"/>
-                                </a:rPr>
-                                <m:t>𝑺</m:t>
-                              </m:r>
-                            </m:e>
-                            <m:sup>
-                              <m:r>
-                                <a:rPr lang="en-US" b="1" i="1" smtClean="0">
-                                  <a:solidFill>
-                                    <a:schemeClr val="bg1"/>
-                                  </a:solidFill>
-                                  <a:latin typeface="Cambria Math" panose="02040503050406030204" pitchFamily="18" charset="0"/>
-                                </a:rPr>
-                                <m:t>𝟐</m:t>
-                              </m:r>
-                            </m:sup>
-                          </m:sSup>
-                        </m:num>
-                        <m:den>
-                          <m:r>
-                            <a:rPr lang="en-US" b="1" i="1" smtClean="0">
-                              <a:solidFill>
-                                <a:schemeClr val="bg1"/>
-                              </a:solidFill>
-                              <a:latin typeface="Cambria Math" panose="02040503050406030204" pitchFamily="18" charset="0"/>
-                            </a:rPr>
-                            <m:t>𝑹</m:t>
-                          </m:r>
-                          <m:sSup>
-                            <m:sSupPr>
-                              <m:ctrlPr>
-                                <a:rPr lang="en-US" b="1" i="1" smtClean="0">
-                                  <a:solidFill>
-                                    <a:schemeClr val="bg1"/>
-                                  </a:solidFill>
-                                  <a:latin typeface="Cambria Math" panose="02040503050406030204" pitchFamily="18" charset="0"/>
-                                </a:rPr>
-                              </m:ctrlPr>
-                            </m:sSupPr>
-                            <m:e>
-                              <m:r>
-                                <a:rPr lang="en-US" b="1" i="1" smtClean="0">
-                                  <a:solidFill>
-                                    <a:schemeClr val="bg1"/>
-                                  </a:solidFill>
-                                  <a:latin typeface="Cambria Math" panose="02040503050406030204" pitchFamily="18" charset="0"/>
-                                </a:rPr>
-                                <m:t>𝑺</m:t>
-                              </m:r>
-                            </m:e>
-                            <m:sup>
-                              <m:r>
-                                <a:rPr lang="en-US" b="1" i="1" smtClean="0">
-                                  <a:solidFill>
-                                    <a:schemeClr val="bg1"/>
-                                  </a:solidFill>
-                                  <a:latin typeface="Cambria Math" panose="02040503050406030204" pitchFamily="18" charset="0"/>
-                                </a:rPr>
-                                <m:t>𝟐</m:t>
-                              </m:r>
-                            </m:sup>
-                          </m:sSup>
-                          <m:r>
-                            <a:rPr lang="en-US" b="1" i="1" smtClean="0">
-                              <a:solidFill>
-                                <a:schemeClr val="bg1"/>
-                              </a:solidFill>
-                              <a:latin typeface="Cambria Math" panose="02040503050406030204" pitchFamily="18" charset="0"/>
-                            </a:rPr>
-                            <m:t>+</m:t>
-                          </m:r>
-                          <m:r>
-                            <a:rPr lang="en-US" b="1" i="1" smtClean="0">
-                              <a:solidFill>
-                                <a:schemeClr val="bg1"/>
-                              </a:solidFill>
-                              <a:latin typeface="Cambria Math" panose="02040503050406030204" pitchFamily="18" charset="0"/>
-                            </a:rPr>
-                            <m:t>𝑹</m:t>
-                          </m:r>
-                          <m:sSup>
-                            <m:sSupPr>
-                              <m:ctrlPr>
-                                <a:rPr lang="en-US" b="1" i="1" smtClean="0">
-                                  <a:solidFill>
-                                    <a:schemeClr val="bg1"/>
-                                  </a:solidFill>
-                                  <a:latin typeface="Cambria Math" panose="02040503050406030204" pitchFamily="18" charset="0"/>
-                                </a:rPr>
-                              </m:ctrlPr>
-                            </m:sSupPr>
-                            <m:e>
-                              <m:r>
-                                <a:rPr lang="en-US" b="1" i="1" smtClean="0">
-                                  <a:solidFill>
-                                    <a:schemeClr val="bg1"/>
-                                  </a:solidFill>
-                                  <a:latin typeface="Cambria Math" panose="02040503050406030204" pitchFamily="18" charset="0"/>
-                                </a:rPr>
-                                <m:t>𝑨</m:t>
-                              </m:r>
-                            </m:e>
-                            <m:sup>
-                              <m:r>
-                                <a:rPr lang="en-US" b="1" i="1" smtClean="0">
-                                  <a:solidFill>
-                                    <a:schemeClr val="bg1"/>
-                                  </a:solidFill>
-                                  <a:latin typeface="Cambria Math" panose="02040503050406030204" pitchFamily="18" charset="0"/>
-                                </a:rPr>
-                                <m:t>𝟐</m:t>
-                              </m:r>
-                            </m:sup>
-                          </m:sSup>
-                        </m:den>
-                      </m:f>
-                    </m:oMath>
-                  </m:oMathPara>
-                </a14:m>
-                <a:endParaRPr lang="en-US" b="1" dirty="0">
-                  <a:solidFill>
-                    <a:schemeClr val="bg1"/>
-                  </a:solidFill>
-                </a:endParaRPr>
-              </a:p>
-            </p:txBody>
-          </p:sp>
-        </mc:Choice>
-        <mc:Fallback>
-          <p:sp>
-            <p:nvSpPr>
-              <p:cNvPr id="14" name="TextBox 13">
-                <a:extLst>
-                  <a:ext uri="{FF2B5EF4-FFF2-40B4-BE49-F238E27FC236}">
-                    <a16:creationId xmlns:a16="http://schemas.microsoft.com/office/drawing/2014/main" id="{6C1066B8-4403-44DF-A560-7518ADDFF186}"/>
-                  </a:ext>
-                </a:extLst>
-              </p:cNvPr>
-              <p:cNvSpPr txBox="1">
-                <a:spLocks noRot="1" noChangeAspect="1" noMove="1" noResize="1" noEditPoints="1" noAdjustHandles="1" noChangeArrowheads="1" noChangeShapeType="1" noTextEdit="1"/>
-              </p:cNvSpPr>
-              <p:nvPr/>
-            </p:nvSpPr>
-            <p:spPr>
-              <a:xfrm>
-                <a:off x="2662290" y="4742393"/>
-                <a:ext cx="4467728" cy="659796"/>
-              </a:xfrm>
-              <a:prstGeom prst="rect">
-                <a:avLst/>
-              </a:prstGeom>
-              <a:blipFill>
-                <a:blip r:embed="rId5"/>
-                <a:stretch>
-                  <a:fillRect/>
-                </a:stretch>
-              </a:blipFill>
-            </p:spPr>
-            <p:txBody>
-              <a:bodyPr/>
-              <a:lstStyle/>
-              <a:p>
-                <a:r>
-                  <a:rPr lang="en-US">
-                    <a:noFill/>
-                  </a:rPr>
-                  <a:t> </a:t>
-                </a:r>
-              </a:p>
-            </p:txBody>
-          </p:sp>
-        </mc:Fallback>
-      </mc:AlternateContent>
-      <mc:AlternateContent xmlns:mc="http://schemas.openxmlformats.org/markup-compatibility/2006">
-        <mc:Choice xmlns:a14="http://schemas.microsoft.com/office/drawing/2010/main" Requires="a14">
-          <p:sp>
-            <p:nvSpPr>
-              <p:cNvPr id="15" name="TextBox 14">
-                <a:extLst>
-                  <a:ext uri="{FF2B5EF4-FFF2-40B4-BE49-F238E27FC236}">
-                    <a16:creationId xmlns:a16="http://schemas.microsoft.com/office/drawing/2014/main" id="{ECF79FB8-0CA9-4241-A68A-608F393E3CBC}"/>
-                  </a:ext>
-                </a:extLst>
-              </p:cNvPr>
-              <p:cNvSpPr txBox="1"/>
-              <p:nvPr/>
-            </p:nvSpPr>
-            <p:spPr>
-              <a:xfrm>
-                <a:off x="6410448" y="5672020"/>
-                <a:ext cx="5938775" cy="722955"/>
-              </a:xfrm>
-              <a:prstGeom prst="rect">
-                <a:avLst/>
-              </a:prstGeom>
-              <a:noFill/>
-            </p:spPr>
-            <p:txBody>
-              <a:bodyPr wrap="square" rtlCol="0">
-                <a:spAutoFit/>
-              </a:bodyPr>
-              <a:lstStyle/>
-              <a:p>
-                <a:pPr/>
-                <a14:m>
-                  <m:oMathPara xmlns:m="http://schemas.openxmlformats.org/officeDocument/2006/math">
-                    <m:oMathParaPr>
-                      <m:jc m:val="centerGroup"/>
-                    </m:oMathParaPr>
-                    <m:oMath xmlns:m="http://schemas.openxmlformats.org/officeDocument/2006/math">
-                      <m:r>
-                        <a:rPr lang="en-US" sz="2000" b="1" i="1" smtClean="0">
-                          <a:solidFill>
-                            <a:schemeClr val="bg1"/>
-                          </a:solidFill>
-                          <a:latin typeface="Cambria Math" panose="02040503050406030204" pitchFamily="18" charset="0"/>
-                        </a:rPr>
-                        <m:t>𝟖𝟗</m:t>
-                      </m:r>
-                      <m:r>
-                        <a:rPr lang="en-US" sz="2000" b="1" i="1" smtClean="0">
-                          <a:solidFill>
-                            <a:schemeClr val="bg1"/>
-                          </a:solidFill>
-                          <a:latin typeface="Cambria Math" panose="02040503050406030204" pitchFamily="18" charset="0"/>
-                        </a:rPr>
-                        <m:t> </m:t>
-                      </m:r>
-                      <m:r>
-                        <a:rPr lang="en-US" sz="2000" b="1" i="1" smtClean="0">
-                          <a:solidFill>
-                            <a:schemeClr val="bg1"/>
-                          </a:solidFill>
-                          <a:latin typeface="Cambria Math" panose="02040503050406030204" pitchFamily="18" charset="0"/>
-                        </a:rPr>
-                        <m:t>𝑾𝒊𝒏𝒔</m:t>
-                      </m:r>
-                      <m:r>
-                        <a:rPr lang="en-US" sz="2000" b="1" i="1" smtClean="0">
-                          <a:solidFill>
-                            <a:schemeClr val="bg1"/>
-                          </a:solidFill>
-                          <a:latin typeface="Cambria Math" panose="02040503050406030204" pitchFamily="18" charset="0"/>
-                          <a:ea typeface="Cambria Math" panose="02040503050406030204" pitchFamily="18" charset="0"/>
-                        </a:rPr>
-                        <m:t>≈</m:t>
-                      </m:r>
-                      <m:r>
-                        <a:rPr lang="en-US" sz="2000" b="1" i="1" smtClean="0">
-                          <a:solidFill>
-                            <a:schemeClr val="bg1"/>
-                          </a:solidFill>
-                          <a:latin typeface="Cambria Math" panose="02040503050406030204" pitchFamily="18" charset="0"/>
-                          <a:ea typeface="Cambria Math" panose="02040503050406030204" pitchFamily="18" charset="0"/>
-                        </a:rPr>
-                        <m:t>𝟏𝟔𝟐</m:t>
-                      </m:r>
-                      <m:r>
-                        <a:rPr lang="en-US" sz="2000" b="1" i="1" smtClean="0">
-                          <a:solidFill>
-                            <a:schemeClr val="bg1"/>
-                          </a:solidFill>
-                          <a:latin typeface="Cambria Math" panose="02040503050406030204" pitchFamily="18" charset="0"/>
-                          <a:ea typeface="Cambria Math" panose="02040503050406030204" pitchFamily="18" charset="0"/>
-                        </a:rPr>
-                        <m:t>× </m:t>
-                      </m:r>
-                      <m:f>
-                        <m:fPr>
-                          <m:ctrlPr>
-                            <a:rPr lang="en-US" sz="2000" b="1" i="1" smtClean="0">
-                              <a:solidFill>
-                                <a:schemeClr val="bg1"/>
-                              </a:solidFill>
-                              <a:latin typeface="Cambria Math" panose="02040503050406030204" pitchFamily="18" charset="0"/>
-                            </a:rPr>
-                          </m:ctrlPr>
-                        </m:fPr>
-                        <m:num>
-                          <m:r>
-                            <a:rPr lang="en-US" sz="2000" b="1" i="1" smtClean="0">
-                              <a:solidFill>
-                                <a:schemeClr val="bg1"/>
-                              </a:solidFill>
-                              <a:latin typeface="Cambria Math" panose="02040503050406030204" pitchFamily="18" charset="0"/>
-                            </a:rPr>
-                            <m:t>𝟔𝟓</m:t>
-                          </m:r>
-                          <m:sSup>
-                            <m:sSupPr>
-                              <m:ctrlPr>
-                                <a:rPr lang="en-US" sz="2000" b="1" i="1" smtClean="0">
-                                  <a:solidFill>
-                                    <a:schemeClr val="bg1"/>
-                                  </a:solidFill>
-                                  <a:latin typeface="Cambria Math" panose="02040503050406030204" pitchFamily="18" charset="0"/>
-                                </a:rPr>
-                              </m:ctrlPr>
-                            </m:sSupPr>
-                            <m:e>
-                              <m:r>
-                                <a:rPr lang="en-US" sz="2000" b="1" i="1" smtClean="0">
-                                  <a:solidFill>
-                                    <a:schemeClr val="bg1"/>
-                                  </a:solidFill>
-                                  <a:latin typeface="Cambria Math" panose="02040503050406030204" pitchFamily="18" charset="0"/>
-                                </a:rPr>
-                                <m:t>𝟏</m:t>
-                              </m:r>
-                            </m:e>
-                            <m:sup>
-                              <m:r>
-                                <a:rPr lang="en-US" sz="2000" b="1" i="1" smtClean="0">
-                                  <a:solidFill>
-                                    <a:schemeClr val="bg1"/>
-                                  </a:solidFill>
-                                  <a:latin typeface="Cambria Math" panose="02040503050406030204" pitchFamily="18" charset="0"/>
-                                </a:rPr>
-                                <m:t>𝟐</m:t>
-                              </m:r>
-                            </m:sup>
-                          </m:sSup>
-                        </m:num>
-                        <m:den>
-                          <m:r>
-                            <a:rPr lang="en-US" sz="2000" b="1" i="1" smtClean="0">
-                              <a:solidFill>
-                                <a:schemeClr val="bg1"/>
-                              </a:solidFill>
-                              <a:latin typeface="Cambria Math" panose="02040503050406030204" pitchFamily="18" charset="0"/>
-                            </a:rPr>
-                            <m:t>𝟔𝟓</m:t>
-                          </m:r>
-                          <m:sSup>
-                            <m:sSupPr>
-                              <m:ctrlPr>
-                                <a:rPr lang="en-US" sz="2000" b="1" i="1" smtClean="0">
-                                  <a:solidFill>
-                                    <a:schemeClr val="bg1"/>
-                                  </a:solidFill>
-                                  <a:latin typeface="Cambria Math" panose="02040503050406030204" pitchFamily="18" charset="0"/>
-                                </a:rPr>
-                              </m:ctrlPr>
-                            </m:sSupPr>
-                            <m:e>
-                              <m:r>
-                                <a:rPr lang="en-US" sz="2000" b="1" i="1" smtClean="0">
-                                  <a:solidFill>
-                                    <a:schemeClr val="bg1"/>
-                                  </a:solidFill>
-                                  <a:latin typeface="Cambria Math" panose="02040503050406030204" pitchFamily="18" charset="0"/>
-                                </a:rPr>
-                                <m:t>𝟏</m:t>
-                              </m:r>
-                            </m:e>
-                            <m:sup>
-                              <m:r>
-                                <a:rPr lang="en-US" sz="2000" b="1" i="1" smtClean="0">
-                                  <a:solidFill>
-                                    <a:schemeClr val="bg1"/>
-                                  </a:solidFill>
-                                  <a:latin typeface="Cambria Math" panose="02040503050406030204" pitchFamily="18" charset="0"/>
-                                </a:rPr>
-                                <m:t>𝟐</m:t>
-                              </m:r>
-                            </m:sup>
-                          </m:sSup>
-                          <m:r>
-                            <a:rPr lang="en-US" sz="2000" b="1" i="1" smtClean="0">
-                              <a:solidFill>
-                                <a:schemeClr val="bg1"/>
-                              </a:solidFill>
-                              <a:latin typeface="Cambria Math" panose="02040503050406030204" pitchFamily="18" charset="0"/>
-                            </a:rPr>
-                            <m:t>+</m:t>
-                          </m:r>
-                          <m:r>
-                            <a:rPr lang="en-US" sz="2000" b="1" i="1" smtClean="0">
-                              <a:solidFill>
-                                <a:schemeClr val="bg1"/>
-                              </a:solidFill>
-                              <a:latin typeface="Cambria Math" panose="02040503050406030204" pitchFamily="18" charset="0"/>
-                            </a:rPr>
-                            <m:t>𝟔𝟐</m:t>
-                          </m:r>
-                          <m:sSup>
-                            <m:sSupPr>
-                              <m:ctrlPr>
-                                <a:rPr lang="en-US" sz="2000" b="1" i="1" smtClean="0">
-                                  <a:solidFill>
-                                    <a:schemeClr val="bg1"/>
-                                  </a:solidFill>
-                                  <a:latin typeface="Cambria Math" panose="02040503050406030204" pitchFamily="18" charset="0"/>
-                                </a:rPr>
-                              </m:ctrlPr>
-                            </m:sSupPr>
-                            <m:e>
-                              <m:r>
-                                <a:rPr lang="en-US" sz="2000" b="1" i="1" smtClean="0">
-                                  <a:solidFill>
-                                    <a:schemeClr val="bg1"/>
-                                  </a:solidFill>
-                                  <a:latin typeface="Cambria Math" panose="02040503050406030204" pitchFamily="18" charset="0"/>
-                                </a:rPr>
-                                <m:t>𝟒</m:t>
-                              </m:r>
-                            </m:e>
-                            <m:sup>
-                              <m:r>
-                                <a:rPr lang="en-US" sz="2000" b="1" i="1" smtClean="0">
-                                  <a:solidFill>
-                                    <a:schemeClr val="bg1"/>
-                                  </a:solidFill>
-                                  <a:latin typeface="Cambria Math" panose="02040503050406030204" pitchFamily="18" charset="0"/>
-                                </a:rPr>
-                                <m:t>𝟐</m:t>
-                              </m:r>
-                            </m:sup>
-                          </m:sSup>
-                        </m:den>
-                      </m:f>
-                      <m:r>
-                        <a:rPr lang="en-US" sz="2000" b="1" i="1" smtClean="0">
-                          <a:solidFill>
-                            <a:schemeClr val="bg1"/>
-                          </a:solidFill>
-                          <a:latin typeface="Cambria Math" panose="02040503050406030204" pitchFamily="18" charset="0"/>
-                        </a:rPr>
-                        <m:t>=</m:t>
-                      </m:r>
-                      <m:r>
-                        <a:rPr lang="en-US" sz="2000" b="1" i="1" smtClean="0">
-                          <a:solidFill>
-                            <a:schemeClr val="bg1"/>
-                          </a:solidFill>
-                          <a:latin typeface="Cambria Math" panose="02040503050406030204" pitchFamily="18" charset="0"/>
-                        </a:rPr>
-                        <m:t>𝟖𝟒</m:t>
-                      </m:r>
-                      <m:r>
-                        <a:rPr lang="en-US" sz="2000" b="1" i="1" smtClean="0">
-                          <a:solidFill>
-                            <a:schemeClr val="bg1"/>
-                          </a:solidFill>
-                          <a:latin typeface="Cambria Math" panose="02040503050406030204" pitchFamily="18" charset="0"/>
-                        </a:rPr>
-                        <m:t>.</m:t>
-                      </m:r>
-                      <m:r>
-                        <a:rPr lang="en-US" sz="2000" b="1" i="1" smtClean="0">
-                          <a:solidFill>
-                            <a:schemeClr val="bg1"/>
-                          </a:solidFill>
-                          <a:latin typeface="Cambria Math" panose="02040503050406030204" pitchFamily="18" charset="0"/>
-                        </a:rPr>
-                        <m:t>𝟒𝟑</m:t>
-                      </m:r>
-                    </m:oMath>
-                  </m:oMathPara>
-                </a14:m>
-                <a:endParaRPr lang="en-US" sz="2000" b="1" dirty="0">
-                  <a:solidFill>
-                    <a:schemeClr val="bg1"/>
-                  </a:solidFill>
-                </a:endParaRPr>
-              </a:p>
-            </p:txBody>
-          </p:sp>
-        </mc:Choice>
-        <mc:Fallback>
-          <p:sp>
-            <p:nvSpPr>
-              <p:cNvPr id="15" name="TextBox 14">
-                <a:extLst>
-                  <a:ext uri="{FF2B5EF4-FFF2-40B4-BE49-F238E27FC236}">
-                    <a16:creationId xmlns:a16="http://schemas.microsoft.com/office/drawing/2014/main" id="{ECF79FB8-0CA9-4241-A68A-608F393E3CBC}"/>
-                  </a:ext>
-                </a:extLst>
-              </p:cNvPr>
-              <p:cNvSpPr txBox="1">
-                <a:spLocks noRot="1" noChangeAspect="1" noMove="1" noResize="1" noEditPoints="1" noAdjustHandles="1" noChangeArrowheads="1" noChangeShapeType="1" noTextEdit="1"/>
-              </p:cNvSpPr>
-              <p:nvPr/>
-            </p:nvSpPr>
-            <p:spPr>
-              <a:xfrm>
-                <a:off x="6410448" y="5672020"/>
-                <a:ext cx="5938775" cy="722955"/>
-              </a:xfrm>
-              <a:prstGeom prst="rect">
-                <a:avLst/>
-              </a:prstGeom>
-              <a:blipFill>
-                <a:blip r:embed="rId6"/>
-                <a:stretch>
-                  <a:fillRect/>
-                </a:stretch>
-              </a:blipFill>
-            </p:spPr>
-            <p:txBody>
-              <a:bodyPr/>
-              <a:lstStyle/>
-              <a:p>
-                <a:r>
-                  <a:rPr lang="en-US">
-                    <a:noFill/>
-                  </a:rPr>
-                  <a:t> </a:t>
-                </a:r>
-              </a:p>
-            </p:txBody>
-          </p:sp>
-        </mc:Fallback>
-      </mc:AlternateContent>
-    </p:spTree>
-    <p:extLst>
-      <p:ext uri="{BB962C8B-B14F-4D97-AF65-F5344CB8AC3E}">
-        <p14:creationId xmlns:p14="http://schemas.microsoft.com/office/powerpoint/2010/main" val="108388683"/>
-      </p:ext>
-    </p:extLst>
-  </p:cSld>
-  <p:clrMapOvr>
-    <a:masterClrMapping/>
-  </p:clrMapOvr>
-</p:sld>
-</file>
-
-<file path=ppt/slides/slide15.xml><?xml version="1.0" encoding="utf-8"?>
-<p:sld xmlns:a="http://schemas.openxmlformats.org/drawingml/2006/main" xmlns:r="http://schemas.openxmlformats.org/officeDocument/2006/relationships" xmlns:p="http://schemas.openxmlformats.org/presentationml/2006/main">
-  <p:cSld>
-    <p:bg>
-      <p:bgPr>
-        <a:solidFill>
-          <a:schemeClr val="bg1"/>
-        </a:solidFill>
-        <a:effectLst/>
-      </p:bgPr>
-    </p:bg>
-    <p:spTree>
-      <p:nvGrpSpPr>
-        <p:cNvPr id="1" name=""/>
-        <p:cNvGrpSpPr/>
-        <p:nvPr/>
-      </p:nvGrpSpPr>
-      <p:grpSpPr>
-        <a:xfrm>
-          <a:off x="0" y="0"/>
-          <a:ext cx="0" cy="0"/>
-          <a:chOff x="0" y="0"/>
-          <a:chExt cx="0" cy="0"/>
-        </a:xfrm>
-      </p:grpSpPr>
-      <p:sp>
-        <p:nvSpPr>
-          <p:cNvPr id="17" name="Rectangle 16">
-            <a:extLst>
-              <a:ext uri="{FF2B5EF4-FFF2-40B4-BE49-F238E27FC236}">
-                <a16:creationId xmlns:a16="http://schemas.microsoft.com/office/drawing/2014/main" id="{0A8FE870-A334-4DE1-84A7-AB191ED10D63}"/>
-              </a:ext>
-            </a:extLst>
-          </p:cNvPr>
-          <p:cNvSpPr/>
-          <p:nvPr/>
-        </p:nvSpPr>
-        <p:spPr>
-          <a:xfrm>
-            <a:off x="0" y="-52157"/>
-            <a:ext cx="12192000" cy="6910157"/>
-          </a:xfrm>
-          <a:prstGeom prst="rect">
-            <a:avLst/>
-          </a:prstGeom>
-          <a:solidFill>
-            <a:srgbClr val="395583"/>
-          </a:solidFill>
-        </p:spPr>
-        <p:style>
-          <a:lnRef idx="2">
-            <a:schemeClr val="accent1">
-              <a:shade val="50000"/>
-            </a:schemeClr>
-          </a:lnRef>
-          <a:fillRef idx="1">
-            <a:schemeClr val="accent1"/>
-          </a:fillRef>
-          <a:effectRef idx="0">
-            <a:schemeClr val="accent1"/>
-          </a:effectRef>
-          <a:fontRef idx="minor">
-            <a:schemeClr val="lt1"/>
-          </a:fontRef>
-        </p:style>
-        <p:txBody>
-          <a:bodyPr rtlCol="0" anchor="ctr"/>
-          <a:lstStyle/>
-          <a:p>
-            <a:pPr algn="ctr"/>
-            <a:endParaRPr lang="en-US"/>
-          </a:p>
-        </p:txBody>
-      </p:sp>
-      <p:pic>
-        <p:nvPicPr>
-          <p:cNvPr id="8" name="Picture 7" descr="A close up of a toy&#10;&#10;Description automatically generated">
-            <a:extLst>
-              <a:ext uri="{FF2B5EF4-FFF2-40B4-BE49-F238E27FC236}">
-                <a16:creationId xmlns:a16="http://schemas.microsoft.com/office/drawing/2014/main" id="{131D5527-B848-4F84-9601-62DB93565332}"/>
-              </a:ext>
-            </a:extLst>
-          </p:cNvPr>
-          <p:cNvPicPr>
-            <a:picLocks noChangeAspect="1"/>
-          </p:cNvPicPr>
-          <p:nvPr/>
-        </p:nvPicPr>
-        <p:blipFill rotWithShape="1">
-          <a:blip r:embed="rId2">
-            <a:extLst>
-              <a:ext uri="{28A0092B-C50C-407E-A947-70E740481C1C}">
-                <a14:useLocalDpi xmlns:a14="http://schemas.microsoft.com/office/drawing/2010/main" val="0"/>
-              </a:ext>
-            </a:extLst>
-          </a:blip>
-          <a:srcRect l="6238" r="10796"/>
-          <a:stretch/>
-        </p:blipFill>
-        <p:spPr>
-          <a:xfrm>
-            <a:off x="0" y="-52157"/>
-            <a:ext cx="2684015" cy="3969421"/>
-          </a:xfrm>
-          <a:prstGeom prst="rect">
-            <a:avLst/>
-          </a:prstGeom>
-        </p:spPr>
-      </p:pic>
-      <p:sp>
-        <p:nvSpPr>
-          <p:cNvPr id="33" name="Rectangle 32">
-            <a:extLst>
-              <a:ext uri="{FF2B5EF4-FFF2-40B4-BE49-F238E27FC236}">
-                <a16:creationId xmlns:a16="http://schemas.microsoft.com/office/drawing/2014/main" id="{6F93929A-DE1C-47C4-AF97-F99DB104E96F}"/>
-              </a:ext>
-            </a:extLst>
-          </p:cNvPr>
-          <p:cNvSpPr/>
-          <p:nvPr/>
-        </p:nvSpPr>
-        <p:spPr>
-          <a:xfrm rot="16200000">
-            <a:off x="782431" y="1849427"/>
-            <a:ext cx="3969421" cy="166254"/>
-          </a:xfrm>
-          <a:prstGeom prst="rect">
-            <a:avLst/>
-          </a:prstGeom>
-          <a:solidFill>
-            <a:schemeClr val="tx1"/>
-          </a:solidFill>
-          <a:ln>
-            <a:noFill/>
-          </a:ln>
-        </p:spPr>
-        <p:style>
-          <a:lnRef idx="2">
-            <a:schemeClr val="accent1">
-              <a:shade val="50000"/>
-            </a:schemeClr>
-          </a:lnRef>
-          <a:fillRef idx="1">
-            <a:schemeClr val="accent1"/>
-          </a:fillRef>
-          <a:effectRef idx="0">
-            <a:schemeClr val="accent1"/>
-          </a:effectRef>
-          <a:fontRef idx="minor">
-            <a:schemeClr val="lt1"/>
-          </a:fontRef>
-        </p:style>
-        <p:txBody>
-          <a:bodyPr rtlCol="0" anchor="ctr"/>
-          <a:lstStyle/>
-          <a:p>
-            <a:pPr algn="ctr"/>
-            <a:endParaRPr lang="en-US" dirty="0">
-              <a:solidFill>
-                <a:srgbClr val="DB5B5C"/>
-              </a:solidFill>
-            </a:endParaRPr>
-          </a:p>
-        </p:txBody>
-      </p:sp>
-      <p:sp>
-        <p:nvSpPr>
-          <p:cNvPr id="35" name="Rectangle 34">
-            <a:extLst>
-              <a:ext uri="{FF2B5EF4-FFF2-40B4-BE49-F238E27FC236}">
-                <a16:creationId xmlns:a16="http://schemas.microsoft.com/office/drawing/2014/main" id="{259A39E4-556F-4581-82A2-C6B68A8147A4}"/>
-              </a:ext>
-            </a:extLst>
-          </p:cNvPr>
-          <p:cNvSpPr/>
-          <p:nvPr/>
-        </p:nvSpPr>
-        <p:spPr>
-          <a:xfrm rot="10800000">
-            <a:off x="-2" y="3756674"/>
-            <a:ext cx="2850269" cy="3101326"/>
-          </a:xfrm>
-          <a:prstGeom prst="rect">
-            <a:avLst/>
-          </a:prstGeom>
-          <a:solidFill>
-            <a:schemeClr val="tx1"/>
-          </a:solidFill>
-          <a:ln>
-            <a:noFill/>
-          </a:ln>
-        </p:spPr>
-        <p:style>
-          <a:lnRef idx="2">
-            <a:schemeClr val="accent1">
-              <a:shade val="50000"/>
-            </a:schemeClr>
-          </a:lnRef>
-          <a:fillRef idx="1">
-            <a:schemeClr val="accent1"/>
-          </a:fillRef>
-          <a:effectRef idx="0">
-            <a:schemeClr val="accent1"/>
-          </a:effectRef>
-          <a:fontRef idx="minor">
-            <a:schemeClr val="lt1"/>
-          </a:fontRef>
-        </p:style>
-        <p:txBody>
-          <a:bodyPr rtlCol="0" anchor="ctr"/>
-          <a:lstStyle/>
-          <a:p>
-            <a:pPr algn="ctr"/>
-            <a:endParaRPr lang="en-US" dirty="0">
-              <a:solidFill>
-                <a:srgbClr val="DB5B5C"/>
-              </a:solidFill>
-            </a:endParaRPr>
-          </a:p>
-        </p:txBody>
-      </p:sp>
-      <p:sp>
-        <p:nvSpPr>
-          <p:cNvPr id="23" name="Subtitle 22">
-            <a:extLst>
-              <a:ext uri="{FF2B5EF4-FFF2-40B4-BE49-F238E27FC236}">
-                <a16:creationId xmlns:a16="http://schemas.microsoft.com/office/drawing/2014/main" id="{1E5D6413-9C6F-483D-BE52-F3BBB1E74630}"/>
-              </a:ext>
-            </a:extLst>
-          </p:cNvPr>
-          <p:cNvSpPr>
-            <a:spLocks noGrp="1"/>
-          </p:cNvSpPr>
-          <p:nvPr>
-            <p:ph type="subTitle" idx="1"/>
-          </p:nvPr>
-        </p:nvSpPr>
-        <p:spPr>
-          <a:xfrm>
-            <a:off x="3007491" y="137620"/>
-            <a:ext cx="9341732" cy="1684867"/>
-          </a:xfrm>
-        </p:spPr>
-        <p:txBody>
-          <a:bodyPr>
-            <a:normAutofit/>
-          </a:bodyPr>
-          <a:lstStyle/>
-          <a:p>
-            <a:pPr algn="l"/>
-            <a:r>
-              <a:rPr lang="en-US" sz="4400" dirty="0">
-                <a:solidFill>
-                  <a:schemeClr val="bg1"/>
-                </a:solidFill>
-                <a:latin typeface="Selawik Semibold" panose="020B0702040204020203" pitchFamily="34" charset="0"/>
-              </a:rPr>
-              <a:t>Pythagorean Theorem</a:t>
-            </a:r>
-          </a:p>
-        </p:txBody>
-      </p:sp>
-      <p:pic>
-        <p:nvPicPr>
-          <p:cNvPr id="16" name="Picture 15" descr="A close up of a toy&#10;&#10;Description automatically generated">
-            <a:extLst>
-              <a:ext uri="{FF2B5EF4-FFF2-40B4-BE49-F238E27FC236}">
-                <a16:creationId xmlns:a16="http://schemas.microsoft.com/office/drawing/2014/main" id="{94C75949-F15C-4E05-810D-EF40FCE89107}"/>
-              </a:ext>
-            </a:extLst>
-          </p:cNvPr>
-          <p:cNvPicPr>
-            <a:picLocks noChangeAspect="1"/>
-          </p:cNvPicPr>
-          <p:nvPr/>
-        </p:nvPicPr>
-        <p:blipFill>
-          <a:blip r:embed="rId3">
-            <a:extLst>
-              <a:ext uri="{28A0092B-C50C-407E-A947-70E740481C1C}">
-                <a14:useLocalDpi xmlns:a14="http://schemas.microsoft.com/office/drawing/2010/main" val="0"/>
-              </a:ext>
-            </a:extLst>
-          </a:blip>
-          <a:stretch>
-            <a:fillRect/>
-          </a:stretch>
-        </p:blipFill>
-        <p:spPr>
-          <a:xfrm>
-            <a:off x="417789" y="4380288"/>
-            <a:ext cx="2014687" cy="2014687"/>
-          </a:xfrm>
-          <a:prstGeom prst="ellipse">
-            <a:avLst/>
-          </a:prstGeom>
-          <a:ln w="63500" cap="rnd">
-            <a:solidFill>
-              <a:srgbClr val="333333"/>
-            </a:solidFill>
-          </a:ln>
-          <a:effectLst>
-            <a:outerShdw blurRad="381000" dist="292100" dir="5400000" sx="-80000" sy="-18000" rotWithShape="0">
-              <a:srgbClr val="000000">
-                <a:alpha val="22000"/>
-              </a:srgbClr>
-            </a:outerShdw>
-          </a:effectLst>
-          <a:scene3d>
-            <a:camera prst="orthographicFront"/>
-            <a:lightRig rig="contrasting" dir="t">
-              <a:rot lat="0" lon="0" rev="3000000"/>
-            </a:lightRig>
-          </a:scene3d>
-          <a:sp3d contourW="7620">
-            <a:bevelT w="95250" h="31750"/>
-            <a:contourClr>
-              <a:srgbClr val="333333"/>
-            </a:contourClr>
-          </a:sp3d>
-        </p:spPr>
-      </p:pic>
-      <p:sp>
-        <p:nvSpPr>
-          <p:cNvPr id="38" name="Rectangle 37">
-            <a:extLst>
-              <a:ext uri="{FF2B5EF4-FFF2-40B4-BE49-F238E27FC236}">
-                <a16:creationId xmlns:a16="http://schemas.microsoft.com/office/drawing/2014/main" id="{28B1909D-4141-4FB1-8633-83F335349C97}"/>
-              </a:ext>
-            </a:extLst>
-          </p:cNvPr>
-          <p:cNvSpPr/>
-          <p:nvPr/>
-        </p:nvSpPr>
-        <p:spPr>
-          <a:xfrm rot="10800000">
-            <a:off x="3007493" y="844062"/>
-            <a:ext cx="9027282" cy="137067"/>
-          </a:xfrm>
-          <a:prstGeom prst="rect">
-            <a:avLst/>
-          </a:prstGeom>
-          <a:solidFill>
-            <a:schemeClr val="tx1"/>
-          </a:solidFill>
-          <a:ln>
-            <a:noFill/>
-          </a:ln>
-        </p:spPr>
-        <p:style>
-          <a:lnRef idx="2">
-            <a:schemeClr val="accent1">
-              <a:shade val="50000"/>
-            </a:schemeClr>
-          </a:lnRef>
-          <a:fillRef idx="1">
-            <a:schemeClr val="accent1"/>
-          </a:fillRef>
-          <a:effectRef idx="0">
-            <a:schemeClr val="accent1"/>
-          </a:effectRef>
-          <a:fontRef idx="minor">
-            <a:schemeClr val="lt1"/>
-          </a:fontRef>
-        </p:style>
-        <p:txBody>
-          <a:bodyPr rtlCol="0" anchor="ctr"/>
-          <a:lstStyle/>
-          <a:p>
-            <a:pPr algn="ctr"/>
-            <a:endParaRPr lang="en-US" dirty="0">
-              <a:solidFill>
-                <a:srgbClr val="DB5B5C"/>
-              </a:solidFill>
-            </a:endParaRPr>
-          </a:p>
-        </p:txBody>
-      </p:sp>
-      <mc:AlternateContent xmlns:mc="http://schemas.openxmlformats.org/markup-compatibility/2006">
-        <mc:Choice xmlns:a14="http://schemas.microsoft.com/office/drawing/2010/main" Requires="a14">
-          <p:sp>
-            <p:nvSpPr>
-              <p:cNvPr id="10" name="TextBox 9">
-                <a:extLst>
-                  <a:ext uri="{FF2B5EF4-FFF2-40B4-BE49-F238E27FC236}">
-                    <a16:creationId xmlns:a16="http://schemas.microsoft.com/office/drawing/2014/main" id="{8A07C2CC-416F-4D29-84CF-D1F8B766EE5F}"/>
-                  </a:ext>
-                </a:extLst>
-              </p:cNvPr>
-              <p:cNvSpPr txBox="1"/>
-              <p:nvPr/>
-            </p:nvSpPr>
-            <p:spPr>
-              <a:xfrm>
-                <a:off x="3080083" y="1524088"/>
-                <a:ext cx="7085195" cy="5386090"/>
-              </a:xfrm>
-              <a:prstGeom prst="rect">
-                <a:avLst/>
-              </a:prstGeom>
-              <a:noFill/>
-            </p:spPr>
-            <p:txBody>
-              <a:bodyPr wrap="square" rtlCol="0">
-                <a:spAutoFit/>
-              </a:bodyPr>
-              <a:lstStyle/>
-              <a:p>
-                <a:pPr marL="342900" indent="-342900">
-                  <a:buFont typeface="Arial" panose="020B0604020202020204" pitchFamily="34" charset="0"/>
-                  <a:buChar char="•"/>
-                </a:pPr>
-                <a:r>
-                  <a:rPr lang="en-US" sz="2400" dirty="0">
-                    <a:solidFill>
-                      <a:schemeClr val="bg1"/>
-                    </a:solidFill>
-                    <a:latin typeface="Selawik Semibold" panose="020B0702040204020203" pitchFamily="34" charset="0"/>
-                  </a:rPr>
-                  <a:t>Optimization of Relationship</a:t>
-                </a:r>
-              </a:p>
-              <a:p>
-                <a:pPr marL="800100" lvl="1" indent="-342900">
-                  <a:buFont typeface="Arial" panose="020B0604020202020204" pitchFamily="34" charset="0"/>
-                  <a:buChar char="•"/>
-                </a:pPr>
-                <a:r>
-                  <a:rPr lang="en-US" sz="2000" dirty="0">
-                    <a:solidFill>
-                      <a:schemeClr val="bg1"/>
-                    </a:solidFill>
-                    <a:latin typeface="Selawik Semibold" panose="020B0702040204020203" pitchFamily="34" charset="0"/>
-                  </a:rPr>
-                  <a:t>What is the Best Choice of </a:t>
-                </a:r>
-                <a:r>
-                  <a:rPr lang="en-US" sz="2400" dirty="0">
-                    <a:solidFill>
-                      <a:schemeClr val="bg1"/>
-                    </a:solidFill>
-                    <a:latin typeface="Selawik Semibold" panose="020B0702040204020203" pitchFamily="34" charset="0"/>
-                    <a:cs typeface="Arial" panose="020B0604020202020204" pitchFamily="34" charset="0"/>
-                  </a:rPr>
-                  <a:t>α?</a:t>
-                </a:r>
-              </a:p>
-              <a:p>
-                <a:pPr marL="800100" lvl="1" indent="-342900">
-                  <a:buFont typeface="Arial" panose="020B0604020202020204" pitchFamily="34" charset="0"/>
-                  <a:buChar char="•"/>
-                </a:pPr>
-                <a:endParaRPr lang="en-US" sz="2400" dirty="0">
-                  <a:solidFill>
-                    <a:schemeClr val="bg1"/>
-                  </a:solidFill>
-                  <a:latin typeface="Selawik Semibold" panose="020B0702040204020203" pitchFamily="34" charset="0"/>
-                  <a:cs typeface="Arial" panose="020B0604020202020204" pitchFamily="34" charset="0"/>
-                </a:endParaRPr>
-              </a:p>
-              <a:p>
-                <a:pPr marL="800100" lvl="1" indent="-342900">
-                  <a:buFont typeface="Arial" panose="020B0604020202020204" pitchFamily="34" charset="0"/>
-                  <a:buChar char="•"/>
-                </a:pPr>
-                <a:endParaRPr lang="en-US" sz="2400" dirty="0">
-                  <a:solidFill>
-                    <a:schemeClr val="bg1"/>
-                  </a:solidFill>
-                  <a:latin typeface="Selawik Semibold" panose="020B0702040204020203" pitchFamily="34" charset="0"/>
-                  <a:cs typeface="Arial" panose="020B0604020202020204" pitchFamily="34" charset="0"/>
-                </a:endParaRPr>
-              </a:p>
-              <a:p>
-                <a:pPr marL="800100" lvl="1" indent="-342900">
-                  <a:buFont typeface="Arial" panose="020B0604020202020204" pitchFamily="34" charset="0"/>
-                  <a:buChar char="•"/>
-                </a:pPr>
-                <a:endParaRPr lang="en-US" sz="2400" dirty="0">
-                  <a:solidFill>
-                    <a:schemeClr val="bg1"/>
-                  </a:solidFill>
-                  <a:latin typeface="Selawik Semibold" panose="020B0702040204020203" pitchFamily="34" charset="0"/>
-                  <a:cs typeface="Arial" panose="020B0604020202020204" pitchFamily="34" charset="0"/>
-                </a:endParaRPr>
-              </a:p>
-              <a:p>
-                <a:pPr marL="800100" lvl="1" indent="-342900">
-                  <a:buFont typeface="Arial" panose="020B0604020202020204" pitchFamily="34" charset="0"/>
-                  <a:buChar char="•"/>
-                </a:pPr>
-                <a:r>
-                  <a:rPr lang="en-US" sz="2000" dirty="0">
-                    <a:solidFill>
-                      <a:schemeClr val="bg1"/>
-                    </a:solidFill>
-                    <a:latin typeface="Selawik Semibold" panose="020B0702040204020203" pitchFamily="34" charset="0"/>
-                    <a:cs typeface="Arial" panose="020B0604020202020204" pitchFamily="34" charset="0"/>
-                  </a:rPr>
-                  <a:t>Minimization of Sum of Squared Errors</a:t>
-                </a:r>
-              </a:p>
-              <a:p>
-                <a:pPr marL="800100" lvl="1" indent="-342900">
-                  <a:buFont typeface="Arial" panose="020B0604020202020204" pitchFamily="34" charset="0"/>
-                  <a:buChar char="•"/>
-                </a:pPr>
-                <a:r>
-                  <a:rPr lang="en-US" sz="2000" dirty="0">
-                    <a:solidFill>
-                      <a:schemeClr val="bg1"/>
-                    </a:solidFill>
-                    <a:latin typeface="Selawik Semibold" panose="020B0702040204020203" pitchFamily="34" charset="0"/>
-                    <a:cs typeface="Arial" panose="020B0604020202020204" pitchFamily="34" charset="0"/>
-                  </a:rPr>
-                  <a:t>Optimal: </a:t>
-                </a:r>
-                <a14:m>
-                  <m:oMath xmlns:m="http://schemas.openxmlformats.org/officeDocument/2006/math">
-                    <m:r>
-                      <a:rPr lang="en-US" sz="2400" b="0" i="1" smtClean="0">
-                        <a:solidFill>
-                          <a:schemeClr val="bg1"/>
-                        </a:solidFill>
-                        <a:latin typeface="Cambria Math" panose="02040503050406030204" pitchFamily="18" charset="0"/>
-                        <a:cs typeface="Arial" panose="020B0604020202020204" pitchFamily="34" charset="0"/>
-                      </a:rPr>
-                      <m:t>𝛼</m:t>
-                    </m:r>
-                    <m:r>
-                      <a:rPr lang="en-US" sz="2400" i="1" smtClean="0">
-                        <a:solidFill>
-                          <a:schemeClr val="bg1"/>
-                        </a:solidFill>
-                        <a:latin typeface="Cambria Math" panose="02040503050406030204" pitchFamily="18" charset="0"/>
-                        <a:cs typeface="Arial" panose="020B0604020202020204" pitchFamily="34" charset="0"/>
-                      </a:rPr>
-                      <m:t>=</m:t>
-                    </m:r>
-                    <m:r>
-                      <a:rPr lang="en-US" sz="2400" b="0" i="1" smtClean="0">
-                        <a:solidFill>
-                          <a:schemeClr val="bg1"/>
-                        </a:solidFill>
-                        <a:latin typeface="Cambria Math" panose="02040503050406030204" pitchFamily="18" charset="0"/>
-                        <a:cs typeface="Arial" panose="020B0604020202020204" pitchFamily="34" charset="0"/>
-                      </a:rPr>
-                      <m:t>1.82</m:t>
-                    </m:r>
-                  </m:oMath>
-                </a14:m>
-                <a:endParaRPr lang="en-US" sz="2400" dirty="0">
-                  <a:solidFill>
-                    <a:schemeClr val="bg1"/>
-                  </a:solidFill>
-                  <a:latin typeface="Selawik Semibold" panose="020B0702040204020203" pitchFamily="34" charset="0"/>
-                </a:endParaRPr>
-              </a:p>
-              <a:p>
-                <a:pPr marL="800100" lvl="1" indent="-342900">
-                  <a:buFont typeface="Arial" panose="020B0604020202020204" pitchFamily="34" charset="0"/>
-                  <a:buChar char="•"/>
-                </a:pPr>
-                <a:r>
-                  <a:rPr lang="en-US" sz="2000" dirty="0">
-                    <a:solidFill>
-                      <a:schemeClr val="bg1"/>
-                    </a:solidFill>
-                    <a:latin typeface="Selawik Semibold" panose="020B0702040204020203" pitchFamily="34" charset="0"/>
-                  </a:rPr>
-                  <a:t>Alternative Expression</a:t>
-                </a:r>
-              </a:p>
-              <a:p>
-                <a:pPr marL="342900" indent="-342900">
-                  <a:buFont typeface="Arial" panose="020B0604020202020204" pitchFamily="34" charset="0"/>
-                  <a:buChar char="•"/>
-                </a:pPr>
-                <a:endParaRPr lang="en-US" sz="2400" dirty="0">
-                  <a:solidFill>
-                    <a:schemeClr val="bg1"/>
-                  </a:solidFill>
-                  <a:latin typeface="Selawik Semibold" panose="020B0702040204020203" pitchFamily="34" charset="0"/>
-                </a:endParaRPr>
-              </a:p>
-              <a:p>
-                <a:pPr marL="342900" indent="-342900">
-                  <a:buFont typeface="Arial" panose="020B0604020202020204" pitchFamily="34" charset="0"/>
-                  <a:buChar char="•"/>
-                </a:pPr>
-                <a:endParaRPr lang="en-US" sz="2400" dirty="0">
-                  <a:solidFill>
-                    <a:schemeClr val="bg1"/>
-                  </a:solidFill>
-                  <a:latin typeface="Selawik Semibold" panose="020B0702040204020203" pitchFamily="34" charset="0"/>
-                </a:endParaRPr>
-              </a:p>
-              <a:p>
-                <a:pPr marL="342900" indent="-342900">
-                  <a:buFont typeface="Arial" panose="020B0604020202020204" pitchFamily="34" charset="0"/>
-                  <a:buChar char="•"/>
-                </a:pPr>
-                <a:endParaRPr lang="en-US" sz="2400" dirty="0">
-                  <a:solidFill>
-                    <a:schemeClr val="bg1"/>
-                  </a:solidFill>
-                  <a:latin typeface="Selawik Semibold" panose="020B0702040204020203" pitchFamily="34" charset="0"/>
-                </a:endParaRPr>
-              </a:p>
-              <a:p>
-                <a:pPr marL="342900" indent="-342900">
-                  <a:buFont typeface="Arial" panose="020B0604020202020204" pitchFamily="34" charset="0"/>
-                  <a:buChar char="•"/>
-                </a:pPr>
-                <a:r>
-                  <a:rPr lang="en-US" sz="2400" dirty="0">
-                    <a:solidFill>
-                      <a:schemeClr val="bg1"/>
-                    </a:solidFill>
-                    <a:latin typeface="Selawik Semibold" panose="020B0702040204020203" pitchFamily="34" charset="0"/>
-                  </a:rPr>
-                  <a:t>Useful for Forecasting Playoff Series Winners</a:t>
-                </a:r>
-              </a:p>
-              <a:p>
-                <a:pPr marL="800100" lvl="1" indent="-342900">
-                  <a:buFont typeface="Arial" panose="020B0604020202020204" pitchFamily="34" charset="0"/>
-                  <a:buChar char="•"/>
-                </a:pPr>
-                <a:r>
-                  <a:rPr lang="en-US" sz="2000" dirty="0">
-                    <a:solidFill>
-                      <a:schemeClr val="bg1"/>
-                    </a:solidFill>
-                    <a:latin typeface="Selawik Semibold" panose="020B0702040204020203" pitchFamily="34" charset="0"/>
-                  </a:rPr>
-                  <a:t>Pythagorean Method: 53.8% Accurate</a:t>
-                </a:r>
-              </a:p>
-              <a:p>
-                <a:pPr marL="800100" lvl="1" indent="-342900">
-                  <a:buFont typeface="Arial" panose="020B0604020202020204" pitchFamily="34" charset="0"/>
-                  <a:buChar char="•"/>
-                </a:pPr>
-                <a:r>
-                  <a:rPr lang="en-US" sz="2000" dirty="0">
-                    <a:solidFill>
-                      <a:schemeClr val="bg1"/>
-                    </a:solidFill>
-                    <a:latin typeface="Selawik Semibold" panose="020B0702040204020203" pitchFamily="34" charset="0"/>
-                  </a:rPr>
-                  <a:t>Games Won Approach: 50% Accurate</a:t>
-                </a:r>
-                <a:endParaRPr lang="en-US" sz="2400" dirty="0">
-                  <a:solidFill>
-                    <a:schemeClr val="bg1"/>
-                  </a:solidFill>
-                  <a:latin typeface="Selawik Semibold" panose="020B0702040204020203" pitchFamily="34" charset="0"/>
-                </a:endParaRPr>
-              </a:p>
-              <a:p>
-                <a:pPr marL="342900" indent="-342900">
-                  <a:buFont typeface="Arial" panose="020B0604020202020204" pitchFamily="34" charset="0"/>
-                  <a:buChar char="•"/>
-                </a:pPr>
-                <a:endParaRPr lang="en-US" sz="2400" dirty="0">
-                  <a:solidFill>
-                    <a:schemeClr val="bg1"/>
-                  </a:solidFill>
-                  <a:latin typeface="Selawik Semibold" panose="020B0702040204020203" pitchFamily="34" charset="0"/>
-                </a:endParaRPr>
-              </a:p>
-            </p:txBody>
-          </p:sp>
-        </mc:Choice>
-        <mc:Fallback>
-          <p:sp>
-            <p:nvSpPr>
-              <p:cNvPr id="10" name="TextBox 9">
-                <a:extLst>
-                  <a:ext uri="{FF2B5EF4-FFF2-40B4-BE49-F238E27FC236}">
-                    <a16:creationId xmlns:a16="http://schemas.microsoft.com/office/drawing/2014/main" id="{8A07C2CC-416F-4D29-84CF-D1F8B766EE5F}"/>
-                  </a:ext>
-                </a:extLst>
-              </p:cNvPr>
-              <p:cNvSpPr txBox="1">
-                <a:spLocks noRot="1" noChangeAspect="1" noMove="1" noResize="1" noEditPoints="1" noAdjustHandles="1" noChangeArrowheads="1" noChangeShapeType="1" noTextEdit="1"/>
-              </p:cNvSpPr>
-              <p:nvPr/>
-            </p:nvSpPr>
-            <p:spPr>
-              <a:xfrm>
-                <a:off x="3080083" y="1524088"/>
-                <a:ext cx="7085195" cy="5386090"/>
-              </a:xfrm>
-              <a:prstGeom prst="rect">
-                <a:avLst/>
-              </a:prstGeom>
-              <a:blipFill>
-                <a:blip r:embed="rId4"/>
-                <a:stretch>
-                  <a:fillRect l="-1118" t="-792"/>
-                </a:stretch>
-              </a:blipFill>
-            </p:spPr>
-            <p:txBody>
-              <a:bodyPr/>
-              <a:lstStyle/>
-              <a:p>
-                <a:r>
-                  <a:rPr lang="en-US">
-                    <a:noFill/>
-                  </a:rPr>
-                  <a:t> </a:t>
-                </a:r>
-              </a:p>
-            </p:txBody>
-          </p:sp>
-        </mc:Fallback>
-      </mc:AlternateContent>
-      <p:sp>
-        <p:nvSpPr>
-          <p:cNvPr id="13" name="TextBox 12">
-            <a:extLst>
-              <a:ext uri="{FF2B5EF4-FFF2-40B4-BE49-F238E27FC236}">
-                <a16:creationId xmlns:a16="http://schemas.microsoft.com/office/drawing/2014/main" id="{2B7A9EEB-AAC8-4D56-8CAF-90ECAAAC58B0}"/>
-              </a:ext>
-            </a:extLst>
-          </p:cNvPr>
-          <p:cNvSpPr txBox="1"/>
-          <p:nvPr/>
-        </p:nvSpPr>
-        <p:spPr>
-          <a:xfrm>
-            <a:off x="9397453" y="1067024"/>
-            <a:ext cx="2637322" cy="1200329"/>
-          </a:xfrm>
-          <a:prstGeom prst="rect">
-            <a:avLst/>
-          </a:prstGeom>
-          <a:solidFill>
-            <a:schemeClr val="tx1"/>
-          </a:solidFill>
-        </p:spPr>
-        <p:txBody>
-          <a:bodyPr wrap="square" rtlCol="0">
-            <a:spAutoFit/>
-          </a:bodyPr>
-          <a:lstStyle/>
-          <a:p>
-            <a:r>
-              <a:rPr lang="en-US" sz="2400" dirty="0">
-                <a:solidFill>
-                  <a:schemeClr val="bg1"/>
-                </a:solidFill>
-              </a:rPr>
-              <a:t>WP = Win %</a:t>
-            </a:r>
-          </a:p>
-          <a:p>
-            <a:r>
-              <a:rPr lang="en-US" sz="2400" dirty="0">
-                <a:solidFill>
-                  <a:schemeClr val="bg1"/>
-                </a:solidFill>
-              </a:rPr>
-              <a:t>RS = Runs Scored</a:t>
-            </a:r>
-          </a:p>
-          <a:p>
-            <a:r>
-              <a:rPr lang="en-US" sz="2400" dirty="0">
-                <a:solidFill>
-                  <a:schemeClr val="bg1"/>
-                </a:solidFill>
-              </a:rPr>
-              <a:t>RA = Runs Allowed</a:t>
-            </a:r>
-          </a:p>
-        </p:txBody>
-      </p:sp>
-      <mc:AlternateContent xmlns:mc="http://schemas.openxmlformats.org/markup-compatibility/2006">
-        <mc:Choice xmlns:a14="http://schemas.microsoft.com/office/drawing/2010/main" Requires="a14">
-          <p:sp>
-            <p:nvSpPr>
-              <p:cNvPr id="14" name="TextBox 13">
-                <a:extLst>
-                  <a:ext uri="{FF2B5EF4-FFF2-40B4-BE49-F238E27FC236}">
-                    <a16:creationId xmlns:a16="http://schemas.microsoft.com/office/drawing/2014/main" id="{6C1066B8-4403-44DF-A560-7518ADDFF186}"/>
-                  </a:ext>
-                </a:extLst>
-              </p:cNvPr>
-              <p:cNvSpPr txBox="1"/>
-              <p:nvPr/>
-            </p:nvSpPr>
-            <p:spPr>
-              <a:xfrm>
-                <a:off x="2850268" y="2276255"/>
-                <a:ext cx="5687006" cy="953594"/>
-              </a:xfrm>
-              <a:prstGeom prst="rect">
-                <a:avLst/>
-              </a:prstGeom>
-              <a:noFill/>
-            </p:spPr>
-            <p:txBody>
-              <a:bodyPr wrap="square" rtlCol="0">
-                <a:spAutoFit/>
-              </a:bodyPr>
-              <a:lstStyle/>
-              <a:p>
-                <a:pPr/>
-                <a14:m>
-                  <m:oMathPara xmlns:m="http://schemas.openxmlformats.org/officeDocument/2006/math">
-                    <m:oMathParaPr>
-                      <m:jc m:val="centerGroup"/>
-                    </m:oMathParaPr>
-                    <m:oMath xmlns:m="http://schemas.openxmlformats.org/officeDocument/2006/math">
-                      <m:r>
-                        <a:rPr lang="en-US" sz="2800" b="1" i="1" smtClean="0">
-                          <a:solidFill>
-                            <a:schemeClr val="bg1"/>
-                          </a:solidFill>
-                          <a:latin typeface="Cambria Math" panose="02040503050406030204" pitchFamily="18" charset="0"/>
-                        </a:rPr>
-                        <m:t>𝑾𝑷</m:t>
-                      </m:r>
-                      <m:r>
-                        <a:rPr lang="en-US" sz="2800" b="1" i="1" smtClean="0">
-                          <a:solidFill>
-                            <a:schemeClr val="bg1"/>
-                          </a:solidFill>
-                          <a:latin typeface="Cambria Math" panose="02040503050406030204" pitchFamily="18" charset="0"/>
-                        </a:rPr>
-                        <m:t>= </m:t>
-                      </m:r>
-                      <m:f>
-                        <m:fPr>
-                          <m:ctrlPr>
-                            <a:rPr lang="en-US" sz="2800" b="1" i="1" smtClean="0">
-                              <a:solidFill>
-                                <a:schemeClr val="bg1"/>
-                              </a:solidFill>
-                              <a:latin typeface="Cambria Math" panose="02040503050406030204" pitchFamily="18" charset="0"/>
-                            </a:rPr>
-                          </m:ctrlPr>
-                        </m:fPr>
-                        <m:num>
-                          <m:r>
-                            <a:rPr lang="en-US" sz="2800" b="1" i="1" smtClean="0">
-                              <a:solidFill>
-                                <a:schemeClr val="bg1"/>
-                              </a:solidFill>
-                              <a:latin typeface="Cambria Math" panose="02040503050406030204" pitchFamily="18" charset="0"/>
-                            </a:rPr>
-                            <m:t>𝑹</m:t>
-                          </m:r>
-                          <m:sSup>
-                            <m:sSupPr>
-                              <m:ctrlPr>
-                                <a:rPr lang="en-US" sz="2800" b="1" i="1" smtClean="0">
-                                  <a:solidFill>
-                                    <a:schemeClr val="bg1"/>
-                                  </a:solidFill>
-                                  <a:latin typeface="Cambria Math" panose="02040503050406030204" pitchFamily="18" charset="0"/>
-                                </a:rPr>
-                              </m:ctrlPr>
-                            </m:sSupPr>
-                            <m:e>
-                              <m:r>
-                                <a:rPr lang="en-US" sz="2800" b="1" i="1" smtClean="0">
-                                  <a:solidFill>
-                                    <a:schemeClr val="bg1"/>
-                                  </a:solidFill>
-                                  <a:latin typeface="Cambria Math" panose="02040503050406030204" pitchFamily="18" charset="0"/>
-                                </a:rPr>
-                                <m:t>𝑺</m:t>
-                              </m:r>
-                            </m:e>
-                            <m:sup>
-                              <m:r>
-                                <a:rPr lang="en-US" sz="2800" b="1" i="1" smtClean="0">
-                                  <a:solidFill>
-                                    <a:schemeClr val="bg1"/>
-                                  </a:solidFill>
-                                  <a:latin typeface="Cambria Math" panose="02040503050406030204" pitchFamily="18" charset="0"/>
-                                </a:rPr>
-                                <m:t>𝜶</m:t>
-                              </m:r>
-                            </m:sup>
-                          </m:sSup>
-                        </m:num>
-                        <m:den>
-                          <m:r>
-                            <a:rPr lang="en-US" sz="2800" b="1" i="1" smtClean="0">
-                              <a:solidFill>
-                                <a:schemeClr val="bg1"/>
-                              </a:solidFill>
-                              <a:latin typeface="Cambria Math" panose="02040503050406030204" pitchFamily="18" charset="0"/>
-                            </a:rPr>
-                            <m:t>𝑹</m:t>
-                          </m:r>
-                          <m:sSup>
-                            <m:sSupPr>
-                              <m:ctrlPr>
-                                <a:rPr lang="en-US" sz="2800" b="1" i="1">
-                                  <a:solidFill>
-                                    <a:schemeClr val="bg1"/>
-                                  </a:solidFill>
-                                  <a:latin typeface="Cambria Math" panose="02040503050406030204" pitchFamily="18" charset="0"/>
-                                </a:rPr>
-                              </m:ctrlPr>
-                            </m:sSupPr>
-                            <m:e>
-                              <m:r>
-                                <a:rPr lang="en-US" sz="2800" b="1" i="1">
-                                  <a:solidFill>
-                                    <a:schemeClr val="bg1"/>
-                                  </a:solidFill>
-                                  <a:latin typeface="Cambria Math" panose="02040503050406030204" pitchFamily="18" charset="0"/>
-                                </a:rPr>
-                                <m:t>𝑺</m:t>
-                              </m:r>
-                            </m:e>
-                            <m:sup>
-                              <m:r>
-                                <a:rPr lang="en-US" sz="2800" b="1" i="1">
-                                  <a:solidFill>
-                                    <a:schemeClr val="bg1"/>
-                                  </a:solidFill>
-                                  <a:latin typeface="Cambria Math" panose="02040503050406030204" pitchFamily="18" charset="0"/>
-                                </a:rPr>
-                                <m:t>𝜶</m:t>
-                              </m:r>
-                            </m:sup>
-                          </m:sSup>
-                          <m:r>
-                            <a:rPr lang="en-US" sz="2800" b="1" i="1" smtClean="0">
-                              <a:solidFill>
-                                <a:schemeClr val="bg1"/>
-                              </a:solidFill>
-                              <a:latin typeface="Cambria Math" panose="02040503050406030204" pitchFamily="18" charset="0"/>
-                            </a:rPr>
-                            <m:t>+</m:t>
-                          </m:r>
-                          <m:r>
-                            <a:rPr lang="en-US" sz="2800" b="1" i="1" smtClean="0">
-                              <a:solidFill>
-                                <a:schemeClr val="bg1"/>
-                              </a:solidFill>
-                              <a:latin typeface="Cambria Math" panose="02040503050406030204" pitchFamily="18" charset="0"/>
-                            </a:rPr>
-                            <m:t>𝑹</m:t>
-                          </m:r>
-                          <m:sSup>
-                            <m:sSupPr>
-                              <m:ctrlPr>
-                                <a:rPr lang="en-US" sz="2800" b="1" i="1" smtClean="0">
-                                  <a:solidFill>
-                                    <a:schemeClr val="bg1"/>
-                                  </a:solidFill>
-                                  <a:latin typeface="Cambria Math" panose="02040503050406030204" pitchFamily="18" charset="0"/>
-                                </a:rPr>
-                              </m:ctrlPr>
-                            </m:sSupPr>
-                            <m:e>
-                              <m:r>
-                                <a:rPr lang="en-US" sz="2800" b="1" i="1" smtClean="0">
-                                  <a:solidFill>
-                                    <a:schemeClr val="bg1"/>
-                                  </a:solidFill>
-                                  <a:latin typeface="Cambria Math" panose="02040503050406030204" pitchFamily="18" charset="0"/>
-                                </a:rPr>
-                                <m:t>𝑨</m:t>
-                              </m:r>
-                            </m:e>
-                            <m:sup>
-                              <m:r>
-                                <a:rPr lang="en-US" sz="2800" b="1" i="1" smtClean="0">
-                                  <a:solidFill>
-                                    <a:schemeClr val="bg1"/>
-                                  </a:solidFill>
-                                  <a:latin typeface="Cambria Math" panose="02040503050406030204" pitchFamily="18" charset="0"/>
-                                </a:rPr>
-                                <m:t>𝜶</m:t>
-                              </m:r>
-                            </m:sup>
-                          </m:sSup>
-                        </m:den>
-                      </m:f>
-                      <m:r>
-                        <a:rPr lang="en-US" sz="2800" b="1" i="0" smtClean="0">
-                          <a:solidFill>
-                            <a:schemeClr val="bg1"/>
-                          </a:solidFill>
-                          <a:latin typeface="Cambria Math" panose="02040503050406030204" pitchFamily="18" charset="0"/>
-                        </a:rPr>
-                        <m:t>+</m:t>
-                      </m:r>
-                      <m:r>
-                        <a:rPr lang="en-US" sz="2800" b="1" i="1" smtClean="0">
-                          <a:solidFill>
-                            <a:schemeClr val="bg1"/>
-                          </a:solidFill>
-                          <a:latin typeface="Cambria Math" panose="02040503050406030204" pitchFamily="18" charset="0"/>
-                        </a:rPr>
-                        <m:t>𝝐</m:t>
-                      </m:r>
-                    </m:oMath>
-                  </m:oMathPara>
-                </a14:m>
-                <a:endParaRPr lang="en-US" sz="2800" b="1" dirty="0">
-                  <a:solidFill>
-                    <a:schemeClr val="bg1"/>
-                  </a:solidFill>
-                </a:endParaRPr>
-              </a:p>
-            </p:txBody>
-          </p:sp>
-        </mc:Choice>
-        <mc:Fallback>
-          <p:sp>
-            <p:nvSpPr>
-              <p:cNvPr id="14" name="TextBox 13">
-                <a:extLst>
-                  <a:ext uri="{FF2B5EF4-FFF2-40B4-BE49-F238E27FC236}">
-                    <a16:creationId xmlns:a16="http://schemas.microsoft.com/office/drawing/2014/main" id="{6C1066B8-4403-44DF-A560-7518ADDFF186}"/>
-                  </a:ext>
-                </a:extLst>
-              </p:cNvPr>
-              <p:cNvSpPr txBox="1">
-                <a:spLocks noRot="1" noChangeAspect="1" noMove="1" noResize="1" noEditPoints="1" noAdjustHandles="1" noChangeArrowheads="1" noChangeShapeType="1" noTextEdit="1"/>
-              </p:cNvSpPr>
-              <p:nvPr/>
-            </p:nvSpPr>
-            <p:spPr>
-              <a:xfrm>
-                <a:off x="2850268" y="2276255"/>
-                <a:ext cx="5687006" cy="953594"/>
-              </a:xfrm>
-              <a:prstGeom prst="rect">
-                <a:avLst/>
-              </a:prstGeom>
-              <a:blipFill>
-                <a:blip r:embed="rId5"/>
-                <a:stretch>
-                  <a:fillRect/>
-                </a:stretch>
-              </a:blipFill>
-            </p:spPr>
-            <p:txBody>
-              <a:bodyPr/>
-              <a:lstStyle/>
-              <a:p>
-                <a:r>
-                  <a:rPr lang="en-US">
-                    <a:noFill/>
-                  </a:rPr>
-                  <a:t> </a:t>
-                </a:r>
-              </a:p>
-            </p:txBody>
-          </p:sp>
-        </mc:Fallback>
-      </mc:AlternateContent>
-      <mc:AlternateContent xmlns:mc="http://schemas.openxmlformats.org/markup-compatibility/2006">
-        <mc:Choice xmlns:a14="http://schemas.microsoft.com/office/drawing/2010/main" Requires="a14">
-          <p:sp>
-            <p:nvSpPr>
-              <p:cNvPr id="19" name="TextBox 18">
-                <a:extLst>
-                  <a:ext uri="{FF2B5EF4-FFF2-40B4-BE49-F238E27FC236}">
-                    <a16:creationId xmlns:a16="http://schemas.microsoft.com/office/drawing/2014/main" id="{A66D46EC-6DE9-469F-A2CC-81A06687F730}"/>
-                  </a:ext>
-                </a:extLst>
-              </p:cNvPr>
-              <p:cNvSpPr txBox="1"/>
-              <p:nvPr/>
-            </p:nvSpPr>
-            <p:spPr>
-              <a:xfrm>
-                <a:off x="3086848" y="4400253"/>
-                <a:ext cx="5687006" cy="996619"/>
-              </a:xfrm>
-              <a:prstGeom prst="rect">
-                <a:avLst/>
-              </a:prstGeom>
-              <a:noFill/>
-            </p:spPr>
-            <p:txBody>
-              <a:bodyPr wrap="square" rtlCol="0">
-                <a:spAutoFit/>
-              </a:bodyPr>
-              <a:lstStyle/>
-              <a:p>
-                <a:pPr/>
-                <a14:m>
-                  <m:oMathPara xmlns:m="http://schemas.openxmlformats.org/officeDocument/2006/math">
-                    <m:oMathParaPr>
-                      <m:jc m:val="centerGroup"/>
-                    </m:oMathParaPr>
-                    <m:oMath xmlns:m="http://schemas.openxmlformats.org/officeDocument/2006/math">
-                      <m:r>
-                        <a:rPr lang="en-US" sz="2800" b="1" i="1" smtClean="0">
-                          <a:solidFill>
-                            <a:schemeClr val="bg1"/>
-                          </a:solidFill>
-                          <a:latin typeface="Cambria Math" panose="02040503050406030204" pitchFamily="18" charset="0"/>
-                        </a:rPr>
-                        <m:t>𝑾𝑷</m:t>
-                      </m:r>
-                      <m:r>
-                        <a:rPr lang="en-US" sz="2800" b="1" i="1" smtClean="0">
-                          <a:solidFill>
-                            <a:schemeClr val="bg1"/>
-                          </a:solidFill>
-                          <a:latin typeface="Cambria Math" panose="02040503050406030204" pitchFamily="18" charset="0"/>
-                        </a:rPr>
-                        <m:t>= </m:t>
-                      </m:r>
-                      <m:f>
-                        <m:fPr>
-                          <m:ctrlPr>
-                            <a:rPr lang="en-US" sz="2800" b="1" i="1" smtClean="0">
-                              <a:solidFill>
-                                <a:schemeClr val="bg1"/>
-                              </a:solidFill>
-                              <a:latin typeface="Cambria Math" panose="02040503050406030204" pitchFamily="18" charset="0"/>
-                            </a:rPr>
-                          </m:ctrlPr>
-                        </m:fPr>
-                        <m:num>
-                          <m:r>
-                            <a:rPr lang="en-US" sz="2800" b="1" i="1" smtClean="0">
-                              <a:solidFill>
-                                <a:schemeClr val="bg1"/>
-                              </a:solidFill>
-                              <a:latin typeface="Cambria Math" panose="02040503050406030204" pitchFamily="18" charset="0"/>
-                            </a:rPr>
-                            <m:t>(</m:t>
-                          </m:r>
-                          <m:r>
-                            <a:rPr lang="en-US" sz="2800" b="1" i="1" smtClean="0">
-                              <a:solidFill>
-                                <a:schemeClr val="bg1"/>
-                              </a:solidFill>
-                              <a:latin typeface="Cambria Math" panose="02040503050406030204" pitchFamily="18" charset="0"/>
-                            </a:rPr>
-                            <m:t>𝑹</m:t>
-                          </m:r>
-                          <m:sSup>
-                            <m:sSupPr>
-                              <m:ctrlPr>
-                                <a:rPr lang="en-US" sz="2800" b="1" i="1" smtClean="0">
-                                  <a:solidFill>
-                                    <a:schemeClr val="bg1"/>
-                                  </a:solidFill>
-                                  <a:latin typeface="Cambria Math" panose="02040503050406030204" pitchFamily="18" charset="0"/>
-                                </a:rPr>
-                              </m:ctrlPr>
-                            </m:sSupPr>
-                            <m:e>
-                              <m:r>
-                                <a:rPr lang="en-US" sz="2800" b="1" i="1" smtClean="0">
-                                  <a:solidFill>
-                                    <a:schemeClr val="bg1"/>
-                                  </a:solidFill>
-                                  <a:latin typeface="Cambria Math" panose="02040503050406030204" pitchFamily="18" charset="0"/>
-                                </a:rPr>
-                                <m:t>𝑺</m:t>
-                              </m:r>
-                              <m:r>
-                                <a:rPr lang="en-US" sz="2800" b="1" i="1" smtClean="0">
-                                  <a:solidFill>
-                                    <a:schemeClr val="bg1"/>
-                                  </a:solidFill>
-                                  <a:latin typeface="Cambria Math" panose="02040503050406030204" pitchFamily="18" charset="0"/>
-                                </a:rPr>
-                                <m:t>/</m:t>
-                              </m:r>
-                              <m:r>
-                                <a:rPr lang="en-US" sz="2800" b="1" i="1" smtClean="0">
-                                  <a:solidFill>
-                                    <a:schemeClr val="bg1"/>
-                                  </a:solidFill>
-                                  <a:latin typeface="Cambria Math" panose="02040503050406030204" pitchFamily="18" charset="0"/>
-                                </a:rPr>
-                                <m:t>𝑹𝑨</m:t>
-                              </m:r>
-                              <m:r>
-                                <a:rPr lang="en-US" sz="2800" b="1" i="1" smtClean="0">
-                                  <a:solidFill>
-                                    <a:schemeClr val="bg1"/>
-                                  </a:solidFill>
-                                  <a:latin typeface="Cambria Math" panose="02040503050406030204" pitchFamily="18" charset="0"/>
-                                </a:rPr>
-                                <m:t>)</m:t>
-                              </m:r>
-                            </m:e>
-                            <m:sup>
-                              <m:r>
-                                <a:rPr lang="en-US" sz="2800" b="1" i="1" smtClean="0">
-                                  <a:solidFill>
-                                    <a:schemeClr val="bg1"/>
-                                  </a:solidFill>
-                                  <a:latin typeface="Cambria Math" panose="02040503050406030204" pitchFamily="18" charset="0"/>
-                                </a:rPr>
-                                <m:t>𝜶</m:t>
-                              </m:r>
-                            </m:sup>
-                          </m:sSup>
-                        </m:num>
-                        <m:den>
-                          <m:r>
-                            <a:rPr lang="en-US" sz="2800" b="1" i="1" smtClean="0">
-                              <a:solidFill>
-                                <a:schemeClr val="bg1"/>
-                              </a:solidFill>
-                              <a:latin typeface="Cambria Math" panose="02040503050406030204" pitchFamily="18" charset="0"/>
-                            </a:rPr>
-                            <m:t>(</m:t>
-                          </m:r>
-                          <m:r>
-                            <a:rPr lang="en-US" sz="2800" b="1" i="1" smtClean="0">
-                              <a:solidFill>
-                                <a:schemeClr val="bg1"/>
-                              </a:solidFill>
-                              <a:latin typeface="Cambria Math" panose="02040503050406030204" pitchFamily="18" charset="0"/>
-                            </a:rPr>
-                            <m:t>𝑹</m:t>
-                          </m:r>
-                          <m:sSup>
-                            <m:sSupPr>
-                              <m:ctrlPr>
-                                <a:rPr lang="en-US" sz="2800" b="1" i="1">
-                                  <a:solidFill>
-                                    <a:schemeClr val="bg1"/>
-                                  </a:solidFill>
-                                  <a:latin typeface="Cambria Math" panose="02040503050406030204" pitchFamily="18" charset="0"/>
-                                </a:rPr>
-                              </m:ctrlPr>
-                            </m:sSupPr>
-                            <m:e>
-                              <m:r>
-                                <a:rPr lang="en-US" sz="2800" b="1" i="1">
-                                  <a:solidFill>
-                                    <a:schemeClr val="bg1"/>
-                                  </a:solidFill>
-                                  <a:latin typeface="Cambria Math" panose="02040503050406030204" pitchFamily="18" charset="0"/>
-                                </a:rPr>
-                                <m:t>𝑺</m:t>
-                              </m:r>
-                              <m:r>
-                                <a:rPr lang="en-US" sz="2800" b="1" i="1" smtClean="0">
-                                  <a:solidFill>
-                                    <a:schemeClr val="bg1"/>
-                                  </a:solidFill>
-                                  <a:latin typeface="Cambria Math" panose="02040503050406030204" pitchFamily="18" charset="0"/>
-                                </a:rPr>
-                                <m:t>/</m:t>
-                              </m:r>
-                              <m:r>
-                                <a:rPr lang="en-US" sz="2800" b="1" i="1" smtClean="0">
-                                  <a:solidFill>
-                                    <a:schemeClr val="bg1"/>
-                                  </a:solidFill>
-                                  <a:latin typeface="Cambria Math" panose="02040503050406030204" pitchFamily="18" charset="0"/>
-                                </a:rPr>
-                                <m:t>𝑹𝑨</m:t>
-                              </m:r>
-                              <m:r>
-                                <a:rPr lang="en-US" sz="2800" b="1" i="1" smtClean="0">
-                                  <a:solidFill>
-                                    <a:schemeClr val="bg1"/>
-                                  </a:solidFill>
-                                  <a:latin typeface="Cambria Math" panose="02040503050406030204" pitchFamily="18" charset="0"/>
-                                </a:rPr>
-                                <m:t>)</m:t>
-                              </m:r>
-                            </m:e>
-                            <m:sup>
-                              <m:r>
-                                <a:rPr lang="en-US" sz="2800" b="1" i="1">
-                                  <a:solidFill>
-                                    <a:schemeClr val="bg1"/>
-                                  </a:solidFill>
-                                  <a:latin typeface="Cambria Math" panose="02040503050406030204" pitchFamily="18" charset="0"/>
-                                </a:rPr>
-                                <m:t>𝜶</m:t>
-                              </m:r>
-                            </m:sup>
-                          </m:sSup>
-                          <m:r>
-                            <a:rPr lang="en-US" sz="2800" b="1" i="1" smtClean="0">
-                              <a:solidFill>
-                                <a:schemeClr val="bg1"/>
-                              </a:solidFill>
-                              <a:latin typeface="Cambria Math" panose="02040503050406030204" pitchFamily="18" charset="0"/>
-                            </a:rPr>
-                            <m:t>+</m:t>
-                          </m:r>
-                          <m:r>
-                            <a:rPr lang="en-US" sz="2800" b="1" i="1" smtClean="0">
-                              <a:solidFill>
-                                <a:schemeClr val="bg1"/>
-                              </a:solidFill>
-                              <a:latin typeface="Cambria Math" panose="02040503050406030204" pitchFamily="18" charset="0"/>
-                            </a:rPr>
-                            <m:t>𝟏</m:t>
-                          </m:r>
-                        </m:den>
-                      </m:f>
-                      <m:r>
-                        <a:rPr lang="en-US" sz="2800" b="1" i="0" smtClean="0">
-                          <a:solidFill>
-                            <a:schemeClr val="bg1"/>
-                          </a:solidFill>
-                          <a:latin typeface="Cambria Math" panose="02040503050406030204" pitchFamily="18" charset="0"/>
-                        </a:rPr>
-                        <m:t>+</m:t>
-                      </m:r>
-                      <m:r>
-                        <a:rPr lang="en-US" sz="2800" b="1" i="1" smtClean="0">
-                          <a:solidFill>
-                            <a:schemeClr val="bg1"/>
-                          </a:solidFill>
-                          <a:latin typeface="Cambria Math" panose="02040503050406030204" pitchFamily="18" charset="0"/>
-                        </a:rPr>
-                        <m:t>𝝐</m:t>
-                      </m:r>
-                    </m:oMath>
-                  </m:oMathPara>
-                </a14:m>
-                <a:endParaRPr lang="en-US" sz="2800" b="1" dirty="0">
-                  <a:solidFill>
-                    <a:schemeClr val="bg1"/>
-                  </a:solidFill>
-                </a:endParaRPr>
-              </a:p>
-            </p:txBody>
-          </p:sp>
-        </mc:Choice>
-        <mc:Fallback>
-          <p:sp>
-            <p:nvSpPr>
-              <p:cNvPr id="19" name="TextBox 18">
-                <a:extLst>
-                  <a:ext uri="{FF2B5EF4-FFF2-40B4-BE49-F238E27FC236}">
-                    <a16:creationId xmlns:a16="http://schemas.microsoft.com/office/drawing/2014/main" id="{A66D46EC-6DE9-469F-A2CC-81A06687F730}"/>
-                  </a:ext>
-                </a:extLst>
-              </p:cNvPr>
-              <p:cNvSpPr txBox="1">
-                <a:spLocks noRot="1" noChangeAspect="1" noMove="1" noResize="1" noEditPoints="1" noAdjustHandles="1" noChangeArrowheads="1" noChangeShapeType="1" noTextEdit="1"/>
-              </p:cNvSpPr>
-              <p:nvPr/>
-            </p:nvSpPr>
-            <p:spPr>
-              <a:xfrm>
-                <a:off x="3086848" y="4400253"/>
-                <a:ext cx="5687006" cy="996619"/>
-              </a:xfrm>
-              <a:prstGeom prst="rect">
-                <a:avLst/>
-              </a:prstGeom>
-              <a:blipFill>
-                <a:blip r:embed="rId6"/>
-                <a:stretch>
-                  <a:fillRect/>
-                </a:stretch>
-              </a:blipFill>
-            </p:spPr>
-            <p:txBody>
-              <a:bodyPr/>
-              <a:lstStyle/>
-              <a:p>
-                <a:r>
-                  <a:rPr lang="en-US">
-                    <a:noFill/>
-                  </a:rPr>
-                  <a:t> </a:t>
-                </a:r>
-              </a:p>
-            </p:txBody>
-          </p:sp>
-        </mc:Fallback>
-      </mc:AlternateContent>
-      <p:sp>
-        <p:nvSpPr>
-          <p:cNvPr id="2" name="Oval 1">
-            <a:extLst>
-              <a:ext uri="{FF2B5EF4-FFF2-40B4-BE49-F238E27FC236}">
-                <a16:creationId xmlns:a16="http://schemas.microsoft.com/office/drawing/2014/main" id="{BD929914-D451-4D2D-B023-CF950550B034}"/>
-              </a:ext>
-            </a:extLst>
-          </p:cNvPr>
-          <p:cNvSpPr/>
-          <p:nvPr/>
-        </p:nvSpPr>
-        <p:spPr>
-          <a:xfrm>
-            <a:off x="7093623" y="2571855"/>
-            <a:ext cx="522514" cy="488264"/>
-          </a:xfrm>
-          <a:prstGeom prst="ellipse">
-            <a:avLst/>
-          </a:prstGeom>
-          <a:noFill/>
-          <a:ln w="38100">
-            <a:solidFill>
-              <a:schemeClr val="tx1"/>
-            </a:solidFill>
-          </a:ln>
-        </p:spPr>
-        <p:style>
-          <a:lnRef idx="2">
-            <a:schemeClr val="accent1">
-              <a:shade val="50000"/>
-            </a:schemeClr>
-          </a:lnRef>
-          <a:fillRef idx="1">
-            <a:schemeClr val="accent1"/>
-          </a:fillRef>
-          <a:effectRef idx="0">
-            <a:schemeClr val="accent1"/>
-          </a:effectRef>
-          <a:fontRef idx="minor">
-            <a:schemeClr val="lt1"/>
-          </a:fontRef>
-        </p:style>
-        <p:txBody>
-          <a:bodyPr rtlCol="0" anchor="ctr"/>
-          <a:lstStyle/>
-          <a:p>
-            <a:pPr algn="ctr"/>
-            <a:endParaRPr lang="en-US"/>
-          </a:p>
-        </p:txBody>
-      </p:sp>
-      <p:cxnSp>
-        <p:nvCxnSpPr>
-          <p:cNvPr id="4" name="Straight Arrow Connector 3">
-            <a:extLst>
-              <a:ext uri="{FF2B5EF4-FFF2-40B4-BE49-F238E27FC236}">
-                <a16:creationId xmlns:a16="http://schemas.microsoft.com/office/drawing/2014/main" id="{A85F6351-C528-43B6-84AF-967CD21B3EC9}"/>
-              </a:ext>
-            </a:extLst>
-          </p:cNvPr>
-          <p:cNvCxnSpPr>
-            <a:cxnSpLocks/>
-          </p:cNvCxnSpPr>
-          <p:nvPr/>
-        </p:nvCxnSpPr>
-        <p:spPr>
-          <a:xfrm>
-            <a:off x="7678357" y="2867238"/>
-            <a:ext cx="1513144" cy="22980"/>
-          </a:xfrm>
-          <a:prstGeom prst="straightConnector1">
-            <a:avLst/>
-          </a:prstGeom>
-          <a:ln w="38100">
-            <a:solidFill>
-              <a:schemeClr val="tx1"/>
-            </a:solidFill>
-            <a:tailEnd type="triangle"/>
-          </a:ln>
-        </p:spPr>
-        <p:style>
-          <a:lnRef idx="1">
-            <a:schemeClr val="accent1"/>
-          </a:lnRef>
-          <a:fillRef idx="0">
-            <a:schemeClr val="accent1"/>
-          </a:fillRef>
-          <a:effectRef idx="0">
-            <a:schemeClr val="accent1"/>
-          </a:effectRef>
-          <a:fontRef idx="minor">
-            <a:schemeClr val="tx1"/>
-          </a:fontRef>
-        </p:style>
-      </p:cxnSp>
-      <p:sp>
-        <p:nvSpPr>
-          <p:cNvPr id="5" name="TextBox 4">
-            <a:extLst>
-              <a:ext uri="{FF2B5EF4-FFF2-40B4-BE49-F238E27FC236}">
-                <a16:creationId xmlns:a16="http://schemas.microsoft.com/office/drawing/2014/main" id="{09AE00FA-04FD-4AFB-8C2E-CDC48D16B45C}"/>
-              </a:ext>
-            </a:extLst>
-          </p:cNvPr>
-          <p:cNvSpPr txBox="1"/>
-          <p:nvPr/>
-        </p:nvSpPr>
-        <p:spPr>
-          <a:xfrm>
-            <a:off x="9289378" y="2676288"/>
-            <a:ext cx="1513144" cy="461665"/>
-          </a:xfrm>
-          <a:prstGeom prst="rect">
-            <a:avLst/>
-          </a:prstGeom>
-          <a:noFill/>
-        </p:spPr>
-        <p:txBody>
-          <a:bodyPr wrap="square" rtlCol="0">
-            <a:spAutoFit/>
-          </a:bodyPr>
-          <a:lstStyle/>
-          <a:p>
-            <a:r>
-              <a:rPr lang="en-US" sz="2400" dirty="0">
-                <a:solidFill>
-                  <a:schemeClr val="bg1"/>
-                </a:solidFill>
-              </a:rPr>
-              <a:t>#Blessed</a:t>
-            </a:r>
-          </a:p>
-        </p:txBody>
-      </p:sp>
-    </p:spTree>
-    <p:extLst>
-      <p:ext uri="{BB962C8B-B14F-4D97-AF65-F5344CB8AC3E}">
-        <p14:creationId xmlns:p14="http://schemas.microsoft.com/office/powerpoint/2010/main" val="3579946277"/>
-      </p:ext>
-    </p:extLst>
-  </p:cSld>
-  <p:clrMapOvr>
-    <a:masterClrMapping/>
-  </p:clrMapOvr>
-</p:sld>
-</file>
-
-<file path=ppt/slides/slide16.xml><?xml version="1.0" encoding="utf-8"?>
-<p:sld xmlns:a="http://schemas.openxmlformats.org/drawingml/2006/main" xmlns:r="http://schemas.openxmlformats.org/officeDocument/2006/relationships" xmlns:p="http://schemas.openxmlformats.org/presentationml/2006/main">
-  <p:cSld>
-    <p:bg>
-      <p:bgPr>
-        <a:solidFill>
-          <a:schemeClr val="bg1"/>
-        </a:solidFill>
-        <a:effectLst/>
-      </p:bgPr>
-    </p:bg>
-    <p:spTree>
-      <p:nvGrpSpPr>
-        <p:cNvPr id="1" name=""/>
-        <p:cNvGrpSpPr/>
-        <p:nvPr/>
-      </p:nvGrpSpPr>
-      <p:grpSpPr>
-        <a:xfrm>
-          <a:off x="0" y="0"/>
-          <a:ext cx="0" cy="0"/>
-          <a:chOff x="0" y="0"/>
-          <a:chExt cx="0" cy="0"/>
-        </a:xfrm>
-      </p:grpSpPr>
-      <p:sp>
-        <p:nvSpPr>
-          <p:cNvPr id="17" name="Rectangle 16">
-            <a:extLst>
-              <a:ext uri="{FF2B5EF4-FFF2-40B4-BE49-F238E27FC236}">
-                <a16:creationId xmlns:a16="http://schemas.microsoft.com/office/drawing/2014/main" id="{0A8FE870-A334-4DE1-84A7-AB191ED10D63}"/>
-              </a:ext>
-            </a:extLst>
-          </p:cNvPr>
-          <p:cNvSpPr/>
-          <p:nvPr/>
-        </p:nvSpPr>
-        <p:spPr>
-          <a:xfrm>
-            <a:off x="0" y="-52157"/>
-            <a:ext cx="12192000" cy="6910157"/>
-          </a:xfrm>
-          <a:prstGeom prst="rect">
-            <a:avLst/>
-          </a:prstGeom>
-          <a:solidFill>
-            <a:srgbClr val="395583"/>
-          </a:solidFill>
-        </p:spPr>
-        <p:style>
-          <a:lnRef idx="2">
-            <a:schemeClr val="accent1">
-              <a:shade val="50000"/>
-            </a:schemeClr>
-          </a:lnRef>
-          <a:fillRef idx="1">
-            <a:schemeClr val="accent1"/>
-          </a:fillRef>
-          <a:effectRef idx="0">
-            <a:schemeClr val="accent1"/>
-          </a:effectRef>
-          <a:fontRef idx="minor">
-            <a:schemeClr val="lt1"/>
-          </a:fontRef>
-        </p:style>
-        <p:txBody>
-          <a:bodyPr rtlCol="0" anchor="ctr"/>
-          <a:lstStyle/>
-          <a:p>
-            <a:pPr algn="ctr"/>
-            <a:endParaRPr lang="en-US"/>
-          </a:p>
-        </p:txBody>
-      </p:sp>
-      <p:pic>
-        <p:nvPicPr>
-          <p:cNvPr id="8" name="Picture 7" descr="A close up of a toy&#10;&#10;Description automatically generated">
-            <a:extLst>
-              <a:ext uri="{FF2B5EF4-FFF2-40B4-BE49-F238E27FC236}">
-                <a16:creationId xmlns:a16="http://schemas.microsoft.com/office/drawing/2014/main" id="{131D5527-B848-4F84-9601-62DB93565332}"/>
-              </a:ext>
-            </a:extLst>
-          </p:cNvPr>
-          <p:cNvPicPr>
-            <a:picLocks noChangeAspect="1"/>
-          </p:cNvPicPr>
-          <p:nvPr/>
-        </p:nvPicPr>
-        <p:blipFill rotWithShape="1">
-          <a:blip r:embed="rId2">
-            <a:extLst>
-              <a:ext uri="{28A0092B-C50C-407E-A947-70E740481C1C}">
-                <a14:useLocalDpi xmlns:a14="http://schemas.microsoft.com/office/drawing/2010/main" val="0"/>
-              </a:ext>
-            </a:extLst>
-          </a:blip>
-          <a:srcRect l="6238" r="10796"/>
-          <a:stretch/>
-        </p:blipFill>
-        <p:spPr>
-          <a:xfrm>
-            <a:off x="0" y="-52157"/>
-            <a:ext cx="2684015" cy="3969421"/>
-          </a:xfrm>
-          <a:prstGeom prst="rect">
-            <a:avLst/>
-          </a:prstGeom>
-        </p:spPr>
-      </p:pic>
-      <p:sp>
-        <p:nvSpPr>
-          <p:cNvPr id="33" name="Rectangle 32">
-            <a:extLst>
-              <a:ext uri="{FF2B5EF4-FFF2-40B4-BE49-F238E27FC236}">
-                <a16:creationId xmlns:a16="http://schemas.microsoft.com/office/drawing/2014/main" id="{6F93929A-DE1C-47C4-AF97-F99DB104E96F}"/>
-              </a:ext>
-            </a:extLst>
-          </p:cNvPr>
-          <p:cNvSpPr/>
-          <p:nvPr/>
-        </p:nvSpPr>
-        <p:spPr>
-          <a:xfrm rot="16200000">
-            <a:off x="782431" y="1849427"/>
-            <a:ext cx="3969421" cy="166254"/>
-          </a:xfrm>
-          <a:prstGeom prst="rect">
-            <a:avLst/>
-          </a:prstGeom>
-          <a:solidFill>
-            <a:schemeClr val="tx1"/>
-          </a:solidFill>
-          <a:ln>
-            <a:noFill/>
-          </a:ln>
-        </p:spPr>
-        <p:style>
-          <a:lnRef idx="2">
-            <a:schemeClr val="accent1">
-              <a:shade val="50000"/>
-            </a:schemeClr>
-          </a:lnRef>
-          <a:fillRef idx="1">
-            <a:schemeClr val="accent1"/>
-          </a:fillRef>
-          <a:effectRef idx="0">
-            <a:schemeClr val="accent1"/>
-          </a:effectRef>
-          <a:fontRef idx="minor">
-            <a:schemeClr val="lt1"/>
-          </a:fontRef>
-        </p:style>
-        <p:txBody>
-          <a:bodyPr rtlCol="0" anchor="ctr"/>
-          <a:lstStyle/>
-          <a:p>
-            <a:pPr algn="ctr"/>
-            <a:endParaRPr lang="en-US" dirty="0">
-              <a:solidFill>
-                <a:srgbClr val="DB5B5C"/>
-              </a:solidFill>
-            </a:endParaRPr>
-          </a:p>
-        </p:txBody>
-      </p:sp>
-      <p:sp>
-        <p:nvSpPr>
-          <p:cNvPr id="35" name="Rectangle 34">
-            <a:extLst>
-              <a:ext uri="{FF2B5EF4-FFF2-40B4-BE49-F238E27FC236}">
-                <a16:creationId xmlns:a16="http://schemas.microsoft.com/office/drawing/2014/main" id="{259A39E4-556F-4581-82A2-C6B68A8147A4}"/>
-              </a:ext>
-            </a:extLst>
-          </p:cNvPr>
-          <p:cNvSpPr/>
-          <p:nvPr/>
-        </p:nvSpPr>
-        <p:spPr>
-          <a:xfrm rot="10800000">
-            <a:off x="-2" y="3756674"/>
-            <a:ext cx="2850269" cy="3101326"/>
-          </a:xfrm>
-          <a:prstGeom prst="rect">
-            <a:avLst/>
-          </a:prstGeom>
-          <a:solidFill>
-            <a:schemeClr val="tx1"/>
-          </a:solidFill>
-          <a:ln>
-            <a:noFill/>
-          </a:ln>
-        </p:spPr>
-        <p:style>
-          <a:lnRef idx="2">
-            <a:schemeClr val="accent1">
-              <a:shade val="50000"/>
-            </a:schemeClr>
-          </a:lnRef>
-          <a:fillRef idx="1">
-            <a:schemeClr val="accent1"/>
-          </a:fillRef>
-          <a:effectRef idx="0">
-            <a:schemeClr val="accent1"/>
-          </a:effectRef>
-          <a:fontRef idx="minor">
-            <a:schemeClr val="lt1"/>
-          </a:fontRef>
-        </p:style>
-        <p:txBody>
-          <a:bodyPr rtlCol="0" anchor="ctr"/>
-          <a:lstStyle/>
-          <a:p>
-            <a:pPr algn="ctr"/>
-            <a:endParaRPr lang="en-US" dirty="0">
-              <a:solidFill>
-                <a:srgbClr val="DB5B5C"/>
-              </a:solidFill>
-            </a:endParaRPr>
-          </a:p>
-        </p:txBody>
-      </p:sp>
-      <p:sp>
-        <p:nvSpPr>
-          <p:cNvPr id="23" name="Subtitle 22">
-            <a:extLst>
-              <a:ext uri="{FF2B5EF4-FFF2-40B4-BE49-F238E27FC236}">
-                <a16:creationId xmlns:a16="http://schemas.microsoft.com/office/drawing/2014/main" id="{1E5D6413-9C6F-483D-BE52-F3BBB1E74630}"/>
-              </a:ext>
-            </a:extLst>
-          </p:cNvPr>
-          <p:cNvSpPr>
-            <a:spLocks noGrp="1"/>
-          </p:cNvSpPr>
-          <p:nvPr>
-            <p:ph type="subTitle" idx="1"/>
-          </p:nvPr>
-        </p:nvSpPr>
-        <p:spPr>
-          <a:xfrm>
-            <a:off x="3007491" y="137620"/>
-            <a:ext cx="9341732" cy="1684867"/>
-          </a:xfrm>
-        </p:spPr>
-        <p:txBody>
-          <a:bodyPr>
-            <a:normAutofit/>
-          </a:bodyPr>
-          <a:lstStyle/>
-          <a:p>
-            <a:pPr algn="l"/>
-            <a:r>
-              <a:rPr lang="en-US" sz="4400" dirty="0">
-                <a:solidFill>
-                  <a:schemeClr val="bg1"/>
-                </a:solidFill>
-                <a:latin typeface="Selawik Semibold" panose="020B0702040204020203" pitchFamily="34" charset="0"/>
-              </a:rPr>
-              <a:t>Pythagorean Theorem</a:t>
-            </a:r>
-          </a:p>
-        </p:txBody>
-      </p:sp>
-      <p:pic>
-        <p:nvPicPr>
-          <p:cNvPr id="16" name="Picture 15" descr="A close up of a toy&#10;&#10;Description automatically generated">
-            <a:extLst>
-              <a:ext uri="{FF2B5EF4-FFF2-40B4-BE49-F238E27FC236}">
-                <a16:creationId xmlns:a16="http://schemas.microsoft.com/office/drawing/2014/main" id="{94C75949-F15C-4E05-810D-EF40FCE89107}"/>
-              </a:ext>
-            </a:extLst>
-          </p:cNvPr>
-          <p:cNvPicPr>
-            <a:picLocks noChangeAspect="1"/>
-          </p:cNvPicPr>
-          <p:nvPr/>
-        </p:nvPicPr>
-        <p:blipFill>
-          <a:blip r:embed="rId3">
-            <a:extLst>
-              <a:ext uri="{28A0092B-C50C-407E-A947-70E740481C1C}">
-                <a14:useLocalDpi xmlns:a14="http://schemas.microsoft.com/office/drawing/2010/main" val="0"/>
-              </a:ext>
-            </a:extLst>
-          </a:blip>
-          <a:stretch>
-            <a:fillRect/>
-          </a:stretch>
-        </p:blipFill>
-        <p:spPr>
-          <a:xfrm>
-            <a:off x="417789" y="4380288"/>
-            <a:ext cx="2014687" cy="2014687"/>
-          </a:xfrm>
-          <a:prstGeom prst="ellipse">
-            <a:avLst/>
-          </a:prstGeom>
-          <a:ln w="63500" cap="rnd">
-            <a:solidFill>
-              <a:srgbClr val="333333"/>
-            </a:solidFill>
-          </a:ln>
-          <a:effectLst>
-            <a:outerShdw blurRad="381000" dist="292100" dir="5400000" sx="-80000" sy="-18000" rotWithShape="0">
-              <a:srgbClr val="000000">
-                <a:alpha val="22000"/>
-              </a:srgbClr>
-            </a:outerShdw>
-          </a:effectLst>
-          <a:scene3d>
-            <a:camera prst="orthographicFront"/>
-            <a:lightRig rig="contrasting" dir="t">
-              <a:rot lat="0" lon="0" rev="3000000"/>
-            </a:lightRig>
-          </a:scene3d>
-          <a:sp3d contourW="7620">
-            <a:bevelT w="95250" h="31750"/>
-            <a:contourClr>
-              <a:srgbClr val="333333"/>
-            </a:contourClr>
-          </a:sp3d>
-        </p:spPr>
-      </p:pic>
-      <p:sp>
-        <p:nvSpPr>
-          <p:cNvPr id="38" name="Rectangle 37">
-            <a:extLst>
-              <a:ext uri="{FF2B5EF4-FFF2-40B4-BE49-F238E27FC236}">
-                <a16:creationId xmlns:a16="http://schemas.microsoft.com/office/drawing/2014/main" id="{28B1909D-4141-4FB1-8633-83F335349C97}"/>
-              </a:ext>
-            </a:extLst>
-          </p:cNvPr>
-          <p:cNvSpPr/>
-          <p:nvPr/>
-        </p:nvSpPr>
-        <p:spPr>
-          <a:xfrm rot="10800000">
-            <a:off x="3007493" y="844062"/>
-            <a:ext cx="9027282" cy="137067"/>
-          </a:xfrm>
-          <a:prstGeom prst="rect">
-            <a:avLst/>
-          </a:prstGeom>
-          <a:solidFill>
-            <a:schemeClr val="tx1"/>
-          </a:solidFill>
-          <a:ln>
-            <a:noFill/>
-          </a:ln>
-        </p:spPr>
-        <p:style>
-          <a:lnRef idx="2">
-            <a:schemeClr val="accent1">
-              <a:shade val="50000"/>
-            </a:schemeClr>
-          </a:lnRef>
-          <a:fillRef idx="1">
-            <a:schemeClr val="accent1"/>
-          </a:fillRef>
-          <a:effectRef idx="0">
-            <a:schemeClr val="accent1"/>
-          </a:effectRef>
-          <a:fontRef idx="minor">
-            <a:schemeClr val="lt1"/>
-          </a:fontRef>
-        </p:style>
-        <p:txBody>
-          <a:bodyPr rtlCol="0" anchor="ctr"/>
-          <a:lstStyle/>
-          <a:p>
-            <a:pPr algn="ctr"/>
-            <a:endParaRPr lang="en-US" dirty="0">
-              <a:solidFill>
-                <a:srgbClr val="DB5B5C"/>
-              </a:solidFill>
-            </a:endParaRPr>
-          </a:p>
-        </p:txBody>
-      </p:sp>
-      <p:sp>
-        <p:nvSpPr>
-          <p:cNvPr id="10" name="TextBox 9">
-            <a:extLst>
-              <a:ext uri="{FF2B5EF4-FFF2-40B4-BE49-F238E27FC236}">
-                <a16:creationId xmlns:a16="http://schemas.microsoft.com/office/drawing/2014/main" id="{8A07C2CC-416F-4D29-84CF-D1F8B766EE5F}"/>
-              </a:ext>
-            </a:extLst>
-          </p:cNvPr>
-          <p:cNvSpPr txBox="1"/>
-          <p:nvPr/>
-        </p:nvSpPr>
-        <p:spPr>
-          <a:xfrm>
-            <a:off x="3080083" y="1524088"/>
-            <a:ext cx="6740811" cy="5324535"/>
-          </a:xfrm>
-          <a:prstGeom prst="rect">
-            <a:avLst/>
-          </a:prstGeom>
-          <a:noFill/>
-        </p:spPr>
-        <p:txBody>
-          <a:bodyPr wrap="square" rtlCol="0">
-            <a:spAutoFit/>
-          </a:bodyPr>
-          <a:lstStyle/>
-          <a:p>
-            <a:pPr marL="342900" indent="-342900">
-              <a:buFont typeface="Arial" panose="020B0604020202020204" pitchFamily="34" charset="0"/>
-              <a:buChar char="•"/>
-            </a:pPr>
-            <a:r>
-              <a:rPr lang="en-US" sz="2400" dirty="0">
-                <a:solidFill>
-                  <a:schemeClr val="bg1"/>
-                </a:solidFill>
-                <a:latin typeface="Selawik Semibold" panose="020B0702040204020203" pitchFamily="34" charset="0"/>
-              </a:rPr>
-              <a:t>Useful for Valuing Players in Trades</a:t>
-            </a:r>
-          </a:p>
-          <a:p>
-            <a:pPr marL="800100" lvl="1" indent="-342900">
-              <a:buFont typeface="Arial" panose="020B0604020202020204" pitchFamily="34" charset="0"/>
-              <a:buChar char="•"/>
-            </a:pPr>
-            <a:r>
-              <a:rPr lang="en-US" sz="2000" dirty="0">
-                <a:solidFill>
-                  <a:schemeClr val="bg1"/>
-                </a:solidFill>
-                <a:latin typeface="Selawik Semibold" panose="020B0702040204020203" pitchFamily="34" charset="0"/>
-              </a:rPr>
-              <a:t>Example: Cleveland Indians</a:t>
-            </a:r>
-          </a:p>
-          <a:p>
-            <a:pPr marL="800100" lvl="1" indent="-342900">
-              <a:buFont typeface="Arial" panose="020B0604020202020204" pitchFamily="34" charset="0"/>
-              <a:buChar char="•"/>
-            </a:pPr>
-            <a:r>
-              <a:rPr lang="en-US" sz="2000" dirty="0">
-                <a:solidFill>
-                  <a:schemeClr val="bg1"/>
-                </a:solidFill>
-                <a:latin typeface="Selawik Semibold" panose="020B0702040204020203" pitchFamily="34" charset="0"/>
-              </a:rPr>
-              <a:t>Currently: RS=870 and RA=800</a:t>
-            </a:r>
-          </a:p>
-          <a:p>
-            <a:pPr marL="800100" lvl="1" indent="-342900">
-              <a:buFont typeface="Arial" panose="020B0604020202020204" pitchFamily="34" charset="0"/>
-              <a:buChar char="•"/>
-            </a:pPr>
-            <a:r>
-              <a:rPr lang="en-US" sz="2000" dirty="0">
-                <a:solidFill>
-                  <a:schemeClr val="bg1"/>
-                </a:solidFill>
-                <a:latin typeface="Selawik Semibold" panose="020B0702040204020203" pitchFamily="34" charset="0"/>
-              </a:rPr>
-              <a:t>Trade Bing Crosby (100 Runs)</a:t>
-            </a:r>
-          </a:p>
-          <a:p>
-            <a:pPr marL="800100" lvl="1" indent="-342900">
-              <a:buFont typeface="Arial" panose="020B0604020202020204" pitchFamily="34" charset="0"/>
-              <a:buChar char="•"/>
-            </a:pPr>
-            <a:r>
-              <a:rPr lang="en-US" sz="2000" dirty="0">
-                <a:solidFill>
-                  <a:schemeClr val="bg1"/>
-                </a:solidFill>
-                <a:latin typeface="Selawik Semibold" panose="020B0702040204020203" pitchFamily="34" charset="0"/>
-              </a:rPr>
-              <a:t>For Frank Sinatra (120 Runs)</a:t>
-            </a:r>
-          </a:p>
-          <a:p>
-            <a:pPr marL="800100" lvl="1" indent="-342900">
-              <a:buFont typeface="Arial" panose="020B0604020202020204" pitchFamily="34" charset="0"/>
-              <a:buChar char="•"/>
-            </a:pPr>
-            <a:r>
-              <a:rPr lang="en-US" sz="2000" dirty="0">
-                <a:solidFill>
-                  <a:schemeClr val="bg1"/>
-                </a:solidFill>
-                <a:latin typeface="Selawik Semibold" panose="020B0702040204020203" pitchFamily="34" charset="0"/>
-              </a:rPr>
-              <a:t>Difference: +20 Runs</a:t>
-            </a:r>
-          </a:p>
-          <a:p>
-            <a:pPr marL="800100" lvl="1" indent="-342900">
-              <a:buFont typeface="Arial" panose="020B0604020202020204" pitchFamily="34" charset="0"/>
-              <a:buChar char="•"/>
-            </a:pPr>
-            <a:r>
-              <a:rPr lang="en-US" sz="2000" dirty="0">
-                <a:solidFill>
-                  <a:schemeClr val="bg1"/>
-                </a:solidFill>
-                <a:latin typeface="Selawik Semibold" panose="020B0702040204020203" pitchFamily="34" charset="0"/>
-              </a:rPr>
-              <a:t>Before Trade:</a:t>
-            </a:r>
-          </a:p>
-          <a:p>
-            <a:pPr marL="1257300" lvl="2" indent="-342900">
-              <a:buFont typeface="Arial" panose="020B0604020202020204" pitchFamily="34" charset="0"/>
-              <a:buChar char="•"/>
-            </a:pPr>
-            <a:endParaRPr lang="en-US" sz="2400" dirty="0">
-              <a:solidFill>
-                <a:schemeClr val="bg1"/>
-              </a:solidFill>
-              <a:latin typeface="Selawik Semibold" panose="020B0702040204020203" pitchFamily="34" charset="0"/>
-            </a:endParaRPr>
-          </a:p>
-          <a:p>
-            <a:pPr marL="1257300" lvl="2" indent="-342900">
-              <a:buFont typeface="Arial" panose="020B0604020202020204" pitchFamily="34" charset="0"/>
-              <a:buChar char="•"/>
-            </a:pPr>
-            <a:endParaRPr lang="en-US" sz="2400" dirty="0">
-              <a:solidFill>
-                <a:schemeClr val="bg1"/>
-              </a:solidFill>
-              <a:latin typeface="Selawik Semibold" panose="020B0702040204020203" pitchFamily="34" charset="0"/>
-            </a:endParaRPr>
-          </a:p>
-          <a:p>
-            <a:pPr marL="800100" lvl="1" indent="-342900">
-              <a:buFont typeface="Arial" panose="020B0604020202020204" pitchFamily="34" charset="0"/>
-              <a:buChar char="•"/>
-            </a:pPr>
-            <a:endParaRPr lang="en-US" sz="2000" dirty="0">
-              <a:solidFill>
-                <a:schemeClr val="bg1"/>
-              </a:solidFill>
-              <a:latin typeface="Selawik Semibold" panose="020B0702040204020203" pitchFamily="34" charset="0"/>
-            </a:endParaRPr>
-          </a:p>
-          <a:p>
-            <a:pPr marL="800100" lvl="1" indent="-342900">
-              <a:buFont typeface="Arial" panose="020B0604020202020204" pitchFamily="34" charset="0"/>
-              <a:buChar char="•"/>
-            </a:pPr>
-            <a:endParaRPr lang="en-US" sz="2000" dirty="0">
-              <a:solidFill>
-                <a:schemeClr val="bg1"/>
-              </a:solidFill>
-              <a:latin typeface="Selawik Semibold" panose="020B0702040204020203" pitchFamily="34" charset="0"/>
-            </a:endParaRPr>
-          </a:p>
-          <a:p>
-            <a:pPr marL="800100" lvl="1" indent="-342900">
-              <a:buFont typeface="Arial" panose="020B0604020202020204" pitchFamily="34" charset="0"/>
-              <a:buChar char="•"/>
-            </a:pPr>
-            <a:r>
-              <a:rPr lang="en-US" sz="2000" dirty="0">
-                <a:solidFill>
-                  <a:schemeClr val="bg1"/>
-                </a:solidFill>
-                <a:latin typeface="Selawik Semibold" panose="020B0702040204020203" pitchFamily="34" charset="0"/>
-              </a:rPr>
-              <a:t>After Trade: </a:t>
-            </a:r>
-          </a:p>
-          <a:p>
-            <a:pPr marL="342900" indent="-342900">
-              <a:buFont typeface="Arial" panose="020B0604020202020204" pitchFamily="34" charset="0"/>
-              <a:buChar char="•"/>
-            </a:pPr>
-            <a:endParaRPr lang="en-US" sz="2000" dirty="0">
-              <a:solidFill>
-                <a:schemeClr val="bg1"/>
-              </a:solidFill>
-              <a:latin typeface="Selawik Semibold" panose="020B0702040204020203" pitchFamily="34" charset="0"/>
-            </a:endParaRPr>
-          </a:p>
-          <a:p>
-            <a:pPr lvl="1"/>
-            <a:endParaRPr lang="en-US" sz="2000" dirty="0">
-              <a:solidFill>
-                <a:schemeClr val="bg1"/>
-              </a:solidFill>
-              <a:latin typeface="Selawik Semibold" panose="020B0702040204020203" pitchFamily="34" charset="0"/>
-            </a:endParaRPr>
-          </a:p>
-          <a:p>
-            <a:pPr lvl="1"/>
-            <a:endParaRPr lang="en-US" sz="2400" dirty="0">
-              <a:solidFill>
-                <a:schemeClr val="bg1"/>
-              </a:solidFill>
-              <a:latin typeface="Selawik Semibold" panose="020B0702040204020203" pitchFamily="34" charset="0"/>
-            </a:endParaRPr>
-          </a:p>
-          <a:p>
-            <a:pPr marL="342900" indent="-342900">
-              <a:buFont typeface="Arial" panose="020B0604020202020204" pitchFamily="34" charset="0"/>
-              <a:buChar char="•"/>
-            </a:pPr>
-            <a:endParaRPr lang="en-US" sz="2400" dirty="0">
-              <a:solidFill>
-                <a:schemeClr val="bg1"/>
-              </a:solidFill>
-              <a:latin typeface="Selawik Semibold" panose="020B0702040204020203" pitchFamily="34" charset="0"/>
-            </a:endParaRPr>
-          </a:p>
-        </p:txBody>
-      </p:sp>
-      <p:sp>
-        <p:nvSpPr>
-          <p:cNvPr id="13" name="TextBox 12">
-            <a:extLst>
-              <a:ext uri="{FF2B5EF4-FFF2-40B4-BE49-F238E27FC236}">
-                <a16:creationId xmlns:a16="http://schemas.microsoft.com/office/drawing/2014/main" id="{2B7A9EEB-AAC8-4D56-8CAF-90ECAAAC58B0}"/>
-              </a:ext>
-            </a:extLst>
-          </p:cNvPr>
-          <p:cNvSpPr txBox="1"/>
-          <p:nvPr/>
-        </p:nvSpPr>
-        <p:spPr>
-          <a:xfrm>
-            <a:off x="9397453" y="1067024"/>
-            <a:ext cx="2637322" cy="1200329"/>
-          </a:xfrm>
-          <a:prstGeom prst="rect">
-            <a:avLst/>
-          </a:prstGeom>
-          <a:solidFill>
-            <a:schemeClr val="tx1"/>
-          </a:solidFill>
-        </p:spPr>
-        <p:txBody>
-          <a:bodyPr wrap="square" rtlCol="0">
-            <a:spAutoFit/>
-          </a:bodyPr>
-          <a:lstStyle/>
-          <a:p>
-            <a:r>
-              <a:rPr lang="en-US" sz="2400" dirty="0">
-                <a:solidFill>
-                  <a:schemeClr val="bg1"/>
-                </a:solidFill>
-              </a:rPr>
-              <a:t>WP = Win %</a:t>
-            </a:r>
-          </a:p>
-          <a:p>
-            <a:r>
-              <a:rPr lang="en-US" sz="2400" dirty="0">
-                <a:solidFill>
-                  <a:schemeClr val="bg1"/>
-                </a:solidFill>
-              </a:rPr>
-              <a:t>RS = Runs Scored</a:t>
-            </a:r>
-          </a:p>
-          <a:p>
-            <a:r>
-              <a:rPr lang="en-US" sz="2400" dirty="0">
-                <a:solidFill>
-                  <a:schemeClr val="bg1"/>
-                </a:solidFill>
-              </a:rPr>
-              <a:t>RA = Runs Allowed</a:t>
-            </a:r>
-          </a:p>
-        </p:txBody>
-      </p:sp>
-      <mc:AlternateContent xmlns:mc="http://schemas.openxmlformats.org/markup-compatibility/2006">
-        <mc:Choice xmlns:a14="http://schemas.microsoft.com/office/drawing/2010/main" Requires="a14">
-          <p:sp>
-            <p:nvSpPr>
-              <p:cNvPr id="15" name="TextBox 14">
-                <a:extLst>
-                  <a:ext uri="{FF2B5EF4-FFF2-40B4-BE49-F238E27FC236}">
-                    <a16:creationId xmlns:a16="http://schemas.microsoft.com/office/drawing/2014/main" id="{39AA2430-FAF9-4662-AADB-3CDCF0AD1206}"/>
-                  </a:ext>
-                </a:extLst>
-              </p:cNvPr>
-              <p:cNvSpPr txBox="1"/>
-              <p:nvPr/>
-            </p:nvSpPr>
-            <p:spPr>
-              <a:xfrm>
-                <a:off x="2850265" y="3779011"/>
-                <a:ext cx="5687006" cy="1362424"/>
-              </a:xfrm>
-              <a:prstGeom prst="rect">
-                <a:avLst/>
-              </a:prstGeom>
-              <a:noFill/>
-            </p:spPr>
-            <p:txBody>
-              <a:bodyPr wrap="square" rtlCol="0">
-                <a:spAutoFit/>
-              </a:bodyPr>
-              <a:lstStyle/>
-              <a:p>
-                <a:pPr/>
-                <a14:m>
-                  <m:oMathPara xmlns:m="http://schemas.openxmlformats.org/officeDocument/2006/math">
-                    <m:oMathParaPr>
-                      <m:jc m:val="centerGroup"/>
-                    </m:oMathParaPr>
-                    <m:oMath xmlns:m="http://schemas.openxmlformats.org/officeDocument/2006/math">
-                      <m:r>
-                        <a:rPr lang="en-US" sz="2000" b="1" i="1" smtClean="0">
-                          <a:solidFill>
-                            <a:schemeClr val="bg1"/>
-                          </a:solidFill>
-                          <a:latin typeface="Cambria Math" panose="02040503050406030204" pitchFamily="18" charset="0"/>
-                        </a:rPr>
-                        <m:t>𝑾𝑷</m:t>
-                      </m:r>
-                      <m:r>
-                        <a:rPr lang="en-US" sz="2000" b="1" i="1" smtClean="0">
-                          <a:solidFill>
-                            <a:schemeClr val="bg1"/>
-                          </a:solidFill>
-                          <a:latin typeface="Cambria Math" panose="02040503050406030204" pitchFamily="18" charset="0"/>
-                          <a:ea typeface="Cambria Math" panose="02040503050406030204" pitchFamily="18" charset="0"/>
-                        </a:rPr>
-                        <m:t>≈</m:t>
-                      </m:r>
-                      <m:r>
-                        <a:rPr lang="en-US" sz="2000" b="1" i="1" smtClean="0">
-                          <a:solidFill>
-                            <a:schemeClr val="bg1"/>
-                          </a:solidFill>
-                          <a:latin typeface="Cambria Math" panose="02040503050406030204" pitchFamily="18" charset="0"/>
-                        </a:rPr>
-                        <m:t> </m:t>
-                      </m:r>
-                      <m:f>
-                        <m:fPr>
-                          <m:ctrlPr>
-                            <a:rPr lang="en-US" sz="2000" b="1" i="1" smtClean="0">
-                              <a:solidFill>
-                                <a:schemeClr val="bg1"/>
-                              </a:solidFill>
-                              <a:latin typeface="Cambria Math" panose="02040503050406030204" pitchFamily="18" charset="0"/>
-                            </a:rPr>
-                          </m:ctrlPr>
-                        </m:fPr>
-                        <m:num>
-                          <m:sSup>
-                            <m:sSupPr>
-                              <m:ctrlPr>
-                                <a:rPr lang="en-US" sz="2000" b="1" i="1" smtClean="0">
-                                  <a:solidFill>
-                                    <a:schemeClr val="bg1"/>
-                                  </a:solidFill>
-                                  <a:latin typeface="Cambria Math" panose="02040503050406030204" pitchFamily="18" charset="0"/>
-                                </a:rPr>
-                              </m:ctrlPr>
-                            </m:sSupPr>
-                            <m:e>
-                              <m:d>
-                                <m:dPr>
-                                  <m:ctrlPr>
-                                    <a:rPr lang="en-US" sz="2000" b="1" i="1" smtClean="0">
-                                      <a:solidFill>
-                                        <a:schemeClr val="bg1"/>
-                                      </a:solidFill>
-                                      <a:latin typeface="Cambria Math" panose="02040503050406030204" pitchFamily="18" charset="0"/>
-                                    </a:rPr>
-                                  </m:ctrlPr>
-                                </m:dPr>
-                                <m:e>
-                                  <m:f>
-                                    <m:fPr>
-                                      <m:ctrlPr>
-                                        <a:rPr lang="en-US" sz="2000" b="1" i="1" smtClean="0">
-                                          <a:solidFill>
-                                            <a:schemeClr val="bg1"/>
-                                          </a:solidFill>
-                                          <a:latin typeface="Cambria Math" panose="02040503050406030204" pitchFamily="18" charset="0"/>
-                                        </a:rPr>
-                                      </m:ctrlPr>
-                                    </m:fPr>
-                                    <m:num>
-                                      <m:r>
-                                        <a:rPr lang="en-US" sz="2000" b="1" i="1" smtClean="0">
-                                          <a:solidFill>
-                                            <a:schemeClr val="bg1"/>
-                                          </a:solidFill>
-                                          <a:latin typeface="Cambria Math" panose="02040503050406030204" pitchFamily="18" charset="0"/>
-                                        </a:rPr>
-                                        <m:t>𝟖𝟕𝟎</m:t>
-                                      </m:r>
-                                    </m:num>
-                                    <m:den>
-                                      <m:r>
-                                        <a:rPr lang="en-US" sz="2000" b="1" i="1" smtClean="0">
-                                          <a:solidFill>
-                                            <a:schemeClr val="bg1"/>
-                                          </a:solidFill>
-                                          <a:latin typeface="Cambria Math" panose="02040503050406030204" pitchFamily="18" charset="0"/>
-                                        </a:rPr>
-                                        <m:t>𝟖𝟎𝟎</m:t>
-                                      </m:r>
-                                    </m:den>
-                                  </m:f>
-                                </m:e>
-                              </m:d>
-                            </m:e>
-                            <m:sup>
-                              <m:r>
-                                <a:rPr lang="en-US" sz="2000" b="1" i="1" smtClean="0">
-                                  <a:solidFill>
-                                    <a:schemeClr val="bg1"/>
-                                  </a:solidFill>
-                                  <a:latin typeface="Cambria Math" panose="02040503050406030204" pitchFamily="18" charset="0"/>
-                                </a:rPr>
-                                <m:t>𝟏</m:t>
-                              </m:r>
-                              <m:r>
-                                <a:rPr lang="en-US" sz="2000" b="1" i="1" smtClean="0">
-                                  <a:solidFill>
-                                    <a:schemeClr val="bg1"/>
-                                  </a:solidFill>
-                                  <a:latin typeface="Cambria Math" panose="02040503050406030204" pitchFamily="18" charset="0"/>
-                                </a:rPr>
-                                <m:t>.</m:t>
-                              </m:r>
-                              <m:r>
-                                <a:rPr lang="en-US" sz="2000" b="1" i="1" smtClean="0">
-                                  <a:solidFill>
-                                    <a:schemeClr val="bg1"/>
-                                  </a:solidFill>
-                                  <a:latin typeface="Cambria Math" panose="02040503050406030204" pitchFamily="18" charset="0"/>
-                                </a:rPr>
-                                <m:t>𝟖𝟐</m:t>
-                              </m:r>
-                            </m:sup>
-                          </m:sSup>
-                        </m:num>
-                        <m:den>
-                          <m:sSup>
-                            <m:sSupPr>
-                              <m:ctrlPr>
-                                <a:rPr lang="en-US" sz="2000" b="1" i="1">
-                                  <a:solidFill>
-                                    <a:schemeClr val="bg1"/>
-                                  </a:solidFill>
-                                  <a:latin typeface="Cambria Math" panose="02040503050406030204" pitchFamily="18" charset="0"/>
-                                </a:rPr>
-                              </m:ctrlPr>
-                            </m:sSupPr>
-                            <m:e>
-                              <m:d>
-                                <m:dPr>
-                                  <m:ctrlPr>
-                                    <a:rPr lang="en-US" sz="2000" b="1" i="1">
-                                      <a:solidFill>
-                                        <a:schemeClr val="bg1"/>
-                                      </a:solidFill>
-                                      <a:latin typeface="Cambria Math" panose="02040503050406030204" pitchFamily="18" charset="0"/>
-                                    </a:rPr>
-                                  </m:ctrlPr>
-                                </m:dPr>
-                                <m:e>
-                                  <m:f>
-                                    <m:fPr>
-                                      <m:ctrlPr>
-                                        <a:rPr lang="en-US" sz="2000" b="1" i="1">
-                                          <a:solidFill>
-                                            <a:schemeClr val="bg1"/>
-                                          </a:solidFill>
-                                          <a:latin typeface="Cambria Math" panose="02040503050406030204" pitchFamily="18" charset="0"/>
-                                        </a:rPr>
-                                      </m:ctrlPr>
-                                    </m:fPr>
-                                    <m:num>
-                                      <m:r>
-                                        <a:rPr lang="en-US" sz="2000" b="1" i="1">
-                                          <a:solidFill>
-                                            <a:schemeClr val="bg1"/>
-                                          </a:solidFill>
-                                          <a:latin typeface="Cambria Math" panose="02040503050406030204" pitchFamily="18" charset="0"/>
-                                        </a:rPr>
-                                        <m:t>𝟖𝟕𝟎</m:t>
-                                      </m:r>
-                                    </m:num>
-                                    <m:den>
-                                      <m:r>
-                                        <a:rPr lang="en-US" sz="2000" b="1" i="1">
-                                          <a:solidFill>
-                                            <a:schemeClr val="bg1"/>
-                                          </a:solidFill>
-                                          <a:latin typeface="Cambria Math" panose="02040503050406030204" pitchFamily="18" charset="0"/>
-                                        </a:rPr>
-                                        <m:t>𝟖𝟎𝟎</m:t>
-                                      </m:r>
-                                    </m:den>
-                                  </m:f>
-                                </m:e>
-                              </m:d>
-                            </m:e>
-                            <m:sup>
-                              <m:r>
-                                <a:rPr lang="en-US" sz="2000" b="1" i="1" smtClean="0">
-                                  <a:solidFill>
-                                    <a:schemeClr val="bg1"/>
-                                  </a:solidFill>
-                                  <a:latin typeface="Cambria Math" panose="02040503050406030204" pitchFamily="18" charset="0"/>
-                                </a:rPr>
-                                <m:t>𝟏</m:t>
-                              </m:r>
-                              <m:r>
-                                <a:rPr lang="en-US" sz="2000" b="1" i="1" smtClean="0">
-                                  <a:solidFill>
-                                    <a:schemeClr val="bg1"/>
-                                  </a:solidFill>
-                                  <a:latin typeface="Cambria Math" panose="02040503050406030204" pitchFamily="18" charset="0"/>
-                                </a:rPr>
-                                <m:t>.</m:t>
-                              </m:r>
-                              <m:r>
-                                <a:rPr lang="en-US" sz="2000" b="1" i="1" smtClean="0">
-                                  <a:solidFill>
-                                    <a:schemeClr val="bg1"/>
-                                  </a:solidFill>
-                                  <a:latin typeface="Cambria Math" panose="02040503050406030204" pitchFamily="18" charset="0"/>
-                                </a:rPr>
-                                <m:t>𝟖𝟐</m:t>
-                              </m:r>
-                            </m:sup>
-                          </m:sSup>
-                          <m:r>
-                            <a:rPr lang="en-US" sz="2000" b="1" i="1" smtClean="0">
-                              <a:solidFill>
-                                <a:schemeClr val="bg1"/>
-                              </a:solidFill>
-                              <a:latin typeface="Cambria Math" panose="02040503050406030204" pitchFamily="18" charset="0"/>
-                            </a:rPr>
-                            <m:t>+</m:t>
-                          </m:r>
-                          <m:r>
-                            <a:rPr lang="en-US" sz="2000" b="1" i="1" smtClean="0">
-                              <a:solidFill>
-                                <a:schemeClr val="bg1"/>
-                              </a:solidFill>
-                              <a:latin typeface="Cambria Math" panose="02040503050406030204" pitchFamily="18" charset="0"/>
-                            </a:rPr>
-                            <m:t>𝟏</m:t>
-                          </m:r>
-                        </m:den>
-                      </m:f>
-                      <m:r>
-                        <a:rPr lang="en-US" sz="2000" b="1" i="0" smtClean="0">
-                          <a:solidFill>
-                            <a:schemeClr val="bg1"/>
-                          </a:solidFill>
-                          <a:latin typeface="Cambria Math" panose="02040503050406030204" pitchFamily="18" charset="0"/>
-                        </a:rPr>
-                        <m:t>=</m:t>
-                      </m:r>
-                      <m:r>
-                        <a:rPr lang="en-US" sz="2000" b="1" i="0" smtClean="0">
-                          <a:solidFill>
-                            <a:schemeClr val="bg1"/>
-                          </a:solidFill>
-                          <a:latin typeface="Cambria Math" panose="02040503050406030204" pitchFamily="18" charset="0"/>
-                        </a:rPr>
-                        <m:t>𝟎</m:t>
-                      </m:r>
-                      <m:r>
-                        <a:rPr lang="en-US" sz="2000" b="1" i="0" smtClean="0">
-                          <a:solidFill>
-                            <a:schemeClr val="bg1"/>
-                          </a:solidFill>
-                          <a:latin typeface="Cambria Math" panose="02040503050406030204" pitchFamily="18" charset="0"/>
-                        </a:rPr>
-                        <m:t>.</m:t>
-                      </m:r>
-                      <m:r>
-                        <a:rPr lang="en-US" sz="2000" b="1" i="0" smtClean="0">
-                          <a:solidFill>
-                            <a:schemeClr val="bg1"/>
-                          </a:solidFill>
-                          <a:latin typeface="Cambria Math" panose="02040503050406030204" pitchFamily="18" charset="0"/>
-                        </a:rPr>
-                        <m:t>𝟓𝟑𝟖</m:t>
-                      </m:r>
-                    </m:oMath>
-                  </m:oMathPara>
-                </a14:m>
-                <a:endParaRPr lang="en-US" sz="2000" b="1" dirty="0">
-                  <a:solidFill>
-                    <a:schemeClr val="bg1"/>
-                  </a:solidFill>
-                </a:endParaRPr>
-              </a:p>
-            </p:txBody>
-          </p:sp>
-        </mc:Choice>
-        <mc:Fallback>
-          <p:sp>
-            <p:nvSpPr>
-              <p:cNvPr id="15" name="TextBox 14">
-                <a:extLst>
-                  <a:ext uri="{FF2B5EF4-FFF2-40B4-BE49-F238E27FC236}">
-                    <a16:creationId xmlns:a16="http://schemas.microsoft.com/office/drawing/2014/main" id="{39AA2430-FAF9-4662-AADB-3CDCF0AD1206}"/>
-                  </a:ext>
-                </a:extLst>
-              </p:cNvPr>
-              <p:cNvSpPr txBox="1">
-                <a:spLocks noRot="1" noChangeAspect="1" noMove="1" noResize="1" noEditPoints="1" noAdjustHandles="1" noChangeArrowheads="1" noChangeShapeType="1" noTextEdit="1"/>
-              </p:cNvSpPr>
-              <p:nvPr/>
-            </p:nvSpPr>
-            <p:spPr>
-              <a:xfrm>
-                <a:off x="2850265" y="3779011"/>
-                <a:ext cx="5687006" cy="1362424"/>
-              </a:xfrm>
-              <a:prstGeom prst="rect">
-                <a:avLst/>
-              </a:prstGeom>
-              <a:blipFill>
-                <a:blip r:embed="rId4"/>
-                <a:stretch>
-                  <a:fillRect/>
-                </a:stretch>
-              </a:blipFill>
-            </p:spPr>
-            <p:txBody>
-              <a:bodyPr/>
-              <a:lstStyle/>
-              <a:p>
-                <a:r>
-                  <a:rPr lang="en-US">
-                    <a:noFill/>
-                  </a:rPr>
-                  <a:t> </a:t>
-                </a:r>
-              </a:p>
-            </p:txBody>
-          </p:sp>
-        </mc:Fallback>
-      </mc:AlternateContent>
-      <mc:AlternateContent xmlns:mc="http://schemas.openxmlformats.org/markup-compatibility/2006">
-        <mc:Choice xmlns:a14="http://schemas.microsoft.com/office/drawing/2010/main" Requires="a14">
-          <p:sp>
-            <p:nvSpPr>
-              <p:cNvPr id="19" name="TextBox 18">
-                <a:extLst>
-                  <a:ext uri="{FF2B5EF4-FFF2-40B4-BE49-F238E27FC236}">
-                    <a16:creationId xmlns:a16="http://schemas.microsoft.com/office/drawing/2014/main" id="{5493A59E-8DA5-49AF-B272-9878DABEFFE2}"/>
-                  </a:ext>
-                </a:extLst>
-              </p:cNvPr>
-              <p:cNvSpPr txBox="1"/>
-              <p:nvPr/>
-            </p:nvSpPr>
-            <p:spPr>
-              <a:xfrm>
-                <a:off x="2850265" y="5393863"/>
-                <a:ext cx="5687006" cy="1362424"/>
-              </a:xfrm>
-              <a:prstGeom prst="rect">
-                <a:avLst/>
-              </a:prstGeom>
-              <a:noFill/>
-            </p:spPr>
-            <p:txBody>
-              <a:bodyPr wrap="square" rtlCol="0">
-                <a:spAutoFit/>
-              </a:bodyPr>
-              <a:lstStyle/>
-              <a:p>
-                <a:pPr/>
-                <a14:m>
-                  <m:oMathPara xmlns:m="http://schemas.openxmlformats.org/officeDocument/2006/math">
-                    <m:oMathParaPr>
-                      <m:jc m:val="centerGroup"/>
-                    </m:oMathParaPr>
-                    <m:oMath xmlns:m="http://schemas.openxmlformats.org/officeDocument/2006/math">
-                      <m:r>
-                        <a:rPr lang="en-US" sz="2000" b="1" i="1" smtClean="0">
-                          <a:solidFill>
-                            <a:schemeClr val="bg1"/>
-                          </a:solidFill>
-                          <a:latin typeface="Cambria Math" panose="02040503050406030204" pitchFamily="18" charset="0"/>
-                        </a:rPr>
-                        <m:t>𝑾𝑷</m:t>
-                      </m:r>
-                      <m:r>
-                        <a:rPr lang="en-US" sz="2000" b="1" i="1" smtClean="0">
-                          <a:solidFill>
-                            <a:schemeClr val="bg1"/>
-                          </a:solidFill>
-                          <a:latin typeface="Cambria Math" panose="02040503050406030204" pitchFamily="18" charset="0"/>
-                          <a:ea typeface="Cambria Math" panose="02040503050406030204" pitchFamily="18" charset="0"/>
-                        </a:rPr>
-                        <m:t>≈</m:t>
-                      </m:r>
-                      <m:r>
-                        <a:rPr lang="en-US" sz="2000" b="1" i="1" smtClean="0">
-                          <a:solidFill>
-                            <a:schemeClr val="bg1"/>
-                          </a:solidFill>
-                          <a:latin typeface="Cambria Math" panose="02040503050406030204" pitchFamily="18" charset="0"/>
-                        </a:rPr>
-                        <m:t> </m:t>
-                      </m:r>
-                      <m:f>
-                        <m:fPr>
-                          <m:ctrlPr>
-                            <a:rPr lang="en-US" sz="2000" b="1" i="1" smtClean="0">
-                              <a:solidFill>
-                                <a:schemeClr val="bg1"/>
-                              </a:solidFill>
-                              <a:latin typeface="Cambria Math" panose="02040503050406030204" pitchFamily="18" charset="0"/>
-                            </a:rPr>
-                          </m:ctrlPr>
-                        </m:fPr>
-                        <m:num>
-                          <m:sSup>
-                            <m:sSupPr>
-                              <m:ctrlPr>
-                                <a:rPr lang="en-US" sz="2000" b="1" i="1" smtClean="0">
-                                  <a:solidFill>
-                                    <a:schemeClr val="bg1"/>
-                                  </a:solidFill>
-                                  <a:latin typeface="Cambria Math" panose="02040503050406030204" pitchFamily="18" charset="0"/>
-                                </a:rPr>
-                              </m:ctrlPr>
-                            </m:sSupPr>
-                            <m:e>
-                              <m:d>
-                                <m:dPr>
-                                  <m:ctrlPr>
-                                    <a:rPr lang="en-US" sz="2000" b="1" i="1" smtClean="0">
-                                      <a:solidFill>
-                                        <a:schemeClr val="bg1"/>
-                                      </a:solidFill>
-                                      <a:latin typeface="Cambria Math" panose="02040503050406030204" pitchFamily="18" charset="0"/>
-                                    </a:rPr>
-                                  </m:ctrlPr>
-                                </m:dPr>
-                                <m:e>
-                                  <m:f>
-                                    <m:fPr>
-                                      <m:ctrlPr>
-                                        <a:rPr lang="en-US" sz="2000" b="1" i="1" smtClean="0">
-                                          <a:solidFill>
-                                            <a:schemeClr val="bg1"/>
-                                          </a:solidFill>
-                                          <a:latin typeface="Cambria Math" panose="02040503050406030204" pitchFamily="18" charset="0"/>
-                                        </a:rPr>
-                                      </m:ctrlPr>
-                                    </m:fPr>
-                                    <m:num>
-                                      <m:r>
-                                        <a:rPr lang="en-US" sz="2000" b="1" i="1" smtClean="0">
-                                          <a:solidFill>
-                                            <a:schemeClr val="bg1"/>
-                                          </a:solidFill>
-                                          <a:latin typeface="Cambria Math" panose="02040503050406030204" pitchFamily="18" charset="0"/>
-                                        </a:rPr>
-                                        <m:t>𝟖𝟗𝟎</m:t>
-                                      </m:r>
-                                    </m:num>
-                                    <m:den>
-                                      <m:r>
-                                        <a:rPr lang="en-US" sz="2000" b="1" i="1" smtClean="0">
-                                          <a:solidFill>
-                                            <a:schemeClr val="bg1"/>
-                                          </a:solidFill>
-                                          <a:latin typeface="Cambria Math" panose="02040503050406030204" pitchFamily="18" charset="0"/>
-                                        </a:rPr>
-                                        <m:t>𝟖𝟎𝟎</m:t>
-                                      </m:r>
-                                    </m:den>
-                                  </m:f>
-                                </m:e>
-                              </m:d>
-                            </m:e>
-                            <m:sup>
-                              <m:r>
-                                <a:rPr lang="en-US" sz="2000" b="1" i="1" smtClean="0">
-                                  <a:solidFill>
-                                    <a:schemeClr val="bg1"/>
-                                  </a:solidFill>
-                                  <a:latin typeface="Cambria Math" panose="02040503050406030204" pitchFamily="18" charset="0"/>
-                                </a:rPr>
-                                <m:t>𝟏</m:t>
-                              </m:r>
-                              <m:r>
-                                <a:rPr lang="en-US" sz="2000" b="1" i="1" smtClean="0">
-                                  <a:solidFill>
-                                    <a:schemeClr val="bg1"/>
-                                  </a:solidFill>
-                                  <a:latin typeface="Cambria Math" panose="02040503050406030204" pitchFamily="18" charset="0"/>
-                                </a:rPr>
-                                <m:t>.</m:t>
-                              </m:r>
-                              <m:r>
-                                <a:rPr lang="en-US" sz="2000" b="1" i="1" smtClean="0">
-                                  <a:solidFill>
-                                    <a:schemeClr val="bg1"/>
-                                  </a:solidFill>
-                                  <a:latin typeface="Cambria Math" panose="02040503050406030204" pitchFamily="18" charset="0"/>
-                                </a:rPr>
-                                <m:t>𝟖𝟐</m:t>
-                              </m:r>
-                            </m:sup>
-                          </m:sSup>
-                        </m:num>
-                        <m:den>
-                          <m:sSup>
-                            <m:sSupPr>
-                              <m:ctrlPr>
-                                <a:rPr lang="en-US" sz="2000" b="1" i="1">
-                                  <a:solidFill>
-                                    <a:schemeClr val="bg1"/>
-                                  </a:solidFill>
-                                  <a:latin typeface="Cambria Math" panose="02040503050406030204" pitchFamily="18" charset="0"/>
-                                </a:rPr>
-                              </m:ctrlPr>
-                            </m:sSupPr>
-                            <m:e>
-                              <m:d>
-                                <m:dPr>
-                                  <m:ctrlPr>
-                                    <a:rPr lang="en-US" sz="2000" b="1" i="1">
-                                      <a:solidFill>
-                                        <a:schemeClr val="bg1"/>
-                                      </a:solidFill>
-                                      <a:latin typeface="Cambria Math" panose="02040503050406030204" pitchFamily="18" charset="0"/>
-                                    </a:rPr>
-                                  </m:ctrlPr>
-                                </m:dPr>
-                                <m:e>
-                                  <m:f>
-                                    <m:fPr>
-                                      <m:ctrlPr>
-                                        <a:rPr lang="en-US" sz="2000" b="1" i="1">
-                                          <a:solidFill>
-                                            <a:schemeClr val="bg1"/>
-                                          </a:solidFill>
-                                          <a:latin typeface="Cambria Math" panose="02040503050406030204" pitchFamily="18" charset="0"/>
-                                        </a:rPr>
-                                      </m:ctrlPr>
-                                    </m:fPr>
-                                    <m:num>
-                                      <m:r>
-                                        <a:rPr lang="en-US" sz="2000" b="1" i="1">
-                                          <a:solidFill>
-                                            <a:schemeClr val="bg1"/>
-                                          </a:solidFill>
-                                          <a:latin typeface="Cambria Math" panose="02040503050406030204" pitchFamily="18" charset="0"/>
-                                        </a:rPr>
-                                        <m:t>𝟖</m:t>
-                                      </m:r>
-                                      <m:r>
-                                        <a:rPr lang="en-US" sz="2000" b="1" i="1" smtClean="0">
-                                          <a:solidFill>
-                                            <a:schemeClr val="bg1"/>
-                                          </a:solidFill>
-                                          <a:latin typeface="Cambria Math" panose="02040503050406030204" pitchFamily="18" charset="0"/>
-                                        </a:rPr>
-                                        <m:t>𝟗</m:t>
-                                      </m:r>
-                                      <m:r>
-                                        <a:rPr lang="en-US" sz="2000" b="1" i="1">
-                                          <a:solidFill>
-                                            <a:schemeClr val="bg1"/>
-                                          </a:solidFill>
-                                          <a:latin typeface="Cambria Math" panose="02040503050406030204" pitchFamily="18" charset="0"/>
-                                        </a:rPr>
-                                        <m:t>𝟎</m:t>
-                                      </m:r>
-                                    </m:num>
-                                    <m:den>
-                                      <m:r>
-                                        <a:rPr lang="en-US" sz="2000" b="1" i="1">
-                                          <a:solidFill>
-                                            <a:schemeClr val="bg1"/>
-                                          </a:solidFill>
-                                          <a:latin typeface="Cambria Math" panose="02040503050406030204" pitchFamily="18" charset="0"/>
-                                        </a:rPr>
-                                        <m:t>𝟖𝟎𝟎</m:t>
-                                      </m:r>
-                                    </m:den>
-                                  </m:f>
-                                </m:e>
-                              </m:d>
-                            </m:e>
-                            <m:sup>
-                              <m:r>
-                                <a:rPr lang="en-US" sz="2000" b="1" i="1" smtClean="0">
-                                  <a:solidFill>
-                                    <a:schemeClr val="bg1"/>
-                                  </a:solidFill>
-                                  <a:latin typeface="Cambria Math" panose="02040503050406030204" pitchFamily="18" charset="0"/>
-                                </a:rPr>
-                                <m:t>𝟏</m:t>
-                              </m:r>
-                              <m:r>
-                                <a:rPr lang="en-US" sz="2000" b="1" i="1" smtClean="0">
-                                  <a:solidFill>
-                                    <a:schemeClr val="bg1"/>
-                                  </a:solidFill>
-                                  <a:latin typeface="Cambria Math" panose="02040503050406030204" pitchFamily="18" charset="0"/>
-                                </a:rPr>
-                                <m:t>.</m:t>
-                              </m:r>
-                              <m:r>
-                                <a:rPr lang="en-US" sz="2000" b="1" i="1" smtClean="0">
-                                  <a:solidFill>
-                                    <a:schemeClr val="bg1"/>
-                                  </a:solidFill>
-                                  <a:latin typeface="Cambria Math" panose="02040503050406030204" pitchFamily="18" charset="0"/>
-                                </a:rPr>
-                                <m:t>𝟖𝟐</m:t>
-                              </m:r>
-                            </m:sup>
-                          </m:sSup>
-                          <m:r>
-                            <a:rPr lang="en-US" sz="2000" b="1" i="1" smtClean="0">
-                              <a:solidFill>
-                                <a:schemeClr val="bg1"/>
-                              </a:solidFill>
-                              <a:latin typeface="Cambria Math" panose="02040503050406030204" pitchFamily="18" charset="0"/>
-                            </a:rPr>
-                            <m:t>+</m:t>
-                          </m:r>
-                          <m:r>
-                            <a:rPr lang="en-US" sz="2000" b="1" i="1" smtClean="0">
-                              <a:solidFill>
-                                <a:schemeClr val="bg1"/>
-                              </a:solidFill>
-                              <a:latin typeface="Cambria Math" panose="02040503050406030204" pitchFamily="18" charset="0"/>
-                            </a:rPr>
-                            <m:t>𝟏</m:t>
-                          </m:r>
-                        </m:den>
-                      </m:f>
-                      <m:r>
-                        <a:rPr lang="en-US" sz="2000" b="1" i="0" smtClean="0">
-                          <a:solidFill>
-                            <a:schemeClr val="bg1"/>
-                          </a:solidFill>
-                          <a:latin typeface="Cambria Math" panose="02040503050406030204" pitchFamily="18" charset="0"/>
-                        </a:rPr>
-                        <m:t>=</m:t>
-                      </m:r>
-                      <m:r>
-                        <a:rPr lang="en-US" sz="2000" b="1" i="0" smtClean="0">
-                          <a:solidFill>
-                            <a:schemeClr val="bg1"/>
-                          </a:solidFill>
-                          <a:latin typeface="Cambria Math" panose="02040503050406030204" pitchFamily="18" charset="0"/>
-                        </a:rPr>
-                        <m:t>𝟎</m:t>
-                      </m:r>
-                      <m:r>
-                        <a:rPr lang="en-US" sz="2000" b="1" i="0" smtClean="0">
-                          <a:solidFill>
-                            <a:schemeClr val="bg1"/>
-                          </a:solidFill>
-                          <a:latin typeface="Cambria Math" panose="02040503050406030204" pitchFamily="18" charset="0"/>
-                        </a:rPr>
-                        <m:t>.</m:t>
-                      </m:r>
-                      <m:r>
-                        <a:rPr lang="en-US" sz="2000" b="1" i="0" smtClean="0">
-                          <a:solidFill>
-                            <a:schemeClr val="bg1"/>
-                          </a:solidFill>
-                          <a:latin typeface="Cambria Math" panose="02040503050406030204" pitchFamily="18" charset="0"/>
-                        </a:rPr>
-                        <m:t>𝟓𝟒𝟖</m:t>
-                      </m:r>
-                    </m:oMath>
-                  </m:oMathPara>
-                </a14:m>
-                <a:endParaRPr lang="en-US" sz="2000" b="1" dirty="0">
-                  <a:solidFill>
-                    <a:schemeClr val="bg1"/>
-                  </a:solidFill>
-                </a:endParaRPr>
-              </a:p>
-            </p:txBody>
-          </p:sp>
-        </mc:Choice>
-        <mc:Fallback>
-          <p:sp>
-            <p:nvSpPr>
-              <p:cNvPr id="19" name="TextBox 18">
-                <a:extLst>
-                  <a:ext uri="{FF2B5EF4-FFF2-40B4-BE49-F238E27FC236}">
-                    <a16:creationId xmlns:a16="http://schemas.microsoft.com/office/drawing/2014/main" id="{5493A59E-8DA5-49AF-B272-9878DABEFFE2}"/>
-                  </a:ext>
-                </a:extLst>
-              </p:cNvPr>
-              <p:cNvSpPr txBox="1">
-                <a:spLocks noRot="1" noChangeAspect="1" noMove="1" noResize="1" noEditPoints="1" noAdjustHandles="1" noChangeArrowheads="1" noChangeShapeType="1" noTextEdit="1"/>
-              </p:cNvSpPr>
-              <p:nvPr/>
-            </p:nvSpPr>
-            <p:spPr>
-              <a:xfrm>
-                <a:off x="2850265" y="5393863"/>
-                <a:ext cx="5687006" cy="1362424"/>
-              </a:xfrm>
-              <a:prstGeom prst="rect">
-                <a:avLst/>
-              </a:prstGeom>
-              <a:blipFill>
-                <a:blip r:embed="rId5"/>
-                <a:stretch>
-                  <a:fillRect/>
-                </a:stretch>
-              </a:blipFill>
-            </p:spPr>
-            <p:txBody>
-              <a:bodyPr/>
-              <a:lstStyle/>
-              <a:p>
-                <a:r>
-                  <a:rPr lang="en-US">
-                    <a:noFill/>
-                  </a:rPr>
-                  <a:t> </a:t>
-                </a:r>
-              </a:p>
-            </p:txBody>
-          </p:sp>
-        </mc:Fallback>
-      </mc:AlternateContent>
-    </p:spTree>
-    <p:extLst>
-      <p:ext uri="{BB962C8B-B14F-4D97-AF65-F5344CB8AC3E}">
-        <p14:creationId xmlns:p14="http://schemas.microsoft.com/office/powerpoint/2010/main" val="2059618965"/>
-      </p:ext>
-    </p:extLst>
-  </p:cSld>
-  <p:clrMapOvr>
-    <a:masterClrMapping/>
-  </p:clrMapOvr>
-</p:sld>
-</file>
-
-<file path=ppt/slides/slide17.xml><?xml version="1.0" encoding="utf-8"?>
-<p:sld xmlns:a="http://schemas.openxmlformats.org/drawingml/2006/main" xmlns:r="http://schemas.openxmlformats.org/officeDocument/2006/relationships" xmlns:p="http://schemas.openxmlformats.org/presentationml/2006/main">
-  <p:cSld>
-    <p:bg>
-      <p:bgPr>
-        <a:solidFill>
           <a:srgbClr val="395583"/>
         </a:solidFill>
         <a:effectLst/>

--- a/Slides/Baseball 1/Baseball_1_Lecture.pptx
+++ b/Slides/Baseball 1/Baseball_1_Lecture.pptx
@@ -210,7 +210,7 @@
           <a:p>
             <a:fld id="{C04E5E84-956F-4423-97B3-5936A6D8EEEE}" type="datetimeFigureOut">
               <a:rPr lang="en-US" smtClean="0"/>
-              <a:t>9/5/2019</a:t>
+              <a:t>9/10/2019</a:t>
             </a:fld>
             <a:endParaRPr lang="en-US"/>
           </a:p>
@@ -708,7 +708,7 @@
           <a:p>
             <a:fld id="{3881C039-66A3-4640-815B-3B5A8B7D868D}" type="datetimeFigureOut">
               <a:rPr lang="en-US" smtClean="0"/>
-              <a:t>9/5/2019</a:t>
+              <a:t>9/10/2019</a:t>
             </a:fld>
             <a:endParaRPr lang="en-US"/>
           </a:p>
@@ -906,7 +906,7 @@
           <a:p>
             <a:fld id="{3881C039-66A3-4640-815B-3B5A8B7D868D}" type="datetimeFigureOut">
               <a:rPr lang="en-US" smtClean="0"/>
-              <a:t>9/5/2019</a:t>
+              <a:t>9/10/2019</a:t>
             </a:fld>
             <a:endParaRPr lang="en-US"/>
           </a:p>
@@ -1114,7 +1114,7 @@
           <a:p>
             <a:fld id="{3881C039-66A3-4640-815B-3B5A8B7D868D}" type="datetimeFigureOut">
               <a:rPr lang="en-US" smtClean="0"/>
-              <a:t>9/5/2019</a:t>
+              <a:t>9/10/2019</a:t>
             </a:fld>
             <a:endParaRPr lang="en-US"/>
           </a:p>
@@ -1312,7 +1312,7 @@
           <a:p>
             <a:fld id="{3881C039-66A3-4640-815B-3B5A8B7D868D}" type="datetimeFigureOut">
               <a:rPr lang="en-US" smtClean="0"/>
-              <a:t>9/5/2019</a:t>
+              <a:t>9/10/2019</a:t>
             </a:fld>
             <a:endParaRPr lang="en-US"/>
           </a:p>
@@ -1587,7 +1587,7 @@
           <a:p>
             <a:fld id="{3881C039-66A3-4640-815B-3B5A8B7D868D}" type="datetimeFigureOut">
               <a:rPr lang="en-US" smtClean="0"/>
-              <a:t>9/5/2019</a:t>
+              <a:t>9/10/2019</a:t>
             </a:fld>
             <a:endParaRPr lang="en-US"/>
           </a:p>
@@ -1852,7 +1852,7 @@
           <a:p>
             <a:fld id="{3881C039-66A3-4640-815B-3B5A8B7D868D}" type="datetimeFigureOut">
               <a:rPr lang="en-US" smtClean="0"/>
-              <a:t>9/5/2019</a:t>
+              <a:t>9/10/2019</a:t>
             </a:fld>
             <a:endParaRPr lang="en-US"/>
           </a:p>
@@ -2264,7 +2264,7 @@
           <a:p>
             <a:fld id="{3881C039-66A3-4640-815B-3B5A8B7D868D}" type="datetimeFigureOut">
               <a:rPr lang="en-US" smtClean="0"/>
-              <a:t>9/5/2019</a:t>
+              <a:t>9/10/2019</a:t>
             </a:fld>
             <a:endParaRPr lang="en-US"/>
           </a:p>
@@ -2405,7 +2405,7 @@
           <a:p>
             <a:fld id="{3881C039-66A3-4640-815B-3B5A8B7D868D}" type="datetimeFigureOut">
               <a:rPr lang="en-US" smtClean="0"/>
-              <a:t>9/5/2019</a:t>
+              <a:t>9/10/2019</a:t>
             </a:fld>
             <a:endParaRPr lang="en-US"/>
           </a:p>
@@ -2518,7 +2518,7 @@
           <a:p>
             <a:fld id="{3881C039-66A3-4640-815B-3B5A8B7D868D}" type="datetimeFigureOut">
               <a:rPr lang="en-US" smtClean="0"/>
-              <a:t>9/5/2019</a:t>
+              <a:t>9/10/2019</a:t>
             </a:fld>
             <a:endParaRPr lang="en-US"/>
           </a:p>
@@ -2829,7 +2829,7 @@
           <a:p>
             <a:fld id="{3881C039-66A3-4640-815B-3B5A8B7D868D}" type="datetimeFigureOut">
               <a:rPr lang="en-US" smtClean="0"/>
-              <a:t>9/5/2019</a:t>
+              <a:t>9/10/2019</a:t>
             </a:fld>
             <a:endParaRPr lang="en-US"/>
           </a:p>
@@ -3117,7 +3117,7 @@
           <a:p>
             <a:fld id="{3881C039-66A3-4640-815B-3B5A8B7D868D}" type="datetimeFigureOut">
               <a:rPr lang="en-US" smtClean="0"/>
-              <a:t>9/5/2019</a:t>
+              <a:t>9/10/2019</a:t>
             </a:fld>
             <a:endParaRPr lang="en-US"/>
           </a:p>
@@ -3361,7 +3361,7 @@
           <a:p>
             <a:fld id="{3881C039-66A3-4640-815B-3B5A8B7D868D}" type="datetimeFigureOut">
               <a:rPr lang="en-US" smtClean="0"/>
-              <a:t>9/5/2019</a:t>
+              <a:t>9/10/2019</a:t>
             </a:fld>
             <a:endParaRPr lang="en-US"/>
           </a:p>
@@ -6617,7 +6617,7 @@
         <p:spPr>
           <a:xfrm>
             <a:off x="3080083" y="1520792"/>
-            <a:ext cx="6497053" cy="3231654"/>
+            <a:ext cx="6497053" cy="2923877"/>
           </a:xfrm>
           <a:prstGeom prst="rect">
             <a:avLst/>
@@ -6735,49 +6735,13 @@
             </a:endParaRPr>
           </a:p>
           <a:p>
-            <a:pPr marL="800100" lvl="1" indent="-342900">
-              <a:buFont typeface="Arial" panose="020B0604020202020204" pitchFamily="34" charset="0"/>
-              <a:buChar char="•"/>
-            </a:pPr>
+            <a:pPr lvl="1"/>
             <a:endParaRPr lang="en-US" sz="2000" dirty="0">
               <a:solidFill>
                 <a:schemeClr val="bg1"/>
               </a:solidFill>
               <a:latin typeface="Selawik Semibold" panose="020B0702040204020203" pitchFamily="34" charset="0"/>
             </a:endParaRPr>
-          </a:p>
-          <a:p>
-            <a:pPr marL="800100" lvl="1" indent="-342900">
-              <a:buFont typeface="Arial" panose="020B0604020202020204" pitchFamily="34" charset="0"/>
-              <a:buChar char="•"/>
-            </a:pPr>
-            <a:r>
-              <a:rPr lang="en-US" sz="2000" dirty="0">
-                <a:solidFill>
-                  <a:schemeClr val="bg1"/>
-                </a:solidFill>
-                <a:latin typeface="Selawik Semibold" panose="020B0702040204020203" pitchFamily="34" charset="0"/>
-              </a:rPr>
-              <a:t>Omar </a:t>
-            </a:r>
-            <a:r>
-              <a:rPr lang="en-US" sz="2000" dirty="0" err="1">
-                <a:solidFill>
-                  <a:schemeClr val="bg1"/>
-                </a:solidFill>
-                <a:latin typeface="Selawik Semibold" panose="020B0702040204020203" pitchFamily="34" charset="0"/>
-              </a:rPr>
-              <a:t>Vizquel</a:t>
-            </a:r>
-            <a:r>
-              <a:rPr lang="en-US" sz="2000" dirty="0">
-                <a:solidFill>
-                  <a:schemeClr val="bg1"/>
-                </a:solidFill>
-                <a:latin typeface="Selawik Semibold" panose="020B0702040204020203" pitchFamily="34" charset="0"/>
-              </a:rPr>
-              <a:t> and Derek Jeter</a:t>
-            </a:r>
           </a:p>
         </p:txBody>
       </p:sp>
@@ -10051,7 +10015,7 @@
                 </a:solidFill>
                 <a:latin typeface="Selawik Semibold" panose="020B0702040204020203" pitchFamily="34" charset="0"/>
               </a:rPr>
-              <a:t>One of Time Magazines 100 Most Influential (2006</a:t>
+              <a:t>One of Time Magazines 100 Most Influential (2006)</a:t>
             </a:r>
           </a:p>
           <a:p>
